--- a/Data Analytics Bootcamp Project 1.pptx
+++ b/Data Analytics Bootcamp Project 1.pptx
@@ -5,23 +5,30 @@
     <p:sldMasterId id="2147483852" r:id="rId1"/>
   </p:sldMasterIdLst>
   <p:notesMasterIdLst>
-    <p:notesMasterId r:id="rId13"/>
+    <p:notesMasterId r:id="rId20"/>
   </p:notesMasterIdLst>
   <p:handoutMasterIdLst>
-    <p:handoutMasterId r:id="rId14"/>
+    <p:handoutMasterId r:id="rId21"/>
   </p:handoutMasterIdLst>
   <p:sldIdLst>
     <p:sldId id="274" r:id="rId2"/>
     <p:sldId id="259" r:id="rId3"/>
     <p:sldId id="275" r:id="rId4"/>
-    <p:sldId id="265" r:id="rId5"/>
-    <p:sldId id="267" r:id="rId6"/>
-    <p:sldId id="269" r:id="rId7"/>
-    <p:sldId id="277" r:id="rId8"/>
-    <p:sldId id="276" r:id="rId9"/>
-    <p:sldId id="278" r:id="rId10"/>
-    <p:sldId id="279" r:id="rId11"/>
-    <p:sldId id="281" r:id="rId12"/>
+    <p:sldId id="283" r:id="rId5"/>
+    <p:sldId id="265" r:id="rId6"/>
+    <p:sldId id="267" r:id="rId7"/>
+    <p:sldId id="269" r:id="rId8"/>
+    <p:sldId id="284" r:id="rId9"/>
+    <p:sldId id="287" r:id="rId10"/>
+    <p:sldId id="286" r:id="rId11"/>
+    <p:sldId id="288" r:id="rId12"/>
+    <p:sldId id="277" r:id="rId13"/>
+    <p:sldId id="276" r:id="rId14"/>
+    <p:sldId id="278" r:id="rId15"/>
+    <p:sldId id="279" r:id="rId16"/>
+    <p:sldId id="282" r:id="rId17"/>
+    <p:sldId id="281" r:id="rId18"/>
+    <p:sldId id="289" r:id="rId19"/>
   </p:sldIdLst>
   <p:sldSz cx="9144000" cy="6858000" type="screen4x3"/>
   <p:notesSz cx="6858000" cy="9144000"/>
@@ -736,7 +743,7 @@
             <a:fld id="{5C7C5C36-4539-42D9-B2DB-8C6888E19C6A}" type="slidenum">
               <a:rPr lang="en-US" smtClean="0"/>
               <a:pPr/>
-              <a:t>4</a:t>
+              <a:t>5</a:t>
             </a:fld>
             <a:endParaRPr lang="en-US"/>
           </a:p>
@@ -3904,10 +3911,9 @@
           </a:p>
           <a:p>
             <a:r>
-              <a:rPr lang="en-US"/>
+              <a:rPr lang="en-US" dirty="0"/>
               <a:t>Project 1</a:t>
             </a:r>
-            <a:endParaRPr lang="en-US" dirty="0"/>
           </a:p>
           <a:p>
             <a:r>
@@ -3966,8 +3972,8 @@
         </p:nvSpPr>
         <p:spPr>
           <a:xfrm rot="16200000">
-            <a:off x="6771639" y="3058161"/>
-            <a:ext cx="4043682" cy="365760"/>
+            <a:off x="6466839" y="2753361"/>
+            <a:ext cx="4653282" cy="365760"/>
           </a:xfrm>
           <a:prstGeom prst="rect">
             <a:avLst/>
@@ -4078,7 +4084,7 @@
                   <a:schemeClr val="bg1"/>
                 </a:solidFill>
               </a:rPr>
-              <a:t>The Effect of Demographics on Violent crime Rates n the US</a:t>
+              <a:t>The Relationship Between Demographics &amp; Violent crime in the US</a:t>
             </a:r>
           </a:p>
           <a:p>
@@ -4199,7 +4205,7 @@
         </p:nvSpPr>
         <p:spPr>
           <a:xfrm>
-            <a:off x="457200" y="533400"/>
+            <a:off x="457200" y="914400"/>
             <a:ext cx="7543800" cy="2209800"/>
           </a:xfrm>
         </p:spPr>
@@ -4213,7 +4219,7 @@
                   <a:schemeClr val="bg1"/>
                 </a:solidFill>
               </a:rPr>
-              <a:t>The Effect of Demographics on Violent Crime Rates in the US</a:t>
+              <a:t>The Relationship Between Demographics &amp; Violent Crime in the US</a:t>
             </a:r>
           </a:p>
         </p:txBody>
@@ -4234,7 +4240,7 @@
         </p:nvSpPr>
         <p:spPr>
           <a:xfrm>
-            <a:off x="422189" y="533400"/>
+            <a:off x="457200" y="860426"/>
             <a:ext cx="7543800" cy="2209800"/>
           </a:xfrm>
           <a:prstGeom prst="rect">
@@ -4268,7 +4274,7 @@
           <a:p>
             <a:r>
               <a:rPr lang="en-US" sz="4800" dirty="0"/>
-              <a:t>The Effect of Demographics on Violent Crime Rates in the US</a:t>
+              <a:t>The Relationship Between Demographics &amp; Violent Crime in the US</a:t>
             </a:r>
           </a:p>
         </p:txBody>
@@ -4329,10 +4335,10 @@
       </p:sp>
       <p:sp>
         <p:nvSpPr>
-          <p:cNvPr id="7" name="Footer Placeholder 3">
+          <p:cNvPr id="6" name="Footer Placeholder 3">
             <a:extLst>
               <a:ext uri="{FF2B5EF4-FFF2-40B4-BE49-F238E27FC236}">
-                <a16:creationId xmlns:a16="http://schemas.microsoft.com/office/drawing/2014/main" id="{79952150-7520-45F1-BC23-A4793D31B73F}"/>
+                <a16:creationId xmlns:a16="http://schemas.microsoft.com/office/drawing/2014/main" id="{48997D64-D687-4C64-BEF4-2346D4C6889D}"/>
               </a:ext>
             </a:extLst>
           </p:cNvPr>
@@ -4343,8 +4349,8 @@
         </p:nvSpPr>
         <p:spPr>
           <a:xfrm rot="16200000">
-            <a:off x="6771639" y="3058161"/>
-            <a:ext cx="4043682" cy="365760"/>
+            <a:off x="6466839" y="2753361"/>
+            <a:ext cx="4653282" cy="365760"/>
           </a:xfrm>
           <a:prstGeom prst="rect">
             <a:avLst/>
@@ -4455,7 +4461,7 @@
                   <a:schemeClr val="bg1"/>
                 </a:solidFill>
               </a:rPr>
-              <a:t>The Effect of Demographics on Violent crime Rates n the US</a:t>
+              <a:t>The Relationship Between Demographics &amp; Violent crime in the US</a:t>
             </a:r>
           </a:p>
           <a:p>
@@ -4505,10 +4511,10 @@
       </p:sp>
       <p:pic>
         <p:nvPicPr>
-          <p:cNvPr id="19" name="Picture 18">
+          <p:cNvPr id="9" name="Picture 8">
             <a:extLst>
               <a:ext uri="{FF2B5EF4-FFF2-40B4-BE49-F238E27FC236}">
-                <a16:creationId xmlns:a16="http://schemas.microsoft.com/office/drawing/2014/main" id="{1B569852-C852-445D-92FE-343C1F9E3036}"/>
+                <a16:creationId xmlns:a16="http://schemas.microsoft.com/office/drawing/2014/main" id="{055C4A62-8ABC-4EE0-8FA7-1D85768ED044}"/>
               </a:ext>
             </a:extLst>
           </p:cNvPr>
@@ -4531,8 +4537,8 @@
         </p:blipFill>
         <p:spPr>
           <a:xfrm>
-            <a:off x="3466972" y="2316099"/>
-            <a:ext cx="4991357" cy="749339"/>
+            <a:off x="4018842" y="4124245"/>
+            <a:ext cx="4200872" cy="2100436"/>
           </a:xfrm>
           <a:prstGeom prst="rect">
             <a:avLst/>
@@ -4541,10 +4547,10 @@
       </p:pic>
       <p:pic>
         <p:nvPicPr>
-          <p:cNvPr id="29" name="Picture 28">
+          <p:cNvPr id="19" name="Picture 18">
             <a:extLst>
               <a:ext uri="{FF2B5EF4-FFF2-40B4-BE49-F238E27FC236}">
-                <a16:creationId xmlns:a16="http://schemas.microsoft.com/office/drawing/2014/main" id="{30DE71FB-E2AA-48EC-A33D-87EC93DD1C92}"/>
+                <a16:creationId xmlns:a16="http://schemas.microsoft.com/office/drawing/2014/main" id="{FF58D4B7-13F1-47DD-A8FF-503E7FDD4D22}"/>
               </a:ext>
             </a:extLst>
           </p:cNvPr>
@@ -4567,8 +4573,8 @@
         </p:blipFill>
         <p:spPr>
           <a:xfrm>
-            <a:off x="3771789" y="3457575"/>
-            <a:ext cx="4667490" cy="704886"/>
+            <a:off x="3844997" y="1856365"/>
+            <a:ext cx="3719169" cy="1859585"/>
           </a:xfrm>
           <a:prstGeom prst="rect">
             <a:avLst/>
@@ -4577,10 +4583,10 @@
       </p:pic>
       <p:pic>
         <p:nvPicPr>
-          <p:cNvPr id="37" name="Picture 36">
+          <p:cNvPr id="22" name="Picture 21">
             <a:extLst>
               <a:ext uri="{FF2B5EF4-FFF2-40B4-BE49-F238E27FC236}">
-                <a16:creationId xmlns:a16="http://schemas.microsoft.com/office/drawing/2014/main" id="{CA6C2AC9-5A22-4A7C-9CDB-95D189A682AA}"/>
+                <a16:creationId xmlns:a16="http://schemas.microsoft.com/office/drawing/2014/main" id="{73EC3AD1-9E21-4FFB-AFEB-A0D69227D961}"/>
               </a:ext>
             </a:extLst>
           </p:cNvPr>
@@ -4603,20 +4609,56 @@
         </p:blipFill>
         <p:spPr>
           <a:xfrm>
-            <a:off x="3841643" y="4523602"/>
-            <a:ext cx="4597636" cy="698536"/>
+            <a:off x="100728" y="4086168"/>
+            <a:ext cx="4200872" cy="2100436"/>
           </a:xfrm>
           <a:prstGeom prst="rect">
             <a:avLst/>
           </a:prstGeom>
         </p:spPr>
       </p:pic>
-      <p:sp>
-        <p:nvSpPr>
-          <p:cNvPr id="28" name="Title 1">
+      <p:pic>
+        <p:nvPicPr>
+          <p:cNvPr id="23" name="Picture 22">
             <a:extLst>
               <a:ext uri="{FF2B5EF4-FFF2-40B4-BE49-F238E27FC236}">
-                <a16:creationId xmlns:a16="http://schemas.microsoft.com/office/drawing/2014/main" id="{7F66050C-CB4F-4765-A97B-1FDE20FD75C2}"/>
+                <a16:creationId xmlns:a16="http://schemas.microsoft.com/office/drawing/2014/main" id="{6693D4E2-DEA1-4434-B926-D91AE055B2D8}"/>
+              </a:ext>
+            </a:extLst>
+          </p:cNvPr>
+          <p:cNvPicPr>
+            <a:picLocks noChangeAspect="1"/>
+          </p:cNvPicPr>
+          <p:nvPr/>
+        </p:nvPicPr>
+        <p:blipFill>
+          <a:blip r:embed="rId5">
+            <a:extLst>
+              <a:ext uri="{28A0092B-C50C-407E-A947-70E740481C1C}">
+                <a14:useLocalDpi xmlns:a14="http://schemas.microsoft.com/office/drawing/2010/main" val="0"/>
+              </a:ext>
+            </a:extLst>
+          </a:blip>
+          <a:stretch>
+            <a:fillRect/>
+          </a:stretch>
+        </p:blipFill>
+        <p:spPr>
+          <a:xfrm>
+            <a:off x="493353" y="1850167"/>
+            <a:ext cx="3719169" cy="1859585"/>
+          </a:xfrm>
+          <a:prstGeom prst="rect">
+            <a:avLst/>
+          </a:prstGeom>
+        </p:spPr>
+      </p:pic>
+      <p:sp>
+        <p:nvSpPr>
+          <p:cNvPr id="26" name="Title 1">
+            <a:extLst>
+              <a:ext uri="{FF2B5EF4-FFF2-40B4-BE49-F238E27FC236}">
+                <a16:creationId xmlns:a16="http://schemas.microsoft.com/office/drawing/2014/main" id="{380BFCC0-1628-47B0-99E2-D29495FBC5B7}"/>
               </a:ext>
             </a:extLst>
           </p:cNvPr>
@@ -4640,15 +4682,543 @@
             <a:pPr algn="ctr"/>
             <a:r>
               <a:rPr lang="en-US" sz="3200" dirty="0"/>
-              <a:t>Observations: Education Level, School Enrollment</a:t>
-            </a:r>
+              <a:t>Analysis: School Enrollment, Education Level</a:t>
+            </a:r>
+          </a:p>
+        </p:txBody>
+      </p:sp>
+      <p:sp>
+        <p:nvSpPr>
+          <p:cNvPr id="27" name="Content Placeholder 2">
+            <a:extLst>
+              <a:ext uri="{FF2B5EF4-FFF2-40B4-BE49-F238E27FC236}">
+                <a16:creationId xmlns:a16="http://schemas.microsoft.com/office/drawing/2014/main" id="{8E1BBA51-E20B-4F37-89A1-16604A7DCC64}"/>
+              </a:ext>
+            </a:extLst>
+          </p:cNvPr>
+          <p:cNvSpPr>
+            <a:spLocks noGrp="1"/>
+          </p:cNvSpPr>
+          <p:nvPr>
+            <p:ph idx="1"/>
+          </p:nvPr>
+        </p:nvSpPr>
+        <p:spPr>
+          <a:xfrm>
+            <a:off x="0" y="675822"/>
+            <a:ext cx="8113885" cy="1104495"/>
+          </a:xfrm>
+        </p:spPr>
+        <p:txBody>
+          <a:bodyPr>
+            <a:normAutofit fontScale="92500" lnSpcReduction="20000"/>
+          </a:bodyPr>
+          <a:lstStyle/>
+          <a:p>
+            <a:pPr marL="411480" lvl="1" indent="0">
+              <a:buNone/>
+            </a:pPr>
+            <a:r>
+              <a:rPr lang="en-US" dirty="0"/>
+              <a:t>We created stacked bar charts of School Enrollment and Education Level demographics for the Low Violent Crime Rate locations and the High Violent Crime Rate locations to see whether we observed any obvious trends or differences that might influence our inquiry.</a:t>
+            </a:r>
+          </a:p>
+          <a:p>
+            <a:pPr lvl="1"/>
+            <a:endParaRPr lang="en-US" dirty="0"/>
+          </a:p>
+          <a:p>
+            <a:pPr marL="411480" lvl="1" indent="0">
+              <a:buNone/>
+            </a:pPr>
+            <a:endParaRPr lang="en-US" dirty="0"/>
+          </a:p>
+          <a:p>
+            <a:pPr marL="411480" lvl="1" indent="0">
+              <a:buNone/>
+            </a:pPr>
+            <a:endParaRPr lang="en-US" dirty="0"/>
+          </a:p>
+          <a:p>
+            <a:pPr marL="411480" lvl="1" indent="0">
+              <a:buNone/>
+            </a:pPr>
+            <a:endParaRPr lang="en-US" dirty="0"/>
+          </a:p>
+          <a:p>
+            <a:pPr marL="411480" lvl="1" indent="0">
+              <a:buNone/>
+            </a:pPr>
+            <a:endParaRPr lang="en-US" dirty="0"/>
+          </a:p>
+        </p:txBody>
+      </p:sp>
+      <p:sp>
+        <p:nvSpPr>
+          <p:cNvPr id="29" name="Content Placeholder 2">
+            <a:extLst>
+              <a:ext uri="{FF2B5EF4-FFF2-40B4-BE49-F238E27FC236}">
+                <a16:creationId xmlns:a16="http://schemas.microsoft.com/office/drawing/2014/main" id="{FFAC458A-7B61-4F0F-AEC0-04B690C0BEBD}"/>
+              </a:ext>
+            </a:extLst>
+          </p:cNvPr>
+          <p:cNvSpPr txBox="1">
+            <a:spLocks/>
+          </p:cNvSpPr>
+          <p:nvPr/>
+        </p:nvSpPr>
+        <p:spPr>
+          <a:xfrm>
+            <a:off x="216116" y="3774457"/>
+            <a:ext cx="7732885" cy="330761"/>
+          </a:xfrm>
+          <a:prstGeom prst="rect">
+            <a:avLst/>
+          </a:prstGeom>
+        </p:spPr>
+        <p:txBody>
+          <a:bodyPr vert="horz" lIns="91440" tIns="45720" rIns="91440" bIns="45720" rtlCol="0">
+            <a:normAutofit fontScale="85000" lnSpcReduction="10000"/>
+          </a:bodyPr>
+          <a:lstStyle>
+            <a:lvl1pPr marL="342900" indent="-228600" algn="l" defTabSz="914400" rtl="0" eaLnBrk="1" latinLnBrk="0" hangingPunct="1">
+              <a:spcBef>
+                <a:spcPct val="20000"/>
+              </a:spcBef>
+              <a:buClr>
+                <a:schemeClr val="accent1"/>
+              </a:buClr>
+              <a:buFont typeface="Arial" pitchFamily="34" charset="0"/>
+              <a:buChar char="•"/>
+              <a:defRPr sz="2200" kern="1200">
+                <a:solidFill>
+                  <a:schemeClr val="tx1"/>
+                </a:solidFill>
+                <a:latin typeface="+mn-lt"/>
+                <a:ea typeface="+mn-ea"/>
+                <a:cs typeface="+mn-cs"/>
+              </a:defRPr>
+            </a:lvl1pPr>
+            <a:lvl2pPr marL="640080" indent="-228600" algn="l" defTabSz="914400" rtl="0" eaLnBrk="1" latinLnBrk="0" hangingPunct="1">
+              <a:spcBef>
+                <a:spcPct val="20000"/>
+              </a:spcBef>
+              <a:buClr>
+                <a:schemeClr val="accent2"/>
+              </a:buClr>
+              <a:buFont typeface="Arial" pitchFamily="34" charset="0"/>
+              <a:buChar char="•"/>
+              <a:defRPr sz="2000" kern="1200">
+                <a:solidFill>
+                  <a:schemeClr val="tx1"/>
+                </a:solidFill>
+                <a:latin typeface="+mn-lt"/>
+                <a:ea typeface="+mn-ea"/>
+                <a:cs typeface="+mn-cs"/>
+              </a:defRPr>
+            </a:lvl2pPr>
+            <a:lvl3pPr marL="1005840" indent="-228600" algn="l" defTabSz="914400" rtl="0" eaLnBrk="1" latinLnBrk="0" hangingPunct="1">
+              <a:spcBef>
+                <a:spcPct val="20000"/>
+              </a:spcBef>
+              <a:buClr>
+                <a:schemeClr val="accent3"/>
+              </a:buClr>
+              <a:buFont typeface="Arial" pitchFamily="34" charset="0"/>
+              <a:buChar char="•"/>
+              <a:defRPr sz="1800" kern="1200">
+                <a:solidFill>
+                  <a:schemeClr val="tx1"/>
+                </a:solidFill>
+                <a:latin typeface="+mn-lt"/>
+                <a:ea typeface="+mn-ea"/>
+                <a:cs typeface="+mn-cs"/>
+              </a:defRPr>
+            </a:lvl3pPr>
+            <a:lvl4pPr marL="1280160" indent="-228600" algn="l" defTabSz="914400" rtl="0" eaLnBrk="1" latinLnBrk="0" hangingPunct="1">
+              <a:spcBef>
+                <a:spcPct val="20000"/>
+              </a:spcBef>
+              <a:buClr>
+                <a:schemeClr val="accent4"/>
+              </a:buClr>
+              <a:buFont typeface="Arial" pitchFamily="34" charset="0"/>
+              <a:buChar char="•"/>
+              <a:defRPr sz="1600" kern="1200">
+                <a:solidFill>
+                  <a:schemeClr val="tx1"/>
+                </a:solidFill>
+                <a:latin typeface="+mn-lt"/>
+                <a:ea typeface="+mn-ea"/>
+                <a:cs typeface="+mn-cs"/>
+              </a:defRPr>
+            </a:lvl4pPr>
+            <a:lvl5pPr marL="1554480" indent="-228600" algn="l" defTabSz="914400" rtl="0" eaLnBrk="1" latinLnBrk="0" hangingPunct="1">
+              <a:spcBef>
+                <a:spcPct val="20000"/>
+              </a:spcBef>
+              <a:buClr>
+                <a:schemeClr val="accent5"/>
+              </a:buClr>
+              <a:buFont typeface="Arial" pitchFamily="34" charset="0"/>
+              <a:buChar char="•"/>
+              <a:defRPr sz="1400" kern="1200" baseline="0">
+                <a:solidFill>
+                  <a:schemeClr val="tx1"/>
+                </a:solidFill>
+                <a:latin typeface="+mn-lt"/>
+                <a:ea typeface="+mn-ea"/>
+                <a:cs typeface="+mn-cs"/>
+              </a:defRPr>
+            </a:lvl5pPr>
+            <a:lvl6pPr marL="1737360" indent="-182880" algn="l" defTabSz="914400" rtl="0" eaLnBrk="1" latinLnBrk="0" hangingPunct="1">
+              <a:spcBef>
+                <a:spcPct val="20000"/>
+              </a:spcBef>
+              <a:buClr>
+                <a:schemeClr val="accent1"/>
+              </a:buClr>
+              <a:buFont typeface="Arial" pitchFamily="34" charset="0"/>
+              <a:buChar char="•"/>
+              <a:defRPr sz="1400" kern="1200" baseline="0">
+                <a:solidFill>
+                  <a:schemeClr val="tx1"/>
+                </a:solidFill>
+                <a:latin typeface="+mn-lt"/>
+                <a:ea typeface="+mn-ea"/>
+                <a:cs typeface="+mn-cs"/>
+              </a:defRPr>
+            </a:lvl6pPr>
+            <a:lvl7pPr marL="1920240" indent="-182880" algn="l" defTabSz="914400" rtl="0" eaLnBrk="1" latinLnBrk="0" hangingPunct="1">
+              <a:spcBef>
+                <a:spcPct val="20000"/>
+              </a:spcBef>
+              <a:buClr>
+                <a:schemeClr val="accent2"/>
+              </a:buClr>
+              <a:buFont typeface="Arial" pitchFamily="34" charset="0"/>
+              <a:buChar char="•"/>
+              <a:defRPr sz="1400" kern="1200">
+                <a:solidFill>
+                  <a:schemeClr val="tx1"/>
+                </a:solidFill>
+                <a:latin typeface="+mn-lt"/>
+                <a:ea typeface="+mn-ea"/>
+                <a:cs typeface="+mn-cs"/>
+              </a:defRPr>
+            </a:lvl7pPr>
+            <a:lvl8pPr marL="2103120" indent="-182880" algn="l" defTabSz="914400" rtl="0" eaLnBrk="1" latinLnBrk="0" hangingPunct="1">
+              <a:spcBef>
+                <a:spcPct val="20000"/>
+              </a:spcBef>
+              <a:buClr>
+                <a:schemeClr val="accent3"/>
+              </a:buClr>
+              <a:buFont typeface="Arial" pitchFamily="34" charset="0"/>
+              <a:buChar char="•"/>
+              <a:defRPr sz="1400" kern="1200">
+                <a:solidFill>
+                  <a:schemeClr val="tx1"/>
+                </a:solidFill>
+                <a:latin typeface="+mn-lt"/>
+                <a:ea typeface="+mn-ea"/>
+                <a:cs typeface="+mn-cs"/>
+              </a:defRPr>
+            </a:lvl8pPr>
+            <a:lvl9pPr marL="2286000" indent="-182880" algn="l" defTabSz="914400" rtl="0" eaLnBrk="1" latinLnBrk="0" hangingPunct="1">
+              <a:spcBef>
+                <a:spcPct val="20000"/>
+              </a:spcBef>
+              <a:buClr>
+                <a:schemeClr val="accent4"/>
+              </a:buClr>
+              <a:buFont typeface="Arial" pitchFamily="34" charset="0"/>
+              <a:buChar char="•"/>
+              <a:defRPr sz="1400" kern="1200">
+                <a:solidFill>
+                  <a:schemeClr val="tx1"/>
+                </a:solidFill>
+                <a:latin typeface="+mn-lt"/>
+                <a:ea typeface="+mn-ea"/>
+                <a:cs typeface="+mn-cs"/>
+              </a:defRPr>
+            </a:lvl9pPr>
+          </a:lstStyle>
+          <a:p>
+            <a:pPr marL="411480" lvl="1" indent="0">
+              <a:buFont typeface="Arial" pitchFamily="34" charset="0"/>
+              <a:buNone/>
+            </a:pPr>
+            <a:r>
+              <a:rPr lang="en-US" sz="1800" dirty="0"/>
+              <a:t>(low violent crime)                         School Enrollment                    (high violent crime)</a:t>
+            </a:r>
+          </a:p>
+          <a:p>
+            <a:pPr marL="411480" lvl="1" indent="0">
+              <a:buFont typeface="Arial" pitchFamily="34" charset="0"/>
+              <a:buNone/>
+            </a:pPr>
+            <a:endParaRPr lang="en-US" sz="1800" dirty="0"/>
+          </a:p>
+          <a:p>
+            <a:pPr marL="411480" lvl="1" indent="0">
+              <a:buFont typeface="Arial" pitchFamily="34" charset="0"/>
+              <a:buNone/>
+            </a:pPr>
+            <a:endParaRPr lang="en-US" dirty="0"/>
+          </a:p>
+          <a:p>
+            <a:pPr marL="411480" lvl="1" indent="0">
+              <a:buFont typeface="Arial" pitchFamily="34" charset="0"/>
+              <a:buNone/>
+            </a:pPr>
+            <a:endParaRPr lang="en-US" dirty="0"/>
+          </a:p>
+          <a:p>
+            <a:pPr marL="411480" lvl="1" indent="0">
+              <a:buFont typeface="Arial" pitchFamily="34" charset="0"/>
+              <a:buNone/>
+            </a:pPr>
+            <a:endParaRPr lang="en-US" dirty="0"/>
+          </a:p>
+        </p:txBody>
+      </p:sp>
+      <p:sp>
+        <p:nvSpPr>
+          <p:cNvPr id="30" name="Content Placeholder 2">
+            <a:extLst>
+              <a:ext uri="{FF2B5EF4-FFF2-40B4-BE49-F238E27FC236}">
+                <a16:creationId xmlns:a16="http://schemas.microsoft.com/office/drawing/2014/main" id="{74191241-2F3D-463C-8D3E-4F3B8C990033}"/>
+              </a:ext>
+            </a:extLst>
+          </p:cNvPr>
+          <p:cNvSpPr txBox="1">
+            <a:spLocks/>
+          </p:cNvSpPr>
+          <p:nvPr/>
+        </p:nvSpPr>
+        <p:spPr>
+          <a:xfrm>
+            <a:off x="360276" y="6324083"/>
+            <a:ext cx="7732885" cy="305318"/>
+          </a:xfrm>
+          <a:prstGeom prst="rect">
+            <a:avLst/>
+          </a:prstGeom>
+        </p:spPr>
+        <p:txBody>
+          <a:bodyPr vert="horz" lIns="91440" tIns="45720" rIns="91440" bIns="45720" rtlCol="0">
+            <a:normAutofit fontScale="92500" lnSpcReduction="10000"/>
+          </a:bodyPr>
+          <a:lstStyle>
+            <a:lvl1pPr marL="342900" indent="-228600" algn="l" defTabSz="914400" rtl="0" eaLnBrk="1" latinLnBrk="0" hangingPunct="1">
+              <a:spcBef>
+                <a:spcPct val="20000"/>
+              </a:spcBef>
+              <a:buClr>
+                <a:schemeClr val="accent1"/>
+              </a:buClr>
+              <a:buFont typeface="Arial" pitchFamily="34" charset="0"/>
+              <a:buChar char="•"/>
+              <a:defRPr sz="2200" kern="1200">
+                <a:solidFill>
+                  <a:schemeClr val="tx1"/>
+                </a:solidFill>
+                <a:latin typeface="+mn-lt"/>
+                <a:ea typeface="+mn-ea"/>
+                <a:cs typeface="+mn-cs"/>
+              </a:defRPr>
+            </a:lvl1pPr>
+            <a:lvl2pPr marL="640080" indent="-228600" algn="l" defTabSz="914400" rtl="0" eaLnBrk="1" latinLnBrk="0" hangingPunct="1">
+              <a:spcBef>
+                <a:spcPct val="20000"/>
+              </a:spcBef>
+              <a:buClr>
+                <a:schemeClr val="accent2"/>
+              </a:buClr>
+              <a:buFont typeface="Arial" pitchFamily="34" charset="0"/>
+              <a:buChar char="•"/>
+              <a:defRPr sz="2000" kern="1200">
+                <a:solidFill>
+                  <a:schemeClr val="tx1"/>
+                </a:solidFill>
+                <a:latin typeface="+mn-lt"/>
+                <a:ea typeface="+mn-ea"/>
+                <a:cs typeface="+mn-cs"/>
+              </a:defRPr>
+            </a:lvl2pPr>
+            <a:lvl3pPr marL="1005840" indent="-228600" algn="l" defTabSz="914400" rtl="0" eaLnBrk="1" latinLnBrk="0" hangingPunct="1">
+              <a:spcBef>
+                <a:spcPct val="20000"/>
+              </a:spcBef>
+              <a:buClr>
+                <a:schemeClr val="accent3"/>
+              </a:buClr>
+              <a:buFont typeface="Arial" pitchFamily="34" charset="0"/>
+              <a:buChar char="•"/>
+              <a:defRPr sz="1800" kern="1200">
+                <a:solidFill>
+                  <a:schemeClr val="tx1"/>
+                </a:solidFill>
+                <a:latin typeface="+mn-lt"/>
+                <a:ea typeface="+mn-ea"/>
+                <a:cs typeface="+mn-cs"/>
+              </a:defRPr>
+            </a:lvl3pPr>
+            <a:lvl4pPr marL="1280160" indent="-228600" algn="l" defTabSz="914400" rtl="0" eaLnBrk="1" latinLnBrk="0" hangingPunct="1">
+              <a:spcBef>
+                <a:spcPct val="20000"/>
+              </a:spcBef>
+              <a:buClr>
+                <a:schemeClr val="accent4"/>
+              </a:buClr>
+              <a:buFont typeface="Arial" pitchFamily="34" charset="0"/>
+              <a:buChar char="•"/>
+              <a:defRPr sz="1600" kern="1200">
+                <a:solidFill>
+                  <a:schemeClr val="tx1"/>
+                </a:solidFill>
+                <a:latin typeface="+mn-lt"/>
+                <a:ea typeface="+mn-ea"/>
+                <a:cs typeface="+mn-cs"/>
+              </a:defRPr>
+            </a:lvl4pPr>
+            <a:lvl5pPr marL="1554480" indent="-228600" algn="l" defTabSz="914400" rtl="0" eaLnBrk="1" latinLnBrk="0" hangingPunct="1">
+              <a:spcBef>
+                <a:spcPct val="20000"/>
+              </a:spcBef>
+              <a:buClr>
+                <a:schemeClr val="accent5"/>
+              </a:buClr>
+              <a:buFont typeface="Arial" pitchFamily="34" charset="0"/>
+              <a:buChar char="•"/>
+              <a:defRPr sz="1400" kern="1200" baseline="0">
+                <a:solidFill>
+                  <a:schemeClr val="tx1"/>
+                </a:solidFill>
+                <a:latin typeface="+mn-lt"/>
+                <a:ea typeface="+mn-ea"/>
+                <a:cs typeface="+mn-cs"/>
+              </a:defRPr>
+            </a:lvl5pPr>
+            <a:lvl6pPr marL="1737360" indent="-182880" algn="l" defTabSz="914400" rtl="0" eaLnBrk="1" latinLnBrk="0" hangingPunct="1">
+              <a:spcBef>
+                <a:spcPct val="20000"/>
+              </a:spcBef>
+              <a:buClr>
+                <a:schemeClr val="accent1"/>
+              </a:buClr>
+              <a:buFont typeface="Arial" pitchFamily="34" charset="0"/>
+              <a:buChar char="•"/>
+              <a:defRPr sz="1400" kern="1200" baseline="0">
+                <a:solidFill>
+                  <a:schemeClr val="tx1"/>
+                </a:solidFill>
+                <a:latin typeface="+mn-lt"/>
+                <a:ea typeface="+mn-ea"/>
+                <a:cs typeface="+mn-cs"/>
+              </a:defRPr>
+            </a:lvl6pPr>
+            <a:lvl7pPr marL="1920240" indent="-182880" algn="l" defTabSz="914400" rtl="0" eaLnBrk="1" latinLnBrk="0" hangingPunct="1">
+              <a:spcBef>
+                <a:spcPct val="20000"/>
+              </a:spcBef>
+              <a:buClr>
+                <a:schemeClr val="accent2"/>
+              </a:buClr>
+              <a:buFont typeface="Arial" pitchFamily="34" charset="0"/>
+              <a:buChar char="•"/>
+              <a:defRPr sz="1400" kern="1200">
+                <a:solidFill>
+                  <a:schemeClr val="tx1"/>
+                </a:solidFill>
+                <a:latin typeface="+mn-lt"/>
+                <a:ea typeface="+mn-ea"/>
+                <a:cs typeface="+mn-cs"/>
+              </a:defRPr>
+            </a:lvl7pPr>
+            <a:lvl8pPr marL="2103120" indent="-182880" algn="l" defTabSz="914400" rtl="0" eaLnBrk="1" latinLnBrk="0" hangingPunct="1">
+              <a:spcBef>
+                <a:spcPct val="20000"/>
+              </a:spcBef>
+              <a:buClr>
+                <a:schemeClr val="accent3"/>
+              </a:buClr>
+              <a:buFont typeface="Arial" pitchFamily="34" charset="0"/>
+              <a:buChar char="•"/>
+              <a:defRPr sz="1400" kern="1200">
+                <a:solidFill>
+                  <a:schemeClr val="tx1"/>
+                </a:solidFill>
+                <a:latin typeface="+mn-lt"/>
+                <a:ea typeface="+mn-ea"/>
+                <a:cs typeface="+mn-cs"/>
+              </a:defRPr>
+            </a:lvl8pPr>
+            <a:lvl9pPr marL="2286000" indent="-182880" algn="l" defTabSz="914400" rtl="0" eaLnBrk="1" latinLnBrk="0" hangingPunct="1">
+              <a:spcBef>
+                <a:spcPct val="20000"/>
+              </a:spcBef>
+              <a:buClr>
+                <a:schemeClr val="accent4"/>
+              </a:buClr>
+              <a:buFont typeface="Arial" pitchFamily="34" charset="0"/>
+              <a:buChar char="•"/>
+              <a:defRPr sz="1400" kern="1200">
+                <a:solidFill>
+                  <a:schemeClr val="tx1"/>
+                </a:solidFill>
+                <a:latin typeface="+mn-lt"/>
+                <a:ea typeface="+mn-ea"/>
+                <a:cs typeface="+mn-cs"/>
+              </a:defRPr>
+            </a:lvl9pPr>
+          </a:lstStyle>
+          <a:p>
+            <a:pPr marL="411480" lvl="1" indent="0">
+              <a:buFont typeface="Arial" pitchFamily="34" charset="0"/>
+              <a:buNone/>
+            </a:pPr>
+            <a:r>
+              <a:rPr lang="en-US" sz="1600" dirty="0"/>
+              <a:t>(low violent crime)                         Education Level                (high violent crime)</a:t>
+            </a:r>
+          </a:p>
+          <a:p>
+            <a:pPr marL="411480" lvl="1" indent="0">
+              <a:buFont typeface="Arial" pitchFamily="34" charset="0"/>
+              <a:buNone/>
+            </a:pPr>
+            <a:endParaRPr lang="en-US" dirty="0"/>
+          </a:p>
+          <a:p>
+            <a:pPr marL="411480" lvl="1" indent="0">
+              <a:buFont typeface="Arial" pitchFamily="34" charset="0"/>
+              <a:buNone/>
+            </a:pPr>
+            <a:endParaRPr lang="en-US" dirty="0"/>
+          </a:p>
+          <a:p>
+            <a:pPr marL="411480" lvl="1" indent="0">
+              <a:buFont typeface="Arial" pitchFamily="34" charset="0"/>
+              <a:buNone/>
+            </a:pPr>
+            <a:endParaRPr lang="en-US" dirty="0"/>
+          </a:p>
+          <a:p>
+            <a:pPr marL="411480" lvl="1" indent="0">
+              <a:buFont typeface="Arial" pitchFamily="34" charset="0"/>
+              <a:buNone/>
+            </a:pPr>
+            <a:endParaRPr lang="en-US" dirty="0"/>
           </a:p>
         </p:txBody>
       </p:sp>
     </p:spTree>
     <p:extLst>
       <p:ext uri="{BB962C8B-B14F-4D97-AF65-F5344CB8AC3E}">
-        <p14:creationId xmlns:p14="http://schemas.microsoft.com/office/powerpoint/2010/main" val="594914797"/>
+        <p14:creationId xmlns:p14="http://schemas.microsoft.com/office/powerpoint/2010/main" val="2225870030"/>
       </p:ext>
     </p:extLst>
   </p:cSld>
@@ -4692,7 +5262,7 @@
           <a:p>
             <a:r>
               <a:rPr lang="en-US" sz="4000" dirty="0"/>
-              <a:t>Conclusions</a:t>
+              <a:t>Data Analysis (continued)</a:t>
             </a:r>
           </a:p>
         </p:txBody>
@@ -4707,31 +5277,78 @@
             <p:ph idx="1"/>
           </p:nvPr>
         </p:nvSpPr>
-        <p:spPr/>
-        <p:txBody>
-          <a:bodyPr/>
+        <p:spPr>
+          <a:xfrm>
+            <a:off x="457200" y="1417638"/>
+            <a:ext cx="7620000" cy="4754562"/>
+          </a:xfrm>
+        </p:spPr>
+        <p:txBody>
+          <a:bodyPr>
+            <a:normAutofit/>
+          </a:bodyPr>
           <a:lstStyle/>
           <a:p>
+            <a:pPr marL="114300" indent="0">
+              <a:buNone/>
+            </a:pPr>
             <a:r>
               <a:rPr lang="en-US" dirty="0"/>
-              <a:t>Based on our Analysis, our findings are:</a:t>
-            </a:r>
-          </a:p>
-          <a:p>
-            <a:pPr lvl="1"/>
+              <a:t>Our previous observations had been done on larger data sets, keeping Low Violent Crime Rate data separate from High Violent Crime Rate data.</a:t>
+            </a:r>
+          </a:p>
+          <a:p>
+            <a:pPr marL="114300" indent="0">
+              <a:buNone/>
+            </a:pPr>
+            <a:endParaRPr lang="en-US" dirty="0"/>
+          </a:p>
+          <a:p>
+            <a:pPr marL="114300" indent="0">
+              <a:buNone/>
+            </a:pPr>
             <a:r>
               <a:rPr lang="en-US" dirty="0"/>
-              <a:t>A</a:t>
-            </a:r>
-          </a:p>
-          <a:p>
-            <a:pPr lvl="1"/>
+              <a:t>Our next step was to summarize the Low Violent Crime Rate data and the High Violent Crime Rate data</a:t>
+            </a:r>
+          </a:p>
+          <a:p>
+            <a:pPr marL="114300" indent="0">
+              <a:buNone/>
+            </a:pPr>
+            <a:endParaRPr lang="en-US" dirty="0"/>
+          </a:p>
+          <a:p>
+            <a:pPr marL="114300" indent="0">
+              <a:buNone/>
+            </a:pPr>
             <a:r>
               <a:rPr lang="en-US" dirty="0"/>
-              <a:t>B</a:t>
-            </a:r>
-          </a:p>
-          <a:p>
+              <a:t>We then worked with the two sets of summary data to make our final observations and conclusions.</a:t>
+            </a:r>
+          </a:p>
+          <a:p>
+            <a:pPr marL="411480" lvl="1" indent="0">
+              <a:buNone/>
+            </a:pPr>
+            <a:endParaRPr lang="en-US" dirty="0"/>
+          </a:p>
+          <a:p>
+            <a:pPr marL="411480" lvl="1" indent="0">
+              <a:buNone/>
+            </a:pPr>
+            <a:endParaRPr lang="en-US" dirty="0"/>
+          </a:p>
+          <a:p>
+            <a:pPr marL="411480" lvl="1" indent="0">
+              <a:buNone/>
+            </a:pPr>
+            <a:endParaRPr lang="en-US" dirty="0"/>
+          </a:p>
+          <a:p>
+            <a:pPr marL="411480" lvl="1" indent="0">
+              <a:buNone/>
+            </a:pPr>
             <a:endParaRPr lang="en-US" dirty="0"/>
           </a:p>
         </p:txBody>
@@ -4762,10 +5379,10 @@
       </p:sp>
       <p:sp>
         <p:nvSpPr>
-          <p:cNvPr id="7" name="Footer Placeholder 3">
+          <p:cNvPr id="8" name="Footer Placeholder 3">
             <a:extLst>
               <a:ext uri="{FF2B5EF4-FFF2-40B4-BE49-F238E27FC236}">
-                <a16:creationId xmlns:a16="http://schemas.microsoft.com/office/drawing/2014/main" id="{79952150-7520-45F1-BC23-A4793D31B73F}"/>
+                <a16:creationId xmlns:a16="http://schemas.microsoft.com/office/drawing/2014/main" id="{B6D42D65-EED1-4D0B-82F4-3A750914F2B1}"/>
               </a:ext>
             </a:extLst>
           </p:cNvPr>
@@ -4776,8 +5393,8 @@
         </p:nvSpPr>
         <p:spPr>
           <a:xfrm rot="16200000">
-            <a:off x="6771639" y="3058161"/>
-            <a:ext cx="4043682" cy="365760"/>
+            <a:off x="6466839" y="2753361"/>
+            <a:ext cx="4653282" cy="365760"/>
           </a:xfrm>
           <a:prstGeom prst="rect">
             <a:avLst/>
@@ -4888,7 +5505,7 @@
                   <a:schemeClr val="bg1"/>
                 </a:solidFill>
               </a:rPr>
-              <a:t>The Effect of Demographics on Violent crime Rates n the US</a:t>
+              <a:t>The Relationship Between Demographics &amp; Violent crime in the US</a:t>
             </a:r>
           </a:p>
           <a:p>
@@ -4939,7 +5556,7 @@
     </p:spTree>
     <p:extLst>
       <p:ext uri="{BB962C8B-B14F-4D97-AF65-F5344CB8AC3E}">
-        <p14:creationId xmlns:p14="http://schemas.microsoft.com/office/powerpoint/2010/main" val="1049748299"/>
+        <p14:creationId xmlns:p14="http://schemas.microsoft.com/office/powerpoint/2010/main" val="69542392"/>
       </p:ext>
     </p:extLst>
   </p:cSld>
@@ -4949,1763 +5566,7 @@
 </p:sld>
 </file>
 
-<file path=ppt/slides/slide2.xml><?xml version="1.0" encoding="utf-8"?>
-<p:sld xmlns:a="http://schemas.openxmlformats.org/drawingml/2006/main" xmlns:r="http://schemas.openxmlformats.org/officeDocument/2006/relationships" xmlns:p="http://schemas.openxmlformats.org/presentationml/2006/main">
-  <p:cSld>
-    <p:spTree>
-      <p:nvGrpSpPr>
-        <p:cNvPr id="1" name=""/>
-        <p:cNvGrpSpPr/>
-        <p:nvPr/>
-      </p:nvGrpSpPr>
-      <p:grpSpPr>
-        <a:xfrm>
-          <a:off x="0" y="0"/>
-          <a:ext cx="0" cy="0"/>
-          <a:chOff x="0" y="0"/>
-          <a:chExt cx="0" cy="0"/>
-        </a:xfrm>
-      </p:grpSpPr>
-      <p:sp>
-        <p:nvSpPr>
-          <p:cNvPr id="2" name="Title 1"/>
-          <p:cNvSpPr>
-            <a:spLocks noGrp="1"/>
-          </p:cNvSpPr>
-          <p:nvPr>
-            <p:ph type="title"/>
-          </p:nvPr>
-        </p:nvSpPr>
-        <p:spPr>
-          <a:xfrm>
-            <a:off x="457200" y="274638"/>
-            <a:ext cx="7620000" cy="1143000"/>
-          </a:xfrm>
-        </p:spPr>
-        <p:txBody>
-          <a:bodyPr/>
-          <a:lstStyle/>
-          <a:p>
-            <a:r>
-              <a:rPr lang="en-US" sz="4000" dirty="0"/>
-              <a:t>Project Description</a:t>
-            </a:r>
-          </a:p>
-        </p:txBody>
-      </p:sp>
-      <p:sp>
-        <p:nvSpPr>
-          <p:cNvPr id="3" name="Content Placeholder 2"/>
-          <p:cNvSpPr>
-            <a:spLocks noGrp="1"/>
-          </p:cNvSpPr>
-          <p:nvPr>
-            <p:ph idx="1"/>
-          </p:nvPr>
-        </p:nvSpPr>
-        <p:spPr>
-          <a:xfrm>
-            <a:off x="457200" y="2209800"/>
-            <a:ext cx="7620000" cy="4043682"/>
-          </a:xfrm>
-        </p:spPr>
-        <p:txBody>
-          <a:bodyPr>
-            <a:normAutofit fontScale="70000" lnSpcReduction="20000"/>
-          </a:bodyPr>
-          <a:lstStyle/>
-          <a:p>
-            <a:r>
-              <a:rPr lang="en-US" sz="2800" b="1" dirty="0"/>
-              <a:t>Project-One</a:t>
-            </a:r>
-          </a:p>
-          <a:p>
-            <a:r>
-              <a:rPr lang="en-US" sz="2800" dirty="0"/>
-              <a:t>Members: </a:t>
-            </a:r>
-            <a:r>
-              <a:rPr lang="en-US" sz="2800" dirty="0" err="1"/>
-              <a:t>Temidayo</a:t>
-            </a:r>
-            <a:r>
-              <a:rPr lang="en-US" sz="2800" dirty="0"/>
-              <a:t> </a:t>
-            </a:r>
-            <a:r>
-              <a:rPr lang="en-US" sz="2800" dirty="0" err="1"/>
-              <a:t>Akinsanya</a:t>
-            </a:r>
-            <a:r>
-              <a:rPr lang="en-US" sz="2800" dirty="0"/>
-              <a:t> and Cheryl Johnson</a:t>
-            </a:r>
-          </a:p>
-          <a:p>
-            <a:pPr marL="114300" indent="0">
-              <a:buNone/>
-            </a:pPr>
-            <a:endParaRPr lang="en-US" sz="2800" dirty="0"/>
-          </a:p>
-          <a:p>
-            <a:pPr marL="114300" indent="0">
-              <a:buNone/>
-            </a:pPr>
-            <a:r>
-              <a:rPr lang="en-US" sz="2800" dirty="0"/>
-              <a:t>This project will seek to examine cities in all states in the United States and extract and compare the cities in each state that have the highest and lowest crime rate per capita.</a:t>
-            </a:r>
-          </a:p>
-          <a:p>
-            <a:pPr marL="114300" indent="0">
-              <a:buNone/>
-            </a:pPr>
-            <a:endParaRPr lang="en-US" sz="2800" dirty="0"/>
-          </a:p>
-          <a:p>
-            <a:pPr marL="114300" indent="0">
-              <a:buNone/>
-            </a:pPr>
-            <a:r>
-              <a:rPr lang="en-US" sz="2800" dirty="0"/>
-              <a:t>The comparison will examine several data points:</a:t>
-            </a:r>
-          </a:p>
-          <a:p>
-            <a:pPr marL="114300" indent="0">
-              <a:buNone/>
-            </a:pPr>
-            <a:r>
-              <a:rPr lang="en-US" sz="2800" dirty="0"/>
-              <a:t>	</a:t>
-            </a:r>
-            <a:r>
-              <a:rPr lang="en-US" sz="1500" dirty="0"/>
-              <a:t>&gt;</a:t>
-            </a:r>
-            <a:r>
-              <a:rPr lang="en-US" sz="2800" dirty="0"/>
-              <a:t> Average Income		</a:t>
-            </a:r>
-            <a:r>
-              <a:rPr lang="en-US" sz="1500" dirty="0"/>
-              <a:t>&gt;</a:t>
-            </a:r>
-            <a:r>
-              <a:rPr lang="en-US" sz="2800" dirty="0"/>
-              <a:t> Race</a:t>
-            </a:r>
-          </a:p>
-          <a:p>
-            <a:pPr marL="114300" indent="0">
-              <a:buNone/>
-            </a:pPr>
-            <a:r>
-              <a:rPr lang="en-US" sz="2800" dirty="0"/>
-              <a:t>	</a:t>
-            </a:r>
-            <a:r>
-              <a:rPr lang="en-US" sz="1500" dirty="0"/>
-              <a:t>&gt;</a:t>
-            </a:r>
-            <a:r>
-              <a:rPr lang="en-US" sz="2800" dirty="0"/>
-              <a:t> Unemployment Rate		</a:t>
-            </a:r>
-            <a:r>
-              <a:rPr lang="en-US" sz="1500" dirty="0"/>
-              <a:t>&gt;</a:t>
-            </a:r>
-            <a:r>
-              <a:rPr lang="en-US" sz="2800" dirty="0"/>
-              <a:t> Poverty Rate</a:t>
-            </a:r>
-          </a:p>
-          <a:p>
-            <a:pPr marL="114300" indent="0">
-              <a:buNone/>
-            </a:pPr>
-            <a:r>
-              <a:rPr lang="en-US" sz="2800" dirty="0"/>
-              <a:t>	</a:t>
-            </a:r>
-            <a:r>
-              <a:rPr lang="en-US" sz="1500" dirty="0"/>
-              <a:t>&gt;</a:t>
-            </a:r>
-            <a:r>
-              <a:rPr lang="en-US" sz="2800" dirty="0"/>
-              <a:t> Education Level		</a:t>
-            </a:r>
-            <a:r>
-              <a:rPr lang="en-US" sz="1500" dirty="0"/>
-              <a:t>&gt;</a:t>
-            </a:r>
-            <a:r>
-              <a:rPr lang="en-US" sz="2800" dirty="0"/>
-              <a:t> School Enrollment Status</a:t>
-            </a:r>
-          </a:p>
-          <a:p>
-            <a:pPr marL="114300" indent="0">
-              <a:buNone/>
-            </a:pPr>
-            <a:r>
-              <a:rPr lang="en-US" sz="2800" dirty="0"/>
-              <a:t>	</a:t>
-            </a:r>
-            <a:r>
-              <a:rPr lang="en-US" sz="1500" dirty="0"/>
-              <a:t>&gt;</a:t>
-            </a:r>
-            <a:r>
-              <a:rPr lang="en-US" sz="2800" dirty="0"/>
-              <a:t> Marital Status			</a:t>
-            </a:r>
-            <a:r>
-              <a:rPr lang="en-US" sz="1500" dirty="0"/>
-              <a:t>&gt;</a:t>
-            </a:r>
-            <a:r>
-              <a:rPr lang="en-US" sz="2800" dirty="0"/>
-              <a:t> Population</a:t>
-            </a:r>
-          </a:p>
-        </p:txBody>
-      </p:sp>
-      <p:sp>
-        <p:nvSpPr>
-          <p:cNvPr id="5" name="Slide Number Placeholder 4"/>
-          <p:cNvSpPr>
-            <a:spLocks noGrp="1"/>
-          </p:cNvSpPr>
-          <p:nvPr>
-            <p:ph type="sldNum" sz="quarter" idx="12"/>
-          </p:nvPr>
-        </p:nvSpPr>
-        <p:spPr/>
-        <p:txBody>
-          <a:bodyPr/>
-          <a:lstStyle/>
-          <a:p>
-            <a:fld id="{489D000B-E6AD-40C2-AC67-BF5C54101F25}" type="slidenum">
-              <a:rPr lang="en-US" smtClean="0"/>
-              <a:pPr/>
-              <a:t>2</a:t>
-            </a:fld>
-            <a:endParaRPr lang="en-US"/>
-          </a:p>
-        </p:txBody>
-      </p:sp>
-      <p:sp>
-        <p:nvSpPr>
-          <p:cNvPr id="7" name="Title 1">
-            <a:extLst>
-              <a:ext uri="{FF2B5EF4-FFF2-40B4-BE49-F238E27FC236}">
-                <a16:creationId xmlns:a16="http://schemas.microsoft.com/office/drawing/2014/main" id="{DD250AD1-4AD6-4DC1-8016-B51B604D5C24}"/>
-              </a:ext>
-            </a:extLst>
-          </p:cNvPr>
-          <p:cNvSpPr txBox="1">
-            <a:spLocks/>
-          </p:cNvSpPr>
-          <p:nvPr/>
-        </p:nvSpPr>
-        <p:spPr>
-          <a:xfrm>
-            <a:off x="457200" y="1066800"/>
-            <a:ext cx="7772400" cy="1143000"/>
-          </a:xfrm>
-          <a:prstGeom prst="rect">
-            <a:avLst/>
-          </a:prstGeom>
-        </p:spPr>
-        <p:txBody>
-          <a:bodyPr vert="horz" lIns="91440" tIns="45720" rIns="91440" bIns="45720" rtlCol="0" anchor="ctr">
-            <a:noAutofit/>
-          </a:bodyPr>
-          <a:lstStyle>
-            <a:lvl1pPr algn="l" defTabSz="914400" rtl="0" eaLnBrk="1" latinLnBrk="0" hangingPunct="1">
-              <a:spcBef>
-                <a:spcPct val="0"/>
-              </a:spcBef>
-              <a:buNone/>
-              <a:defRPr sz="4600" kern="1200" cap="none" spc="-100" baseline="0">
-                <a:ln>
-                  <a:noFill/>
-                </a:ln>
-                <a:solidFill>
-                  <a:schemeClr val="tx2"/>
-                </a:solidFill>
-                <a:effectLst/>
-                <a:latin typeface="+mj-lt"/>
-                <a:ea typeface="+mj-ea"/>
-                <a:cs typeface="+mj-cs"/>
-              </a:defRPr>
-            </a:lvl1pPr>
-          </a:lstStyle>
-          <a:p>
-            <a:r>
-              <a:rPr lang="en-US" sz="3200" dirty="0"/>
-              <a:t>The Effect of Demographics on</a:t>
-            </a:r>
-            <a:br>
-              <a:rPr lang="en-US" sz="3200" dirty="0"/>
-            </a:br>
-            <a:r>
-              <a:rPr lang="en-US" sz="3200" dirty="0"/>
-              <a:t>Violent Crime Rates in the US</a:t>
-            </a:r>
-          </a:p>
-        </p:txBody>
-      </p:sp>
-      <p:sp>
-        <p:nvSpPr>
-          <p:cNvPr id="8" name="Footer Placeholder 3">
-            <a:extLst>
-              <a:ext uri="{FF2B5EF4-FFF2-40B4-BE49-F238E27FC236}">
-                <a16:creationId xmlns:a16="http://schemas.microsoft.com/office/drawing/2014/main" id="{6BE0B797-C31E-48E5-AB7A-C4D59006EC7A}"/>
-              </a:ext>
-            </a:extLst>
-          </p:cNvPr>
-          <p:cNvSpPr>
-            <a:spLocks noGrp="1"/>
-          </p:cNvSpPr>
-          <p:nvPr/>
-        </p:nvSpPr>
-        <p:spPr>
-          <a:xfrm rot="16200000">
-            <a:off x="6771639" y="3058161"/>
-            <a:ext cx="4043682" cy="365760"/>
-          </a:xfrm>
-          <a:prstGeom prst="rect">
-            <a:avLst/>
-          </a:prstGeom>
-        </p:spPr>
-        <p:txBody>
-          <a:bodyPr vert="horz" lIns="91440" tIns="45720" rIns="91440" bIns="45720" rtlCol="0" anchor="ctr"/>
-          <a:lstStyle>
-            <a:defPPr>
-              <a:defRPr lang="en-US"/>
-            </a:defPPr>
-            <a:lvl1pPr marL="0" algn="r" defTabSz="914400" rtl="0" eaLnBrk="1" latinLnBrk="0" hangingPunct="1">
-              <a:defRPr sz="1200" kern="1200">
-                <a:solidFill>
-                  <a:schemeClr val="bg2"/>
-                </a:solidFill>
-                <a:latin typeface="+mn-lt"/>
-                <a:ea typeface="+mn-ea"/>
-                <a:cs typeface="+mn-cs"/>
-              </a:defRPr>
-            </a:lvl1pPr>
-            <a:lvl2pPr marL="457200" algn="l" defTabSz="914400" rtl="0" eaLnBrk="1" latinLnBrk="0" hangingPunct="1">
-              <a:defRPr sz="1800" kern="1200">
-                <a:solidFill>
-                  <a:schemeClr val="tx1"/>
-                </a:solidFill>
-                <a:latin typeface="+mn-lt"/>
-                <a:ea typeface="+mn-ea"/>
-                <a:cs typeface="+mn-cs"/>
-              </a:defRPr>
-            </a:lvl2pPr>
-            <a:lvl3pPr marL="914400" algn="l" defTabSz="914400" rtl="0" eaLnBrk="1" latinLnBrk="0" hangingPunct="1">
-              <a:defRPr sz="1800" kern="1200">
-                <a:solidFill>
-                  <a:schemeClr val="tx1"/>
-                </a:solidFill>
-                <a:latin typeface="+mn-lt"/>
-                <a:ea typeface="+mn-ea"/>
-                <a:cs typeface="+mn-cs"/>
-              </a:defRPr>
-            </a:lvl3pPr>
-            <a:lvl4pPr marL="1371600" algn="l" defTabSz="914400" rtl="0" eaLnBrk="1" latinLnBrk="0" hangingPunct="1">
-              <a:defRPr sz="1800" kern="1200">
-                <a:solidFill>
-                  <a:schemeClr val="tx1"/>
-                </a:solidFill>
-                <a:latin typeface="+mn-lt"/>
-                <a:ea typeface="+mn-ea"/>
-                <a:cs typeface="+mn-cs"/>
-              </a:defRPr>
-            </a:lvl4pPr>
-            <a:lvl5pPr marL="1828800" algn="l" defTabSz="914400" rtl="0" eaLnBrk="1" latinLnBrk="0" hangingPunct="1">
-              <a:defRPr sz="1800" kern="1200">
-                <a:solidFill>
-                  <a:schemeClr val="tx1"/>
-                </a:solidFill>
-                <a:latin typeface="+mn-lt"/>
-                <a:ea typeface="+mn-ea"/>
-                <a:cs typeface="+mn-cs"/>
-              </a:defRPr>
-            </a:lvl5pPr>
-            <a:lvl6pPr marL="2286000" algn="l" defTabSz="914400" rtl="0" eaLnBrk="1" latinLnBrk="0" hangingPunct="1">
-              <a:defRPr sz="1800" kern="1200">
-                <a:solidFill>
-                  <a:schemeClr val="tx1"/>
-                </a:solidFill>
-                <a:latin typeface="+mn-lt"/>
-                <a:ea typeface="+mn-ea"/>
-                <a:cs typeface="+mn-cs"/>
-              </a:defRPr>
-            </a:lvl6pPr>
-            <a:lvl7pPr marL="2743200" algn="l" defTabSz="914400" rtl="0" eaLnBrk="1" latinLnBrk="0" hangingPunct="1">
-              <a:defRPr sz="1800" kern="1200">
-                <a:solidFill>
-                  <a:schemeClr val="tx1"/>
-                </a:solidFill>
-                <a:latin typeface="+mn-lt"/>
-                <a:ea typeface="+mn-ea"/>
-                <a:cs typeface="+mn-cs"/>
-              </a:defRPr>
-            </a:lvl7pPr>
-            <a:lvl8pPr marL="3200400" algn="l" defTabSz="914400" rtl="0" eaLnBrk="1" latinLnBrk="0" hangingPunct="1">
-              <a:defRPr sz="1800" kern="1200">
-                <a:solidFill>
-                  <a:schemeClr val="tx1"/>
-                </a:solidFill>
-                <a:latin typeface="+mn-lt"/>
-                <a:ea typeface="+mn-ea"/>
-                <a:cs typeface="+mn-cs"/>
-              </a:defRPr>
-            </a:lvl8pPr>
-            <a:lvl9pPr marL="3657600" algn="l" defTabSz="914400" rtl="0" eaLnBrk="1" latinLnBrk="0" hangingPunct="1">
-              <a:defRPr sz="1800" kern="1200">
-                <a:solidFill>
-                  <a:schemeClr val="tx1"/>
-                </a:solidFill>
-                <a:latin typeface="+mn-lt"/>
-                <a:ea typeface="+mn-ea"/>
-                <a:cs typeface="+mn-cs"/>
-              </a:defRPr>
-            </a:lvl9pPr>
-          </a:lstStyle>
-          <a:p>
-            <a:pPr algn="l"/>
-            <a:r>
-              <a:rPr lang="en-US" dirty="0">
-                <a:solidFill>
-                  <a:schemeClr val="bg1"/>
-                </a:solidFill>
-              </a:rPr>
-              <a:t>The Effect of Demographics on Violent crime Rates n the US</a:t>
-            </a:r>
-          </a:p>
-          <a:p>
-            <a:pPr algn="l"/>
-            <a:r>
-              <a:rPr lang="en-US" dirty="0" err="1">
-                <a:solidFill>
-                  <a:schemeClr val="bg1"/>
-                </a:solidFill>
-              </a:rPr>
-              <a:t>Temidayo</a:t>
-            </a:r>
-            <a:r>
-              <a:rPr lang="en-US" dirty="0">
-                <a:solidFill>
-                  <a:schemeClr val="bg1"/>
-                </a:solidFill>
-              </a:rPr>
-              <a:t> </a:t>
-            </a:r>
-            <a:r>
-              <a:rPr lang="en-US" dirty="0" err="1">
-                <a:solidFill>
-                  <a:schemeClr val="bg1"/>
-                </a:solidFill>
-              </a:rPr>
-              <a:t>Akinsanya</a:t>
-            </a:r>
-            <a:endParaRPr lang="en-US" dirty="0">
-              <a:solidFill>
-                <a:schemeClr val="bg1"/>
-              </a:solidFill>
-            </a:endParaRPr>
-          </a:p>
-          <a:p>
-            <a:pPr algn="l"/>
-            <a:r>
-              <a:rPr lang="en-US" dirty="0">
-                <a:solidFill>
-                  <a:schemeClr val="bg1"/>
-                </a:solidFill>
-              </a:rPr>
-              <a:t>Cheryl Johnson</a:t>
-            </a:r>
-          </a:p>
-        </p:txBody>
-      </p:sp>
-    </p:spTree>
-  </p:cSld>
-  <p:clrMapOvr>
-    <a:masterClrMapping/>
-  </p:clrMapOvr>
-</p:sld>
-</file>
-
-<file path=ppt/slides/slide3.xml><?xml version="1.0" encoding="utf-8"?>
-<p:sld xmlns:a="http://schemas.openxmlformats.org/drawingml/2006/main" xmlns:r="http://schemas.openxmlformats.org/officeDocument/2006/relationships" xmlns:p="http://schemas.openxmlformats.org/presentationml/2006/main">
-  <p:cSld>
-    <p:spTree>
-      <p:nvGrpSpPr>
-        <p:cNvPr id="1" name=""/>
-        <p:cNvGrpSpPr/>
-        <p:nvPr/>
-      </p:nvGrpSpPr>
-      <p:grpSpPr>
-        <a:xfrm>
-          <a:off x="0" y="0"/>
-          <a:ext cx="0" cy="0"/>
-          <a:chOff x="0" y="0"/>
-          <a:chExt cx="0" cy="0"/>
-        </a:xfrm>
-      </p:grpSpPr>
-      <p:sp>
-        <p:nvSpPr>
-          <p:cNvPr id="3" name="Content Placeholder 2"/>
-          <p:cNvSpPr>
-            <a:spLocks noGrp="1"/>
-          </p:cNvSpPr>
-          <p:nvPr>
-            <p:ph idx="1"/>
-          </p:nvPr>
-        </p:nvSpPr>
-        <p:spPr>
-          <a:xfrm>
-            <a:off x="457200" y="1371600"/>
-            <a:ext cx="7620000" cy="4800600"/>
-          </a:xfrm>
-        </p:spPr>
-        <p:txBody>
-          <a:bodyPr>
-            <a:normAutofit fontScale="92500" lnSpcReduction="10000"/>
-          </a:bodyPr>
-          <a:lstStyle/>
-          <a:p>
-            <a:pPr marL="628650" indent="-514350">
-              <a:buAutoNum type="arabicParenBoth"/>
-            </a:pPr>
-            <a:r>
-              <a:rPr lang="en-US" sz="2800" dirty="0"/>
-              <a:t>Is there a correlation between the level of violent crime and the presence of lack thereof of living arrangements with higher proportion of married spouses?</a:t>
-            </a:r>
-          </a:p>
-          <a:p>
-            <a:pPr marL="628650" indent="-514350">
-              <a:buAutoNum type="arabicParenBoth"/>
-            </a:pPr>
-            <a:r>
-              <a:rPr lang="en-US" sz="2800" dirty="0"/>
-              <a:t>Can the rate of school enrollment predict the level of violent crime rate in America cities?</a:t>
-            </a:r>
-          </a:p>
-          <a:p>
-            <a:pPr marL="628650" indent="-514350">
-              <a:buAutoNum type="arabicParenBoth"/>
-            </a:pPr>
-            <a:r>
-              <a:rPr lang="en-US" sz="2800" dirty="0"/>
-              <a:t>Is violent crime rate more likely to be higher in cities with a particular race?</a:t>
-            </a:r>
-          </a:p>
-          <a:p>
-            <a:pPr marL="628650" indent="-514350">
-              <a:buAutoNum type="arabicParenBoth"/>
-            </a:pPr>
-            <a:r>
-              <a:rPr lang="en-US" sz="2800" dirty="0"/>
-              <a:t>Is there a correlation between poverty rate and violent crime rate?</a:t>
-            </a:r>
-          </a:p>
-          <a:p>
-            <a:pPr marL="628650" indent="-514350">
-              <a:buAutoNum type="arabicParenBoth"/>
-            </a:pPr>
-            <a:r>
-              <a:rPr lang="en-US" sz="2800" dirty="0"/>
-              <a:t>Is there a correlation between unemployment and violent crime rate?</a:t>
-            </a:r>
-          </a:p>
-          <a:p>
-            <a:pPr marL="114300" indent="0">
-              <a:buNone/>
-            </a:pPr>
-            <a:endParaRPr lang="en-US" sz="2800" dirty="0"/>
-          </a:p>
-        </p:txBody>
-      </p:sp>
-      <p:sp>
-        <p:nvSpPr>
-          <p:cNvPr id="5" name="Slide Number Placeholder 4"/>
-          <p:cNvSpPr>
-            <a:spLocks noGrp="1"/>
-          </p:cNvSpPr>
-          <p:nvPr>
-            <p:ph type="sldNum" sz="quarter" idx="12"/>
-          </p:nvPr>
-        </p:nvSpPr>
-        <p:spPr/>
-        <p:txBody>
-          <a:bodyPr/>
-          <a:lstStyle/>
-          <a:p>
-            <a:fld id="{489D000B-E6AD-40C2-AC67-BF5C54101F25}" type="slidenum">
-              <a:rPr lang="en-US" smtClean="0"/>
-              <a:pPr/>
-              <a:t>3</a:t>
-            </a:fld>
-            <a:endParaRPr lang="en-US"/>
-          </a:p>
-        </p:txBody>
-      </p:sp>
-      <p:sp>
-        <p:nvSpPr>
-          <p:cNvPr id="7" name="Title 1">
-            <a:extLst>
-              <a:ext uri="{FF2B5EF4-FFF2-40B4-BE49-F238E27FC236}">
-                <a16:creationId xmlns:a16="http://schemas.microsoft.com/office/drawing/2014/main" id="{DD250AD1-4AD6-4DC1-8016-B51B604D5C24}"/>
-              </a:ext>
-            </a:extLst>
-          </p:cNvPr>
-          <p:cNvSpPr txBox="1">
-            <a:spLocks/>
-          </p:cNvSpPr>
-          <p:nvPr/>
-        </p:nvSpPr>
-        <p:spPr>
-          <a:xfrm>
-            <a:off x="457200" y="457200"/>
-            <a:ext cx="7772400" cy="1143000"/>
-          </a:xfrm>
-          <a:prstGeom prst="rect">
-            <a:avLst/>
-          </a:prstGeom>
-        </p:spPr>
-        <p:txBody>
-          <a:bodyPr vert="horz" lIns="91440" tIns="45720" rIns="91440" bIns="45720" rtlCol="0" anchor="ctr">
-            <a:noAutofit/>
-          </a:bodyPr>
-          <a:lstStyle>
-            <a:lvl1pPr algn="l" defTabSz="914400" rtl="0" eaLnBrk="1" latinLnBrk="0" hangingPunct="1">
-              <a:spcBef>
-                <a:spcPct val="0"/>
-              </a:spcBef>
-              <a:buNone/>
-              <a:defRPr sz="4600" kern="1200" cap="none" spc="-100" baseline="0">
-                <a:ln>
-                  <a:noFill/>
-                </a:ln>
-                <a:solidFill>
-                  <a:schemeClr val="tx2"/>
-                </a:solidFill>
-                <a:effectLst/>
-                <a:latin typeface="+mj-lt"/>
-                <a:ea typeface="+mj-ea"/>
-                <a:cs typeface="+mj-cs"/>
-              </a:defRPr>
-            </a:lvl1pPr>
-          </a:lstStyle>
-          <a:p>
-            <a:r>
-              <a:rPr lang="en-US" sz="3200" dirty="0"/>
-              <a:t>Research Questions</a:t>
-            </a:r>
-          </a:p>
-        </p:txBody>
-      </p:sp>
-      <p:sp>
-        <p:nvSpPr>
-          <p:cNvPr id="8" name="Footer Placeholder 3">
-            <a:extLst>
-              <a:ext uri="{FF2B5EF4-FFF2-40B4-BE49-F238E27FC236}">
-                <a16:creationId xmlns:a16="http://schemas.microsoft.com/office/drawing/2014/main" id="{6BE0B797-C31E-48E5-AB7A-C4D59006EC7A}"/>
-              </a:ext>
-            </a:extLst>
-          </p:cNvPr>
-          <p:cNvSpPr>
-            <a:spLocks noGrp="1"/>
-          </p:cNvSpPr>
-          <p:nvPr/>
-        </p:nvSpPr>
-        <p:spPr>
-          <a:xfrm rot="16200000">
-            <a:off x="6771639" y="3058161"/>
-            <a:ext cx="4043682" cy="365760"/>
-          </a:xfrm>
-          <a:prstGeom prst="rect">
-            <a:avLst/>
-          </a:prstGeom>
-        </p:spPr>
-        <p:txBody>
-          <a:bodyPr vert="horz" lIns="91440" tIns="45720" rIns="91440" bIns="45720" rtlCol="0" anchor="ctr"/>
-          <a:lstStyle>
-            <a:defPPr>
-              <a:defRPr lang="en-US"/>
-            </a:defPPr>
-            <a:lvl1pPr marL="0" algn="r" defTabSz="914400" rtl="0" eaLnBrk="1" latinLnBrk="0" hangingPunct="1">
-              <a:defRPr sz="1200" kern="1200">
-                <a:solidFill>
-                  <a:schemeClr val="bg2"/>
-                </a:solidFill>
-                <a:latin typeface="+mn-lt"/>
-                <a:ea typeface="+mn-ea"/>
-                <a:cs typeface="+mn-cs"/>
-              </a:defRPr>
-            </a:lvl1pPr>
-            <a:lvl2pPr marL="457200" algn="l" defTabSz="914400" rtl="0" eaLnBrk="1" latinLnBrk="0" hangingPunct="1">
-              <a:defRPr sz="1800" kern="1200">
-                <a:solidFill>
-                  <a:schemeClr val="tx1"/>
-                </a:solidFill>
-                <a:latin typeface="+mn-lt"/>
-                <a:ea typeface="+mn-ea"/>
-                <a:cs typeface="+mn-cs"/>
-              </a:defRPr>
-            </a:lvl2pPr>
-            <a:lvl3pPr marL="914400" algn="l" defTabSz="914400" rtl="0" eaLnBrk="1" latinLnBrk="0" hangingPunct="1">
-              <a:defRPr sz="1800" kern="1200">
-                <a:solidFill>
-                  <a:schemeClr val="tx1"/>
-                </a:solidFill>
-                <a:latin typeface="+mn-lt"/>
-                <a:ea typeface="+mn-ea"/>
-                <a:cs typeface="+mn-cs"/>
-              </a:defRPr>
-            </a:lvl3pPr>
-            <a:lvl4pPr marL="1371600" algn="l" defTabSz="914400" rtl="0" eaLnBrk="1" latinLnBrk="0" hangingPunct="1">
-              <a:defRPr sz="1800" kern="1200">
-                <a:solidFill>
-                  <a:schemeClr val="tx1"/>
-                </a:solidFill>
-                <a:latin typeface="+mn-lt"/>
-                <a:ea typeface="+mn-ea"/>
-                <a:cs typeface="+mn-cs"/>
-              </a:defRPr>
-            </a:lvl4pPr>
-            <a:lvl5pPr marL="1828800" algn="l" defTabSz="914400" rtl="0" eaLnBrk="1" latinLnBrk="0" hangingPunct="1">
-              <a:defRPr sz="1800" kern="1200">
-                <a:solidFill>
-                  <a:schemeClr val="tx1"/>
-                </a:solidFill>
-                <a:latin typeface="+mn-lt"/>
-                <a:ea typeface="+mn-ea"/>
-                <a:cs typeface="+mn-cs"/>
-              </a:defRPr>
-            </a:lvl5pPr>
-            <a:lvl6pPr marL="2286000" algn="l" defTabSz="914400" rtl="0" eaLnBrk="1" latinLnBrk="0" hangingPunct="1">
-              <a:defRPr sz="1800" kern="1200">
-                <a:solidFill>
-                  <a:schemeClr val="tx1"/>
-                </a:solidFill>
-                <a:latin typeface="+mn-lt"/>
-                <a:ea typeface="+mn-ea"/>
-                <a:cs typeface="+mn-cs"/>
-              </a:defRPr>
-            </a:lvl6pPr>
-            <a:lvl7pPr marL="2743200" algn="l" defTabSz="914400" rtl="0" eaLnBrk="1" latinLnBrk="0" hangingPunct="1">
-              <a:defRPr sz="1800" kern="1200">
-                <a:solidFill>
-                  <a:schemeClr val="tx1"/>
-                </a:solidFill>
-                <a:latin typeface="+mn-lt"/>
-                <a:ea typeface="+mn-ea"/>
-                <a:cs typeface="+mn-cs"/>
-              </a:defRPr>
-            </a:lvl7pPr>
-            <a:lvl8pPr marL="3200400" algn="l" defTabSz="914400" rtl="0" eaLnBrk="1" latinLnBrk="0" hangingPunct="1">
-              <a:defRPr sz="1800" kern="1200">
-                <a:solidFill>
-                  <a:schemeClr val="tx1"/>
-                </a:solidFill>
-                <a:latin typeface="+mn-lt"/>
-                <a:ea typeface="+mn-ea"/>
-                <a:cs typeface="+mn-cs"/>
-              </a:defRPr>
-            </a:lvl8pPr>
-            <a:lvl9pPr marL="3657600" algn="l" defTabSz="914400" rtl="0" eaLnBrk="1" latinLnBrk="0" hangingPunct="1">
-              <a:defRPr sz="1800" kern="1200">
-                <a:solidFill>
-                  <a:schemeClr val="tx1"/>
-                </a:solidFill>
-                <a:latin typeface="+mn-lt"/>
-                <a:ea typeface="+mn-ea"/>
-                <a:cs typeface="+mn-cs"/>
-              </a:defRPr>
-            </a:lvl9pPr>
-          </a:lstStyle>
-          <a:p>
-            <a:pPr algn="l"/>
-            <a:r>
-              <a:rPr lang="en-US" dirty="0">
-                <a:solidFill>
-                  <a:schemeClr val="bg1"/>
-                </a:solidFill>
-              </a:rPr>
-              <a:t>The Effect of Demographics on Violent crime Rates n the US</a:t>
-            </a:r>
-          </a:p>
-          <a:p>
-            <a:pPr algn="l"/>
-            <a:r>
-              <a:rPr lang="en-US" dirty="0" err="1">
-                <a:solidFill>
-                  <a:schemeClr val="bg1"/>
-                </a:solidFill>
-              </a:rPr>
-              <a:t>Temidayo</a:t>
-            </a:r>
-            <a:r>
-              <a:rPr lang="en-US" dirty="0">
-                <a:solidFill>
-                  <a:schemeClr val="bg1"/>
-                </a:solidFill>
-              </a:rPr>
-              <a:t> </a:t>
-            </a:r>
-            <a:r>
-              <a:rPr lang="en-US" dirty="0" err="1">
-                <a:solidFill>
-                  <a:schemeClr val="bg1"/>
-                </a:solidFill>
-              </a:rPr>
-              <a:t>Akinsanya</a:t>
-            </a:r>
-            <a:endParaRPr lang="en-US" dirty="0">
-              <a:solidFill>
-                <a:schemeClr val="bg1"/>
-              </a:solidFill>
-            </a:endParaRPr>
-          </a:p>
-          <a:p>
-            <a:pPr algn="l"/>
-            <a:r>
-              <a:rPr lang="en-US" dirty="0">
-                <a:solidFill>
-                  <a:schemeClr val="bg1"/>
-                </a:solidFill>
-              </a:rPr>
-              <a:t>Cheryl Johnson</a:t>
-            </a:r>
-          </a:p>
-        </p:txBody>
-      </p:sp>
-    </p:spTree>
-    <p:extLst>
-      <p:ext uri="{BB962C8B-B14F-4D97-AF65-F5344CB8AC3E}">
-        <p14:creationId xmlns:p14="http://schemas.microsoft.com/office/powerpoint/2010/main" val="3101101615"/>
-      </p:ext>
-    </p:extLst>
-  </p:cSld>
-  <p:clrMapOvr>
-    <a:masterClrMapping/>
-  </p:clrMapOvr>
-</p:sld>
-</file>
-
-<file path=ppt/slides/slide4.xml><?xml version="1.0" encoding="utf-8"?>
-<p:sld xmlns:a="http://schemas.openxmlformats.org/drawingml/2006/main" xmlns:r="http://schemas.openxmlformats.org/officeDocument/2006/relationships" xmlns:p="http://schemas.openxmlformats.org/presentationml/2006/main">
-  <p:cSld>
-    <p:spTree>
-      <p:nvGrpSpPr>
-        <p:cNvPr id="1" name=""/>
-        <p:cNvGrpSpPr/>
-        <p:nvPr/>
-      </p:nvGrpSpPr>
-      <p:grpSpPr>
-        <a:xfrm>
-          <a:off x="0" y="0"/>
-          <a:ext cx="0" cy="0"/>
-          <a:chOff x="0" y="0"/>
-          <a:chExt cx="0" cy="0"/>
-        </a:xfrm>
-      </p:grpSpPr>
-      <p:sp>
-        <p:nvSpPr>
-          <p:cNvPr id="2" name="Title 1"/>
-          <p:cNvSpPr>
-            <a:spLocks noGrp="1"/>
-          </p:cNvSpPr>
-          <p:nvPr>
-            <p:ph type="title"/>
-          </p:nvPr>
-        </p:nvSpPr>
-        <p:spPr>
-          <a:xfrm>
-            <a:off x="457200" y="152400"/>
-            <a:ext cx="7620000" cy="1143000"/>
-          </a:xfrm>
-        </p:spPr>
-        <p:txBody>
-          <a:bodyPr/>
-          <a:lstStyle/>
-          <a:p>
-            <a:r>
-              <a:rPr lang="en-US" dirty="0"/>
-              <a:t>Data Sources</a:t>
-            </a:r>
-          </a:p>
-        </p:txBody>
-      </p:sp>
-      <p:sp>
-        <p:nvSpPr>
-          <p:cNvPr id="5" name="Slide Number Placeholder 4"/>
-          <p:cNvSpPr>
-            <a:spLocks noGrp="1"/>
-          </p:cNvSpPr>
-          <p:nvPr>
-            <p:ph type="sldNum" sz="quarter" idx="12"/>
-          </p:nvPr>
-        </p:nvSpPr>
-        <p:spPr/>
-        <p:txBody>
-          <a:bodyPr/>
-          <a:lstStyle/>
-          <a:p>
-            <a:fld id="{489D000B-E6AD-40C2-AC67-BF5C54101F25}" type="slidenum">
-              <a:rPr lang="en-US" smtClean="0"/>
-              <a:pPr/>
-              <a:t>4</a:t>
-            </a:fld>
-            <a:endParaRPr lang="en-US"/>
-          </a:p>
-        </p:txBody>
-      </p:sp>
-      <p:sp>
-        <p:nvSpPr>
-          <p:cNvPr id="8" name="Content Placeholder 2">
-            <a:extLst>
-              <a:ext uri="{FF2B5EF4-FFF2-40B4-BE49-F238E27FC236}">
-                <a16:creationId xmlns:a16="http://schemas.microsoft.com/office/drawing/2014/main" id="{E49CC35F-A773-4207-95AE-2B219EA56050}"/>
-              </a:ext>
-            </a:extLst>
-          </p:cNvPr>
-          <p:cNvSpPr>
-            <a:spLocks noGrp="1"/>
-          </p:cNvSpPr>
-          <p:nvPr>
-            <p:ph idx="1"/>
-          </p:nvPr>
-        </p:nvSpPr>
-        <p:spPr>
-          <a:xfrm>
-            <a:off x="457200" y="1219200"/>
-            <a:ext cx="7620000" cy="4953000"/>
-          </a:xfrm>
-        </p:spPr>
-        <p:txBody>
-          <a:bodyPr>
-            <a:normAutofit fontScale="92500" lnSpcReduction="10000"/>
-          </a:bodyPr>
-          <a:lstStyle/>
-          <a:p>
-            <a:pPr marL="114300" indent="0">
-              <a:buNone/>
-            </a:pPr>
-            <a:r>
-              <a:rPr lang="en-US" sz="2400" dirty="0"/>
-              <a:t>Datasets Used: Census 2015 ACS Data FBI 2015 Violent Crime Data</a:t>
-            </a:r>
-          </a:p>
-          <a:p>
-            <a:r>
-              <a:rPr lang="en-US" sz="2400" dirty="0">
-                <a:hlinkClick r:id="rId3"/>
-              </a:rPr>
-              <a:t>https://ucr.fbi.gov/crime-in-the-u.s/2015/crime-in-the-u.s.-2015/tables/table-8/table_8_offenses_known_to_law_enforcement_by_state_by_city_2015.xls/view</a:t>
-            </a:r>
-            <a:endParaRPr lang="en-US" sz="2400" dirty="0"/>
-          </a:p>
-          <a:p>
-            <a:r>
-              <a:rPr lang="en-US" sz="2400" dirty="0">
-                <a:hlinkClick r:id="rId4"/>
-              </a:rPr>
-              <a:t>https://www.census.gov/programs-surveys/acs/technical-documentation/table-and-geography-changes/2015/5-year.html</a:t>
-            </a:r>
-            <a:endParaRPr lang="en-US" sz="2400" dirty="0"/>
-          </a:p>
-          <a:p>
-            <a:endParaRPr lang="en-US" dirty="0"/>
-          </a:p>
-          <a:p>
-            <a:r>
-              <a:rPr lang="en-US" dirty="0"/>
-              <a:t>Describe selection of data sources</a:t>
-            </a:r>
-          </a:p>
-          <a:p>
-            <a:r>
-              <a:rPr lang="en-US" dirty="0"/>
-              <a:t>Describe data within data sources to be used</a:t>
-            </a:r>
-          </a:p>
-          <a:p>
-            <a:r>
-              <a:rPr lang="en-US" dirty="0"/>
-              <a:t>Describe challenges with</a:t>
-            </a:r>
-          </a:p>
-          <a:p>
-            <a:pPr lvl="1"/>
-            <a:r>
-              <a:rPr lang="en-US" dirty="0"/>
-              <a:t>Matching the data between the two data sources</a:t>
-            </a:r>
-          </a:p>
-          <a:p>
-            <a:pPr lvl="1"/>
-            <a:r>
-              <a:rPr lang="en-US" dirty="0"/>
-              <a:t>Challenges with FBI data and getting it into csv</a:t>
-            </a:r>
-          </a:p>
-          <a:p>
-            <a:endParaRPr lang="en-US" dirty="0"/>
-          </a:p>
-        </p:txBody>
-      </p:sp>
-      <p:sp>
-        <p:nvSpPr>
-          <p:cNvPr id="6" name="Footer Placeholder 3">
-            <a:extLst>
-              <a:ext uri="{FF2B5EF4-FFF2-40B4-BE49-F238E27FC236}">
-                <a16:creationId xmlns:a16="http://schemas.microsoft.com/office/drawing/2014/main" id="{95FBADCA-91D2-491A-9BE0-0359DF300B56}"/>
-              </a:ext>
-            </a:extLst>
-          </p:cNvPr>
-          <p:cNvSpPr>
-            <a:spLocks noGrp="1"/>
-          </p:cNvSpPr>
-          <p:nvPr/>
-        </p:nvSpPr>
-        <p:spPr>
-          <a:xfrm rot="16200000">
-            <a:off x="6771639" y="3058161"/>
-            <a:ext cx="4043682" cy="365760"/>
-          </a:xfrm>
-          <a:prstGeom prst="rect">
-            <a:avLst/>
-          </a:prstGeom>
-        </p:spPr>
-        <p:txBody>
-          <a:bodyPr vert="horz" lIns="91440" tIns="45720" rIns="91440" bIns="45720" rtlCol="0" anchor="ctr"/>
-          <a:lstStyle>
-            <a:defPPr>
-              <a:defRPr lang="en-US"/>
-            </a:defPPr>
-            <a:lvl1pPr marL="0" algn="r" defTabSz="914400" rtl="0" eaLnBrk="1" latinLnBrk="0" hangingPunct="1">
-              <a:defRPr sz="1200" kern="1200">
-                <a:solidFill>
-                  <a:schemeClr val="bg2"/>
-                </a:solidFill>
-                <a:latin typeface="+mn-lt"/>
-                <a:ea typeface="+mn-ea"/>
-                <a:cs typeface="+mn-cs"/>
-              </a:defRPr>
-            </a:lvl1pPr>
-            <a:lvl2pPr marL="457200" algn="l" defTabSz="914400" rtl="0" eaLnBrk="1" latinLnBrk="0" hangingPunct="1">
-              <a:defRPr sz="1800" kern="1200">
-                <a:solidFill>
-                  <a:schemeClr val="tx1"/>
-                </a:solidFill>
-                <a:latin typeface="+mn-lt"/>
-                <a:ea typeface="+mn-ea"/>
-                <a:cs typeface="+mn-cs"/>
-              </a:defRPr>
-            </a:lvl2pPr>
-            <a:lvl3pPr marL="914400" algn="l" defTabSz="914400" rtl="0" eaLnBrk="1" latinLnBrk="0" hangingPunct="1">
-              <a:defRPr sz="1800" kern="1200">
-                <a:solidFill>
-                  <a:schemeClr val="tx1"/>
-                </a:solidFill>
-                <a:latin typeface="+mn-lt"/>
-                <a:ea typeface="+mn-ea"/>
-                <a:cs typeface="+mn-cs"/>
-              </a:defRPr>
-            </a:lvl3pPr>
-            <a:lvl4pPr marL="1371600" algn="l" defTabSz="914400" rtl="0" eaLnBrk="1" latinLnBrk="0" hangingPunct="1">
-              <a:defRPr sz="1800" kern="1200">
-                <a:solidFill>
-                  <a:schemeClr val="tx1"/>
-                </a:solidFill>
-                <a:latin typeface="+mn-lt"/>
-                <a:ea typeface="+mn-ea"/>
-                <a:cs typeface="+mn-cs"/>
-              </a:defRPr>
-            </a:lvl4pPr>
-            <a:lvl5pPr marL="1828800" algn="l" defTabSz="914400" rtl="0" eaLnBrk="1" latinLnBrk="0" hangingPunct="1">
-              <a:defRPr sz="1800" kern="1200">
-                <a:solidFill>
-                  <a:schemeClr val="tx1"/>
-                </a:solidFill>
-                <a:latin typeface="+mn-lt"/>
-                <a:ea typeface="+mn-ea"/>
-                <a:cs typeface="+mn-cs"/>
-              </a:defRPr>
-            </a:lvl5pPr>
-            <a:lvl6pPr marL="2286000" algn="l" defTabSz="914400" rtl="0" eaLnBrk="1" latinLnBrk="0" hangingPunct="1">
-              <a:defRPr sz="1800" kern="1200">
-                <a:solidFill>
-                  <a:schemeClr val="tx1"/>
-                </a:solidFill>
-                <a:latin typeface="+mn-lt"/>
-                <a:ea typeface="+mn-ea"/>
-                <a:cs typeface="+mn-cs"/>
-              </a:defRPr>
-            </a:lvl6pPr>
-            <a:lvl7pPr marL="2743200" algn="l" defTabSz="914400" rtl="0" eaLnBrk="1" latinLnBrk="0" hangingPunct="1">
-              <a:defRPr sz="1800" kern="1200">
-                <a:solidFill>
-                  <a:schemeClr val="tx1"/>
-                </a:solidFill>
-                <a:latin typeface="+mn-lt"/>
-                <a:ea typeface="+mn-ea"/>
-                <a:cs typeface="+mn-cs"/>
-              </a:defRPr>
-            </a:lvl7pPr>
-            <a:lvl8pPr marL="3200400" algn="l" defTabSz="914400" rtl="0" eaLnBrk="1" latinLnBrk="0" hangingPunct="1">
-              <a:defRPr sz="1800" kern="1200">
-                <a:solidFill>
-                  <a:schemeClr val="tx1"/>
-                </a:solidFill>
-                <a:latin typeface="+mn-lt"/>
-                <a:ea typeface="+mn-ea"/>
-                <a:cs typeface="+mn-cs"/>
-              </a:defRPr>
-            </a:lvl8pPr>
-            <a:lvl9pPr marL="3657600" algn="l" defTabSz="914400" rtl="0" eaLnBrk="1" latinLnBrk="0" hangingPunct="1">
-              <a:defRPr sz="1800" kern="1200">
-                <a:solidFill>
-                  <a:schemeClr val="tx1"/>
-                </a:solidFill>
-                <a:latin typeface="+mn-lt"/>
-                <a:ea typeface="+mn-ea"/>
-                <a:cs typeface="+mn-cs"/>
-              </a:defRPr>
-            </a:lvl9pPr>
-          </a:lstStyle>
-          <a:p>
-            <a:pPr algn="l"/>
-            <a:r>
-              <a:rPr lang="en-US" dirty="0">
-                <a:solidFill>
-                  <a:schemeClr val="bg1"/>
-                </a:solidFill>
-              </a:rPr>
-              <a:t>The Effect of Demographics on Violent crime Rates n the US</a:t>
-            </a:r>
-          </a:p>
-          <a:p>
-            <a:pPr algn="l"/>
-            <a:r>
-              <a:rPr lang="en-US" dirty="0" err="1">
-                <a:solidFill>
-                  <a:schemeClr val="bg1"/>
-                </a:solidFill>
-              </a:rPr>
-              <a:t>Temidayo</a:t>
-            </a:r>
-            <a:r>
-              <a:rPr lang="en-US" dirty="0">
-                <a:solidFill>
-                  <a:schemeClr val="bg1"/>
-                </a:solidFill>
-              </a:rPr>
-              <a:t> </a:t>
-            </a:r>
-            <a:r>
-              <a:rPr lang="en-US" dirty="0" err="1">
-                <a:solidFill>
-                  <a:schemeClr val="bg1"/>
-                </a:solidFill>
-              </a:rPr>
-              <a:t>Akinsanya</a:t>
-            </a:r>
-            <a:endParaRPr lang="en-US" dirty="0">
-              <a:solidFill>
-                <a:schemeClr val="bg1"/>
-              </a:solidFill>
-            </a:endParaRPr>
-          </a:p>
-          <a:p>
-            <a:pPr algn="l"/>
-            <a:r>
-              <a:rPr lang="en-US" dirty="0">
-                <a:solidFill>
-                  <a:schemeClr val="bg1"/>
-                </a:solidFill>
-              </a:rPr>
-              <a:t>Cheryl Johnson</a:t>
-            </a:r>
-          </a:p>
-        </p:txBody>
-      </p:sp>
-    </p:spTree>
-  </p:cSld>
-  <p:clrMapOvr>
-    <a:masterClrMapping/>
-  </p:clrMapOvr>
-</p:sld>
-</file>
-
-<file path=ppt/slides/slide5.xml><?xml version="1.0" encoding="utf-8"?>
-<p:sld xmlns:a="http://schemas.openxmlformats.org/drawingml/2006/main" xmlns:r="http://schemas.openxmlformats.org/officeDocument/2006/relationships" xmlns:p="http://schemas.openxmlformats.org/presentationml/2006/main">
-  <p:cSld>
-    <p:spTree>
-      <p:nvGrpSpPr>
-        <p:cNvPr id="1" name=""/>
-        <p:cNvGrpSpPr/>
-        <p:nvPr/>
-      </p:nvGrpSpPr>
-      <p:grpSpPr>
-        <a:xfrm>
-          <a:off x="0" y="0"/>
-          <a:ext cx="0" cy="0"/>
-          <a:chOff x="0" y="0"/>
-          <a:chExt cx="0" cy="0"/>
-        </a:xfrm>
-      </p:grpSpPr>
-      <p:sp>
-        <p:nvSpPr>
-          <p:cNvPr id="2" name="Title 1"/>
-          <p:cNvSpPr>
-            <a:spLocks noGrp="1"/>
-          </p:cNvSpPr>
-          <p:nvPr>
-            <p:ph type="title"/>
-          </p:nvPr>
-        </p:nvSpPr>
-        <p:spPr/>
-        <p:txBody>
-          <a:bodyPr/>
-          <a:lstStyle/>
-          <a:p>
-            <a:r>
-              <a:rPr lang="en-US" sz="4000" dirty="0"/>
-              <a:t>Data Exploration &amp; Cleanup</a:t>
-            </a:r>
-          </a:p>
-        </p:txBody>
-      </p:sp>
-      <p:sp>
-        <p:nvSpPr>
-          <p:cNvPr id="3" name="Content Placeholder 2"/>
-          <p:cNvSpPr>
-            <a:spLocks noGrp="1"/>
-          </p:cNvSpPr>
-          <p:nvPr>
-            <p:ph idx="1"/>
-          </p:nvPr>
-        </p:nvSpPr>
-        <p:spPr/>
-        <p:txBody>
-          <a:bodyPr/>
-          <a:lstStyle/>
-          <a:p>
-            <a:r>
-              <a:rPr lang="en-US" dirty="0"/>
-              <a:t>Describe process to clean up data</a:t>
-            </a:r>
-          </a:p>
-          <a:p>
-            <a:endParaRPr lang="en-US" dirty="0"/>
-          </a:p>
-        </p:txBody>
-      </p:sp>
-      <p:sp>
-        <p:nvSpPr>
-          <p:cNvPr id="5" name="Slide Number Placeholder 4"/>
-          <p:cNvSpPr>
-            <a:spLocks noGrp="1"/>
-          </p:cNvSpPr>
-          <p:nvPr>
-            <p:ph type="sldNum" sz="quarter" idx="12"/>
-          </p:nvPr>
-        </p:nvSpPr>
-        <p:spPr/>
-        <p:txBody>
-          <a:bodyPr/>
-          <a:lstStyle/>
-          <a:p>
-            <a:fld id="{489D000B-E6AD-40C2-AC67-BF5C54101F25}" type="slidenum">
-              <a:rPr lang="en-US" smtClean="0"/>
-              <a:pPr/>
-              <a:t>5</a:t>
-            </a:fld>
-            <a:endParaRPr lang="en-US"/>
-          </a:p>
-        </p:txBody>
-      </p:sp>
-      <p:sp>
-        <p:nvSpPr>
-          <p:cNvPr id="7" name="Footer Placeholder 3">
-            <a:extLst>
-              <a:ext uri="{FF2B5EF4-FFF2-40B4-BE49-F238E27FC236}">
-                <a16:creationId xmlns:a16="http://schemas.microsoft.com/office/drawing/2014/main" id="{269F0422-791F-4B33-8A86-F01882C066E2}"/>
-              </a:ext>
-            </a:extLst>
-          </p:cNvPr>
-          <p:cNvSpPr>
-            <a:spLocks noGrp="1"/>
-          </p:cNvSpPr>
-          <p:nvPr/>
-        </p:nvSpPr>
-        <p:spPr>
-          <a:xfrm rot="16200000">
-            <a:off x="6771639" y="3058161"/>
-            <a:ext cx="4043682" cy="365760"/>
-          </a:xfrm>
-          <a:prstGeom prst="rect">
-            <a:avLst/>
-          </a:prstGeom>
-        </p:spPr>
-        <p:txBody>
-          <a:bodyPr vert="horz" lIns="91440" tIns="45720" rIns="91440" bIns="45720" rtlCol="0" anchor="ctr"/>
-          <a:lstStyle>
-            <a:defPPr>
-              <a:defRPr lang="en-US"/>
-            </a:defPPr>
-            <a:lvl1pPr marL="0" algn="r" defTabSz="914400" rtl="0" eaLnBrk="1" latinLnBrk="0" hangingPunct="1">
-              <a:defRPr sz="1200" kern="1200">
-                <a:solidFill>
-                  <a:schemeClr val="bg2"/>
-                </a:solidFill>
-                <a:latin typeface="+mn-lt"/>
-                <a:ea typeface="+mn-ea"/>
-                <a:cs typeface="+mn-cs"/>
-              </a:defRPr>
-            </a:lvl1pPr>
-            <a:lvl2pPr marL="457200" algn="l" defTabSz="914400" rtl="0" eaLnBrk="1" latinLnBrk="0" hangingPunct="1">
-              <a:defRPr sz="1800" kern="1200">
-                <a:solidFill>
-                  <a:schemeClr val="tx1"/>
-                </a:solidFill>
-                <a:latin typeface="+mn-lt"/>
-                <a:ea typeface="+mn-ea"/>
-                <a:cs typeface="+mn-cs"/>
-              </a:defRPr>
-            </a:lvl2pPr>
-            <a:lvl3pPr marL="914400" algn="l" defTabSz="914400" rtl="0" eaLnBrk="1" latinLnBrk="0" hangingPunct="1">
-              <a:defRPr sz="1800" kern="1200">
-                <a:solidFill>
-                  <a:schemeClr val="tx1"/>
-                </a:solidFill>
-                <a:latin typeface="+mn-lt"/>
-                <a:ea typeface="+mn-ea"/>
-                <a:cs typeface="+mn-cs"/>
-              </a:defRPr>
-            </a:lvl3pPr>
-            <a:lvl4pPr marL="1371600" algn="l" defTabSz="914400" rtl="0" eaLnBrk="1" latinLnBrk="0" hangingPunct="1">
-              <a:defRPr sz="1800" kern="1200">
-                <a:solidFill>
-                  <a:schemeClr val="tx1"/>
-                </a:solidFill>
-                <a:latin typeface="+mn-lt"/>
-                <a:ea typeface="+mn-ea"/>
-                <a:cs typeface="+mn-cs"/>
-              </a:defRPr>
-            </a:lvl4pPr>
-            <a:lvl5pPr marL="1828800" algn="l" defTabSz="914400" rtl="0" eaLnBrk="1" latinLnBrk="0" hangingPunct="1">
-              <a:defRPr sz="1800" kern="1200">
-                <a:solidFill>
-                  <a:schemeClr val="tx1"/>
-                </a:solidFill>
-                <a:latin typeface="+mn-lt"/>
-                <a:ea typeface="+mn-ea"/>
-                <a:cs typeface="+mn-cs"/>
-              </a:defRPr>
-            </a:lvl5pPr>
-            <a:lvl6pPr marL="2286000" algn="l" defTabSz="914400" rtl="0" eaLnBrk="1" latinLnBrk="0" hangingPunct="1">
-              <a:defRPr sz="1800" kern="1200">
-                <a:solidFill>
-                  <a:schemeClr val="tx1"/>
-                </a:solidFill>
-                <a:latin typeface="+mn-lt"/>
-                <a:ea typeface="+mn-ea"/>
-                <a:cs typeface="+mn-cs"/>
-              </a:defRPr>
-            </a:lvl6pPr>
-            <a:lvl7pPr marL="2743200" algn="l" defTabSz="914400" rtl="0" eaLnBrk="1" latinLnBrk="0" hangingPunct="1">
-              <a:defRPr sz="1800" kern="1200">
-                <a:solidFill>
-                  <a:schemeClr val="tx1"/>
-                </a:solidFill>
-                <a:latin typeface="+mn-lt"/>
-                <a:ea typeface="+mn-ea"/>
-                <a:cs typeface="+mn-cs"/>
-              </a:defRPr>
-            </a:lvl7pPr>
-            <a:lvl8pPr marL="3200400" algn="l" defTabSz="914400" rtl="0" eaLnBrk="1" latinLnBrk="0" hangingPunct="1">
-              <a:defRPr sz="1800" kern="1200">
-                <a:solidFill>
-                  <a:schemeClr val="tx1"/>
-                </a:solidFill>
-                <a:latin typeface="+mn-lt"/>
-                <a:ea typeface="+mn-ea"/>
-                <a:cs typeface="+mn-cs"/>
-              </a:defRPr>
-            </a:lvl8pPr>
-            <a:lvl9pPr marL="3657600" algn="l" defTabSz="914400" rtl="0" eaLnBrk="1" latinLnBrk="0" hangingPunct="1">
-              <a:defRPr sz="1800" kern="1200">
-                <a:solidFill>
-                  <a:schemeClr val="tx1"/>
-                </a:solidFill>
-                <a:latin typeface="+mn-lt"/>
-                <a:ea typeface="+mn-ea"/>
-                <a:cs typeface="+mn-cs"/>
-              </a:defRPr>
-            </a:lvl9pPr>
-          </a:lstStyle>
-          <a:p>
-            <a:pPr algn="l"/>
-            <a:r>
-              <a:rPr lang="en-US" dirty="0">
-                <a:solidFill>
-                  <a:schemeClr val="bg1"/>
-                </a:solidFill>
-              </a:rPr>
-              <a:t>The Effect of Demographics on Violent crime Rates n the US</a:t>
-            </a:r>
-          </a:p>
-          <a:p>
-            <a:pPr algn="l"/>
-            <a:r>
-              <a:rPr lang="en-US" dirty="0" err="1">
-                <a:solidFill>
-                  <a:schemeClr val="bg1"/>
-                </a:solidFill>
-              </a:rPr>
-              <a:t>Temidayo</a:t>
-            </a:r>
-            <a:r>
-              <a:rPr lang="en-US" dirty="0">
-                <a:solidFill>
-                  <a:schemeClr val="bg1"/>
-                </a:solidFill>
-              </a:rPr>
-              <a:t> </a:t>
-            </a:r>
-            <a:r>
-              <a:rPr lang="en-US" dirty="0" err="1">
-                <a:solidFill>
-                  <a:schemeClr val="bg1"/>
-                </a:solidFill>
-              </a:rPr>
-              <a:t>Akinsanya</a:t>
-            </a:r>
-            <a:endParaRPr lang="en-US" dirty="0">
-              <a:solidFill>
-                <a:schemeClr val="bg1"/>
-              </a:solidFill>
-            </a:endParaRPr>
-          </a:p>
-          <a:p>
-            <a:pPr algn="l"/>
-            <a:r>
-              <a:rPr lang="en-US" dirty="0">
-                <a:solidFill>
-                  <a:schemeClr val="bg1"/>
-                </a:solidFill>
-              </a:rPr>
-              <a:t>Cheryl Johnson</a:t>
-            </a:r>
-          </a:p>
-        </p:txBody>
-      </p:sp>
-    </p:spTree>
-    <p:extLst>
-      <p:ext uri="{BB962C8B-B14F-4D97-AF65-F5344CB8AC3E}">
-        <p14:creationId xmlns:p14="http://schemas.microsoft.com/office/powerpoint/2010/main" val="3619871718"/>
-      </p:ext>
-    </p:extLst>
-  </p:cSld>
-  <p:clrMapOvr>
-    <a:masterClrMapping/>
-  </p:clrMapOvr>
-</p:sld>
-</file>
-
-<file path=ppt/slides/slide6.xml><?xml version="1.0" encoding="utf-8"?>
-<p:sld xmlns:a="http://schemas.openxmlformats.org/drawingml/2006/main" xmlns:r="http://schemas.openxmlformats.org/officeDocument/2006/relationships" xmlns:p="http://schemas.openxmlformats.org/presentationml/2006/main">
-  <p:cSld>
-    <p:spTree>
-      <p:nvGrpSpPr>
-        <p:cNvPr id="1" name=""/>
-        <p:cNvGrpSpPr/>
-        <p:nvPr/>
-      </p:nvGrpSpPr>
-      <p:grpSpPr>
-        <a:xfrm>
-          <a:off x="0" y="0"/>
-          <a:ext cx="0" cy="0"/>
-          <a:chOff x="0" y="0"/>
-          <a:chExt cx="0" cy="0"/>
-        </a:xfrm>
-      </p:grpSpPr>
-      <p:sp>
-        <p:nvSpPr>
-          <p:cNvPr id="2" name="Title 1"/>
-          <p:cNvSpPr>
-            <a:spLocks noGrp="1"/>
-          </p:cNvSpPr>
-          <p:nvPr>
-            <p:ph type="title"/>
-          </p:nvPr>
-        </p:nvSpPr>
-        <p:spPr/>
-        <p:txBody>
-          <a:bodyPr/>
-          <a:lstStyle/>
-          <a:p>
-            <a:r>
-              <a:rPr lang="en-US" sz="4000" dirty="0"/>
-              <a:t>Data Analysis</a:t>
-            </a:r>
-          </a:p>
-        </p:txBody>
-      </p:sp>
-      <p:sp>
-        <p:nvSpPr>
-          <p:cNvPr id="3" name="Content Placeholder 2"/>
-          <p:cNvSpPr>
-            <a:spLocks noGrp="1"/>
-          </p:cNvSpPr>
-          <p:nvPr>
-            <p:ph idx="1"/>
-          </p:nvPr>
-        </p:nvSpPr>
-        <p:spPr/>
-        <p:txBody>
-          <a:bodyPr/>
-          <a:lstStyle/>
-          <a:p>
-            <a:r>
-              <a:rPr lang="en-US" dirty="0"/>
-              <a:t>Data </a:t>
-            </a:r>
-            <a:r>
-              <a:rPr lang="en-US"/>
-              <a:t>analysis steps</a:t>
-            </a:r>
-            <a:endParaRPr lang="en-US" dirty="0"/>
-          </a:p>
-        </p:txBody>
-      </p:sp>
-      <p:sp>
-        <p:nvSpPr>
-          <p:cNvPr id="5" name="Slide Number Placeholder 4"/>
-          <p:cNvSpPr>
-            <a:spLocks noGrp="1"/>
-          </p:cNvSpPr>
-          <p:nvPr>
-            <p:ph type="sldNum" sz="quarter" idx="12"/>
-          </p:nvPr>
-        </p:nvSpPr>
-        <p:spPr/>
-        <p:txBody>
-          <a:bodyPr/>
-          <a:lstStyle/>
-          <a:p>
-            <a:fld id="{489D000B-E6AD-40C2-AC67-BF5C54101F25}" type="slidenum">
-              <a:rPr lang="en-US" smtClean="0"/>
-              <a:pPr/>
-              <a:t>6</a:t>
-            </a:fld>
-            <a:endParaRPr lang="en-US"/>
-          </a:p>
-        </p:txBody>
-      </p:sp>
-      <p:sp>
-        <p:nvSpPr>
-          <p:cNvPr id="7" name="Footer Placeholder 3">
-            <a:extLst>
-              <a:ext uri="{FF2B5EF4-FFF2-40B4-BE49-F238E27FC236}">
-                <a16:creationId xmlns:a16="http://schemas.microsoft.com/office/drawing/2014/main" id="{79952150-7520-45F1-BC23-A4793D31B73F}"/>
-              </a:ext>
-            </a:extLst>
-          </p:cNvPr>
-          <p:cNvSpPr>
-            <a:spLocks noGrp="1"/>
-          </p:cNvSpPr>
-          <p:nvPr/>
-        </p:nvSpPr>
-        <p:spPr>
-          <a:xfrm rot="16200000">
-            <a:off x="6771639" y="3058161"/>
-            <a:ext cx="4043682" cy="365760"/>
-          </a:xfrm>
-          <a:prstGeom prst="rect">
-            <a:avLst/>
-          </a:prstGeom>
-        </p:spPr>
-        <p:txBody>
-          <a:bodyPr vert="horz" lIns="91440" tIns="45720" rIns="91440" bIns="45720" rtlCol="0" anchor="ctr"/>
-          <a:lstStyle>
-            <a:defPPr>
-              <a:defRPr lang="en-US"/>
-            </a:defPPr>
-            <a:lvl1pPr marL="0" algn="r" defTabSz="914400" rtl="0" eaLnBrk="1" latinLnBrk="0" hangingPunct="1">
-              <a:defRPr sz="1200" kern="1200">
-                <a:solidFill>
-                  <a:schemeClr val="bg2"/>
-                </a:solidFill>
-                <a:latin typeface="+mn-lt"/>
-                <a:ea typeface="+mn-ea"/>
-                <a:cs typeface="+mn-cs"/>
-              </a:defRPr>
-            </a:lvl1pPr>
-            <a:lvl2pPr marL="457200" algn="l" defTabSz="914400" rtl="0" eaLnBrk="1" latinLnBrk="0" hangingPunct="1">
-              <a:defRPr sz="1800" kern="1200">
-                <a:solidFill>
-                  <a:schemeClr val="tx1"/>
-                </a:solidFill>
-                <a:latin typeface="+mn-lt"/>
-                <a:ea typeface="+mn-ea"/>
-                <a:cs typeface="+mn-cs"/>
-              </a:defRPr>
-            </a:lvl2pPr>
-            <a:lvl3pPr marL="914400" algn="l" defTabSz="914400" rtl="0" eaLnBrk="1" latinLnBrk="0" hangingPunct="1">
-              <a:defRPr sz="1800" kern="1200">
-                <a:solidFill>
-                  <a:schemeClr val="tx1"/>
-                </a:solidFill>
-                <a:latin typeface="+mn-lt"/>
-                <a:ea typeface="+mn-ea"/>
-                <a:cs typeface="+mn-cs"/>
-              </a:defRPr>
-            </a:lvl3pPr>
-            <a:lvl4pPr marL="1371600" algn="l" defTabSz="914400" rtl="0" eaLnBrk="1" latinLnBrk="0" hangingPunct="1">
-              <a:defRPr sz="1800" kern="1200">
-                <a:solidFill>
-                  <a:schemeClr val="tx1"/>
-                </a:solidFill>
-                <a:latin typeface="+mn-lt"/>
-                <a:ea typeface="+mn-ea"/>
-                <a:cs typeface="+mn-cs"/>
-              </a:defRPr>
-            </a:lvl4pPr>
-            <a:lvl5pPr marL="1828800" algn="l" defTabSz="914400" rtl="0" eaLnBrk="1" latinLnBrk="0" hangingPunct="1">
-              <a:defRPr sz="1800" kern="1200">
-                <a:solidFill>
-                  <a:schemeClr val="tx1"/>
-                </a:solidFill>
-                <a:latin typeface="+mn-lt"/>
-                <a:ea typeface="+mn-ea"/>
-                <a:cs typeface="+mn-cs"/>
-              </a:defRPr>
-            </a:lvl5pPr>
-            <a:lvl6pPr marL="2286000" algn="l" defTabSz="914400" rtl="0" eaLnBrk="1" latinLnBrk="0" hangingPunct="1">
-              <a:defRPr sz="1800" kern="1200">
-                <a:solidFill>
-                  <a:schemeClr val="tx1"/>
-                </a:solidFill>
-                <a:latin typeface="+mn-lt"/>
-                <a:ea typeface="+mn-ea"/>
-                <a:cs typeface="+mn-cs"/>
-              </a:defRPr>
-            </a:lvl6pPr>
-            <a:lvl7pPr marL="2743200" algn="l" defTabSz="914400" rtl="0" eaLnBrk="1" latinLnBrk="0" hangingPunct="1">
-              <a:defRPr sz="1800" kern="1200">
-                <a:solidFill>
-                  <a:schemeClr val="tx1"/>
-                </a:solidFill>
-                <a:latin typeface="+mn-lt"/>
-                <a:ea typeface="+mn-ea"/>
-                <a:cs typeface="+mn-cs"/>
-              </a:defRPr>
-            </a:lvl7pPr>
-            <a:lvl8pPr marL="3200400" algn="l" defTabSz="914400" rtl="0" eaLnBrk="1" latinLnBrk="0" hangingPunct="1">
-              <a:defRPr sz="1800" kern="1200">
-                <a:solidFill>
-                  <a:schemeClr val="tx1"/>
-                </a:solidFill>
-                <a:latin typeface="+mn-lt"/>
-                <a:ea typeface="+mn-ea"/>
-                <a:cs typeface="+mn-cs"/>
-              </a:defRPr>
-            </a:lvl8pPr>
-            <a:lvl9pPr marL="3657600" algn="l" defTabSz="914400" rtl="0" eaLnBrk="1" latinLnBrk="0" hangingPunct="1">
-              <a:defRPr sz="1800" kern="1200">
-                <a:solidFill>
-                  <a:schemeClr val="tx1"/>
-                </a:solidFill>
-                <a:latin typeface="+mn-lt"/>
-                <a:ea typeface="+mn-ea"/>
-                <a:cs typeface="+mn-cs"/>
-              </a:defRPr>
-            </a:lvl9pPr>
-          </a:lstStyle>
-          <a:p>
-            <a:pPr algn="l"/>
-            <a:r>
-              <a:rPr lang="en-US" dirty="0">
-                <a:solidFill>
-                  <a:schemeClr val="bg1"/>
-                </a:solidFill>
-              </a:rPr>
-              <a:t>The Effect of Demographics on Violent crime Rates n the US</a:t>
-            </a:r>
-          </a:p>
-          <a:p>
-            <a:pPr algn="l"/>
-            <a:r>
-              <a:rPr lang="en-US" dirty="0" err="1">
-                <a:solidFill>
-                  <a:schemeClr val="bg1"/>
-                </a:solidFill>
-              </a:rPr>
-              <a:t>Temidayo</a:t>
-            </a:r>
-            <a:r>
-              <a:rPr lang="en-US" dirty="0">
-                <a:solidFill>
-                  <a:schemeClr val="bg1"/>
-                </a:solidFill>
-              </a:rPr>
-              <a:t> </a:t>
-            </a:r>
-            <a:r>
-              <a:rPr lang="en-US" dirty="0" err="1">
-                <a:solidFill>
-                  <a:schemeClr val="bg1"/>
-                </a:solidFill>
-              </a:rPr>
-              <a:t>Akinsanya</a:t>
-            </a:r>
-            <a:endParaRPr lang="en-US" dirty="0">
-              <a:solidFill>
-                <a:schemeClr val="bg1"/>
-              </a:solidFill>
-            </a:endParaRPr>
-          </a:p>
-          <a:p>
-            <a:pPr algn="l"/>
-            <a:r>
-              <a:rPr lang="en-US" dirty="0">
-                <a:solidFill>
-                  <a:schemeClr val="bg1"/>
-                </a:solidFill>
-              </a:rPr>
-              <a:t>Cheryl Johnson</a:t>
-            </a:r>
-          </a:p>
-        </p:txBody>
-      </p:sp>
-    </p:spTree>
-    <p:extLst>
-      <p:ext uri="{BB962C8B-B14F-4D97-AF65-F5344CB8AC3E}">
-        <p14:creationId xmlns:p14="http://schemas.microsoft.com/office/powerpoint/2010/main" val="3619871718"/>
-      </p:ext>
-    </p:extLst>
-  </p:cSld>
-  <p:clrMapOvr>
-    <a:masterClrMapping/>
-  </p:clrMapOvr>
-</p:sld>
-</file>
-
-<file path=ppt/slides/slide7.xml><?xml version="1.0" encoding="utf-8"?>
+<file path=ppt/slides/slide12.xml><?xml version="1.0" encoding="utf-8"?>
 <p:sld xmlns:a="http://schemas.openxmlformats.org/drawingml/2006/main" xmlns:r="http://schemas.openxmlformats.org/officeDocument/2006/relationships" xmlns:p="http://schemas.openxmlformats.org/presentationml/2006/main">
   <p:cSld>
     <p:spTree>
@@ -6724,10 +5585,10 @@
       </p:grpSpPr>
       <p:pic>
         <p:nvPicPr>
-          <p:cNvPr id="24" name="Picture 23">
+          <p:cNvPr id="15" name="Picture 14">
             <a:extLst>
               <a:ext uri="{FF2B5EF4-FFF2-40B4-BE49-F238E27FC236}">
-                <a16:creationId xmlns:a16="http://schemas.microsoft.com/office/drawing/2014/main" id="{55A837CE-9309-43F7-8F0A-BFA613FCA212}"/>
+                <a16:creationId xmlns:a16="http://schemas.microsoft.com/office/drawing/2014/main" id="{C43A5092-8139-413C-979E-E52B3BFDC824}"/>
               </a:ext>
             </a:extLst>
           </p:cNvPr>
@@ -6750,50 +5611,14 @@
         </p:blipFill>
         <p:spPr>
           <a:xfrm>
-            <a:off x="4300539" y="2880361"/>
-            <a:ext cx="4152899" cy="2768599"/>
+            <a:off x="0" y="510944"/>
+            <a:ext cx="4535371" cy="3023580"/>
           </a:xfrm>
           <a:prstGeom prst="rect">
             <a:avLst/>
           </a:prstGeom>
         </p:spPr>
       </p:pic>
-      <p:pic>
-        <p:nvPicPr>
-          <p:cNvPr id="15" name="Picture 14">
-            <a:extLst>
-              <a:ext uri="{FF2B5EF4-FFF2-40B4-BE49-F238E27FC236}">
-                <a16:creationId xmlns:a16="http://schemas.microsoft.com/office/drawing/2014/main" id="{C43A5092-8139-413C-979E-E52B3BFDC824}"/>
-              </a:ext>
-            </a:extLst>
-          </p:cNvPr>
-          <p:cNvPicPr>
-            <a:picLocks noChangeAspect="1"/>
-          </p:cNvPicPr>
-          <p:nvPr/>
-        </p:nvPicPr>
-        <p:blipFill>
-          <a:blip r:embed="rId3">
-            <a:extLst>
-              <a:ext uri="{28A0092B-C50C-407E-A947-70E740481C1C}">
-                <a14:useLocalDpi xmlns:a14="http://schemas.microsoft.com/office/drawing/2010/main" val="0"/>
-              </a:ext>
-            </a:extLst>
-          </a:blip>
-          <a:stretch>
-            <a:fillRect/>
-          </a:stretch>
-        </p:blipFill>
-        <p:spPr>
-          <a:xfrm>
-            <a:off x="20299" y="695099"/>
-            <a:ext cx="4152899" cy="2768599"/>
-          </a:xfrm>
-          <a:prstGeom prst="rect">
-            <a:avLst/>
-          </a:prstGeom>
-        </p:spPr>
-      </p:pic>
       <p:sp>
         <p:nvSpPr>
           <p:cNvPr id="2" name="Title 1"/>
@@ -6834,12 +5659,14 @@
         </p:nvSpPr>
         <p:spPr>
           <a:xfrm>
-            <a:off x="3733800" y="1171547"/>
-            <a:ext cx="4562476" cy="1777602"/>
+            <a:off x="3962400" y="965504"/>
+            <a:ext cx="4491038" cy="2463495"/>
           </a:xfrm>
         </p:spPr>
         <p:txBody>
-          <a:bodyPr/>
+          <a:bodyPr>
+            <a:normAutofit fontScale="62500" lnSpcReduction="20000"/>
+          </a:bodyPr>
           <a:lstStyle/>
           <a:p>
             <a:pPr marL="114300" indent="0">
@@ -6850,6 +5677,30 @@
               <a:t>Education Level</a:t>
             </a:r>
           </a:p>
+          <a:p>
+            <a:r>
+              <a:rPr lang="en-US" dirty="0"/>
+              <a:t>Highest level of education in low violent crime locations is an Associates Degree</a:t>
+            </a:r>
+          </a:p>
+          <a:p>
+            <a:r>
+              <a:rPr lang="en-US" dirty="0"/>
+              <a:t>Highest level of education in high violent crime locations is an High School Degree</a:t>
+            </a:r>
+          </a:p>
+          <a:p>
+            <a:r>
+              <a:rPr lang="en-US" dirty="0"/>
+              <a:t>Both high violent crime and low violent crime locations had the same percentage of residents with Associates Degree as highest level of education </a:t>
+            </a:r>
+          </a:p>
+          <a:p>
+            <a:r>
+              <a:rPr lang="en-US" dirty="0"/>
+              <a:t>Low Violent Crime locations had more than twice the percentage of Graduate degree completion than High Violent Crime locations</a:t>
+            </a:r>
+          </a:p>
         </p:txBody>
       </p:sp>
       <p:sp>
@@ -6870,387 +5721,9 @@
             <a:fld id="{489D000B-E6AD-40C2-AC67-BF5C54101F25}" type="slidenum">
               <a:rPr lang="en-US" smtClean="0"/>
               <a:pPr/>
-              <a:t>7</a:t>
+              <a:t>12</a:t>
             </a:fld>
             <a:endParaRPr lang="en-US"/>
-          </a:p>
-        </p:txBody>
-      </p:sp>
-      <p:sp>
-        <p:nvSpPr>
-          <p:cNvPr id="7" name="Footer Placeholder 3">
-            <a:extLst>
-              <a:ext uri="{FF2B5EF4-FFF2-40B4-BE49-F238E27FC236}">
-                <a16:creationId xmlns:a16="http://schemas.microsoft.com/office/drawing/2014/main" id="{79952150-7520-45F1-BC23-A4793D31B73F}"/>
-              </a:ext>
-            </a:extLst>
-          </p:cNvPr>
-          <p:cNvSpPr>
-            <a:spLocks noGrp="1"/>
-          </p:cNvSpPr>
-          <p:nvPr/>
-        </p:nvSpPr>
-        <p:spPr>
-          <a:xfrm rot="16200000">
-            <a:off x="6771639" y="3058161"/>
-            <a:ext cx="4043682" cy="365760"/>
-          </a:xfrm>
-          <a:prstGeom prst="rect">
-            <a:avLst/>
-          </a:prstGeom>
-        </p:spPr>
-        <p:txBody>
-          <a:bodyPr vert="horz" lIns="91440" tIns="45720" rIns="91440" bIns="45720" rtlCol="0" anchor="ctr"/>
-          <a:lstStyle>
-            <a:defPPr>
-              <a:defRPr lang="en-US"/>
-            </a:defPPr>
-            <a:lvl1pPr marL="0" algn="r" defTabSz="914400" rtl="0" eaLnBrk="1" latinLnBrk="0" hangingPunct="1">
-              <a:defRPr sz="1200" kern="1200">
-                <a:solidFill>
-                  <a:schemeClr val="bg2"/>
-                </a:solidFill>
-                <a:latin typeface="+mn-lt"/>
-                <a:ea typeface="+mn-ea"/>
-                <a:cs typeface="+mn-cs"/>
-              </a:defRPr>
-            </a:lvl1pPr>
-            <a:lvl2pPr marL="457200" algn="l" defTabSz="914400" rtl="0" eaLnBrk="1" latinLnBrk="0" hangingPunct="1">
-              <a:defRPr sz="1800" kern="1200">
-                <a:solidFill>
-                  <a:schemeClr val="tx1"/>
-                </a:solidFill>
-                <a:latin typeface="+mn-lt"/>
-                <a:ea typeface="+mn-ea"/>
-                <a:cs typeface="+mn-cs"/>
-              </a:defRPr>
-            </a:lvl2pPr>
-            <a:lvl3pPr marL="914400" algn="l" defTabSz="914400" rtl="0" eaLnBrk="1" latinLnBrk="0" hangingPunct="1">
-              <a:defRPr sz="1800" kern="1200">
-                <a:solidFill>
-                  <a:schemeClr val="tx1"/>
-                </a:solidFill>
-                <a:latin typeface="+mn-lt"/>
-                <a:ea typeface="+mn-ea"/>
-                <a:cs typeface="+mn-cs"/>
-              </a:defRPr>
-            </a:lvl3pPr>
-            <a:lvl4pPr marL="1371600" algn="l" defTabSz="914400" rtl="0" eaLnBrk="1" latinLnBrk="0" hangingPunct="1">
-              <a:defRPr sz="1800" kern="1200">
-                <a:solidFill>
-                  <a:schemeClr val="tx1"/>
-                </a:solidFill>
-                <a:latin typeface="+mn-lt"/>
-                <a:ea typeface="+mn-ea"/>
-                <a:cs typeface="+mn-cs"/>
-              </a:defRPr>
-            </a:lvl4pPr>
-            <a:lvl5pPr marL="1828800" algn="l" defTabSz="914400" rtl="0" eaLnBrk="1" latinLnBrk="0" hangingPunct="1">
-              <a:defRPr sz="1800" kern="1200">
-                <a:solidFill>
-                  <a:schemeClr val="tx1"/>
-                </a:solidFill>
-                <a:latin typeface="+mn-lt"/>
-                <a:ea typeface="+mn-ea"/>
-                <a:cs typeface="+mn-cs"/>
-              </a:defRPr>
-            </a:lvl5pPr>
-            <a:lvl6pPr marL="2286000" algn="l" defTabSz="914400" rtl="0" eaLnBrk="1" latinLnBrk="0" hangingPunct="1">
-              <a:defRPr sz="1800" kern="1200">
-                <a:solidFill>
-                  <a:schemeClr val="tx1"/>
-                </a:solidFill>
-                <a:latin typeface="+mn-lt"/>
-                <a:ea typeface="+mn-ea"/>
-                <a:cs typeface="+mn-cs"/>
-              </a:defRPr>
-            </a:lvl6pPr>
-            <a:lvl7pPr marL="2743200" algn="l" defTabSz="914400" rtl="0" eaLnBrk="1" latinLnBrk="0" hangingPunct="1">
-              <a:defRPr sz="1800" kern="1200">
-                <a:solidFill>
-                  <a:schemeClr val="tx1"/>
-                </a:solidFill>
-                <a:latin typeface="+mn-lt"/>
-                <a:ea typeface="+mn-ea"/>
-                <a:cs typeface="+mn-cs"/>
-              </a:defRPr>
-            </a:lvl7pPr>
-            <a:lvl8pPr marL="3200400" algn="l" defTabSz="914400" rtl="0" eaLnBrk="1" latinLnBrk="0" hangingPunct="1">
-              <a:defRPr sz="1800" kern="1200">
-                <a:solidFill>
-                  <a:schemeClr val="tx1"/>
-                </a:solidFill>
-                <a:latin typeface="+mn-lt"/>
-                <a:ea typeface="+mn-ea"/>
-                <a:cs typeface="+mn-cs"/>
-              </a:defRPr>
-            </a:lvl8pPr>
-            <a:lvl9pPr marL="3657600" algn="l" defTabSz="914400" rtl="0" eaLnBrk="1" latinLnBrk="0" hangingPunct="1">
-              <a:defRPr sz="1800" kern="1200">
-                <a:solidFill>
-                  <a:schemeClr val="tx1"/>
-                </a:solidFill>
-                <a:latin typeface="+mn-lt"/>
-                <a:ea typeface="+mn-ea"/>
-                <a:cs typeface="+mn-cs"/>
-              </a:defRPr>
-            </a:lvl9pPr>
-          </a:lstStyle>
-          <a:p>
-            <a:pPr algn="l"/>
-            <a:r>
-              <a:rPr lang="en-US" dirty="0">
-                <a:solidFill>
-                  <a:schemeClr val="bg1"/>
-                </a:solidFill>
-              </a:rPr>
-              <a:t>The Effect of Demographics on Violent crime Rates n the US</a:t>
-            </a:r>
-          </a:p>
-          <a:p>
-            <a:pPr algn="l"/>
-            <a:r>
-              <a:rPr lang="en-US" dirty="0" err="1">
-                <a:solidFill>
-                  <a:schemeClr val="bg1"/>
-                </a:solidFill>
-              </a:rPr>
-              <a:t>Temidayo</a:t>
-            </a:r>
-            <a:r>
-              <a:rPr lang="en-US" dirty="0">
-                <a:solidFill>
-                  <a:schemeClr val="bg1"/>
-                </a:solidFill>
-              </a:rPr>
-              <a:t> </a:t>
-            </a:r>
-            <a:r>
-              <a:rPr lang="en-US" dirty="0" err="1">
-                <a:solidFill>
-                  <a:schemeClr val="bg1"/>
-                </a:solidFill>
-              </a:rPr>
-              <a:t>Akinsanya</a:t>
-            </a:r>
-            <a:endParaRPr lang="en-US" dirty="0">
-              <a:solidFill>
-                <a:schemeClr val="bg1"/>
-              </a:solidFill>
-            </a:endParaRPr>
-          </a:p>
-          <a:p>
-            <a:pPr algn="l"/>
-            <a:r>
-              <a:rPr lang="en-US" dirty="0">
-                <a:solidFill>
-                  <a:schemeClr val="bg1"/>
-                </a:solidFill>
-              </a:rPr>
-              <a:t>Cheryl Johnson</a:t>
-            </a:r>
-          </a:p>
-        </p:txBody>
-      </p:sp>
-      <p:sp>
-        <p:nvSpPr>
-          <p:cNvPr id="26" name="Content Placeholder 2">
-            <a:extLst>
-              <a:ext uri="{FF2B5EF4-FFF2-40B4-BE49-F238E27FC236}">
-                <a16:creationId xmlns:a16="http://schemas.microsoft.com/office/drawing/2014/main" id="{9D985377-06BE-4D93-B820-6FA8DFD2738B}"/>
-              </a:ext>
-            </a:extLst>
-          </p:cNvPr>
-          <p:cNvSpPr txBox="1">
-            <a:spLocks/>
-          </p:cNvSpPr>
-          <p:nvPr/>
-        </p:nvSpPr>
-        <p:spPr>
-          <a:xfrm>
-            <a:off x="20299" y="3609484"/>
-            <a:ext cx="4246901" cy="1777602"/>
-          </a:xfrm>
-          <a:prstGeom prst="rect">
-            <a:avLst/>
-          </a:prstGeom>
-        </p:spPr>
-        <p:txBody>
-          <a:bodyPr vert="horz" lIns="91440" tIns="45720" rIns="91440" bIns="45720" rtlCol="0">
-            <a:normAutofit/>
-          </a:bodyPr>
-          <a:lstStyle>
-            <a:lvl1pPr marL="342900" indent="-228600" algn="l" defTabSz="914400" rtl="0" eaLnBrk="1" latinLnBrk="0" hangingPunct="1">
-              <a:spcBef>
-                <a:spcPct val="20000"/>
-              </a:spcBef>
-              <a:buClr>
-                <a:schemeClr val="accent1"/>
-              </a:buClr>
-              <a:buFont typeface="Arial" pitchFamily="34" charset="0"/>
-              <a:buChar char="•"/>
-              <a:defRPr sz="2200" kern="1200">
-                <a:solidFill>
-                  <a:schemeClr val="tx1"/>
-                </a:solidFill>
-                <a:latin typeface="+mn-lt"/>
-                <a:ea typeface="+mn-ea"/>
-                <a:cs typeface="+mn-cs"/>
-              </a:defRPr>
-            </a:lvl1pPr>
-            <a:lvl2pPr marL="640080" indent="-228600" algn="l" defTabSz="914400" rtl="0" eaLnBrk="1" latinLnBrk="0" hangingPunct="1">
-              <a:spcBef>
-                <a:spcPct val="20000"/>
-              </a:spcBef>
-              <a:buClr>
-                <a:schemeClr val="accent2"/>
-              </a:buClr>
-              <a:buFont typeface="Arial" pitchFamily="34" charset="0"/>
-              <a:buChar char="•"/>
-              <a:defRPr sz="2000" kern="1200">
-                <a:solidFill>
-                  <a:schemeClr val="tx1"/>
-                </a:solidFill>
-                <a:latin typeface="+mn-lt"/>
-                <a:ea typeface="+mn-ea"/>
-                <a:cs typeface="+mn-cs"/>
-              </a:defRPr>
-            </a:lvl2pPr>
-            <a:lvl3pPr marL="1005840" indent="-228600" algn="l" defTabSz="914400" rtl="0" eaLnBrk="1" latinLnBrk="0" hangingPunct="1">
-              <a:spcBef>
-                <a:spcPct val="20000"/>
-              </a:spcBef>
-              <a:buClr>
-                <a:schemeClr val="accent3"/>
-              </a:buClr>
-              <a:buFont typeface="Arial" pitchFamily="34" charset="0"/>
-              <a:buChar char="•"/>
-              <a:defRPr sz="1800" kern="1200">
-                <a:solidFill>
-                  <a:schemeClr val="tx1"/>
-                </a:solidFill>
-                <a:latin typeface="+mn-lt"/>
-                <a:ea typeface="+mn-ea"/>
-                <a:cs typeface="+mn-cs"/>
-              </a:defRPr>
-            </a:lvl3pPr>
-            <a:lvl4pPr marL="1280160" indent="-228600" algn="l" defTabSz="914400" rtl="0" eaLnBrk="1" latinLnBrk="0" hangingPunct="1">
-              <a:spcBef>
-                <a:spcPct val="20000"/>
-              </a:spcBef>
-              <a:buClr>
-                <a:schemeClr val="accent4"/>
-              </a:buClr>
-              <a:buFont typeface="Arial" pitchFamily="34" charset="0"/>
-              <a:buChar char="•"/>
-              <a:defRPr sz="1600" kern="1200">
-                <a:solidFill>
-                  <a:schemeClr val="tx1"/>
-                </a:solidFill>
-                <a:latin typeface="+mn-lt"/>
-                <a:ea typeface="+mn-ea"/>
-                <a:cs typeface="+mn-cs"/>
-              </a:defRPr>
-            </a:lvl4pPr>
-            <a:lvl5pPr marL="1554480" indent="-228600" algn="l" defTabSz="914400" rtl="0" eaLnBrk="1" latinLnBrk="0" hangingPunct="1">
-              <a:spcBef>
-                <a:spcPct val="20000"/>
-              </a:spcBef>
-              <a:buClr>
-                <a:schemeClr val="accent5"/>
-              </a:buClr>
-              <a:buFont typeface="Arial" pitchFamily="34" charset="0"/>
-              <a:buChar char="•"/>
-              <a:defRPr sz="1400" kern="1200" baseline="0">
-                <a:solidFill>
-                  <a:schemeClr val="tx1"/>
-                </a:solidFill>
-                <a:latin typeface="+mn-lt"/>
-                <a:ea typeface="+mn-ea"/>
-                <a:cs typeface="+mn-cs"/>
-              </a:defRPr>
-            </a:lvl5pPr>
-            <a:lvl6pPr marL="1737360" indent="-182880" algn="l" defTabSz="914400" rtl="0" eaLnBrk="1" latinLnBrk="0" hangingPunct="1">
-              <a:spcBef>
-                <a:spcPct val="20000"/>
-              </a:spcBef>
-              <a:buClr>
-                <a:schemeClr val="accent1"/>
-              </a:buClr>
-              <a:buFont typeface="Arial" pitchFamily="34" charset="0"/>
-              <a:buChar char="•"/>
-              <a:defRPr sz="1400" kern="1200" baseline="0">
-                <a:solidFill>
-                  <a:schemeClr val="tx1"/>
-                </a:solidFill>
-                <a:latin typeface="+mn-lt"/>
-                <a:ea typeface="+mn-ea"/>
-                <a:cs typeface="+mn-cs"/>
-              </a:defRPr>
-            </a:lvl6pPr>
-            <a:lvl7pPr marL="1920240" indent="-182880" algn="l" defTabSz="914400" rtl="0" eaLnBrk="1" latinLnBrk="0" hangingPunct="1">
-              <a:spcBef>
-                <a:spcPct val="20000"/>
-              </a:spcBef>
-              <a:buClr>
-                <a:schemeClr val="accent2"/>
-              </a:buClr>
-              <a:buFont typeface="Arial" pitchFamily="34" charset="0"/>
-              <a:buChar char="•"/>
-              <a:defRPr sz="1400" kern="1200">
-                <a:solidFill>
-                  <a:schemeClr val="tx1"/>
-                </a:solidFill>
-                <a:latin typeface="+mn-lt"/>
-                <a:ea typeface="+mn-ea"/>
-                <a:cs typeface="+mn-cs"/>
-              </a:defRPr>
-            </a:lvl7pPr>
-            <a:lvl8pPr marL="2103120" indent="-182880" algn="l" defTabSz="914400" rtl="0" eaLnBrk="1" latinLnBrk="0" hangingPunct="1">
-              <a:spcBef>
-                <a:spcPct val="20000"/>
-              </a:spcBef>
-              <a:buClr>
-                <a:schemeClr val="accent3"/>
-              </a:buClr>
-              <a:buFont typeface="Arial" pitchFamily="34" charset="0"/>
-              <a:buChar char="•"/>
-              <a:defRPr sz="1400" kern="1200">
-                <a:solidFill>
-                  <a:schemeClr val="tx1"/>
-                </a:solidFill>
-                <a:latin typeface="+mn-lt"/>
-                <a:ea typeface="+mn-ea"/>
-                <a:cs typeface="+mn-cs"/>
-              </a:defRPr>
-            </a:lvl8pPr>
-            <a:lvl9pPr marL="2286000" indent="-182880" algn="l" defTabSz="914400" rtl="0" eaLnBrk="1" latinLnBrk="0" hangingPunct="1">
-              <a:spcBef>
-                <a:spcPct val="20000"/>
-              </a:spcBef>
-              <a:buClr>
-                <a:schemeClr val="accent4"/>
-              </a:buClr>
-              <a:buFont typeface="Arial" pitchFamily="34" charset="0"/>
-              <a:buChar char="•"/>
-              <a:defRPr sz="1400" kern="1200">
-                <a:solidFill>
-                  <a:schemeClr val="tx1"/>
-                </a:solidFill>
-                <a:latin typeface="+mn-lt"/>
-                <a:ea typeface="+mn-ea"/>
-                <a:cs typeface="+mn-cs"/>
-              </a:defRPr>
-            </a:lvl9pPr>
-          </a:lstStyle>
-          <a:p>
-            <a:pPr marL="114300" indent="0">
-              <a:buNone/>
-            </a:pPr>
-            <a:r>
-              <a:rPr lang="en-US" dirty="0"/>
-              <a:t>School Enrollment</a:t>
-            </a:r>
           </a:p>
         </p:txBody>
       </p:sp>
@@ -7271,45 +5744,7 @@
         <p:spPr>
           <a:xfrm>
             <a:off x="0" y="3609484"/>
-            <a:ext cx="4267200" cy="0"/>
-          </a:xfrm>
-          <a:prstGeom prst="line">
-            <a:avLst/>
-          </a:prstGeom>
-        </p:spPr>
-        <p:style>
-          <a:lnRef idx="1">
-            <a:schemeClr val="accent1"/>
-          </a:lnRef>
-          <a:fillRef idx="0">
-            <a:schemeClr val="accent1"/>
-          </a:fillRef>
-          <a:effectRef idx="0">
-            <a:schemeClr val="accent1"/>
-          </a:effectRef>
-          <a:fontRef idx="minor">
-            <a:schemeClr val="tx1"/>
-          </a:fontRef>
-        </p:style>
-      </p:cxnSp>
-      <p:cxnSp>
-        <p:nvCxnSpPr>
-          <p:cNvPr id="12" name="Straight Connector 11">
-            <a:extLst>
-              <a:ext uri="{FF2B5EF4-FFF2-40B4-BE49-F238E27FC236}">
-                <a16:creationId xmlns:a16="http://schemas.microsoft.com/office/drawing/2014/main" id="{5E760D87-C951-4B43-9278-9C33800F3760}"/>
-              </a:ext>
-            </a:extLst>
-          </p:cNvPr>
-          <p:cNvCxnSpPr>
-            <a:cxnSpLocks/>
-          </p:cNvCxnSpPr>
-          <p:nvPr/>
-        </p:nvCxnSpPr>
-        <p:spPr>
-          <a:xfrm flipV="1">
-            <a:off x="4267200" y="2949149"/>
-            <a:ext cx="0" cy="660335"/>
+            <a:ext cx="4173198" cy="0"/>
           </a:xfrm>
           <a:prstGeom prst="line">
             <a:avLst/>
@@ -7346,7 +5781,7 @@
         </p:nvCxnSpPr>
         <p:spPr>
           <a:xfrm>
-            <a:off x="4267200" y="2949149"/>
+            <a:off x="4267200" y="3319800"/>
             <a:ext cx="4186238" cy="0"/>
           </a:xfrm>
           <a:prstGeom prst="line">
@@ -7368,6 +5803,519 @@
           </a:fontRef>
         </p:style>
       </p:cxnSp>
+      <p:pic>
+        <p:nvPicPr>
+          <p:cNvPr id="36" name="Picture 35">
+            <a:extLst>
+              <a:ext uri="{FF2B5EF4-FFF2-40B4-BE49-F238E27FC236}">
+                <a16:creationId xmlns:a16="http://schemas.microsoft.com/office/drawing/2014/main" id="{C7D5447E-6D5E-4E02-8C95-E89DAE6F4413}"/>
+              </a:ext>
+            </a:extLst>
+          </p:cNvPr>
+          <p:cNvPicPr>
+            <a:picLocks noChangeAspect="1"/>
+          </p:cNvPicPr>
+          <p:nvPr/>
+        </p:nvPicPr>
+        <p:blipFill>
+          <a:blip r:embed="rId3">
+            <a:extLst>
+              <a:ext uri="{28A0092B-C50C-407E-A947-70E740481C1C}">
+                <a14:useLocalDpi xmlns:a14="http://schemas.microsoft.com/office/drawing/2010/main" val="0"/>
+              </a:ext>
+            </a:extLst>
+          </a:blip>
+          <a:stretch>
+            <a:fillRect/>
+          </a:stretch>
+        </p:blipFill>
+        <p:spPr>
+          <a:xfrm>
+            <a:off x="3858793" y="3640048"/>
+            <a:ext cx="4594645" cy="3063095"/>
+          </a:xfrm>
+          <a:prstGeom prst="rect">
+            <a:avLst/>
+          </a:prstGeom>
+        </p:spPr>
+      </p:pic>
+      <p:sp>
+        <p:nvSpPr>
+          <p:cNvPr id="40" name="Content Placeholder 2">
+            <a:extLst>
+              <a:ext uri="{FF2B5EF4-FFF2-40B4-BE49-F238E27FC236}">
+                <a16:creationId xmlns:a16="http://schemas.microsoft.com/office/drawing/2014/main" id="{69113ED9-3CCA-4EA0-9CDE-288E8F35B482}"/>
+              </a:ext>
+            </a:extLst>
+          </p:cNvPr>
+          <p:cNvSpPr txBox="1">
+            <a:spLocks/>
+          </p:cNvSpPr>
+          <p:nvPr/>
+        </p:nvSpPr>
+        <p:spPr>
+          <a:xfrm>
+            <a:off x="0" y="3718680"/>
+            <a:ext cx="3962400" cy="3063111"/>
+          </a:xfrm>
+          <a:prstGeom prst="rect">
+            <a:avLst/>
+          </a:prstGeom>
+        </p:spPr>
+        <p:txBody>
+          <a:bodyPr vert="horz" lIns="91440" tIns="45720" rIns="91440" bIns="45720" rtlCol="0">
+            <a:normAutofit fontScale="77500" lnSpcReduction="20000"/>
+          </a:bodyPr>
+          <a:lstStyle>
+            <a:lvl1pPr marL="342900" indent="-228600" algn="l" defTabSz="914400" rtl="0" eaLnBrk="1" latinLnBrk="0" hangingPunct="1">
+              <a:spcBef>
+                <a:spcPct val="20000"/>
+              </a:spcBef>
+              <a:buClr>
+                <a:schemeClr val="accent1"/>
+              </a:buClr>
+              <a:buFont typeface="Arial" pitchFamily="34" charset="0"/>
+              <a:buChar char="•"/>
+              <a:defRPr sz="2200" kern="1200">
+                <a:solidFill>
+                  <a:schemeClr val="tx1"/>
+                </a:solidFill>
+                <a:latin typeface="+mn-lt"/>
+                <a:ea typeface="+mn-ea"/>
+                <a:cs typeface="+mn-cs"/>
+              </a:defRPr>
+            </a:lvl1pPr>
+            <a:lvl2pPr marL="640080" indent="-228600" algn="l" defTabSz="914400" rtl="0" eaLnBrk="1" latinLnBrk="0" hangingPunct="1">
+              <a:spcBef>
+                <a:spcPct val="20000"/>
+              </a:spcBef>
+              <a:buClr>
+                <a:schemeClr val="accent2"/>
+              </a:buClr>
+              <a:buFont typeface="Arial" pitchFamily="34" charset="0"/>
+              <a:buChar char="•"/>
+              <a:defRPr sz="2000" kern="1200">
+                <a:solidFill>
+                  <a:schemeClr val="tx1"/>
+                </a:solidFill>
+                <a:latin typeface="+mn-lt"/>
+                <a:ea typeface="+mn-ea"/>
+                <a:cs typeface="+mn-cs"/>
+              </a:defRPr>
+            </a:lvl2pPr>
+            <a:lvl3pPr marL="1005840" indent="-228600" algn="l" defTabSz="914400" rtl="0" eaLnBrk="1" latinLnBrk="0" hangingPunct="1">
+              <a:spcBef>
+                <a:spcPct val="20000"/>
+              </a:spcBef>
+              <a:buClr>
+                <a:schemeClr val="accent3"/>
+              </a:buClr>
+              <a:buFont typeface="Arial" pitchFamily="34" charset="0"/>
+              <a:buChar char="•"/>
+              <a:defRPr sz="1800" kern="1200">
+                <a:solidFill>
+                  <a:schemeClr val="tx1"/>
+                </a:solidFill>
+                <a:latin typeface="+mn-lt"/>
+                <a:ea typeface="+mn-ea"/>
+                <a:cs typeface="+mn-cs"/>
+              </a:defRPr>
+            </a:lvl3pPr>
+            <a:lvl4pPr marL="1280160" indent="-228600" algn="l" defTabSz="914400" rtl="0" eaLnBrk="1" latinLnBrk="0" hangingPunct="1">
+              <a:spcBef>
+                <a:spcPct val="20000"/>
+              </a:spcBef>
+              <a:buClr>
+                <a:schemeClr val="accent4"/>
+              </a:buClr>
+              <a:buFont typeface="Arial" pitchFamily="34" charset="0"/>
+              <a:buChar char="•"/>
+              <a:defRPr sz="1600" kern="1200">
+                <a:solidFill>
+                  <a:schemeClr val="tx1"/>
+                </a:solidFill>
+                <a:latin typeface="+mn-lt"/>
+                <a:ea typeface="+mn-ea"/>
+                <a:cs typeface="+mn-cs"/>
+              </a:defRPr>
+            </a:lvl4pPr>
+            <a:lvl5pPr marL="1554480" indent="-228600" algn="l" defTabSz="914400" rtl="0" eaLnBrk="1" latinLnBrk="0" hangingPunct="1">
+              <a:spcBef>
+                <a:spcPct val="20000"/>
+              </a:spcBef>
+              <a:buClr>
+                <a:schemeClr val="accent5"/>
+              </a:buClr>
+              <a:buFont typeface="Arial" pitchFamily="34" charset="0"/>
+              <a:buChar char="•"/>
+              <a:defRPr sz="1400" kern="1200" baseline="0">
+                <a:solidFill>
+                  <a:schemeClr val="tx1"/>
+                </a:solidFill>
+                <a:latin typeface="+mn-lt"/>
+                <a:ea typeface="+mn-ea"/>
+                <a:cs typeface="+mn-cs"/>
+              </a:defRPr>
+            </a:lvl5pPr>
+            <a:lvl6pPr marL="1737360" indent="-182880" algn="l" defTabSz="914400" rtl="0" eaLnBrk="1" latinLnBrk="0" hangingPunct="1">
+              <a:spcBef>
+                <a:spcPct val="20000"/>
+              </a:spcBef>
+              <a:buClr>
+                <a:schemeClr val="accent1"/>
+              </a:buClr>
+              <a:buFont typeface="Arial" pitchFamily="34" charset="0"/>
+              <a:buChar char="•"/>
+              <a:defRPr sz="1400" kern="1200" baseline="0">
+                <a:solidFill>
+                  <a:schemeClr val="tx1"/>
+                </a:solidFill>
+                <a:latin typeface="+mn-lt"/>
+                <a:ea typeface="+mn-ea"/>
+                <a:cs typeface="+mn-cs"/>
+              </a:defRPr>
+            </a:lvl6pPr>
+            <a:lvl7pPr marL="1920240" indent="-182880" algn="l" defTabSz="914400" rtl="0" eaLnBrk="1" latinLnBrk="0" hangingPunct="1">
+              <a:spcBef>
+                <a:spcPct val="20000"/>
+              </a:spcBef>
+              <a:buClr>
+                <a:schemeClr val="accent2"/>
+              </a:buClr>
+              <a:buFont typeface="Arial" pitchFamily="34" charset="0"/>
+              <a:buChar char="•"/>
+              <a:defRPr sz="1400" kern="1200">
+                <a:solidFill>
+                  <a:schemeClr val="tx1"/>
+                </a:solidFill>
+                <a:latin typeface="+mn-lt"/>
+                <a:ea typeface="+mn-ea"/>
+                <a:cs typeface="+mn-cs"/>
+              </a:defRPr>
+            </a:lvl7pPr>
+            <a:lvl8pPr marL="2103120" indent="-182880" algn="l" defTabSz="914400" rtl="0" eaLnBrk="1" latinLnBrk="0" hangingPunct="1">
+              <a:spcBef>
+                <a:spcPct val="20000"/>
+              </a:spcBef>
+              <a:buClr>
+                <a:schemeClr val="accent3"/>
+              </a:buClr>
+              <a:buFont typeface="Arial" pitchFamily="34" charset="0"/>
+              <a:buChar char="•"/>
+              <a:defRPr sz="1400" kern="1200">
+                <a:solidFill>
+                  <a:schemeClr val="tx1"/>
+                </a:solidFill>
+                <a:latin typeface="+mn-lt"/>
+                <a:ea typeface="+mn-ea"/>
+                <a:cs typeface="+mn-cs"/>
+              </a:defRPr>
+            </a:lvl8pPr>
+            <a:lvl9pPr marL="2286000" indent="-182880" algn="l" defTabSz="914400" rtl="0" eaLnBrk="1" latinLnBrk="0" hangingPunct="1">
+              <a:spcBef>
+                <a:spcPct val="20000"/>
+              </a:spcBef>
+              <a:buClr>
+                <a:schemeClr val="accent4"/>
+              </a:buClr>
+              <a:buFont typeface="Arial" pitchFamily="34" charset="0"/>
+              <a:buChar char="•"/>
+              <a:defRPr sz="1400" kern="1200">
+                <a:solidFill>
+                  <a:schemeClr val="tx1"/>
+                </a:solidFill>
+                <a:latin typeface="+mn-lt"/>
+                <a:ea typeface="+mn-ea"/>
+                <a:cs typeface="+mn-cs"/>
+              </a:defRPr>
+            </a:lvl9pPr>
+          </a:lstStyle>
+          <a:p>
+            <a:pPr marL="114300" indent="0">
+              <a:buFont typeface="Arial" pitchFamily="34" charset="0"/>
+              <a:buNone/>
+            </a:pPr>
+            <a:r>
+              <a:rPr lang="en-US" dirty="0"/>
+              <a:t>Education Level</a:t>
+            </a:r>
+          </a:p>
+          <a:p>
+            <a:r>
+              <a:rPr lang="en-US" dirty="0"/>
+              <a:t>Low Violent Crime locations and High Violent Crime Locations have the same enrollment in all level of education except for 5</a:t>
+            </a:r>
+            <a:r>
+              <a:rPr lang="en-US" baseline="30000" dirty="0"/>
+              <a:t>th</a:t>
+            </a:r>
+            <a:r>
+              <a:rPr lang="en-US" dirty="0"/>
+              <a:t> – 8</a:t>
+            </a:r>
+            <a:r>
+              <a:rPr lang="en-US" baseline="30000" dirty="0"/>
+              <a:t>th</a:t>
+            </a:r>
+            <a:r>
+              <a:rPr lang="en-US" dirty="0"/>
+              <a:t> grade</a:t>
+            </a:r>
+          </a:p>
+          <a:p>
+            <a:r>
+              <a:rPr lang="en-US" dirty="0"/>
+              <a:t>High Violent Crime locations had fewer students enrolled in 5</a:t>
+            </a:r>
+            <a:r>
+              <a:rPr lang="en-US" baseline="30000" dirty="0"/>
+              <a:t>th</a:t>
+            </a:r>
+            <a:r>
+              <a:rPr lang="en-US" dirty="0"/>
+              <a:t>-8</a:t>
+            </a:r>
+            <a:r>
+              <a:rPr lang="en-US" baseline="30000" dirty="0"/>
+              <a:t>th</a:t>
+            </a:r>
+            <a:r>
+              <a:rPr lang="en-US" dirty="0"/>
+              <a:t> grades, when compared to 1</a:t>
+            </a:r>
+            <a:r>
+              <a:rPr lang="en-US" baseline="30000" dirty="0"/>
+              <a:t>st</a:t>
+            </a:r>
+            <a:r>
+              <a:rPr lang="en-US" dirty="0"/>
+              <a:t>-4</a:t>
+            </a:r>
+            <a:r>
+              <a:rPr lang="en-US" baseline="30000" dirty="0"/>
+              <a:t>th</a:t>
+            </a:r>
+            <a:r>
+              <a:rPr lang="en-US" dirty="0"/>
+              <a:t> grades</a:t>
+            </a:r>
+          </a:p>
+          <a:p>
+            <a:r>
+              <a:rPr lang="en-US" dirty="0"/>
+              <a:t>Low Violent Crime locations had fewer students enrolled in 9</a:t>
+            </a:r>
+            <a:r>
+              <a:rPr lang="en-US" baseline="30000" dirty="0"/>
+              <a:t>th</a:t>
+            </a:r>
+            <a:r>
+              <a:rPr lang="en-US" dirty="0"/>
+              <a:t>-12</a:t>
+            </a:r>
+            <a:r>
+              <a:rPr lang="en-US" baseline="30000" dirty="0"/>
+              <a:t>th</a:t>
+            </a:r>
+            <a:r>
+              <a:rPr lang="en-US" dirty="0"/>
+              <a:t> grades, when compared to 5</a:t>
+            </a:r>
+            <a:r>
+              <a:rPr lang="en-US" baseline="30000" dirty="0"/>
+              <a:t>th</a:t>
+            </a:r>
+            <a:r>
+              <a:rPr lang="en-US" dirty="0"/>
+              <a:t>-8</a:t>
+            </a:r>
+            <a:r>
+              <a:rPr lang="en-US" baseline="30000" dirty="0"/>
+              <a:t>th</a:t>
+            </a:r>
+            <a:r>
+              <a:rPr lang="en-US" dirty="0"/>
+              <a:t> grades</a:t>
+            </a:r>
+          </a:p>
+        </p:txBody>
+      </p:sp>
+      <p:sp>
+        <p:nvSpPr>
+          <p:cNvPr id="42" name="Footer Placeholder 3">
+            <a:extLst>
+              <a:ext uri="{FF2B5EF4-FFF2-40B4-BE49-F238E27FC236}">
+                <a16:creationId xmlns:a16="http://schemas.microsoft.com/office/drawing/2014/main" id="{1F022098-2CE2-4378-B1D1-3F14C231CF9B}"/>
+              </a:ext>
+            </a:extLst>
+          </p:cNvPr>
+          <p:cNvSpPr>
+            <a:spLocks noGrp="1"/>
+          </p:cNvSpPr>
+          <p:nvPr/>
+        </p:nvSpPr>
+        <p:spPr>
+          <a:xfrm rot="16200000">
+            <a:off x="6466839" y="2753361"/>
+            <a:ext cx="4653282" cy="365760"/>
+          </a:xfrm>
+          <a:prstGeom prst="rect">
+            <a:avLst/>
+          </a:prstGeom>
+        </p:spPr>
+        <p:txBody>
+          <a:bodyPr vert="horz" lIns="91440" tIns="45720" rIns="91440" bIns="45720" rtlCol="0" anchor="ctr"/>
+          <a:lstStyle>
+            <a:defPPr>
+              <a:defRPr lang="en-US"/>
+            </a:defPPr>
+            <a:lvl1pPr marL="0" algn="r" defTabSz="914400" rtl="0" eaLnBrk="1" latinLnBrk="0" hangingPunct="1">
+              <a:defRPr sz="1200" kern="1200">
+                <a:solidFill>
+                  <a:schemeClr val="bg2"/>
+                </a:solidFill>
+                <a:latin typeface="+mn-lt"/>
+                <a:ea typeface="+mn-ea"/>
+                <a:cs typeface="+mn-cs"/>
+              </a:defRPr>
+            </a:lvl1pPr>
+            <a:lvl2pPr marL="457200" algn="l" defTabSz="914400" rtl="0" eaLnBrk="1" latinLnBrk="0" hangingPunct="1">
+              <a:defRPr sz="1800" kern="1200">
+                <a:solidFill>
+                  <a:schemeClr val="tx1"/>
+                </a:solidFill>
+                <a:latin typeface="+mn-lt"/>
+                <a:ea typeface="+mn-ea"/>
+                <a:cs typeface="+mn-cs"/>
+              </a:defRPr>
+            </a:lvl2pPr>
+            <a:lvl3pPr marL="914400" algn="l" defTabSz="914400" rtl="0" eaLnBrk="1" latinLnBrk="0" hangingPunct="1">
+              <a:defRPr sz="1800" kern="1200">
+                <a:solidFill>
+                  <a:schemeClr val="tx1"/>
+                </a:solidFill>
+                <a:latin typeface="+mn-lt"/>
+                <a:ea typeface="+mn-ea"/>
+                <a:cs typeface="+mn-cs"/>
+              </a:defRPr>
+            </a:lvl3pPr>
+            <a:lvl4pPr marL="1371600" algn="l" defTabSz="914400" rtl="0" eaLnBrk="1" latinLnBrk="0" hangingPunct="1">
+              <a:defRPr sz="1800" kern="1200">
+                <a:solidFill>
+                  <a:schemeClr val="tx1"/>
+                </a:solidFill>
+                <a:latin typeface="+mn-lt"/>
+                <a:ea typeface="+mn-ea"/>
+                <a:cs typeface="+mn-cs"/>
+              </a:defRPr>
+            </a:lvl4pPr>
+            <a:lvl5pPr marL="1828800" algn="l" defTabSz="914400" rtl="0" eaLnBrk="1" latinLnBrk="0" hangingPunct="1">
+              <a:defRPr sz="1800" kern="1200">
+                <a:solidFill>
+                  <a:schemeClr val="tx1"/>
+                </a:solidFill>
+                <a:latin typeface="+mn-lt"/>
+                <a:ea typeface="+mn-ea"/>
+                <a:cs typeface="+mn-cs"/>
+              </a:defRPr>
+            </a:lvl5pPr>
+            <a:lvl6pPr marL="2286000" algn="l" defTabSz="914400" rtl="0" eaLnBrk="1" latinLnBrk="0" hangingPunct="1">
+              <a:defRPr sz="1800" kern="1200">
+                <a:solidFill>
+                  <a:schemeClr val="tx1"/>
+                </a:solidFill>
+                <a:latin typeface="+mn-lt"/>
+                <a:ea typeface="+mn-ea"/>
+                <a:cs typeface="+mn-cs"/>
+              </a:defRPr>
+            </a:lvl6pPr>
+            <a:lvl7pPr marL="2743200" algn="l" defTabSz="914400" rtl="0" eaLnBrk="1" latinLnBrk="0" hangingPunct="1">
+              <a:defRPr sz="1800" kern="1200">
+                <a:solidFill>
+                  <a:schemeClr val="tx1"/>
+                </a:solidFill>
+                <a:latin typeface="+mn-lt"/>
+                <a:ea typeface="+mn-ea"/>
+                <a:cs typeface="+mn-cs"/>
+              </a:defRPr>
+            </a:lvl7pPr>
+            <a:lvl8pPr marL="3200400" algn="l" defTabSz="914400" rtl="0" eaLnBrk="1" latinLnBrk="0" hangingPunct="1">
+              <a:defRPr sz="1800" kern="1200">
+                <a:solidFill>
+                  <a:schemeClr val="tx1"/>
+                </a:solidFill>
+                <a:latin typeface="+mn-lt"/>
+                <a:ea typeface="+mn-ea"/>
+                <a:cs typeface="+mn-cs"/>
+              </a:defRPr>
+            </a:lvl8pPr>
+            <a:lvl9pPr marL="3657600" algn="l" defTabSz="914400" rtl="0" eaLnBrk="1" latinLnBrk="0" hangingPunct="1">
+              <a:defRPr sz="1800" kern="1200">
+                <a:solidFill>
+                  <a:schemeClr val="tx1"/>
+                </a:solidFill>
+                <a:latin typeface="+mn-lt"/>
+                <a:ea typeface="+mn-ea"/>
+                <a:cs typeface="+mn-cs"/>
+              </a:defRPr>
+            </a:lvl9pPr>
+          </a:lstStyle>
+          <a:p>
+            <a:pPr algn="l"/>
+            <a:r>
+              <a:rPr lang="en-US" dirty="0">
+                <a:solidFill>
+                  <a:schemeClr val="bg1"/>
+                </a:solidFill>
+              </a:rPr>
+              <a:t>The Relationship Between Demographics &amp; Violent crime in the US</a:t>
+            </a:r>
+          </a:p>
+          <a:p>
+            <a:pPr algn="l"/>
+            <a:r>
+              <a:rPr lang="en-US" dirty="0" err="1">
+                <a:solidFill>
+                  <a:schemeClr val="bg1"/>
+                </a:solidFill>
+              </a:rPr>
+              <a:t>Temidayo</a:t>
+            </a:r>
+            <a:r>
+              <a:rPr lang="en-US" dirty="0">
+                <a:solidFill>
+                  <a:schemeClr val="bg1"/>
+                </a:solidFill>
+              </a:rPr>
+              <a:t> </a:t>
+            </a:r>
+            <a:r>
+              <a:rPr lang="en-US" dirty="0" err="1">
+                <a:solidFill>
+                  <a:schemeClr val="bg1"/>
+                </a:solidFill>
+              </a:rPr>
+              <a:t>Akinsanya</a:t>
+            </a:r>
+            <a:endParaRPr lang="en-US" dirty="0">
+              <a:solidFill>
+                <a:schemeClr val="bg1"/>
+              </a:solidFill>
+            </a:endParaRPr>
+          </a:p>
+          <a:p>
+            <a:pPr algn="l"/>
+            <a:r>
+              <a:rPr lang="en-US" dirty="0">
+                <a:solidFill>
+                  <a:schemeClr val="bg1"/>
+                </a:solidFill>
+              </a:rPr>
+              <a:t>Cheryl Johnson</a:t>
+            </a:r>
+          </a:p>
+        </p:txBody>
+      </p:sp>
     </p:spTree>
     <p:extLst>
       <p:ext uri="{BB962C8B-B14F-4D97-AF65-F5344CB8AC3E}">
@@ -7381,7 +6329,7 @@
 </p:sld>
 </file>
 
-<file path=ppt/slides/slide8.xml><?xml version="1.0" encoding="utf-8"?>
+<file path=ppt/slides/slide13.xml><?xml version="1.0" encoding="utf-8"?>
 <p:sld xmlns:a="http://schemas.openxmlformats.org/drawingml/2006/main" xmlns:r="http://schemas.openxmlformats.org/officeDocument/2006/relationships" xmlns:p="http://schemas.openxmlformats.org/presentationml/2006/main">
   <p:cSld>
     <p:spTree>
@@ -7410,8 +6358,8 @@
         </p:nvSpPr>
         <p:spPr>
           <a:xfrm>
-            <a:off x="0" y="675822"/>
-            <a:ext cx="8453438" cy="1533978"/>
+            <a:off x="-95412" y="675822"/>
+            <a:ext cx="8608381" cy="1533978"/>
           </a:xfrm>
         </p:spPr>
         <p:txBody>
@@ -7422,19 +6370,19 @@
           <a:p>
             <a:r>
               <a:rPr lang="en-US" dirty="0"/>
-              <a:t>For low crime cities, the largest Marital Status category is “Married” at nearly 54% (compare to high crime cities, where 37% are classified as “Married”)</a:t>
+              <a:t>For low violent crime locations, the largest Marital Status category is “Married” at nearly 54% (compare to high violent crime locations, where 37% are classified as “Married”)</a:t>
             </a:r>
           </a:p>
           <a:p>
             <a:r>
               <a:rPr lang="en-US" dirty="0"/>
-              <a:t>For high crime cities, the largest Marital Status category is “Never Married” at 38% (compare to low crime locations, where 26% are classified as “Never Married”)</a:t>
+              <a:t>For high violent crime locations, the largest Marital Status category is “Never Married” at 38% (compare to low violent crime locations, where 26% are classified as “Never Married”)</a:t>
             </a:r>
           </a:p>
           <a:p>
             <a:r>
               <a:rPr lang="en-US" dirty="0"/>
-              <a:t>Between low crime and high crime cities, the Marital Status categories with little difference are “Separated” (2% vs 3%), “Divorced” (12% vs 13%), and “Widowed” (6% vs. 8%)</a:t>
+              <a:t>Between low violent crime and high violent crime locations, the Marital Status categories with little difference are “Separated” (2% vs 3%), “Divorced” (12% vs 13%), and “Widowed” (6% vs. 8%)</a:t>
             </a:r>
           </a:p>
           <a:p>
@@ -7468,185 +6416,9 @@
             <a:fld id="{489D000B-E6AD-40C2-AC67-BF5C54101F25}" type="slidenum">
               <a:rPr lang="en-US" smtClean="0"/>
               <a:pPr/>
-              <a:t>8</a:t>
+              <a:t>13</a:t>
             </a:fld>
             <a:endParaRPr lang="en-US"/>
-          </a:p>
-        </p:txBody>
-      </p:sp>
-      <p:sp>
-        <p:nvSpPr>
-          <p:cNvPr id="7" name="Footer Placeholder 3">
-            <a:extLst>
-              <a:ext uri="{FF2B5EF4-FFF2-40B4-BE49-F238E27FC236}">
-                <a16:creationId xmlns:a16="http://schemas.microsoft.com/office/drawing/2014/main" id="{79952150-7520-45F1-BC23-A4793D31B73F}"/>
-              </a:ext>
-            </a:extLst>
-          </p:cNvPr>
-          <p:cNvSpPr>
-            <a:spLocks noGrp="1"/>
-          </p:cNvSpPr>
-          <p:nvPr/>
-        </p:nvSpPr>
-        <p:spPr>
-          <a:xfrm rot="16200000">
-            <a:off x="6692940" y="3192766"/>
-            <a:ext cx="4190823" cy="396090"/>
-          </a:xfrm>
-          <a:prstGeom prst="rect">
-            <a:avLst/>
-          </a:prstGeom>
-        </p:spPr>
-        <p:txBody>
-          <a:bodyPr vert="horz" lIns="91440" tIns="45720" rIns="91440" bIns="45720" rtlCol="0" anchor="ctr"/>
-          <a:lstStyle>
-            <a:defPPr>
-              <a:defRPr lang="en-US"/>
-            </a:defPPr>
-            <a:lvl1pPr marL="0" algn="r" defTabSz="914400" rtl="0" eaLnBrk="1" latinLnBrk="0" hangingPunct="1">
-              <a:defRPr sz="1200" kern="1200">
-                <a:solidFill>
-                  <a:schemeClr val="bg2"/>
-                </a:solidFill>
-                <a:latin typeface="+mn-lt"/>
-                <a:ea typeface="+mn-ea"/>
-                <a:cs typeface="+mn-cs"/>
-              </a:defRPr>
-            </a:lvl1pPr>
-            <a:lvl2pPr marL="457200" algn="l" defTabSz="914400" rtl="0" eaLnBrk="1" latinLnBrk="0" hangingPunct="1">
-              <a:defRPr sz="1800" kern="1200">
-                <a:solidFill>
-                  <a:schemeClr val="tx1"/>
-                </a:solidFill>
-                <a:latin typeface="+mn-lt"/>
-                <a:ea typeface="+mn-ea"/>
-                <a:cs typeface="+mn-cs"/>
-              </a:defRPr>
-            </a:lvl2pPr>
-            <a:lvl3pPr marL="914400" algn="l" defTabSz="914400" rtl="0" eaLnBrk="1" latinLnBrk="0" hangingPunct="1">
-              <a:defRPr sz="1800" kern="1200">
-                <a:solidFill>
-                  <a:schemeClr val="tx1"/>
-                </a:solidFill>
-                <a:latin typeface="+mn-lt"/>
-                <a:ea typeface="+mn-ea"/>
-                <a:cs typeface="+mn-cs"/>
-              </a:defRPr>
-            </a:lvl3pPr>
-            <a:lvl4pPr marL="1371600" algn="l" defTabSz="914400" rtl="0" eaLnBrk="1" latinLnBrk="0" hangingPunct="1">
-              <a:defRPr sz="1800" kern="1200">
-                <a:solidFill>
-                  <a:schemeClr val="tx1"/>
-                </a:solidFill>
-                <a:latin typeface="+mn-lt"/>
-                <a:ea typeface="+mn-ea"/>
-                <a:cs typeface="+mn-cs"/>
-              </a:defRPr>
-            </a:lvl4pPr>
-            <a:lvl5pPr marL="1828800" algn="l" defTabSz="914400" rtl="0" eaLnBrk="1" latinLnBrk="0" hangingPunct="1">
-              <a:defRPr sz="1800" kern="1200">
-                <a:solidFill>
-                  <a:schemeClr val="tx1"/>
-                </a:solidFill>
-                <a:latin typeface="+mn-lt"/>
-                <a:ea typeface="+mn-ea"/>
-                <a:cs typeface="+mn-cs"/>
-              </a:defRPr>
-            </a:lvl5pPr>
-            <a:lvl6pPr marL="2286000" algn="l" defTabSz="914400" rtl="0" eaLnBrk="1" latinLnBrk="0" hangingPunct="1">
-              <a:defRPr sz="1800" kern="1200">
-                <a:solidFill>
-                  <a:schemeClr val="tx1"/>
-                </a:solidFill>
-                <a:latin typeface="+mn-lt"/>
-                <a:ea typeface="+mn-ea"/>
-                <a:cs typeface="+mn-cs"/>
-              </a:defRPr>
-            </a:lvl6pPr>
-            <a:lvl7pPr marL="2743200" algn="l" defTabSz="914400" rtl="0" eaLnBrk="1" latinLnBrk="0" hangingPunct="1">
-              <a:defRPr sz="1800" kern="1200">
-                <a:solidFill>
-                  <a:schemeClr val="tx1"/>
-                </a:solidFill>
-                <a:latin typeface="+mn-lt"/>
-                <a:ea typeface="+mn-ea"/>
-                <a:cs typeface="+mn-cs"/>
-              </a:defRPr>
-            </a:lvl7pPr>
-            <a:lvl8pPr marL="3200400" algn="l" defTabSz="914400" rtl="0" eaLnBrk="1" latinLnBrk="0" hangingPunct="1">
-              <a:defRPr sz="1800" kern="1200">
-                <a:solidFill>
-                  <a:schemeClr val="tx1"/>
-                </a:solidFill>
-                <a:latin typeface="+mn-lt"/>
-                <a:ea typeface="+mn-ea"/>
-                <a:cs typeface="+mn-cs"/>
-              </a:defRPr>
-            </a:lvl8pPr>
-            <a:lvl9pPr marL="3657600" algn="l" defTabSz="914400" rtl="0" eaLnBrk="1" latinLnBrk="0" hangingPunct="1">
-              <a:defRPr sz="1800" kern="1200">
-                <a:solidFill>
-                  <a:schemeClr val="tx1"/>
-                </a:solidFill>
-                <a:latin typeface="+mn-lt"/>
-                <a:ea typeface="+mn-ea"/>
-                <a:cs typeface="+mn-cs"/>
-              </a:defRPr>
-            </a:lvl9pPr>
-          </a:lstStyle>
-          <a:p>
-            <a:pPr algn="l"/>
-            <a:r>
-              <a:rPr lang="en-US" dirty="0">
-                <a:solidFill>
-                  <a:schemeClr val="bg1"/>
-                </a:solidFill>
-              </a:rPr>
-              <a:t>The Effect of Demographics on Violent crime Rates n the US</a:t>
-            </a:r>
-          </a:p>
-          <a:p>
-            <a:pPr algn="l"/>
-            <a:r>
-              <a:rPr lang="en-US" dirty="0" err="1">
-                <a:solidFill>
-                  <a:schemeClr val="bg1"/>
-                </a:solidFill>
-              </a:rPr>
-              <a:t>Temidayo</a:t>
-            </a:r>
-            <a:r>
-              <a:rPr lang="en-US" dirty="0">
-                <a:solidFill>
-                  <a:schemeClr val="bg1"/>
-                </a:solidFill>
-              </a:rPr>
-              <a:t> </a:t>
-            </a:r>
-            <a:r>
-              <a:rPr lang="en-US" dirty="0" err="1">
-                <a:solidFill>
-                  <a:schemeClr val="bg1"/>
-                </a:solidFill>
-              </a:rPr>
-              <a:t>Akinsanya</a:t>
-            </a:r>
-            <a:endParaRPr lang="en-US" dirty="0">
-              <a:solidFill>
-                <a:schemeClr val="bg1"/>
-              </a:solidFill>
-            </a:endParaRPr>
-          </a:p>
-          <a:p>
-            <a:pPr algn="l"/>
-            <a:r>
-              <a:rPr lang="en-US" dirty="0">
-                <a:solidFill>
-                  <a:schemeClr val="bg1"/>
-                </a:solidFill>
-              </a:rPr>
-              <a:t>Cheryl Johnson</a:t>
-            </a:r>
           </a:p>
         </p:txBody>
       </p:sp>
@@ -7750,7 +6522,7 @@
         </p:blipFill>
         <p:spPr>
           <a:xfrm>
-            <a:off x="4590286" y="1956894"/>
+            <a:off x="4609605" y="2001456"/>
             <a:ext cx="3805733" cy="2537154"/>
           </a:xfrm>
           <a:prstGeom prst="rect">
@@ -7864,6 +6636,182 @@
           </a:p>
         </p:txBody>
       </p:sp>
+      <p:sp>
+        <p:nvSpPr>
+          <p:cNvPr id="46" name="Footer Placeholder 3">
+            <a:extLst>
+              <a:ext uri="{FF2B5EF4-FFF2-40B4-BE49-F238E27FC236}">
+                <a16:creationId xmlns:a16="http://schemas.microsoft.com/office/drawing/2014/main" id="{B297C4F8-9113-41D9-8E3F-6815CF65BEBD}"/>
+              </a:ext>
+            </a:extLst>
+          </p:cNvPr>
+          <p:cNvSpPr>
+            <a:spLocks noGrp="1"/>
+          </p:cNvSpPr>
+          <p:nvPr/>
+        </p:nvSpPr>
+        <p:spPr>
+          <a:xfrm rot="16200000">
+            <a:off x="6466839" y="2753361"/>
+            <a:ext cx="4653282" cy="365760"/>
+          </a:xfrm>
+          <a:prstGeom prst="rect">
+            <a:avLst/>
+          </a:prstGeom>
+        </p:spPr>
+        <p:txBody>
+          <a:bodyPr vert="horz" lIns="91440" tIns="45720" rIns="91440" bIns="45720" rtlCol="0" anchor="ctr"/>
+          <a:lstStyle>
+            <a:defPPr>
+              <a:defRPr lang="en-US"/>
+            </a:defPPr>
+            <a:lvl1pPr marL="0" algn="r" defTabSz="914400" rtl="0" eaLnBrk="1" latinLnBrk="0" hangingPunct="1">
+              <a:defRPr sz="1200" kern="1200">
+                <a:solidFill>
+                  <a:schemeClr val="bg2"/>
+                </a:solidFill>
+                <a:latin typeface="+mn-lt"/>
+                <a:ea typeface="+mn-ea"/>
+                <a:cs typeface="+mn-cs"/>
+              </a:defRPr>
+            </a:lvl1pPr>
+            <a:lvl2pPr marL="457200" algn="l" defTabSz="914400" rtl="0" eaLnBrk="1" latinLnBrk="0" hangingPunct="1">
+              <a:defRPr sz="1800" kern="1200">
+                <a:solidFill>
+                  <a:schemeClr val="tx1"/>
+                </a:solidFill>
+                <a:latin typeface="+mn-lt"/>
+                <a:ea typeface="+mn-ea"/>
+                <a:cs typeface="+mn-cs"/>
+              </a:defRPr>
+            </a:lvl2pPr>
+            <a:lvl3pPr marL="914400" algn="l" defTabSz="914400" rtl="0" eaLnBrk="1" latinLnBrk="0" hangingPunct="1">
+              <a:defRPr sz="1800" kern="1200">
+                <a:solidFill>
+                  <a:schemeClr val="tx1"/>
+                </a:solidFill>
+                <a:latin typeface="+mn-lt"/>
+                <a:ea typeface="+mn-ea"/>
+                <a:cs typeface="+mn-cs"/>
+              </a:defRPr>
+            </a:lvl3pPr>
+            <a:lvl4pPr marL="1371600" algn="l" defTabSz="914400" rtl="0" eaLnBrk="1" latinLnBrk="0" hangingPunct="1">
+              <a:defRPr sz="1800" kern="1200">
+                <a:solidFill>
+                  <a:schemeClr val="tx1"/>
+                </a:solidFill>
+                <a:latin typeface="+mn-lt"/>
+                <a:ea typeface="+mn-ea"/>
+                <a:cs typeface="+mn-cs"/>
+              </a:defRPr>
+            </a:lvl4pPr>
+            <a:lvl5pPr marL="1828800" algn="l" defTabSz="914400" rtl="0" eaLnBrk="1" latinLnBrk="0" hangingPunct="1">
+              <a:defRPr sz="1800" kern="1200">
+                <a:solidFill>
+                  <a:schemeClr val="tx1"/>
+                </a:solidFill>
+                <a:latin typeface="+mn-lt"/>
+                <a:ea typeface="+mn-ea"/>
+                <a:cs typeface="+mn-cs"/>
+              </a:defRPr>
+            </a:lvl5pPr>
+            <a:lvl6pPr marL="2286000" algn="l" defTabSz="914400" rtl="0" eaLnBrk="1" latinLnBrk="0" hangingPunct="1">
+              <a:defRPr sz="1800" kern="1200">
+                <a:solidFill>
+                  <a:schemeClr val="tx1"/>
+                </a:solidFill>
+                <a:latin typeface="+mn-lt"/>
+                <a:ea typeface="+mn-ea"/>
+                <a:cs typeface="+mn-cs"/>
+              </a:defRPr>
+            </a:lvl6pPr>
+            <a:lvl7pPr marL="2743200" algn="l" defTabSz="914400" rtl="0" eaLnBrk="1" latinLnBrk="0" hangingPunct="1">
+              <a:defRPr sz="1800" kern="1200">
+                <a:solidFill>
+                  <a:schemeClr val="tx1"/>
+                </a:solidFill>
+                <a:latin typeface="+mn-lt"/>
+                <a:ea typeface="+mn-ea"/>
+                <a:cs typeface="+mn-cs"/>
+              </a:defRPr>
+            </a:lvl7pPr>
+            <a:lvl8pPr marL="3200400" algn="l" defTabSz="914400" rtl="0" eaLnBrk="1" latinLnBrk="0" hangingPunct="1">
+              <a:defRPr sz="1800" kern="1200">
+                <a:solidFill>
+                  <a:schemeClr val="tx1"/>
+                </a:solidFill>
+                <a:latin typeface="+mn-lt"/>
+                <a:ea typeface="+mn-ea"/>
+                <a:cs typeface="+mn-cs"/>
+              </a:defRPr>
+            </a:lvl8pPr>
+            <a:lvl9pPr marL="3657600" algn="l" defTabSz="914400" rtl="0" eaLnBrk="1" latinLnBrk="0" hangingPunct="1">
+              <a:defRPr sz="1800" kern="1200">
+                <a:solidFill>
+                  <a:schemeClr val="tx1"/>
+                </a:solidFill>
+                <a:latin typeface="+mn-lt"/>
+                <a:ea typeface="+mn-ea"/>
+                <a:cs typeface="+mn-cs"/>
+              </a:defRPr>
+            </a:lvl9pPr>
+          </a:lstStyle>
+          <a:p>
+            <a:pPr algn="l"/>
+            <a:r>
+              <a:rPr lang="en-US" dirty="0">
+                <a:solidFill>
+                  <a:schemeClr val="bg1"/>
+                </a:solidFill>
+              </a:rPr>
+              <a:t>The Relationship Between Demographics &amp; Violent crime in the US</a:t>
+            </a:r>
+          </a:p>
+          <a:p>
+            <a:pPr algn="l"/>
+            <a:r>
+              <a:rPr lang="en-US" dirty="0" err="1">
+                <a:solidFill>
+                  <a:schemeClr val="bg1"/>
+                </a:solidFill>
+              </a:rPr>
+              <a:t>Temidayo</a:t>
+            </a:r>
+            <a:r>
+              <a:rPr lang="en-US" dirty="0">
+                <a:solidFill>
+                  <a:schemeClr val="bg1"/>
+                </a:solidFill>
+              </a:rPr>
+              <a:t> </a:t>
+            </a:r>
+            <a:r>
+              <a:rPr lang="en-US" dirty="0" err="1">
+                <a:solidFill>
+                  <a:schemeClr val="bg1"/>
+                </a:solidFill>
+              </a:rPr>
+              <a:t>Akinsanya</a:t>
+            </a:r>
+            <a:endParaRPr lang="en-US" dirty="0">
+              <a:solidFill>
+                <a:schemeClr val="bg1"/>
+              </a:solidFill>
+            </a:endParaRPr>
+          </a:p>
+          <a:p>
+            <a:pPr algn="l"/>
+            <a:r>
+              <a:rPr lang="en-US" dirty="0">
+                <a:solidFill>
+                  <a:schemeClr val="bg1"/>
+                </a:solidFill>
+              </a:rPr>
+              <a:t>Cheryl Johnson</a:t>
+            </a:r>
+          </a:p>
+        </p:txBody>
+      </p:sp>
     </p:spTree>
     <p:extLst>
       <p:ext uri="{BB962C8B-B14F-4D97-AF65-F5344CB8AC3E}">
@@ -7877,7 +6825,7 @@
 </p:sld>
 </file>
 
-<file path=ppt/slides/slide9.xml><?xml version="1.0" encoding="utf-8"?>
+<file path=ppt/slides/slide14.xml><?xml version="1.0" encoding="utf-8"?>
 <p:sld xmlns:a="http://schemas.openxmlformats.org/drawingml/2006/main" xmlns:r="http://schemas.openxmlformats.org/officeDocument/2006/relationships" xmlns:p="http://schemas.openxmlformats.org/presentationml/2006/main">
   <p:cSld>
     <p:spTree>
@@ -7917,7 +6865,7 @@
             <a:fld id="{489D000B-E6AD-40C2-AC67-BF5C54101F25}" type="slidenum">
               <a:rPr lang="en-US" smtClean="0"/>
               <a:pPr/>
-              <a:t>9</a:t>
+              <a:t>14</a:t>
             </a:fld>
             <a:endParaRPr lang="en-US"/>
           </a:p>
@@ -7938,7 +6886,7 @@
           <p:nvPr/>
         </p:nvPicPr>
         <p:blipFill>
-          <a:blip r:embed="rId2">
+          <a:blip r:embed="rId2" cstate="print">
             <a:extLst>
               <a:ext uri="{28A0092B-C50C-407E-A947-70E740481C1C}">
                 <a14:useLocalDpi xmlns:a14="http://schemas.microsoft.com/office/drawing/2010/main" val="0"/>
@@ -7951,8 +6899,8 @@
         </p:blipFill>
         <p:spPr>
           <a:xfrm>
-            <a:off x="2938556" y="4629696"/>
-            <a:ext cx="2761391" cy="1840927"/>
+            <a:off x="6616752" y="5585666"/>
+            <a:ext cx="1729547" cy="1153031"/>
           </a:xfrm>
           <a:prstGeom prst="rect">
             <a:avLst/>
@@ -7974,7 +6922,7 @@
           <p:nvPr/>
         </p:nvPicPr>
         <p:blipFill>
-          <a:blip r:embed="rId3">
+          <a:blip r:embed="rId3" cstate="print">
             <a:extLst>
               <a:ext uri="{28A0092B-C50C-407E-A947-70E740481C1C}">
                 <a14:useLocalDpi xmlns:a14="http://schemas.microsoft.com/office/drawing/2010/main" val="0"/>
@@ -7987,8 +6935,8 @@
         </p:blipFill>
         <p:spPr>
           <a:xfrm>
-            <a:off x="158304" y="4587631"/>
-            <a:ext cx="2761391" cy="1840927"/>
+            <a:off x="21223" y="5653703"/>
+            <a:ext cx="1729547" cy="1153031"/>
           </a:xfrm>
           <a:prstGeom prst="rect">
             <a:avLst/>
@@ -8023,8 +6971,8 @@
         </p:blipFill>
         <p:spPr>
           <a:xfrm>
-            <a:off x="5699947" y="4587631"/>
-            <a:ext cx="2761391" cy="1840927"/>
+            <a:off x="2749868" y="3182187"/>
+            <a:ext cx="2903164" cy="1935442"/>
           </a:xfrm>
           <a:prstGeom prst="rect">
             <a:avLst/>
@@ -8059,8 +7007,8 @@
         </p:blipFill>
         <p:spPr>
           <a:xfrm>
-            <a:off x="5657417" y="1001683"/>
-            <a:ext cx="2761391" cy="1840927"/>
+            <a:off x="5504732" y="3182187"/>
+            <a:ext cx="2942455" cy="1961636"/>
           </a:xfrm>
           <a:prstGeom prst="rect">
             <a:avLst/>
@@ -8082,7 +7030,7 @@
           <p:nvPr/>
         </p:nvPicPr>
         <p:blipFill>
-          <a:blip r:embed="rId6">
+          <a:blip r:embed="rId6" cstate="print">
             <a:extLst>
               <a:ext uri="{28A0092B-C50C-407E-A947-70E740481C1C}">
                 <a14:useLocalDpi xmlns:a14="http://schemas.microsoft.com/office/drawing/2010/main" val="0"/>
@@ -8095,8 +7043,8 @@
         </p:blipFill>
         <p:spPr>
           <a:xfrm>
-            <a:off x="2914887" y="2788769"/>
-            <a:ext cx="2761391" cy="1840927"/>
+            <a:off x="1624163" y="5632403"/>
+            <a:ext cx="1729546" cy="1153031"/>
           </a:xfrm>
           <a:prstGeom prst="rect">
             <a:avLst/>
@@ -8118,7 +7066,7 @@
           <p:nvPr/>
         </p:nvPicPr>
         <p:blipFill>
-          <a:blip r:embed="rId7">
+          <a:blip r:embed="rId7" cstate="print">
             <a:extLst>
               <a:ext uri="{28A0092B-C50C-407E-A947-70E740481C1C}">
                 <a14:useLocalDpi xmlns:a14="http://schemas.microsoft.com/office/drawing/2010/main" val="0"/>
@@ -8131,8 +7079,8 @@
         </p:blipFill>
         <p:spPr>
           <a:xfrm>
-            <a:off x="5580025" y="2788769"/>
-            <a:ext cx="2761391" cy="1840927"/>
+            <a:off x="3247459" y="5641930"/>
+            <a:ext cx="1729546" cy="1153030"/>
           </a:xfrm>
           <a:prstGeom prst="rect">
             <a:avLst/>
@@ -8154,7 +7102,7 @@
           <p:nvPr/>
         </p:nvPicPr>
         <p:blipFill>
-          <a:blip r:embed="rId8">
+          <a:blip r:embed="rId8" cstate="print">
             <a:extLst>
               <a:ext uri="{28A0092B-C50C-407E-A947-70E740481C1C}">
                 <a14:useLocalDpi xmlns:a14="http://schemas.microsoft.com/office/drawing/2010/main" val="0"/>
@@ -8167,8 +7115,8 @@
         </p:blipFill>
         <p:spPr>
           <a:xfrm>
-            <a:off x="139443" y="2746704"/>
-            <a:ext cx="2761391" cy="1840927"/>
+            <a:off x="4918549" y="5653703"/>
+            <a:ext cx="1729547" cy="1153031"/>
           </a:xfrm>
           <a:prstGeom prst="rect">
             <a:avLst/>
@@ -8203,8 +7151,8 @@
         </p:blipFill>
         <p:spPr>
           <a:xfrm>
-            <a:off x="177165" y="1055523"/>
-            <a:ext cx="2761391" cy="1840927"/>
+            <a:off x="12081" y="3250508"/>
+            <a:ext cx="2839972" cy="1893314"/>
           </a:xfrm>
           <a:prstGeom prst="rect">
             <a:avLst/>
@@ -8213,22 +7161,115 @@
       </p:pic>
       <p:sp>
         <p:nvSpPr>
-          <p:cNvPr id="28" name="Footer Placeholder 3">
+          <p:cNvPr id="32" name="Title 1">
             <a:extLst>
               <a:ext uri="{FF2B5EF4-FFF2-40B4-BE49-F238E27FC236}">
-                <a16:creationId xmlns:a16="http://schemas.microsoft.com/office/drawing/2014/main" id="{3E3AE68E-E303-43B8-B873-C29EA3E1DF4D}"/>
+                <a16:creationId xmlns:a16="http://schemas.microsoft.com/office/drawing/2014/main" id="{45A50EFE-70A4-48BA-A2A2-06D2A2F7B321}"/>
               </a:ext>
             </a:extLst>
           </p:cNvPr>
           <p:cNvSpPr>
             <a:spLocks noGrp="1"/>
           </p:cNvSpPr>
+          <p:nvPr>
+            <p:ph type="title"/>
+          </p:nvPr>
+        </p:nvSpPr>
+        <p:spPr>
+          <a:xfrm>
+            <a:off x="0" y="9271"/>
+            <a:ext cx="8453438" cy="666551"/>
+          </a:xfrm>
+        </p:spPr>
+        <p:txBody>
+          <a:bodyPr/>
+          <a:lstStyle/>
+          <a:p>
+            <a:pPr algn="ctr"/>
+            <a:r>
+              <a:rPr lang="en-US" sz="3200" dirty="0"/>
+              <a:t>Observations: Race</a:t>
+            </a:r>
+          </a:p>
+        </p:txBody>
+      </p:sp>
+      <p:sp>
+        <p:nvSpPr>
+          <p:cNvPr id="34" name="Content Placeholder 2">
+            <a:extLst>
+              <a:ext uri="{FF2B5EF4-FFF2-40B4-BE49-F238E27FC236}">
+                <a16:creationId xmlns:a16="http://schemas.microsoft.com/office/drawing/2014/main" id="{5010A868-0458-4AAF-AC73-36E9E026C046}"/>
+              </a:ext>
+            </a:extLst>
+          </p:cNvPr>
+          <p:cNvSpPr>
+            <a:spLocks noGrp="1"/>
+          </p:cNvSpPr>
+          <p:nvPr>
+            <p:ph idx="1"/>
+          </p:nvPr>
+        </p:nvSpPr>
+        <p:spPr>
+          <a:xfrm>
+            <a:off x="167640" y="817900"/>
+            <a:ext cx="7985760" cy="2096250"/>
+          </a:xfrm>
+        </p:spPr>
+        <p:txBody>
+          <a:bodyPr>
+            <a:normAutofit fontScale="77500" lnSpcReduction="20000"/>
+          </a:bodyPr>
+          <a:lstStyle/>
+          <a:p>
+            <a:r>
+              <a:rPr lang="en-US" dirty="0"/>
+              <a:t>“White” is the largest race represented both for low violent crime and high violent crime cities</a:t>
+            </a:r>
+          </a:p>
+          <a:p>
+            <a:r>
+              <a:rPr lang="en-US" dirty="0"/>
+              <a:t>“White” and “Asian” are the only two race to have higher proportions in low violent crime locations than in high violent crime locations</a:t>
+            </a:r>
+          </a:p>
+          <a:p>
+            <a:r>
+              <a:rPr lang="en-US" dirty="0"/>
+              <a:t>“Black” race had the largest percentage increase between low violent crime locations (3.6%) and high violent crime locations (27%): 655% increase</a:t>
+            </a:r>
+          </a:p>
+          <a:p>
+            <a:r>
+              <a:rPr lang="en-US" dirty="0"/>
+              <a:t>“Hispanic/Latino” category had a large percentage increase between low crime locations (7.6%) and high crime locations (13.7%): 79% increase</a:t>
+            </a:r>
+          </a:p>
+          <a:p>
+            <a:pPr marL="114300" indent="0">
+              <a:buNone/>
+            </a:pPr>
+            <a:endParaRPr lang="en-US" dirty="0"/>
+          </a:p>
+        </p:txBody>
+      </p:sp>
+      <p:sp>
+        <p:nvSpPr>
+          <p:cNvPr id="36" name="Footer Placeholder 3">
+            <a:extLst>
+              <a:ext uri="{FF2B5EF4-FFF2-40B4-BE49-F238E27FC236}">
+                <a16:creationId xmlns:a16="http://schemas.microsoft.com/office/drawing/2014/main" id="{C7BD1F15-695F-4C4A-8362-024A34BF9668}"/>
+              </a:ext>
+            </a:extLst>
+          </p:cNvPr>
+          <p:cNvSpPr>
+            <a:spLocks noGrp="1"/>
+          </p:cNvSpPr>
           <p:nvPr/>
         </p:nvSpPr>
         <p:spPr>
           <a:xfrm rot="16200000">
-            <a:off x="6695861" y="3040366"/>
-            <a:ext cx="4190823" cy="396090"/>
+            <a:off x="6466839" y="2753361"/>
+            <a:ext cx="4653282" cy="365760"/>
           </a:xfrm>
           <a:prstGeom prst="rect">
             <a:avLst/>
@@ -8339,7 +7380,7 @@
                   <a:schemeClr val="bg1"/>
                 </a:solidFill>
               </a:rPr>
-              <a:t>The Effect of Demographics on Violent crime Rates n the US</a:t>
+              <a:t>The Relationship Between Demographics &amp; Violent crime in the US</a:t>
             </a:r>
           </a:p>
           <a:p>
@@ -8387,12 +7428,66 @@
           </a:p>
         </p:txBody>
       </p:sp>
-      <p:sp>
-        <p:nvSpPr>
-          <p:cNvPr id="32" name="Title 1">
+    </p:spTree>
+    <p:extLst>
+      <p:ext uri="{BB962C8B-B14F-4D97-AF65-F5344CB8AC3E}">
+        <p14:creationId xmlns:p14="http://schemas.microsoft.com/office/powerpoint/2010/main" val="2274012910"/>
+      </p:ext>
+    </p:extLst>
+  </p:cSld>
+  <p:clrMapOvr>
+    <a:masterClrMapping/>
+  </p:clrMapOvr>
+</p:sld>
+</file>
+
+<file path=ppt/slides/slide15.xml><?xml version="1.0" encoding="utf-8"?>
+<p:sld xmlns:a="http://schemas.openxmlformats.org/drawingml/2006/main" xmlns:r="http://schemas.openxmlformats.org/officeDocument/2006/relationships" xmlns:p="http://schemas.openxmlformats.org/presentationml/2006/main">
+  <p:cSld>
+    <p:spTree>
+      <p:nvGrpSpPr>
+        <p:cNvPr id="1" name=""/>
+        <p:cNvGrpSpPr/>
+        <p:nvPr/>
+      </p:nvGrpSpPr>
+      <p:grpSpPr>
+        <a:xfrm>
+          <a:off x="0" y="0"/>
+          <a:ext cx="0" cy="0"/>
+          <a:chOff x="0" y="0"/>
+          <a:chExt cx="0" cy="0"/>
+        </a:xfrm>
+      </p:grpSpPr>
+      <p:sp>
+        <p:nvSpPr>
+          <p:cNvPr id="5" name="Slide Number Placeholder 4"/>
+          <p:cNvSpPr>
+            <a:spLocks noGrp="1"/>
+          </p:cNvSpPr>
+          <p:nvPr>
+            <p:ph type="sldNum" sz="quarter" idx="12"/>
+          </p:nvPr>
+        </p:nvSpPr>
+        <p:spPr/>
+        <p:txBody>
+          <a:bodyPr/>
+          <a:lstStyle/>
+          <a:p>
+            <a:fld id="{489D000B-E6AD-40C2-AC67-BF5C54101F25}" type="slidenum">
+              <a:rPr lang="en-US" smtClean="0"/>
+              <a:pPr/>
+              <a:t>15</a:t>
+            </a:fld>
+            <a:endParaRPr lang="en-US"/>
+          </a:p>
+        </p:txBody>
+      </p:sp>
+      <p:sp>
+        <p:nvSpPr>
+          <p:cNvPr id="28" name="Title 1">
             <a:extLst>
               <a:ext uri="{FF2B5EF4-FFF2-40B4-BE49-F238E27FC236}">
-                <a16:creationId xmlns:a16="http://schemas.microsoft.com/office/drawing/2014/main" id="{45A50EFE-70A4-48BA-A2A2-06D2A2F7B321}"/>
+                <a16:creationId xmlns:a16="http://schemas.microsoft.com/office/drawing/2014/main" id="{7F66050C-CB4F-4765-A97B-1FDE20FD75C2}"/>
               </a:ext>
             </a:extLst>
           </p:cNvPr>
@@ -8416,7 +7511,436 @@
             <a:pPr algn="ctr"/>
             <a:r>
               <a:rPr lang="en-US" sz="3200" dirty="0"/>
-              <a:t>Observations: Race</a:t>
+              <a:t>Observations: Statistical Charts</a:t>
+            </a:r>
+          </a:p>
+        </p:txBody>
+      </p:sp>
+      <p:sp>
+        <p:nvSpPr>
+          <p:cNvPr id="18" name="Rectangle 17">
+            <a:extLst>
+              <a:ext uri="{FF2B5EF4-FFF2-40B4-BE49-F238E27FC236}">
+                <a16:creationId xmlns:a16="http://schemas.microsoft.com/office/drawing/2014/main" id="{86029EF9-ADB7-4B5E-8BE8-CFB7E43CA41E}"/>
+              </a:ext>
+            </a:extLst>
+          </p:cNvPr>
+          <p:cNvSpPr/>
+          <p:nvPr/>
+        </p:nvSpPr>
+        <p:spPr>
+          <a:xfrm>
+            <a:off x="381000" y="981866"/>
+            <a:ext cx="3474802" cy="4247317"/>
+          </a:xfrm>
+          <a:prstGeom prst="rect">
+            <a:avLst/>
+          </a:prstGeom>
+        </p:spPr>
+        <p:txBody>
+          <a:bodyPr wrap="square">
+            <a:spAutoFit/>
+          </a:bodyPr>
+          <a:lstStyle/>
+          <a:p>
+            <a:r>
+              <a:rPr lang="en-US" dirty="0"/>
+              <a:t>Income:</a:t>
+            </a:r>
+          </a:p>
+          <a:p>
+            <a:r>
+              <a:rPr lang="en-US" dirty="0"/>
+              <a:t>There is a greater diversity of median income for low crime cities than for high crime cities</a:t>
+            </a:r>
+          </a:p>
+          <a:p>
+            <a:endParaRPr lang="en-US" dirty="0"/>
+          </a:p>
+          <a:p>
+            <a:r>
+              <a:rPr lang="en-US" dirty="0"/>
+              <a:t>Population</a:t>
+            </a:r>
+          </a:p>
+          <a:p>
+            <a:r>
+              <a:rPr lang="en-US" dirty="0"/>
+              <a:t>The difference in median population for low crime and high crime cities did not appear to be statistically significant</a:t>
+            </a:r>
+          </a:p>
+          <a:p>
+            <a:endParaRPr lang="en-US" dirty="0"/>
+          </a:p>
+          <a:p>
+            <a:r>
+              <a:rPr lang="en-US" dirty="0"/>
+              <a:t>Unemployment</a:t>
+            </a:r>
+          </a:p>
+          <a:p>
+            <a:r>
+              <a:rPr lang="en-US" dirty="0"/>
+              <a:t>High crime cities have nearly 100% higher unemployment rate than low crime cities.</a:t>
+            </a:r>
+          </a:p>
+        </p:txBody>
+      </p:sp>
+      <p:grpSp>
+        <p:nvGrpSpPr>
+          <p:cNvPr id="16" name="Group 15">
+            <a:extLst>
+              <a:ext uri="{FF2B5EF4-FFF2-40B4-BE49-F238E27FC236}">
+                <a16:creationId xmlns:a16="http://schemas.microsoft.com/office/drawing/2014/main" id="{912C3E3D-A628-4494-83F1-8D7FFBC8C1DA}"/>
+              </a:ext>
+            </a:extLst>
+          </p:cNvPr>
+          <p:cNvGrpSpPr/>
+          <p:nvPr/>
+        </p:nvGrpSpPr>
+        <p:grpSpPr>
+          <a:xfrm>
+            <a:off x="3462081" y="981866"/>
+            <a:ext cx="4991357" cy="780335"/>
+            <a:chOff x="3466972" y="2316099"/>
+            <a:chExt cx="4991357" cy="780335"/>
+          </a:xfrm>
+        </p:grpSpPr>
+        <p:pic>
+          <p:nvPicPr>
+            <p:cNvPr id="19" name="Picture 18">
+              <a:extLst>
+                <a:ext uri="{FF2B5EF4-FFF2-40B4-BE49-F238E27FC236}">
+                  <a16:creationId xmlns:a16="http://schemas.microsoft.com/office/drawing/2014/main" id="{1B569852-C852-445D-92FE-343C1F9E3036}"/>
+                </a:ext>
+              </a:extLst>
+            </p:cNvPr>
+            <p:cNvPicPr>
+              <a:picLocks noChangeAspect="1"/>
+            </p:cNvPicPr>
+            <p:nvPr/>
+          </p:nvPicPr>
+          <p:blipFill>
+            <a:blip r:embed="rId2">
+              <a:extLst>
+                <a:ext uri="{28A0092B-C50C-407E-A947-70E740481C1C}">
+                  <a14:useLocalDpi xmlns:a14="http://schemas.microsoft.com/office/drawing/2010/main" val="0"/>
+                </a:ext>
+              </a:extLst>
+            </a:blip>
+            <a:stretch>
+              <a:fillRect/>
+            </a:stretch>
+          </p:blipFill>
+          <p:spPr>
+            <a:xfrm>
+              <a:off x="3466972" y="2316099"/>
+              <a:ext cx="4991357" cy="749339"/>
+            </a:xfrm>
+            <a:prstGeom prst="rect">
+              <a:avLst/>
+            </a:prstGeom>
+          </p:spPr>
+        </p:pic>
+        <p:sp>
+          <p:nvSpPr>
+            <p:cNvPr id="14" name="Rectangle 13">
+              <a:extLst>
+                <a:ext uri="{FF2B5EF4-FFF2-40B4-BE49-F238E27FC236}">
+                  <a16:creationId xmlns:a16="http://schemas.microsoft.com/office/drawing/2014/main" id="{EB1E06DD-03C6-407A-A373-60D4865D8F84}"/>
+                </a:ext>
+              </a:extLst>
+            </p:cNvPr>
+            <p:cNvSpPr/>
+            <p:nvPr/>
+          </p:nvSpPr>
+          <p:spPr>
+            <a:xfrm>
+              <a:off x="3466972" y="2514600"/>
+              <a:ext cx="952628" cy="581834"/>
+            </a:xfrm>
+            <a:prstGeom prst="rect">
+              <a:avLst/>
+            </a:prstGeom>
+            <a:solidFill>
+              <a:schemeClr val="bg1"/>
+            </a:solidFill>
+            <a:ln>
+              <a:solidFill>
+                <a:schemeClr val="bg1"/>
+              </a:solidFill>
+            </a:ln>
+          </p:spPr>
+          <p:style>
+            <a:lnRef idx="2">
+              <a:schemeClr val="accent1">
+                <a:shade val="50000"/>
+              </a:schemeClr>
+            </a:lnRef>
+            <a:fillRef idx="1">
+              <a:schemeClr val="accent1"/>
+            </a:fillRef>
+            <a:effectRef idx="0">
+              <a:schemeClr val="accent1"/>
+            </a:effectRef>
+            <a:fontRef idx="minor">
+              <a:schemeClr val="lt1"/>
+            </a:fontRef>
+          </p:style>
+          <p:txBody>
+            <a:bodyPr rtlCol="0" anchor="ctr"/>
+            <a:lstStyle/>
+            <a:p>
+              <a:pPr algn="ctr"/>
+              <a:endParaRPr lang="en-US" dirty="0"/>
+            </a:p>
+          </p:txBody>
+        </p:sp>
+      </p:grpSp>
+      <p:pic>
+        <p:nvPicPr>
+          <p:cNvPr id="29" name="Picture 28">
+            <a:extLst>
+              <a:ext uri="{FF2B5EF4-FFF2-40B4-BE49-F238E27FC236}">
+                <a16:creationId xmlns:a16="http://schemas.microsoft.com/office/drawing/2014/main" id="{30DE71FB-E2AA-48EC-A33D-87EC93DD1C92}"/>
+              </a:ext>
+            </a:extLst>
+          </p:cNvPr>
+          <p:cNvPicPr>
+            <a:picLocks noChangeAspect="1"/>
+          </p:cNvPicPr>
+          <p:nvPr/>
+        </p:nvPicPr>
+        <p:blipFill>
+          <a:blip r:embed="rId3">
+            <a:extLst>
+              <a:ext uri="{28A0092B-C50C-407E-A947-70E740481C1C}">
+                <a14:useLocalDpi xmlns:a14="http://schemas.microsoft.com/office/drawing/2010/main" val="0"/>
+              </a:ext>
+            </a:extLst>
+          </a:blip>
+          <a:stretch>
+            <a:fillRect/>
+          </a:stretch>
+        </p:blipFill>
+        <p:spPr>
+          <a:xfrm>
+            <a:off x="3785948" y="2487577"/>
+            <a:ext cx="4667490" cy="704886"/>
+          </a:xfrm>
+          <a:prstGeom prst="rect">
+            <a:avLst/>
+          </a:prstGeom>
+        </p:spPr>
+      </p:pic>
+      <p:pic>
+        <p:nvPicPr>
+          <p:cNvPr id="37" name="Picture 36">
+            <a:extLst>
+              <a:ext uri="{FF2B5EF4-FFF2-40B4-BE49-F238E27FC236}">
+                <a16:creationId xmlns:a16="http://schemas.microsoft.com/office/drawing/2014/main" id="{CA6C2AC9-5A22-4A7C-9CDB-95D189A682AA}"/>
+              </a:ext>
+            </a:extLst>
+          </p:cNvPr>
+          <p:cNvPicPr>
+            <a:picLocks noChangeAspect="1"/>
+          </p:cNvPicPr>
+          <p:nvPr/>
+        </p:nvPicPr>
+        <p:blipFill>
+          <a:blip r:embed="rId4">
+            <a:extLst>
+              <a:ext uri="{28A0092B-C50C-407E-A947-70E740481C1C}">
+                <a14:useLocalDpi xmlns:a14="http://schemas.microsoft.com/office/drawing/2010/main" val="0"/>
+              </a:ext>
+            </a:extLst>
+          </a:blip>
+          <a:stretch>
+            <a:fillRect/>
+          </a:stretch>
+        </p:blipFill>
+        <p:spPr>
+          <a:xfrm>
+            <a:off x="3855802" y="3960688"/>
+            <a:ext cx="4597636" cy="698536"/>
+          </a:xfrm>
+          <a:prstGeom prst="rect">
+            <a:avLst/>
+          </a:prstGeom>
+        </p:spPr>
+      </p:pic>
+      <p:sp>
+        <p:nvSpPr>
+          <p:cNvPr id="32" name="Footer Placeholder 3">
+            <a:extLst>
+              <a:ext uri="{FF2B5EF4-FFF2-40B4-BE49-F238E27FC236}">
+                <a16:creationId xmlns:a16="http://schemas.microsoft.com/office/drawing/2014/main" id="{721C1682-BD89-4A90-9F1B-00FD59D53BFA}"/>
+              </a:ext>
+            </a:extLst>
+          </p:cNvPr>
+          <p:cNvSpPr>
+            <a:spLocks noGrp="1"/>
+          </p:cNvSpPr>
+          <p:nvPr/>
+        </p:nvSpPr>
+        <p:spPr>
+          <a:xfrm rot="16200000">
+            <a:off x="6466839" y="2753361"/>
+            <a:ext cx="4653282" cy="365760"/>
+          </a:xfrm>
+          <a:prstGeom prst="rect">
+            <a:avLst/>
+          </a:prstGeom>
+        </p:spPr>
+        <p:txBody>
+          <a:bodyPr vert="horz" lIns="91440" tIns="45720" rIns="91440" bIns="45720" rtlCol="0" anchor="ctr"/>
+          <a:lstStyle>
+            <a:defPPr>
+              <a:defRPr lang="en-US"/>
+            </a:defPPr>
+            <a:lvl1pPr marL="0" algn="r" defTabSz="914400" rtl="0" eaLnBrk="1" latinLnBrk="0" hangingPunct="1">
+              <a:defRPr sz="1200" kern="1200">
+                <a:solidFill>
+                  <a:schemeClr val="bg2"/>
+                </a:solidFill>
+                <a:latin typeface="+mn-lt"/>
+                <a:ea typeface="+mn-ea"/>
+                <a:cs typeface="+mn-cs"/>
+              </a:defRPr>
+            </a:lvl1pPr>
+            <a:lvl2pPr marL="457200" algn="l" defTabSz="914400" rtl="0" eaLnBrk="1" latinLnBrk="0" hangingPunct="1">
+              <a:defRPr sz="1800" kern="1200">
+                <a:solidFill>
+                  <a:schemeClr val="tx1"/>
+                </a:solidFill>
+                <a:latin typeface="+mn-lt"/>
+                <a:ea typeface="+mn-ea"/>
+                <a:cs typeface="+mn-cs"/>
+              </a:defRPr>
+            </a:lvl2pPr>
+            <a:lvl3pPr marL="914400" algn="l" defTabSz="914400" rtl="0" eaLnBrk="1" latinLnBrk="0" hangingPunct="1">
+              <a:defRPr sz="1800" kern="1200">
+                <a:solidFill>
+                  <a:schemeClr val="tx1"/>
+                </a:solidFill>
+                <a:latin typeface="+mn-lt"/>
+                <a:ea typeface="+mn-ea"/>
+                <a:cs typeface="+mn-cs"/>
+              </a:defRPr>
+            </a:lvl3pPr>
+            <a:lvl4pPr marL="1371600" algn="l" defTabSz="914400" rtl="0" eaLnBrk="1" latinLnBrk="0" hangingPunct="1">
+              <a:defRPr sz="1800" kern="1200">
+                <a:solidFill>
+                  <a:schemeClr val="tx1"/>
+                </a:solidFill>
+                <a:latin typeface="+mn-lt"/>
+                <a:ea typeface="+mn-ea"/>
+                <a:cs typeface="+mn-cs"/>
+              </a:defRPr>
+            </a:lvl4pPr>
+            <a:lvl5pPr marL="1828800" algn="l" defTabSz="914400" rtl="0" eaLnBrk="1" latinLnBrk="0" hangingPunct="1">
+              <a:defRPr sz="1800" kern="1200">
+                <a:solidFill>
+                  <a:schemeClr val="tx1"/>
+                </a:solidFill>
+                <a:latin typeface="+mn-lt"/>
+                <a:ea typeface="+mn-ea"/>
+                <a:cs typeface="+mn-cs"/>
+              </a:defRPr>
+            </a:lvl5pPr>
+            <a:lvl6pPr marL="2286000" algn="l" defTabSz="914400" rtl="0" eaLnBrk="1" latinLnBrk="0" hangingPunct="1">
+              <a:defRPr sz="1800" kern="1200">
+                <a:solidFill>
+                  <a:schemeClr val="tx1"/>
+                </a:solidFill>
+                <a:latin typeface="+mn-lt"/>
+                <a:ea typeface="+mn-ea"/>
+                <a:cs typeface="+mn-cs"/>
+              </a:defRPr>
+            </a:lvl6pPr>
+            <a:lvl7pPr marL="2743200" algn="l" defTabSz="914400" rtl="0" eaLnBrk="1" latinLnBrk="0" hangingPunct="1">
+              <a:defRPr sz="1800" kern="1200">
+                <a:solidFill>
+                  <a:schemeClr val="tx1"/>
+                </a:solidFill>
+                <a:latin typeface="+mn-lt"/>
+                <a:ea typeface="+mn-ea"/>
+                <a:cs typeface="+mn-cs"/>
+              </a:defRPr>
+            </a:lvl7pPr>
+            <a:lvl8pPr marL="3200400" algn="l" defTabSz="914400" rtl="0" eaLnBrk="1" latinLnBrk="0" hangingPunct="1">
+              <a:defRPr sz="1800" kern="1200">
+                <a:solidFill>
+                  <a:schemeClr val="tx1"/>
+                </a:solidFill>
+                <a:latin typeface="+mn-lt"/>
+                <a:ea typeface="+mn-ea"/>
+                <a:cs typeface="+mn-cs"/>
+              </a:defRPr>
+            </a:lvl8pPr>
+            <a:lvl9pPr marL="3657600" algn="l" defTabSz="914400" rtl="0" eaLnBrk="1" latinLnBrk="0" hangingPunct="1">
+              <a:defRPr sz="1800" kern="1200">
+                <a:solidFill>
+                  <a:schemeClr val="tx1"/>
+                </a:solidFill>
+                <a:latin typeface="+mn-lt"/>
+                <a:ea typeface="+mn-ea"/>
+                <a:cs typeface="+mn-cs"/>
+              </a:defRPr>
+            </a:lvl9pPr>
+          </a:lstStyle>
+          <a:p>
+            <a:pPr algn="l"/>
+            <a:r>
+              <a:rPr lang="en-US" dirty="0">
+                <a:solidFill>
+                  <a:schemeClr val="bg1"/>
+                </a:solidFill>
+              </a:rPr>
+              <a:t>The Relationship Between Demographics &amp; Violent crime in the US</a:t>
+            </a:r>
+          </a:p>
+          <a:p>
+            <a:pPr algn="l"/>
+            <a:r>
+              <a:rPr lang="en-US" dirty="0" err="1">
+                <a:solidFill>
+                  <a:schemeClr val="bg1"/>
+                </a:solidFill>
+              </a:rPr>
+              <a:t>Temidayo</a:t>
+            </a:r>
+            <a:r>
+              <a:rPr lang="en-US" dirty="0">
+                <a:solidFill>
+                  <a:schemeClr val="bg1"/>
+                </a:solidFill>
+              </a:rPr>
+              <a:t> </a:t>
+            </a:r>
+            <a:r>
+              <a:rPr lang="en-US" dirty="0" err="1">
+                <a:solidFill>
+                  <a:schemeClr val="bg1"/>
+                </a:solidFill>
+              </a:rPr>
+              <a:t>Akinsanya</a:t>
+            </a:r>
+            <a:endParaRPr lang="en-US" dirty="0">
+              <a:solidFill>
+                <a:schemeClr val="bg1"/>
+              </a:solidFill>
+            </a:endParaRPr>
+          </a:p>
+          <a:p>
+            <a:pPr algn="l"/>
+            <a:r>
+              <a:rPr lang="en-US" dirty="0">
+                <a:solidFill>
+                  <a:schemeClr val="bg1"/>
+                </a:solidFill>
+              </a:rPr>
+              <a:t>Cheryl Johnson</a:t>
             </a:r>
           </a:p>
         </p:txBody>
@@ -8424,7 +7948,4782 @@
     </p:spTree>
     <p:extLst>
       <p:ext uri="{BB962C8B-B14F-4D97-AF65-F5344CB8AC3E}">
-        <p14:creationId xmlns:p14="http://schemas.microsoft.com/office/powerpoint/2010/main" val="2274012910"/>
+        <p14:creationId xmlns:p14="http://schemas.microsoft.com/office/powerpoint/2010/main" val="594914797"/>
+      </p:ext>
+    </p:extLst>
+  </p:cSld>
+  <p:clrMapOvr>
+    <a:masterClrMapping/>
+  </p:clrMapOvr>
+</p:sld>
+</file>
+
+<file path=ppt/slides/slide16.xml><?xml version="1.0" encoding="utf-8"?>
+<p:sld xmlns:a="http://schemas.openxmlformats.org/drawingml/2006/main" xmlns:r="http://schemas.openxmlformats.org/officeDocument/2006/relationships" xmlns:p="http://schemas.openxmlformats.org/presentationml/2006/main">
+  <p:cSld>
+    <p:spTree>
+      <p:nvGrpSpPr>
+        <p:cNvPr id="1" name=""/>
+        <p:cNvGrpSpPr/>
+        <p:nvPr/>
+      </p:nvGrpSpPr>
+      <p:grpSpPr>
+        <a:xfrm>
+          <a:off x="0" y="0"/>
+          <a:ext cx="0" cy="0"/>
+          <a:chOff x="0" y="0"/>
+          <a:chExt cx="0" cy="0"/>
+        </a:xfrm>
+      </p:grpSpPr>
+      <p:sp>
+        <p:nvSpPr>
+          <p:cNvPr id="5" name="Slide Number Placeholder 4"/>
+          <p:cNvSpPr>
+            <a:spLocks noGrp="1"/>
+          </p:cNvSpPr>
+          <p:nvPr>
+            <p:ph type="sldNum" sz="quarter" idx="12"/>
+          </p:nvPr>
+        </p:nvSpPr>
+        <p:spPr/>
+        <p:txBody>
+          <a:bodyPr/>
+          <a:lstStyle/>
+          <a:p>
+            <a:fld id="{489D000B-E6AD-40C2-AC67-BF5C54101F25}" type="slidenum">
+              <a:rPr lang="en-US" smtClean="0"/>
+              <a:pPr/>
+              <a:t>16</a:t>
+            </a:fld>
+            <a:endParaRPr lang="en-US"/>
+          </a:p>
+        </p:txBody>
+      </p:sp>
+      <p:sp>
+        <p:nvSpPr>
+          <p:cNvPr id="28" name="Title 1">
+            <a:extLst>
+              <a:ext uri="{FF2B5EF4-FFF2-40B4-BE49-F238E27FC236}">
+                <a16:creationId xmlns:a16="http://schemas.microsoft.com/office/drawing/2014/main" id="{7F66050C-CB4F-4765-A97B-1FDE20FD75C2}"/>
+              </a:ext>
+            </a:extLst>
+          </p:cNvPr>
+          <p:cNvSpPr>
+            <a:spLocks noGrp="1"/>
+          </p:cNvSpPr>
+          <p:nvPr>
+            <p:ph type="title"/>
+          </p:nvPr>
+        </p:nvSpPr>
+        <p:spPr>
+          <a:xfrm>
+            <a:off x="0" y="9271"/>
+            <a:ext cx="8453438" cy="666551"/>
+          </a:xfrm>
+        </p:spPr>
+        <p:txBody>
+          <a:bodyPr/>
+          <a:lstStyle/>
+          <a:p>
+            <a:pPr algn="ctr"/>
+            <a:r>
+              <a:rPr lang="en-US" sz="3200" dirty="0"/>
+              <a:t>Observations: Correlation Analysis</a:t>
+            </a:r>
+          </a:p>
+        </p:txBody>
+      </p:sp>
+      <p:pic>
+        <p:nvPicPr>
+          <p:cNvPr id="3" name="Picture 2">
+            <a:extLst>
+              <a:ext uri="{FF2B5EF4-FFF2-40B4-BE49-F238E27FC236}">
+                <a16:creationId xmlns:a16="http://schemas.microsoft.com/office/drawing/2014/main" id="{FBB05AAC-44C3-4BB8-96A2-2F475E4F8A2E}"/>
+              </a:ext>
+            </a:extLst>
+          </p:cNvPr>
+          <p:cNvPicPr>
+            <a:picLocks noChangeAspect="1"/>
+          </p:cNvPicPr>
+          <p:nvPr/>
+        </p:nvPicPr>
+        <p:blipFill>
+          <a:blip r:embed="rId2">
+            <a:extLst>
+              <a:ext uri="{28A0092B-C50C-407E-A947-70E740481C1C}">
+                <a14:useLocalDpi xmlns:a14="http://schemas.microsoft.com/office/drawing/2010/main" val="0"/>
+              </a:ext>
+            </a:extLst>
+          </a:blip>
+          <a:stretch>
+            <a:fillRect/>
+          </a:stretch>
+        </p:blipFill>
+        <p:spPr>
+          <a:xfrm>
+            <a:off x="1295400" y="3457575"/>
+            <a:ext cx="6174940" cy="1111934"/>
+          </a:xfrm>
+          <a:prstGeom prst="rect">
+            <a:avLst/>
+          </a:prstGeom>
+        </p:spPr>
+      </p:pic>
+      <p:sp>
+        <p:nvSpPr>
+          <p:cNvPr id="11" name="Content Placeholder 2">
+            <a:extLst>
+              <a:ext uri="{FF2B5EF4-FFF2-40B4-BE49-F238E27FC236}">
+                <a16:creationId xmlns:a16="http://schemas.microsoft.com/office/drawing/2014/main" id="{35F79402-E962-4D37-9952-DE44DC77F459}"/>
+              </a:ext>
+            </a:extLst>
+          </p:cNvPr>
+          <p:cNvSpPr>
+            <a:spLocks noGrp="1"/>
+          </p:cNvSpPr>
+          <p:nvPr>
+            <p:ph idx="1"/>
+          </p:nvPr>
+        </p:nvSpPr>
+        <p:spPr>
+          <a:xfrm>
+            <a:off x="0" y="755016"/>
+            <a:ext cx="8453438" cy="2514600"/>
+          </a:xfrm>
+        </p:spPr>
+        <p:txBody>
+          <a:bodyPr>
+            <a:normAutofit/>
+          </a:bodyPr>
+          <a:lstStyle/>
+          <a:p>
+            <a:r>
+              <a:rPr lang="en-US" dirty="0"/>
+              <a:t>Income</a:t>
+            </a:r>
+          </a:p>
+          <a:p>
+            <a:pPr lvl="1"/>
+            <a:r>
+              <a:rPr lang="en-US" dirty="0"/>
+              <a:t>For Income, there is inverse correlation between crime and income; the correlation is stronger for high-crime cities</a:t>
+            </a:r>
+          </a:p>
+          <a:p>
+            <a:pPr lvl="1"/>
+            <a:r>
+              <a:rPr lang="en-US" dirty="0"/>
+              <a:t>however, because the correlation is much smaller for low-crime cities, it tells us that low income does not automatically equal high crime.</a:t>
+            </a:r>
+          </a:p>
+          <a:p>
+            <a:r>
+              <a:rPr lang="en-US" dirty="0"/>
+              <a:t>Population &amp; Unemployment – no correlation with Violent Crime</a:t>
+            </a:r>
+          </a:p>
+        </p:txBody>
+      </p:sp>
+      <p:sp>
+        <p:nvSpPr>
+          <p:cNvPr id="12" name="Footer Placeholder 3">
+            <a:extLst>
+              <a:ext uri="{FF2B5EF4-FFF2-40B4-BE49-F238E27FC236}">
+                <a16:creationId xmlns:a16="http://schemas.microsoft.com/office/drawing/2014/main" id="{0A360835-DF3E-42C9-8140-6BDE7FCDB868}"/>
+              </a:ext>
+            </a:extLst>
+          </p:cNvPr>
+          <p:cNvSpPr>
+            <a:spLocks noGrp="1"/>
+          </p:cNvSpPr>
+          <p:nvPr/>
+        </p:nvSpPr>
+        <p:spPr>
+          <a:xfrm rot="16200000">
+            <a:off x="6466839" y="2753361"/>
+            <a:ext cx="4653282" cy="365760"/>
+          </a:xfrm>
+          <a:prstGeom prst="rect">
+            <a:avLst/>
+          </a:prstGeom>
+        </p:spPr>
+        <p:txBody>
+          <a:bodyPr vert="horz" lIns="91440" tIns="45720" rIns="91440" bIns="45720" rtlCol="0" anchor="ctr"/>
+          <a:lstStyle>
+            <a:defPPr>
+              <a:defRPr lang="en-US"/>
+            </a:defPPr>
+            <a:lvl1pPr marL="0" algn="r" defTabSz="914400" rtl="0" eaLnBrk="1" latinLnBrk="0" hangingPunct="1">
+              <a:defRPr sz="1200" kern="1200">
+                <a:solidFill>
+                  <a:schemeClr val="bg2"/>
+                </a:solidFill>
+                <a:latin typeface="+mn-lt"/>
+                <a:ea typeface="+mn-ea"/>
+                <a:cs typeface="+mn-cs"/>
+              </a:defRPr>
+            </a:lvl1pPr>
+            <a:lvl2pPr marL="457200" algn="l" defTabSz="914400" rtl="0" eaLnBrk="1" latinLnBrk="0" hangingPunct="1">
+              <a:defRPr sz="1800" kern="1200">
+                <a:solidFill>
+                  <a:schemeClr val="tx1"/>
+                </a:solidFill>
+                <a:latin typeface="+mn-lt"/>
+                <a:ea typeface="+mn-ea"/>
+                <a:cs typeface="+mn-cs"/>
+              </a:defRPr>
+            </a:lvl2pPr>
+            <a:lvl3pPr marL="914400" algn="l" defTabSz="914400" rtl="0" eaLnBrk="1" latinLnBrk="0" hangingPunct="1">
+              <a:defRPr sz="1800" kern="1200">
+                <a:solidFill>
+                  <a:schemeClr val="tx1"/>
+                </a:solidFill>
+                <a:latin typeface="+mn-lt"/>
+                <a:ea typeface="+mn-ea"/>
+                <a:cs typeface="+mn-cs"/>
+              </a:defRPr>
+            </a:lvl3pPr>
+            <a:lvl4pPr marL="1371600" algn="l" defTabSz="914400" rtl="0" eaLnBrk="1" latinLnBrk="0" hangingPunct="1">
+              <a:defRPr sz="1800" kern="1200">
+                <a:solidFill>
+                  <a:schemeClr val="tx1"/>
+                </a:solidFill>
+                <a:latin typeface="+mn-lt"/>
+                <a:ea typeface="+mn-ea"/>
+                <a:cs typeface="+mn-cs"/>
+              </a:defRPr>
+            </a:lvl4pPr>
+            <a:lvl5pPr marL="1828800" algn="l" defTabSz="914400" rtl="0" eaLnBrk="1" latinLnBrk="0" hangingPunct="1">
+              <a:defRPr sz="1800" kern="1200">
+                <a:solidFill>
+                  <a:schemeClr val="tx1"/>
+                </a:solidFill>
+                <a:latin typeface="+mn-lt"/>
+                <a:ea typeface="+mn-ea"/>
+                <a:cs typeface="+mn-cs"/>
+              </a:defRPr>
+            </a:lvl5pPr>
+            <a:lvl6pPr marL="2286000" algn="l" defTabSz="914400" rtl="0" eaLnBrk="1" latinLnBrk="0" hangingPunct="1">
+              <a:defRPr sz="1800" kern="1200">
+                <a:solidFill>
+                  <a:schemeClr val="tx1"/>
+                </a:solidFill>
+                <a:latin typeface="+mn-lt"/>
+                <a:ea typeface="+mn-ea"/>
+                <a:cs typeface="+mn-cs"/>
+              </a:defRPr>
+            </a:lvl6pPr>
+            <a:lvl7pPr marL="2743200" algn="l" defTabSz="914400" rtl="0" eaLnBrk="1" latinLnBrk="0" hangingPunct="1">
+              <a:defRPr sz="1800" kern="1200">
+                <a:solidFill>
+                  <a:schemeClr val="tx1"/>
+                </a:solidFill>
+                <a:latin typeface="+mn-lt"/>
+                <a:ea typeface="+mn-ea"/>
+                <a:cs typeface="+mn-cs"/>
+              </a:defRPr>
+            </a:lvl7pPr>
+            <a:lvl8pPr marL="3200400" algn="l" defTabSz="914400" rtl="0" eaLnBrk="1" latinLnBrk="0" hangingPunct="1">
+              <a:defRPr sz="1800" kern="1200">
+                <a:solidFill>
+                  <a:schemeClr val="tx1"/>
+                </a:solidFill>
+                <a:latin typeface="+mn-lt"/>
+                <a:ea typeface="+mn-ea"/>
+                <a:cs typeface="+mn-cs"/>
+              </a:defRPr>
+            </a:lvl8pPr>
+            <a:lvl9pPr marL="3657600" algn="l" defTabSz="914400" rtl="0" eaLnBrk="1" latinLnBrk="0" hangingPunct="1">
+              <a:defRPr sz="1800" kern="1200">
+                <a:solidFill>
+                  <a:schemeClr val="tx1"/>
+                </a:solidFill>
+                <a:latin typeface="+mn-lt"/>
+                <a:ea typeface="+mn-ea"/>
+                <a:cs typeface="+mn-cs"/>
+              </a:defRPr>
+            </a:lvl9pPr>
+          </a:lstStyle>
+          <a:p>
+            <a:pPr algn="l"/>
+            <a:r>
+              <a:rPr lang="en-US" dirty="0">
+                <a:solidFill>
+                  <a:schemeClr val="bg1"/>
+                </a:solidFill>
+              </a:rPr>
+              <a:t>The Relationship Between Demographics &amp; Violent crime in the US</a:t>
+            </a:r>
+          </a:p>
+          <a:p>
+            <a:pPr algn="l"/>
+            <a:r>
+              <a:rPr lang="en-US" dirty="0" err="1">
+                <a:solidFill>
+                  <a:schemeClr val="bg1"/>
+                </a:solidFill>
+              </a:rPr>
+              <a:t>Temidayo</a:t>
+            </a:r>
+            <a:r>
+              <a:rPr lang="en-US" dirty="0">
+                <a:solidFill>
+                  <a:schemeClr val="bg1"/>
+                </a:solidFill>
+              </a:rPr>
+              <a:t> </a:t>
+            </a:r>
+            <a:r>
+              <a:rPr lang="en-US" dirty="0" err="1">
+                <a:solidFill>
+                  <a:schemeClr val="bg1"/>
+                </a:solidFill>
+              </a:rPr>
+              <a:t>Akinsanya</a:t>
+            </a:r>
+            <a:endParaRPr lang="en-US" dirty="0">
+              <a:solidFill>
+                <a:schemeClr val="bg1"/>
+              </a:solidFill>
+            </a:endParaRPr>
+          </a:p>
+          <a:p>
+            <a:pPr algn="l"/>
+            <a:r>
+              <a:rPr lang="en-US" dirty="0">
+                <a:solidFill>
+                  <a:schemeClr val="bg1"/>
+                </a:solidFill>
+              </a:rPr>
+              <a:t>Cheryl Johnson</a:t>
+            </a:r>
+          </a:p>
+        </p:txBody>
+      </p:sp>
+    </p:spTree>
+    <p:extLst>
+      <p:ext uri="{BB962C8B-B14F-4D97-AF65-F5344CB8AC3E}">
+        <p14:creationId xmlns:p14="http://schemas.microsoft.com/office/powerpoint/2010/main" val="3802403134"/>
+      </p:ext>
+    </p:extLst>
+  </p:cSld>
+  <p:clrMapOvr>
+    <a:masterClrMapping/>
+  </p:clrMapOvr>
+</p:sld>
+</file>
+
+<file path=ppt/slides/slide17.xml><?xml version="1.0" encoding="utf-8"?>
+<p:sld xmlns:a="http://schemas.openxmlformats.org/drawingml/2006/main" xmlns:r="http://schemas.openxmlformats.org/officeDocument/2006/relationships" xmlns:p="http://schemas.openxmlformats.org/presentationml/2006/main">
+  <p:cSld>
+    <p:spTree>
+      <p:nvGrpSpPr>
+        <p:cNvPr id="1" name=""/>
+        <p:cNvGrpSpPr/>
+        <p:nvPr/>
+      </p:nvGrpSpPr>
+      <p:grpSpPr>
+        <a:xfrm>
+          <a:off x="0" y="0"/>
+          <a:ext cx="0" cy="0"/>
+          <a:chOff x="0" y="0"/>
+          <a:chExt cx="0" cy="0"/>
+        </a:xfrm>
+      </p:grpSpPr>
+      <p:sp>
+        <p:nvSpPr>
+          <p:cNvPr id="2" name="Title 1"/>
+          <p:cNvSpPr>
+            <a:spLocks noGrp="1"/>
+          </p:cNvSpPr>
+          <p:nvPr>
+            <p:ph type="title"/>
+          </p:nvPr>
+        </p:nvSpPr>
+        <p:spPr>
+          <a:xfrm>
+            <a:off x="304800" y="57150"/>
+            <a:ext cx="7620000" cy="1143000"/>
+          </a:xfrm>
+        </p:spPr>
+        <p:txBody>
+          <a:bodyPr/>
+          <a:lstStyle/>
+          <a:p>
+            <a:r>
+              <a:rPr lang="en-US" sz="4000" dirty="0"/>
+              <a:t>Conclusions</a:t>
+            </a:r>
+          </a:p>
+        </p:txBody>
+      </p:sp>
+      <p:sp>
+        <p:nvSpPr>
+          <p:cNvPr id="3" name="Content Placeholder 2"/>
+          <p:cNvSpPr>
+            <a:spLocks noGrp="1"/>
+          </p:cNvSpPr>
+          <p:nvPr>
+            <p:ph idx="1"/>
+          </p:nvPr>
+        </p:nvSpPr>
+        <p:spPr>
+          <a:xfrm>
+            <a:off x="304800" y="914400"/>
+            <a:ext cx="7620000" cy="3352800"/>
+          </a:xfrm>
+        </p:spPr>
+        <p:txBody>
+          <a:bodyPr>
+            <a:normAutofit fontScale="40000" lnSpcReduction="20000"/>
+          </a:bodyPr>
+          <a:lstStyle/>
+          <a:p>
+            <a:r>
+              <a:rPr lang="en-US" dirty="0"/>
+              <a:t>Based on our Analysis, our findings are:</a:t>
+            </a:r>
+          </a:p>
+          <a:p>
+            <a:pPr lvl="1"/>
+            <a:endParaRPr lang="en-US" dirty="0"/>
+          </a:p>
+          <a:p>
+            <a:r>
+              <a:rPr lang="en-US" dirty="0"/>
+              <a:t>1) Education</a:t>
+            </a:r>
+            <a:br>
+              <a:rPr lang="en-US" dirty="0"/>
+            </a:br>
+            <a:r>
+              <a:rPr lang="en-US" dirty="0"/>
+              <a:t>There is more advanced education in the lowest violent crime locations than the highest violent crime locations and steep decline of 60% from </a:t>
+            </a:r>
+            <a:r>
+              <a:rPr lang="en-US" dirty="0" err="1"/>
+              <a:t>asscociates</a:t>
+            </a:r>
+            <a:r>
+              <a:rPr lang="en-US" dirty="0"/>
+              <a:t> to bachelors degree holders in the highest violent crime cities.</a:t>
+            </a:r>
+            <a:br>
+              <a:rPr lang="en-US" dirty="0"/>
+            </a:br>
+            <a:r>
+              <a:rPr lang="en-US" dirty="0"/>
+              <a:t>This shows that improving education attainment or equipping residents with trade skills can contribute to them </a:t>
+            </a:r>
+            <a:r>
+              <a:rPr lang="en-US" dirty="0" err="1"/>
+              <a:t>dding</a:t>
+            </a:r>
+            <a:r>
+              <a:rPr lang="en-US" dirty="0"/>
+              <a:t> value to the workforce thereby lowering unemployment and possibly violent crime.</a:t>
+            </a:r>
+            <a:br>
+              <a:rPr lang="en-US" dirty="0"/>
+            </a:br>
+            <a:r>
+              <a:rPr lang="en-US" dirty="0"/>
+              <a:t>2) School Enrollment</a:t>
+            </a:r>
+            <a:br>
+              <a:rPr lang="en-US" dirty="0"/>
+            </a:br>
+            <a:r>
+              <a:rPr lang="en-US" dirty="0" err="1"/>
+              <a:t>Enrollment</a:t>
+            </a:r>
+            <a:r>
+              <a:rPr lang="en-US" dirty="0"/>
+              <a:t> in N-12 education has no relationship with the level of violent crime a location has. However, perhaps the quality of education may tell a different story and possibly contribute to the lack of education beyond an Associates degree.</a:t>
+            </a:r>
+            <a:br>
+              <a:rPr lang="en-US" dirty="0"/>
+            </a:br>
+            <a:r>
+              <a:rPr lang="en-US" dirty="0"/>
+              <a:t>3) Marital Status</a:t>
+            </a:r>
+            <a:br>
+              <a:rPr lang="en-US" dirty="0"/>
+            </a:br>
+            <a:r>
+              <a:rPr lang="en-US" dirty="0"/>
+              <a:t>The lowest violent crime locations had more married residents than non married residents while the opposite is true for the highest crime violent locations. It appears that marriage seem to be the have a significant impact in the level of violent crime of a location.</a:t>
+            </a:r>
+            <a:br>
+              <a:rPr lang="en-US" dirty="0"/>
+            </a:br>
+            <a:r>
+              <a:rPr lang="en-US" dirty="0"/>
+              <a:t>Encouraging healthy and stable </a:t>
+            </a:r>
+            <a:r>
+              <a:rPr lang="en-US" dirty="0" err="1"/>
+              <a:t>marraiges</a:t>
+            </a:r>
+            <a:r>
+              <a:rPr lang="en-US" dirty="0"/>
+              <a:t> can perhaps yield tangible benefits in efforts to reduce violent crimes in cities across the nation.</a:t>
+            </a:r>
+            <a:br>
+              <a:rPr lang="en-US" dirty="0"/>
+            </a:br>
+            <a:r>
+              <a:rPr lang="en-US" dirty="0"/>
+              <a:t>4) Race</a:t>
+            </a:r>
+            <a:br>
+              <a:rPr lang="en-US" dirty="0"/>
+            </a:br>
+            <a:r>
+              <a:rPr lang="en-US" dirty="0"/>
+              <a:t>There are more </a:t>
+            </a:r>
+            <a:r>
+              <a:rPr lang="en-US" dirty="0" err="1"/>
+              <a:t>monirities</a:t>
+            </a:r>
+            <a:r>
+              <a:rPr lang="en-US" dirty="0"/>
+              <a:t> in the highest violent crime locations than in the lowest violent crime locations. The lowest violent crime locations are over 75% White. </a:t>
+            </a:r>
+            <a:br>
+              <a:rPr lang="en-US" dirty="0"/>
+            </a:br>
+            <a:r>
+              <a:rPr lang="en-US" dirty="0"/>
+              <a:t>5) Unemployment</a:t>
+            </a:r>
+            <a:br>
+              <a:rPr lang="en-US" dirty="0"/>
+            </a:br>
+            <a:r>
+              <a:rPr lang="en-US" dirty="0"/>
+              <a:t>The lowest violent crime locations on average have unemployment rate that is within the Federal Reserve's range of ideal unemployment rate of 3.5%-4.5%. While, the highest violent crime rate locations are on average, 3% </a:t>
+            </a:r>
+            <a:r>
+              <a:rPr lang="en-US" dirty="0" err="1"/>
+              <a:t>highe</a:t>
+            </a:r>
+            <a:r>
+              <a:rPr lang="en-US" dirty="0"/>
+              <a:t> than the ideal.</a:t>
+            </a:r>
+            <a:br>
+              <a:rPr lang="en-US" dirty="0"/>
+            </a:br>
+            <a:r>
+              <a:rPr lang="en-US" dirty="0"/>
+              <a:t>While the </a:t>
+            </a:r>
+            <a:r>
+              <a:rPr lang="en-US" dirty="0" err="1"/>
+              <a:t>unemplyment</a:t>
+            </a:r>
+            <a:r>
+              <a:rPr lang="en-US" dirty="0"/>
+              <a:t> rate is higher for the highest crime rate locations, it does not have a correlation to violent crime because there are indeed ideal unemployment locations with the highest violent crime as there are above ideal unemployment locations with the lowest violent crime.</a:t>
+            </a:r>
+            <a:br>
+              <a:rPr lang="en-US" dirty="0"/>
+            </a:br>
+            <a:r>
+              <a:rPr lang="en-US" dirty="0"/>
+              <a:t>6) Income</a:t>
+            </a:r>
+            <a:br>
+              <a:rPr lang="en-US" dirty="0"/>
+            </a:br>
+            <a:r>
+              <a:rPr lang="en-US" dirty="0"/>
+              <a:t>The highest violent crime locations have on average lower median income than the lowest violent crime locations.</a:t>
+            </a:r>
+            <a:br>
+              <a:rPr lang="en-US" dirty="0"/>
+            </a:br>
+            <a:r>
+              <a:rPr lang="en-US" dirty="0"/>
+              <a:t>Although there is an inverse correlation between median income and violent crime in the highest violent crime locations, low income itself does not mean high violent crime as the inverse </a:t>
+            </a:r>
+            <a:r>
+              <a:rPr lang="en-US" dirty="0" err="1"/>
+              <a:t>correlaton</a:t>
+            </a:r>
+            <a:r>
+              <a:rPr lang="en-US" dirty="0"/>
+              <a:t> is 25% with the lowest violent crime locations.</a:t>
+            </a:r>
+            <a:br>
+              <a:rPr lang="en-US" dirty="0"/>
+            </a:br>
+            <a:r>
+              <a:rPr lang="en-US" dirty="0"/>
+              <a:t>Since there are indeed lowest violent crime locations with median income </a:t>
+            </a:r>
+            <a:r>
+              <a:rPr lang="en-US" dirty="0" err="1"/>
+              <a:t>thta</a:t>
+            </a:r>
+            <a:r>
+              <a:rPr lang="en-US" dirty="0"/>
+              <a:t> is lower than some highest violent crime locations, low income on its own can not be attributed to violent crime.</a:t>
+            </a:r>
+            <a:br>
+              <a:rPr lang="en-US" dirty="0"/>
+            </a:br>
+            <a:endParaRPr lang="en-US" dirty="0"/>
+          </a:p>
+        </p:txBody>
+      </p:sp>
+      <p:sp>
+        <p:nvSpPr>
+          <p:cNvPr id="5" name="Slide Number Placeholder 4"/>
+          <p:cNvSpPr>
+            <a:spLocks noGrp="1"/>
+          </p:cNvSpPr>
+          <p:nvPr>
+            <p:ph type="sldNum" sz="quarter" idx="12"/>
+          </p:nvPr>
+        </p:nvSpPr>
+        <p:spPr/>
+        <p:txBody>
+          <a:bodyPr/>
+          <a:lstStyle/>
+          <a:p>
+            <a:fld id="{489D000B-E6AD-40C2-AC67-BF5C54101F25}" type="slidenum">
+              <a:rPr lang="en-US" smtClean="0"/>
+              <a:pPr/>
+              <a:t>17</a:t>
+            </a:fld>
+            <a:endParaRPr lang="en-US"/>
+          </a:p>
+        </p:txBody>
+      </p:sp>
+      <p:sp>
+        <p:nvSpPr>
+          <p:cNvPr id="6" name="Footer Placeholder 3">
+            <a:extLst>
+              <a:ext uri="{FF2B5EF4-FFF2-40B4-BE49-F238E27FC236}">
+                <a16:creationId xmlns:a16="http://schemas.microsoft.com/office/drawing/2014/main" id="{F466B1E7-37A8-4685-BAFF-DFA6B3405B62}"/>
+              </a:ext>
+            </a:extLst>
+          </p:cNvPr>
+          <p:cNvSpPr>
+            <a:spLocks noGrp="1"/>
+          </p:cNvSpPr>
+          <p:nvPr/>
+        </p:nvSpPr>
+        <p:spPr>
+          <a:xfrm rot="16200000">
+            <a:off x="6466839" y="2753361"/>
+            <a:ext cx="4653282" cy="365760"/>
+          </a:xfrm>
+          <a:prstGeom prst="rect">
+            <a:avLst/>
+          </a:prstGeom>
+        </p:spPr>
+        <p:txBody>
+          <a:bodyPr vert="horz" lIns="91440" tIns="45720" rIns="91440" bIns="45720" rtlCol="0" anchor="ctr"/>
+          <a:lstStyle>
+            <a:defPPr>
+              <a:defRPr lang="en-US"/>
+            </a:defPPr>
+            <a:lvl1pPr marL="0" algn="r" defTabSz="914400" rtl="0" eaLnBrk="1" latinLnBrk="0" hangingPunct="1">
+              <a:defRPr sz="1200" kern="1200">
+                <a:solidFill>
+                  <a:schemeClr val="bg2"/>
+                </a:solidFill>
+                <a:latin typeface="+mn-lt"/>
+                <a:ea typeface="+mn-ea"/>
+                <a:cs typeface="+mn-cs"/>
+              </a:defRPr>
+            </a:lvl1pPr>
+            <a:lvl2pPr marL="457200" algn="l" defTabSz="914400" rtl="0" eaLnBrk="1" latinLnBrk="0" hangingPunct="1">
+              <a:defRPr sz="1800" kern="1200">
+                <a:solidFill>
+                  <a:schemeClr val="tx1"/>
+                </a:solidFill>
+                <a:latin typeface="+mn-lt"/>
+                <a:ea typeface="+mn-ea"/>
+                <a:cs typeface="+mn-cs"/>
+              </a:defRPr>
+            </a:lvl2pPr>
+            <a:lvl3pPr marL="914400" algn="l" defTabSz="914400" rtl="0" eaLnBrk="1" latinLnBrk="0" hangingPunct="1">
+              <a:defRPr sz="1800" kern="1200">
+                <a:solidFill>
+                  <a:schemeClr val="tx1"/>
+                </a:solidFill>
+                <a:latin typeface="+mn-lt"/>
+                <a:ea typeface="+mn-ea"/>
+                <a:cs typeface="+mn-cs"/>
+              </a:defRPr>
+            </a:lvl3pPr>
+            <a:lvl4pPr marL="1371600" algn="l" defTabSz="914400" rtl="0" eaLnBrk="1" latinLnBrk="0" hangingPunct="1">
+              <a:defRPr sz="1800" kern="1200">
+                <a:solidFill>
+                  <a:schemeClr val="tx1"/>
+                </a:solidFill>
+                <a:latin typeface="+mn-lt"/>
+                <a:ea typeface="+mn-ea"/>
+                <a:cs typeface="+mn-cs"/>
+              </a:defRPr>
+            </a:lvl4pPr>
+            <a:lvl5pPr marL="1828800" algn="l" defTabSz="914400" rtl="0" eaLnBrk="1" latinLnBrk="0" hangingPunct="1">
+              <a:defRPr sz="1800" kern="1200">
+                <a:solidFill>
+                  <a:schemeClr val="tx1"/>
+                </a:solidFill>
+                <a:latin typeface="+mn-lt"/>
+                <a:ea typeface="+mn-ea"/>
+                <a:cs typeface="+mn-cs"/>
+              </a:defRPr>
+            </a:lvl5pPr>
+            <a:lvl6pPr marL="2286000" algn="l" defTabSz="914400" rtl="0" eaLnBrk="1" latinLnBrk="0" hangingPunct="1">
+              <a:defRPr sz="1800" kern="1200">
+                <a:solidFill>
+                  <a:schemeClr val="tx1"/>
+                </a:solidFill>
+                <a:latin typeface="+mn-lt"/>
+                <a:ea typeface="+mn-ea"/>
+                <a:cs typeface="+mn-cs"/>
+              </a:defRPr>
+            </a:lvl6pPr>
+            <a:lvl7pPr marL="2743200" algn="l" defTabSz="914400" rtl="0" eaLnBrk="1" latinLnBrk="0" hangingPunct="1">
+              <a:defRPr sz="1800" kern="1200">
+                <a:solidFill>
+                  <a:schemeClr val="tx1"/>
+                </a:solidFill>
+                <a:latin typeface="+mn-lt"/>
+                <a:ea typeface="+mn-ea"/>
+                <a:cs typeface="+mn-cs"/>
+              </a:defRPr>
+            </a:lvl7pPr>
+            <a:lvl8pPr marL="3200400" algn="l" defTabSz="914400" rtl="0" eaLnBrk="1" latinLnBrk="0" hangingPunct="1">
+              <a:defRPr sz="1800" kern="1200">
+                <a:solidFill>
+                  <a:schemeClr val="tx1"/>
+                </a:solidFill>
+                <a:latin typeface="+mn-lt"/>
+                <a:ea typeface="+mn-ea"/>
+                <a:cs typeface="+mn-cs"/>
+              </a:defRPr>
+            </a:lvl8pPr>
+            <a:lvl9pPr marL="3657600" algn="l" defTabSz="914400" rtl="0" eaLnBrk="1" latinLnBrk="0" hangingPunct="1">
+              <a:defRPr sz="1800" kern="1200">
+                <a:solidFill>
+                  <a:schemeClr val="tx1"/>
+                </a:solidFill>
+                <a:latin typeface="+mn-lt"/>
+                <a:ea typeface="+mn-ea"/>
+                <a:cs typeface="+mn-cs"/>
+              </a:defRPr>
+            </a:lvl9pPr>
+          </a:lstStyle>
+          <a:p>
+            <a:pPr algn="l"/>
+            <a:r>
+              <a:rPr lang="en-US" dirty="0">
+                <a:solidFill>
+                  <a:schemeClr val="bg1"/>
+                </a:solidFill>
+              </a:rPr>
+              <a:t>The Relationship Between Demographics &amp; Violent crime in the US</a:t>
+            </a:r>
+          </a:p>
+          <a:p>
+            <a:pPr algn="l"/>
+            <a:r>
+              <a:rPr lang="en-US" dirty="0" err="1">
+                <a:solidFill>
+                  <a:schemeClr val="bg1"/>
+                </a:solidFill>
+              </a:rPr>
+              <a:t>Temidayo</a:t>
+            </a:r>
+            <a:r>
+              <a:rPr lang="en-US" dirty="0">
+                <a:solidFill>
+                  <a:schemeClr val="bg1"/>
+                </a:solidFill>
+              </a:rPr>
+              <a:t> </a:t>
+            </a:r>
+            <a:r>
+              <a:rPr lang="en-US" dirty="0" err="1">
+                <a:solidFill>
+                  <a:schemeClr val="bg1"/>
+                </a:solidFill>
+              </a:rPr>
+              <a:t>Akinsanya</a:t>
+            </a:r>
+            <a:endParaRPr lang="en-US" dirty="0">
+              <a:solidFill>
+                <a:schemeClr val="bg1"/>
+              </a:solidFill>
+            </a:endParaRPr>
+          </a:p>
+          <a:p>
+            <a:pPr algn="l"/>
+            <a:r>
+              <a:rPr lang="en-US" dirty="0">
+                <a:solidFill>
+                  <a:schemeClr val="bg1"/>
+                </a:solidFill>
+              </a:rPr>
+              <a:t>Cheryl Johnson</a:t>
+            </a:r>
+          </a:p>
+        </p:txBody>
+      </p:sp>
+    </p:spTree>
+    <p:extLst>
+      <p:ext uri="{BB962C8B-B14F-4D97-AF65-F5344CB8AC3E}">
+        <p14:creationId xmlns:p14="http://schemas.microsoft.com/office/powerpoint/2010/main" val="1049748299"/>
+      </p:ext>
+    </p:extLst>
+  </p:cSld>
+  <p:clrMapOvr>
+    <a:masterClrMapping/>
+  </p:clrMapOvr>
+</p:sld>
+</file>
+
+<file path=ppt/slides/slide18.xml><?xml version="1.0" encoding="utf-8"?>
+<p:sld xmlns:a="http://schemas.openxmlformats.org/drawingml/2006/main" xmlns:r="http://schemas.openxmlformats.org/officeDocument/2006/relationships" xmlns:p="http://schemas.openxmlformats.org/presentationml/2006/main">
+  <p:cSld>
+    <p:spTree>
+      <p:nvGrpSpPr>
+        <p:cNvPr id="1" name=""/>
+        <p:cNvGrpSpPr/>
+        <p:nvPr/>
+      </p:nvGrpSpPr>
+      <p:grpSpPr>
+        <a:xfrm>
+          <a:off x="0" y="0"/>
+          <a:ext cx="0" cy="0"/>
+          <a:chOff x="0" y="0"/>
+          <a:chExt cx="0" cy="0"/>
+        </a:xfrm>
+      </p:grpSpPr>
+      <p:sp>
+        <p:nvSpPr>
+          <p:cNvPr id="2" name="Title 1"/>
+          <p:cNvSpPr>
+            <a:spLocks noGrp="1"/>
+          </p:cNvSpPr>
+          <p:nvPr>
+            <p:ph type="title"/>
+          </p:nvPr>
+        </p:nvSpPr>
+        <p:spPr>
+          <a:xfrm>
+            <a:off x="304800" y="57150"/>
+            <a:ext cx="7620000" cy="1143000"/>
+          </a:xfrm>
+        </p:spPr>
+        <p:txBody>
+          <a:bodyPr/>
+          <a:lstStyle/>
+          <a:p>
+            <a:r>
+              <a:rPr lang="en-US" sz="4000" dirty="0"/>
+              <a:t>Conclusions (continued)</a:t>
+            </a:r>
+          </a:p>
+        </p:txBody>
+      </p:sp>
+      <p:sp>
+        <p:nvSpPr>
+          <p:cNvPr id="3" name="Content Placeholder 2"/>
+          <p:cNvSpPr>
+            <a:spLocks noGrp="1"/>
+          </p:cNvSpPr>
+          <p:nvPr>
+            <p:ph idx="1"/>
+          </p:nvPr>
+        </p:nvSpPr>
+        <p:spPr>
+          <a:xfrm>
+            <a:off x="304800" y="1076960"/>
+            <a:ext cx="7620000" cy="4572000"/>
+          </a:xfrm>
+        </p:spPr>
+        <p:txBody>
+          <a:bodyPr>
+            <a:normAutofit fontScale="92500" lnSpcReduction="20000"/>
+          </a:bodyPr>
+          <a:lstStyle/>
+          <a:p>
+            <a:r>
+              <a:rPr lang="en-US" dirty="0"/>
+              <a:t>Population</a:t>
+            </a:r>
+          </a:p>
+          <a:p>
+            <a:pPr lvl="1"/>
+            <a:r>
+              <a:rPr lang="en-US" dirty="0"/>
+              <a:t>The highest violent crime locations have very high populations</a:t>
+            </a:r>
+          </a:p>
+          <a:p>
+            <a:pPr lvl="1"/>
+            <a:r>
+              <a:rPr lang="en-US" dirty="0"/>
+              <a:t>The median for the lowest and highest crime populations does not appear to be </a:t>
+            </a:r>
+            <a:r>
+              <a:rPr lang="en-US" dirty="0" err="1"/>
+              <a:t>statistcally</a:t>
+            </a:r>
+            <a:r>
+              <a:rPr lang="en-US" dirty="0"/>
+              <a:t> significant.</a:t>
+            </a:r>
+          </a:p>
+          <a:p>
+            <a:pPr lvl="1"/>
+            <a:r>
+              <a:rPr lang="en-US" dirty="0"/>
+              <a:t>In fact, the lowest population for the highest violent locations is lower than that of the lowest violent crime location.</a:t>
+            </a:r>
+          </a:p>
+          <a:p>
+            <a:pPr lvl="1"/>
+            <a:r>
+              <a:rPr lang="en-US" dirty="0"/>
+              <a:t>Thus, Population alone cannot be an indicator of nor does it have correlation with violent crime.</a:t>
+            </a:r>
+          </a:p>
+          <a:p>
+            <a:pPr lvl="1"/>
+            <a:r>
+              <a:rPr lang="en-US" dirty="0"/>
+              <a:t>There does appear to be an inverse correlation in the lowest crime locations but it is not conclusive given the populations in the highest crime locations.</a:t>
+            </a:r>
+          </a:p>
+          <a:p>
+            <a:endParaRPr lang="en-US" dirty="0"/>
+          </a:p>
+          <a:p>
+            <a:r>
+              <a:rPr lang="en-US" dirty="0"/>
+              <a:t>Biggest Surprise:  The marriage data</a:t>
+            </a:r>
+          </a:p>
+          <a:p>
+            <a:endParaRPr lang="en-US" dirty="0"/>
+          </a:p>
+          <a:p>
+            <a:r>
+              <a:rPr lang="en-US" dirty="0"/>
+              <a:t>Biggest Confusion:  The income data</a:t>
+            </a:r>
+          </a:p>
+        </p:txBody>
+      </p:sp>
+      <p:sp>
+        <p:nvSpPr>
+          <p:cNvPr id="5" name="Slide Number Placeholder 4"/>
+          <p:cNvSpPr>
+            <a:spLocks noGrp="1"/>
+          </p:cNvSpPr>
+          <p:nvPr>
+            <p:ph type="sldNum" sz="quarter" idx="12"/>
+          </p:nvPr>
+        </p:nvSpPr>
+        <p:spPr/>
+        <p:txBody>
+          <a:bodyPr/>
+          <a:lstStyle/>
+          <a:p>
+            <a:fld id="{489D000B-E6AD-40C2-AC67-BF5C54101F25}" type="slidenum">
+              <a:rPr lang="en-US" smtClean="0"/>
+              <a:pPr/>
+              <a:t>18</a:t>
+            </a:fld>
+            <a:endParaRPr lang="en-US"/>
+          </a:p>
+        </p:txBody>
+      </p:sp>
+      <p:sp>
+        <p:nvSpPr>
+          <p:cNvPr id="6" name="Footer Placeholder 3">
+            <a:extLst>
+              <a:ext uri="{FF2B5EF4-FFF2-40B4-BE49-F238E27FC236}">
+                <a16:creationId xmlns:a16="http://schemas.microsoft.com/office/drawing/2014/main" id="{F466B1E7-37A8-4685-BAFF-DFA6B3405B62}"/>
+              </a:ext>
+            </a:extLst>
+          </p:cNvPr>
+          <p:cNvSpPr>
+            <a:spLocks noGrp="1"/>
+          </p:cNvSpPr>
+          <p:nvPr/>
+        </p:nvSpPr>
+        <p:spPr>
+          <a:xfrm rot="16200000">
+            <a:off x="6466839" y="2753361"/>
+            <a:ext cx="4653282" cy="365760"/>
+          </a:xfrm>
+          <a:prstGeom prst="rect">
+            <a:avLst/>
+          </a:prstGeom>
+        </p:spPr>
+        <p:txBody>
+          <a:bodyPr vert="horz" lIns="91440" tIns="45720" rIns="91440" bIns="45720" rtlCol="0" anchor="ctr"/>
+          <a:lstStyle>
+            <a:defPPr>
+              <a:defRPr lang="en-US"/>
+            </a:defPPr>
+            <a:lvl1pPr marL="0" algn="r" defTabSz="914400" rtl="0" eaLnBrk="1" latinLnBrk="0" hangingPunct="1">
+              <a:defRPr sz="1200" kern="1200">
+                <a:solidFill>
+                  <a:schemeClr val="bg2"/>
+                </a:solidFill>
+                <a:latin typeface="+mn-lt"/>
+                <a:ea typeface="+mn-ea"/>
+                <a:cs typeface="+mn-cs"/>
+              </a:defRPr>
+            </a:lvl1pPr>
+            <a:lvl2pPr marL="457200" algn="l" defTabSz="914400" rtl="0" eaLnBrk="1" latinLnBrk="0" hangingPunct="1">
+              <a:defRPr sz="1800" kern="1200">
+                <a:solidFill>
+                  <a:schemeClr val="tx1"/>
+                </a:solidFill>
+                <a:latin typeface="+mn-lt"/>
+                <a:ea typeface="+mn-ea"/>
+                <a:cs typeface="+mn-cs"/>
+              </a:defRPr>
+            </a:lvl2pPr>
+            <a:lvl3pPr marL="914400" algn="l" defTabSz="914400" rtl="0" eaLnBrk="1" latinLnBrk="0" hangingPunct="1">
+              <a:defRPr sz="1800" kern="1200">
+                <a:solidFill>
+                  <a:schemeClr val="tx1"/>
+                </a:solidFill>
+                <a:latin typeface="+mn-lt"/>
+                <a:ea typeface="+mn-ea"/>
+                <a:cs typeface="+mn-cs"/>
+              </a:defRPr>
+            </a:lvl3pPr>
+            <a:lvl4pPr marL="1371600" algn="l" defTabSz="914400" rtl="0" eaLnBrk="1" latinLnBrk="0" hangingPunct="1">
+              <a:defRPr sz="1800" kern="1200">
+                <a:solidFill>
+                  <a:schemeClr val="tx1"/>
+                </a:solidFill>
+                <a:latin typeface="+mn-lt"/>
+                <a:ea typeface="+mn-ea"/>
+                <a:cs typeface="+mn-cs"/>
+              </a:defRPr>
+            </a:lvl4pPr>
+            <a:lvl5pPr marL="1828800" algn="l" defTabSz="914400" rtl="0" eaLnBrk="1" latinLnBrk="0" hangingPunct="1">
+              <a:defRPr sz="1800" kern="1200">
+                <a:solidFill>
+                  <a:schemeClr val="tx1"/>
+                </a:solidFill>
+                <a:latin typeface="+mn-lt"/>
+                <a:ea typeface="+mn-ea"/>
+                <a:cs typeface="+mn-cs"/>
+              </a:defRPr>
+            </a:lvl5pPr>
+            <a:lvl6pPr marL="2286000" algn="l" defTabSz="914400" rtl="0" eaLnBrk="1" latinLnBrk="0" hangingPunct="1">
+              <a:defRPr sz="1800" kern="1200">
+                <a:solidFill>
+                  <a:schemeClr val="tx1"/>
+                </a:solidFill>
+                <a:latin typeface="+mn-lt"/>
+                <a:ea typeface="+mn-ea"/>
+                <a:cs typeface="+mn-cs"/>
+              </a:defRPr>
+            </a:lvl6pPr>
+            <a:lvl7pPr marL="2743200" algn="l" defTabSz="914400" rtl="0" eaLnBrk="1" latinLnBrk="0" hangingPunct="1">
+              <a:defRPr sz="1800" kern="1200">
+                <a:solidFill>
+                  <a:schemeClr val="tx1"/>
+                </a:solidFill>
+                <a:latin typeface="+mn-lt"/>
+                <a:ea typeface="+mn-ea"/>
+                <a:cs typeface="+mn-cs"/>
+              </a:defRPr>
+            </a:lvl7pPr>
+            <a:lvl8pPr marL="3200400" algn="l" defTabSz="914400" rtl="0" eaLnBrk="1" latinLnBrk="0" hangingPunct="1">
+              <a:defRPr sz="1800" kern="1200">
+                <a:solidFill>
+                  <a:schemeClr val="tx1"/>
+                </a:solidFill>
+                <a:latin typeface="+mn-lt"/>
+                <a:ea typeface="+mn-ea"/>
+                <a:cs typeface="+mn-cs"/>
+              </a:defRPr>
+            </a:lvl8pPr>
+            <a:lvl9pPr marL="3657600" algn="l" defTabSz="914400" rtl="0" eaLnBrk="1" latinLnBrk="0" hangingPunct="1">
+              <a:defRPr sz="1800" kern="1200">
+                <a:solidFill>
+                  <a:schemeClr val="tx1"/>
+                </a:solidFill>
+                <a:latin typeface="+mn-lt"/>
+                <a:ea typeface="+mn-ea"/>
+                <a:cs typeface="+mn-cs"/>
+              </a:defRPr>
+            </a:lvl9pPr>
+          </a:lstStyle>
+          <a:p>
+            <a:pPr algn="l"/>
+            <a:r>
+              <a:rPr lang="en-US" dirty="0">
+                <a:solidFill>
+                  <a:schemeClr val="bg1"/>
+                </a:solidFill>
+              </a:rPr>
+              <a:t>The Relationship Between Demographics &amp; Violent crime in the US</a:t>
+            </a:r>
+          </a:p>
+          <a:p>
+            <a:pPr algn="l"/>
+            <a:r>
+              <a:rPr lang="en-US" dirty="0" err="1">
+                <a:solidFill>
+                  <a:schemeClr val="bg1"/>
+                </a:solidFill>
+              </a:rPr>
+              <a:t>Temidayo</a:t>
+            </a:r>
+            <a:r>
+              <a:rPr lang="en-US" dirty="0">
+                <a:solidFill>
+                  <a:schemeClr val="bg1"/>
+                </a:solidFill>
+              </a:rPr>
+              <a:t> </a:t>
+            </a:r>
+            <a:r>
+              <a:rPr lang="en-US" dirty="0" err="1">
+                <a:solidFill>
+                  <a:schemeClr val="bg1"/>
+                </a:solidFill>
+              </a:rPr>
+              <a:t>Akinsanya</a:t>
+            </a:r>
+            <a:endParaRPr lang="en-US" dirty="0">
+              <a:solidFill>
+                <a:schemeClr val="bg1"/>
+              </a:solidFill>
+            </a:endParaRPr>
+          </a:p>
+          <a:p>
+            <a:pPr algn="l"/>
+            <a:r>
+              <a:rPr lang="en-US" dirty="0">
+                <a:solidFill>
+                  <a:schemeClr val="bg1"/>
+                </a:solidFill>
+              </a:rPr>
+              <a:t>Cheryl Johnson</a:t>
+            </a:r>
+          </a:p>
+        </p:txBody>
+      </p:sp>
+    </p:spTree>
+    <p:extLst>
+      <p:ext uri="{BB962C8B-B14F-4D97-AF65-F5344CB8AC3E}">
+        <p14:creationId xmlns:p14="http://schemas.microsoft.com/office/powerpoint/2010/main" val="3009003864"/>
+      </p:ext>
+    </p:extLst>
+  </p:cSld>
+  <p:clrMapOvr>
+    <a:masterClrMapping/>
+  </p:clrMapOvr>
+</p:sld>
+</file>
+
+<file path=ppt/slides/slide2.xml><?xml version="1.0" encoding="utf-8"?>
+<p:sld xmlns:a="http://schemas.openxmlformats.org/drawingml/2006/main" xmlns:r="http://schemas.openxmlformats.org/officeDocument/2006/relationships" xmlns:p="http://schemas.openxmlformats.org/presentationml/2006/main">
+  <p:cSld>
+    <p:spTree>
+      <p:nvGrpSpPr>
+        <p:cNvPr id="1" name=""/>
+        <p:cNvGrpSpPr/>
+        <p:nvPr/>
+      </p:nvGrpSpPr>
+      <p:grpSpPr>
+        <a:xfrm>
+          <a:off x="0" y="0"/>
+          <a:ext cx="0" cy="0"/>
+          <a:chOff x="0" y="0"/>
+          <a:chExt cx="0" cy="0"/>
+        </a:xfrm>
+      </p:grpSpPr>
+      <p:sp>
+        <p:nvSpPr>
+          <p:cNvPr id="2" name="Title 1"/>
+          <p:cNvSpPr>
+            <a:spLocks noGrp="1"/>
+          </p:cNvSpPr>
+          <p:nvPr>
+            <p:ph type="title"/>
+          </p:nvPr>
+        </p:nvSpPr>
+        <p:spPr>
+          <a:xfrm>
+            <a:off x="457200" y="274638"/>
+            <a:ext cx="7620000" cy="1143000"/>
+          </a:xfrm>
+        </p:spPr>
+        <p:txBody>
+          <a:bodyPr/>
+          <a:lstStyle/>
+          <a:p>
+            <a:r>
+              <a:rPr lang="en-US" sz="4000" dirty="0"/>
+              <a:t>Project Description</a:t>
+            </a:r>
+          </a:p>
+        </p:txBody>
+      </p:sp>
+      <p:sp>
+        <p:nvSpPr>
+          <p:cNvPr id="3" name="Content Placeholder 2"/>
+          <p:cNvSpPr>
+            <a:spLocks noGrp="1"/>
+          </p:cNvSpPr>
+          <p:nvPr>
+            <p:ph idx="1"/>
+          </p:nvPr>
+        </p:nvSpPr>
+        <p:spPr>
+          <a:xfrm>
+            <a:off x="457200" y="2209800"/>
+            <a:ext cx="7772400" cy="4043682"/>
+          </a:xfrm>
+        </p:spPr>
+        <p:txBody>
+          <a:bodyPr>
+            <a:normAutofit/>
+          </a:bodyPr>
+          <a:lstStyle/>
+          <a:p>
+            <a:r>
+              <a:rPr lang="en-US" sz="2800" dirty="0"/>
+              <a:t>Members: </a:t>
+            </a:r>
+            <a:r>
+              <a:rPr lang="en-US" sz="2800" dirty="0" err="1"/>
+              <a:t>Temidayo</a:t>
+            </a:r>
+            <a:r>
+              <a:rPr lang="en-US" sz="2800" dirty="0"/>
+              <a:t> </a:t>
+            </a:r>
+            <a:r>
+              <a:rPr lang="en-US" sz="2800" dirty="0" err="1"/>
+              <a:t>Akinsanya</a:t>
+            </a:r>
+            <a:r>
+              <a:rPr lang="en-US" sz="2800" dirty="0"/>
+              <a:t> and Cheryl Johnson</a:t>
+            </a:r>
+          </a:p>
+          <a:p>
+            <a:pPr marL="114300" indent="0">
+              <a:buNone/>
+            </a:pPr>
+            <a:endParaRPr lang="en-US" sz="2800" dirty="0"/>
+          </a:p>
+          <a:p>
+            <a:pPr marL="114300" indent="0" algn="just">
+              <a:buNone/>
+            </a:pPr>
+            <a:r>
+              <a:rPr lang="en-US" sz="2800" dirty="0"/>
+              <a:t>This project seeks to examine the relationship between demographics and violent crime in cities across the United States. We will do this by comparing the cities with the highest and lowest crime rates per capita in each state.</a:t>
+            </a:r>
+          </a:p>
+        </p:txBody>
+      </p:sp>
+      <p:sp>
+        <p:nvSpPr>
+          <p:cNvPr id="5" name="Slide Number Placeholder 4"/>
+          <p:cNvSpPr>
+            <a:spLocks noGrp="1"/>
+          </p:cNvSpPr>
+          <p:nvPr>
+            <p:ph type="sldNum" sz="quarter" idx="12"/>
+          </p:nvPr>
+        </p:nvSpPr>
+        <p:spPr/>
+        <p:txBody>
+          <a:bodyPr/>
+          <a:lstStyle/>
+          <a:p>
+            <a:fld id="{489D000B-E6AD-40C2-AC67-BF5C54101F25}" type="slidenum">
+              <a:rPr lang="en-US" smtClean="0"/>
+              <a:pPr/>
+              <a:t>2</a:t>
+            </a:fld>
+            <a:endParaRPr lang="en-US"/>
+          </a:p>
+        </p:txBody>
+      </p:sp>
+      <p:sp>
+        <p:nvSpPr>
+          <p:cNvPr id="7" name="Title 1">
+            <a:extLst>
+              <a:ext uri="{FF2B5EF4-FFF2-40B4-BE49-F238E27FC236}">
+                <a16:creationId xmlns:a16="http://schemas.microsoft.com/office/drawing/2014/main" id="{DD250AD1-4AD6-4DC1-8016-B51B604D5C24}"/>
+              </a:ext>
+            </a:extLst>
+          </p:cNvPr>
+          <p:cNvSpPr txBox="1">
+            <a:spLocks/>
+          </p:cNvSpPr>
+          <p:nvPr/>
+        </p:nvSpPr>
+        <p:spPr>
+          <a:xfrm>
+            <a:off x="457200" y="1066800"/>
+            <a:ext cx="7772400" cy="1143000"/>
+          </a:xfrm>
+          <a:prstGeom prst="rect">
+            <a:avLst/>
+          </a:prstGeom>
+        </p:spPr>
+        <p:txBody>
+          <a:bodyPr vert="horz" lIns="91440" tIns="45720" rIns="91440" bIns="45720" rtlCol="0" anchor="ctr">
+            <a:noAutofit/>
+          </a:bodyPr>
+          <a:lstStyle>
+            <a:lvl1pPr algn="l" defTabSz="914400" rtl="0" eaLnBrk="1" latinLnBrk="0" hangingPunct="1">
+              <a:spcBef>
+                <a:spcPct val="0"/>
+              </a:spcBef>
+              <a:buNone/>
+              <a:defRPr sz="4600" kern="1200" cap="none" spc="-100" baseline="0">
+                <a:ln>
+                  <a:noFill/>
+                </a:ln>
+                <a:solidFill>
+                  <a:schemeClr val="tx2"/>
+                </a:solidFill>
+                <a:effectLst/>
+                <a:latin typeface="+mj-lt"/>
+                <a:ea typeface="+mj-ea"/>
+                <a:cs typeface="+mj-cs"/>
+              </a:defRPr>
+            </a:lvl1pPr>
+          </a:lstStyle>
+          <a:p>
+            <a:r>
+              <a:rPr lang="en-US" sz="3200" dirty="0"/>
+              <a:t>The Effect of Demographics on</a:t>
+            </a:r>
+            <a:br>
+              <a:rPr lang="en-US" sz="3200" dirty="0"/>
+            </a:br>
+            <a:r>
+              <a:rPr lang="en-US" sz="3200" dirty="0"/>
+              <a:t>Violent Crime Rates in the US</a:t>
+            </a:r>
+          </a:p>
+        </p:txBody>
+      </p:sp>
+      <p:sp>
+        <p:nvSpPr>
+          <p:cNvPr id="9" name="Footer Placeholder 3">
+            <a:extLst>
+              <a:ext uri="{FF2B5EF4-FFF2-40B4-BE49-F238E27FC236}">
+                <a16:creationId xmlns:a16="http://schemas.microsoft.com/office/drawing/2014/main" id="{5BF67DF2-9C57-4B0C-AE7C-0C5EA1CB6A17}"/>
+              </a:ext>
+            </a:extLst>
+          </p:cNvPr>
+          <p:cNvSpPr>
+            <a:spLocks noGrp="1"/>
+          </p:cNvSpPr>
+          <p:nvPr/>
+        </p:nvSpPr>
+        <p:spPr>
+          <a:xfrm rot="16200000">
+            <a:off x="6466839" y="2753361"/>
+            <a:ext cx="4653282" cy="365760"/>
+          </a:xfrm>
+          <a:prstGeom prst="rect">
+            <a:avLst/>
+          </a:prstGeom>
+        </p:spPr>
+        <p:txBody>
+          <a:bodyPr vert="horz" lIns="91440" tIns="45720" rIns="91440" bIns="45720" rtlCol="0" anchor="ctr"/>
+          <a:lstStyle>
+            <a:defPPr>
+              <a:defRPr lang="en-US"/>
+            </a:defPPr>
+            <a:lvl1pPr marL="0" algn="r" defTabSz="914400" rtl="0" eaLnBrk="1" latinLnBrk="0" hangingPunct="1">
+              <a:defRPr sz="1200" kern="1200">
+                <a:solidFill>
+                  <a:schemeClr val="bg2"/>
+                </a:solidFill>
+                <a:latin typeface="+mn-lt"/>
+                <a:ea typeface="+mn-ea"/>
+                <a:cs typeface="+mn-cs"/>
+              </a:defRPr>
+            </a:lvl1pPr>
+            <a:lvl2pPr marL="457200" algn="l" defTabSz="914400" rtl="0" eaLnBrk="1" latinLnBrk="0" hangingPunct="1">
+              <a:defRPr sz="1800" kern="1200">
+                <a:solidFill>
+                  <a:schemeClr val="tx1"/>
+                </a:solidFill>
+                <a:latin typeface="+mn-lt"/>
+                <a:ea typeface="+mn-ea"/>
+                <a:cs typeface="+mn-cs"/>
+              </a:defRPr>
+            </a:lvl2pPr>
+            <a:lvl3pPr marL="914400" algn="l" defTabSz="914400" rtl="0" eaLnBrk="1" latinLnBrk="0" hangingPunct="1">
+              <a:defRPr sz="1800" kern="1200">
+                <a:solidFill>
+                  <a:schemeClr val="tx1"/>
+                </a:solidFill>
+                <a:latin typeface="+mn-lt"/>
+                <a:ea typeface="+mn-ea"/>
+                <a:cs typeface="+mn-cs"/>
+              </a:defRPr>
+            </a:lvl3pPr>
+            <a:lvl4pPr marL="1371600" algn="l" defTabSz="914400" rtl="0" eaLnBrk="1" latinLnBrk="0" hangingPunct="1">
+              <a:defRPr sz="1800" kern="1200">
+                <a:solidFill>
+                  <a:schemeClr val="tx1"/>
+                </a:solidFill>
+                <a:latin typeface="+mn-lt"/>
+                <a:ea typeface="+mn-ea"/>
+                <a:cs typeface="+mn-cs"/>
+              </a:defRPr>
+            </a:lvl4pPr>
+            <a:lvl5pPr marL="1828800" algn="l" defTabSz="914400" rtl="0" eaLnBrk="1" latinLnBrk="0" hangingPunct="1">
+              <a:defRPr sz="1800" kern="1200">
+                <a:solidFill>
+                  <a:schemeClr val="tx1"/>
+                </a:solidFill>
+                <a:latin typeface="+mn-lt"/>
+                <a:ea typeface="+mn-ea"/>
+                <a:cs typeface="+mn-cs"/>
+              </a:defRPr>
+            </a:lvl5pPr>
+            <a:lvl6pPr marL="2286000" algn="l" defTabSz="914400" rtl="0" eaLnBrk="1" latinLnBrk="0" hangingPunct="1">
+              <a:defRPr sz="1800" kern="1200">
+                <a:solidFill>
+                  <a:schemeClr val="tx1"/>
+                </a:solidFill>
+                <a:latin typeface="+mn-lt"/>
+                <a:ea typeface="+mn-ea"/>
+                <a:cs typeface="+mn-cs"/>
+              </a:defRPr>
+            </a:lvl6pPr>
+            <a:lvl7pPr marL="2743200" algn="l" defTabSz="914400" rtl="0" eaLnBrk="1" latinLnBrk="0" hangingPunct="1">
+              <a:defRPr sz="1800" kern="1200">
+                <a:solidFill>
+                  <a:schemeClr val="tx1"/>
+                </a:solidFill>
+                <a:latin typeface="+mn-lt"/>
+                <a:ea typeface="+mn-ea"/>
+                <a:cs typeface="+mn-cs"/>
+              </a:defRPr>
+            </a:lvl7pPr>
+            <a:lvl8pPr marL="3200400" algn="l" defTabSz="914400" rtl="0" eaLnBrk="1" latinLnBrk="0" hangingPunct="1">
+              <a:defRPr sz="1800" kern="1200">
+                <a:solidFill>
+                  <a:schemeClr val="tx1"/>
+                </a:solidFill>
+                <a:latin typeface="+mn-lt"/>
+                <a:ea typeface="+mn-ea"/>
+                <a:cs typeface="+mn-cs"/>
+              </a:defRPr>
+            </a:lvl8pPr>
+            <a:lvl9pPr marL="3657600" algn="l" defTabSz="914400" rtl="0" eaLnBrk="1" latinLnBrk="0" hangingPunct="1">
+              <a:defRPr sz="1800" kern="1200">
+                <a:solidFill>
+                  <a:schemeClr val="tx1"/>
+                </a:solidFill>
+                <a:latin typeface="+mn-lt"/>
+                <a:ea typeface="+mn-ea"/>
+                <a:cs typeface="+mn-cs"/>
+              </a:defRPr>
+            </a:lvl9pPr>
+          </a:lstStyle>
+          <a:p>
+            <a:pPr algn="l"/>
+            <a:r>
+              <a:rPr lang="en-US" dirty="0">
+                <a:solidFill>
+                  <a:schemeClr val="bg1"/>
+                </a:solidFill>
+              </a:rPr>
+              <a:t>The Relationship Between Demographics &amp; Violent crime in the US</a:t>
+            </a:r>
+          </a:p>
+          <a:p>
+            <a:pPr algn="l"/>
+            <a:r>
+              <a:rPr lang="en-US" dirty="0" err="1">
+                <a:solidFill>
+                  <a:schemeClr val="bg1"/>
+                </a:solidFill>
+              </a:rPr>
+              <a:t>Temidayo</a:t>
+            </a:r>
+            <a:r>
+              <a:rPr lang="en-US" dirty="0">
+                <a:solidFill>
+                  <a:schemeClr val="bg1"/>
+                </a:solidFill>
+              </a:rPr>
+              <a:t> </a:t>
+            </a:r>
+            <a:r>
+              <a:rPr lang="en-US" dirty="0" err="1">
+                <a:solidFill>
+                  <a:schemeClr val="bg1"/>
+                </a:solidFill>
+              </a:rPr>
+              <a:t>Akinsanya</a:t>
+            </a:r>
+            <a:endParaRPr lang="en-US" dirty="0">
+              <a:solidFill>
+                <a:schemeClr val="bg1"/>
+              </a:solidFill>
+            </a:endParaRPr>
+          </a:p>
+          <a:p>
+            <a:pPr algn="l"/>
+            <a:r>
+              <a:rPr lang="en-US" dirty="0">
+                <a:solidFill>
+                  <a:schemeClr val="bg1"/>
+                </a:solidFill>
+              </a:rPr>
+              <a:t>Cheryl Johnson</a:t>
+            </a:r>
+          </a:p>
+        </p:txBody>
+      </p:sp>
+    </p:spTree>
+  </p:cSld>
+  <p:clrMapOvr>
+    <a:masterClrMapping/>
+  </p:clrMapOvr>
+</p:sld>
+</file>
+
+<file path=ppt/slides/slide3.xml><?xml version="1.0" encoding="utf-8"?>
+<p:sld xmlns:a="http://schemas.openxmlformats.org/drawingml/2006/main" xmlns:r="http://schemas.openxmlformats.org/officeDocument/2006/relationships" xmlns:p="http://schemas.openxmlformats.org/presentationml/2006/main">
+  <p:cSld>
+    <p:spTree>
+      <p:nvGrpSpPr>
+        <p:cNvPr id="1" name=""/>
+        <p:cNvGrpSpPr/>
+        <p:nvPr/>
+      </p:nvGrpSpPr>
+      <p:grpSpPr>
+        <a:xfrm>
+          <a:off x="0" y="0"/>
+          <a:ext cx="0" cy="0"/>
+          <a:chOff x="0" y="0"/>
+          <a:chExt cx="0" cy="0"/>
+        </a:xfrm>
+      </p:grpSpPr>
+      <p:sp>
+        <p:nvSpPr>
+          <p:cNvPr id="3" name="Content Placeholder 2"/>
+          <p:cNvSpPr>
+            <a:spLocks noGrp="1"/>
+          </p:cNvSpPr>
+          <p:nvPr>
+            <p:ph idx="1"/>
+          </p:nvPr>
+        </p:nvSpPr>
+        <p:spPr>
+          <a:xfrm>
+            <a:off x="457200" y="1371600"/>
+            <a:ext cx="7620000" cy="4800600"/>
+          </a:xfrm>
+        </p:spPr>
+        <p:txBody>
+          <a:bodyPr>
+            <a:normAutofit fontScale="92500" lnSpcReduction="10000"/>
+          </a:bodyPr>
+          <a:lstStyle/>
+          <a:p>
+            <a:pPr marL="114300" indent="0">
+              <a:buNone/>
+            </a:pPr>
+            <a:r>
+              <a:rPr lang="en-US" sz="2800" dirty="0"/>
+              <a:t>There is a relationship between demographics and violent crime in the US.</a:t>
+            </a:r>
+          </a:p>
+          <a:p>
+            <a:pPr marL="114300" indent="0">
+              <a:buNone/>
+            </a:pPr>
+            <a:endParaRPr lang="en-US" sz="2800" dirty="0"/>
+          </a:p>
+          <a:p>
+            <a:pPr marL="114300" indent="0">
+              <a:buNone/>
+            </a:pPr>
+            <a:r>
+              <a:rPr lang="en-US" sz="2800" dirty="0"/>
+              <a:t>The comparison will examine several data points:</a:t>
+            </a:r>
+          </a:p>
+          <a:p>
+            <a:pPr marL="114300" indent="0">
+              <a:buNone/>
+            </a:pPr>
+            <a:r>
+              <a:rPr lang="en-US" sz="2800" dirty="0"/>
+              <a:t>	</a:t>
+            </a:r>
+            <a:r>
+              <a:rPr lang="en-US" sz="1500" dirty="0"/>
+              <a:t>&gt;</a:t>
+            </a:r>
+            <a:r>
+              <a:rPr lang="en-US" sz="2800" dirty="0"/>
+              <a:t> Average Income		</a:t>
+            </a:r>
+            <a:r>
+              <a:rPr lang="en-US" sz="1500" dirty="0"/>
+              <a:t>&gt;</a:t>
+            </a:r>
+            <a:r>
+              <a:rPr lang="en-US" sz="2800" dirty="0"/>
+              <a:t> Race</a:t>
+            </a:r>
+          </a:p>
+          <a:p>
+            <a:pPr marL="114300" indent="0">
+              <a:buNone/>
+            </a:pPr>
+            <a:r>
+              <a:rPr lang="en-US" sz="2800" dirty="0"/>
+              <a:t>	</a:t>
+            </a:r>
+            <a:r>
+              <a:rPr lang="en-US" sz="1500" dirty="0"/>
+              <a:t>&gt;</a:t>
+            </a:r>
+            <a:r>
+              <a:rPr lang="en-US" sz="2800" dirty="0"/>
+              <a:t> Unemployment Rate	</a:t>
+            </a:r>
+            <a:r>
+              <a:rPr lang="en-US" sz="1500" dirty="0"/>
+              <a:t>&gt;</a:t>
+            </a:r>
+            <a:r>
+              <a:rPr lang="en-US" sz="2800" dirty="0"/>
+              <a:t> Marital Status</a:t>
+            </a:r>
+          </a:p>
+          <a:p>
+            <a:pPr marL="114300" indent="0">
+              <a:buNone/>
+            </a:pPr>
+            <a:r>
+              <a:rPr lang="en-US" sz="2800" dirty="0"/>
+              <a:t>	</a:t>
+            </a:r>
+            <a:r>
+              <a:rPr lang="en-US" sz="1500" dirty="0"/>
+              <a:t>&gt;</a:t>
+            </a:r>
+            <a:r>
+              <a:rPr lang="en-US" sz="2800" dirty="0"/>
+              <a:t> Education Level		</a:t>
+            </a:r>
+            <a:r>
+              <a:rPr lang="en-US" sz="1500" dirty="0"/>
+              <a:t>&gt;</a:t>
+            </a:r>
+            <a:r>
+              <a:rPr lang="en-US" sz="2800" dirty="0"/>
+              <a:t> School Enrollment</a:t>
+            </a:r>
+          </a:p>
+          <a:p>
+            <a:pPr marL="114300" indent="0">
+              <a:buNone/>
+            </a:pPr>
+            <a:r>
+              <a:rPr lang="en-US" sz="2800" dirty="0"/>
+              <a:t>	</a:t>
+            </a:r>
+            <a:r>
+              <a:rPr lang="en-US" sz="1500" dirty="0"/>
+              <a:t>&gt;</a:t>
+            </a:r>
+            <a:r>
+              <a:rPr lang="en-US" sz="2800" dirty="0"/>
+              <a:t> Population</a:t>
+            </a:r>
+          </a:p>
+          <a:p>
+            <a:pPr marL="114300" indent="0">
+              <a:buNone/>
+            </a:pPr>
+            <a:endParaRPr lang="en-US" sz="2800" dirty="0"/>
+          </a:p>
+          <a:p>
+            <a:pPr marL="114300" indent="0">
+              <a:buNone/>
+            </a:pPr>
+            <a:r>
+              <a:rPr lang="en-US" sz="2800" dirty="0"/>
+              <a:t>NULL Hypothesis—There is no relationship between demographics and violent crime in the US.</a:t>
+            </a:r>
+          </a:p>
+          <a:p>
+            <a:pPr marL="114300" indent="0">
+              <a:buNone/>
+            </a:pPr>
+            <a:endParaRPr lang="en-US" sz="2800" dirty="0"/>
+          </a:p>
+        </p:txBody>
+      </p:sp>
+      <p:sp>
+        <p:nvSpPr>
+          <p:cNvPr id="5" name="Slide Number Placeholder 4"/>
+          <p:cNvSpPr>
+            <a:spLocks noGrp="1"/>
+          </p:cNvSpPr>
+          <p:nvPr>
+            <p:ph type="sldNum" sz="quarter" idx="12"/>
+          </p:nvPr>
+        </p:nvSpPr>
+        <p:spPr/>
+        <p:txBody>
+          <a:bodyPr/>
+          <a:lstStyle/>
+          <a:p>
+            <a:fld id="{489D000B-E6AD-40C2-AC67-BF5C54101F25}" type="slidenum">
+              <a:rPr lang="en-US" smtClean="0"/>
+              <a:pPr/>
+              <a:t>3</a:t>
+            </a:fld>
+            <a:endParaRPr lang="en-US"/>
+          </a:p>
+        </p:txBody>
+      </p:sp>
+      <p:sp>
+        <p:nvSpPr>
+          <p:cNvPr id="7" name="Title 1">
+            <a:extLst>
+              <a:ext uri="{FF2B5EF4-FFF2-40B4-BE49-F238E27FC236}">
+                <a16:creationId xmlns:a16="http://schemas.microsoft.com/office/drawing/2014/main" id="{DD250AD1-4AD6-4DC1-8016-B51B604D5C24}"/>
+              </a:ext>
+            </a:extLst>
+          </p:cNvPr>
+          <p:cNvSpPr txBox="1">
+            <a:spLocks/>
+          </p:cNvSpPr>
+          <p:nvPr/>
+        </p:nvSpPr>
+        <p:spPr>
+          <a:xfrm>
+            <a:off x="457200" y="457200"/>
+            <a:ext cx="7772400" cy="1143000"/>
+          </a:xfrm>
+          <a:prstGeom prst="rect">
+            <a:avLst/>
+          </a:prstGeom>
+        </p:spPr>
+        <p:txBody>
+          <a:bodyPr vert="horz" lIns="91440" tIns="45720" rIns="91440" bIns="45720" rtlCol="0" anchor="ctr">
+            <a:noAutofit/>
+          </a:bodyPr>
+          <a:lstStyle>
+            <a:lvl1pPr algn="l" defTabSz="914400" rtl="0" eaLnBrk="1" latinLnBrk="0" hangingPunct="1">
+              <a:spcBef>
+                <a:spcPct val="0"/>
+              </a:spcBef>
+              <a:buNone/>
+              <a:defRPr sz="4600" kern="1200" cap="none" spc="-100" baseline="0">
+                <a:ln>
+                  <a:noFill/>
+                </a:ln>
+                <a:solidFill>
+                  <a:schemeClr val="tx2"/>
+                </a:solidFill>
+                <a:effectLst/>
+                <a:latin typeface="+mj-lt"/>
+                <a:ea typeface="+mj-ea"/>
+                <a:cs typeface="+mj-cs"/>
+              </a:defRPr>
+            </a:lvl1pPr>
+          </a:lstStyle>
+          <a:p>
+            <a:r>
+              <a:rPr lang="en-US" sz="3200" dirty="0"/>
+              <a:t>Hypothesis</a:t>
+            </a:r>
+          </a:p>
+        </p:txBody>
+      </p:sp>
+      <p:sp>
+        <p:nvSpPr>
+          <p:cNvPr id="9" name="Footer Placeholder 3">
+            <a:extLst>
+              <a:ext uri="{FF2B5EF4-FFF2-40B4-BE49-F238E27FC236}">
+                <a16:creationId xmlns:a16="http://schemas.microsoft.com/office/drawing/2014/main" id="{6E725F86-A098-4F74-96D5-BBBCC4A44A43}"/>
+              </a:ext>
+            </a:extLst>
+          </p:cNvPr>
+          <p:cNvSpPr>
+            <a:spLocks noGrp="1"/>
+          </p:cNvSpPr>
+          <p:nvPr/>
+        </p:nvSpPr>
+        <p:spPr>
+          <a:xfrm rot="16200000">
+            <a:off x="6466839" y="2753361"/>
+            <a:ext cx="4653282" cy="365760"/>
+          </a:xfrm>
+          <a:prstGeom prst="rect">
+            <a:avLst/>
+          </a:prstGeom>
+        </p:spPr>
+        <p:txBody>
+          <a:bodyPr vert="horz" lIns="91440" tIns="45720" rIns="91440" bIns="45720" rtlCol="0" anchor="ctr"/>
+          <a:lstStyle>
+            <a:defPPr>
+              <a:defRPr lang="en-US"/>
+            </a:defPPr>
+            <a:lvl1pPr marL="0" algn="r" defTabSz="914400" rtl="0" eaLnBrk="1" latinLnBrk="0" hangingPunct="1">
+              <a:defRPr sz="1200" kern="1200">
+                <a:solidFill>
+                  <a:schemeClr val="bg2"/>
+                </a:solidFill>
+                <a:latin typeface="+mn-lt"/>
+                <a:ea typeface="+mn-ea"/>
+                <a:cs typeface="+mn-cs"/>
+              </a:defRPr>
+            </a:lvl1pPr>
+            <a:lvl2pPr marL="457200" algn="l" defTabSz="914400" rtl="0" eaLnBrk="1" latinLnBrk="0" hangingPunct="1">
+              <a:defRPr sz="1800" kern="1200">
+                <a:solidFill>
+                  <a:schemeClr val="tx1"/>
+                </a:solidFill>
+                <a:latin typeface="+mn-lt"/>
+                <a:ea typeface="+mn-ea"/>
+                <a:cs typeface="+mn-cs"/>
+              </a:defRPr>
+            </a:lvl2pPr>
+            <a:lvl3pPr marL="914400" algn="l" defTabSz="914400" rtl="0" eaLnBrk="1" latinLnBrk="0" hangingPunct="1">
+              <a:defRPr sz="1800" kern="1200">
+                <a:solidFill>
+                  <a:schemeClr val="tx1"/>
+                </a:solidFill>
+                <a:latin typeface="+mn-lt"/>
+                <a:ea typeface="+mn-ea"/>
+                <a:cs typeface="+mn-cs"/>
+              </a:defRPr>
+            </a:lvl3pPr>
+            <a:lvl4pPr marL="1371600" algn="l" defTabSz="914400" rtl="0" eaLnBrk="1" latinLnBrk="0" hangingPunct="1">
+              <a:defRPr sz="1800" kern="1200">
+                <a:solidFill>
+                  <a:schemeClr val="tx1"/>
+                </a:solidFill>
+                <a:latin typeface="+mn-lt"/>
+                <a:ea typeface="+mn-ea"/>
+                <a:cs typeface="+mn-cs"/>
+              </a:defRPr>
+            </a:lvl4pPr>
+            <a:lvl5pPr marL="1828800" algn="l" defTabSz="914400" rtl="0" eaLnBrk="1" latinLnBrk="0" hangingPunct="1">
+              <a:defRPr sz="1800" kern="1200">
+                <a:solidFill>
+                  <a:schemeClr val="tx1"/>
+                </a:solidFill>
+                <a:latin typeface="+mn-lt"/>
+                <a:ea typeface="+mn-ea"/>
+                <a:cs typeface="+mn-cs"/>
+              </a:defRPr>
+            </a:lvl5pPr>
+            <a:lvl6pPr marL="2286000" algn="l" defTabSz="914400" rtl="0" eaLnBrk="1" latinLnBrk="0" hangingPunct="1">
+              <a:defRPr sz="1800" kern="1200">
+                <a:solidFill>
+                  <a:schemeClr val="tx1"/>
+                </a:solidFill>
+                <a:latin typeface="+mn-lt"/>
+                <a:ea typeface="+mn-ea"/>
+                <a:cs typeface="+mn-cs"/>
+              </a:defRPr>
+            </a:lvl6pPr>
+            <a:lvl7pPr marL="2743200" algn="l" defTabSz="914400" rtl="0" eaLnBrk="1" latinLnBrk="0" hangingPunct="1">
+              <a:defRPr sz="1800" kern="1200">
+                <a:solidFill>
+                  <a:schemeClr val="tx1"/>
+                </a:solidFill>
+                <a:latin typeface="+mn-lt"/>
+                <a:ea typeface="+mn-ea"/>
+                <a:cs typeface="+mn-cs"/>
+              </a:defRPr>
+            </a:lvl7pPr>
+            <a:lvl8pPr marL="3200400" algn="l" defTabSz="914400" rtl="0" eaLnBrk="1" latinLnBrk="0" hangingPunct="1">
+              <a:defRPr sz="1800" kern="1200">
+                <a:solidFill>
+                  <a:schemeClr val="tx1"/>
+                </a:solidFill>
+                <a:latin typeface="+mn-lt"/>
+                <a:ea typeface="+mn-ea"/>
+                <a:cs typeface="+mn-cs"/>
+              </a:defRPr>
+            </a:lvl8pPr>
+            <a:lvl9pPr marL="3657600" algn="l" defTabSz="914400" rtl="0" eaLnBrk="1" latinLnBrk="0" hangingPunct="1">
+              <a:defRPr sz="1800" kern="1200">
+                <a:solidFill>
+                  <a:schemeClr val="tx1"/>
+                </a:solidFill>
+                <a:latin typeface="+mn-lt"/>
+                <a:ea typeface="+mn-ea"/>
+                <a:cs typeface="+mn-cs"/>
+              </a:defRPr>
+            </a:lvl9pPr>
+          </a:lstStyle>
+          <a:p>
+            <a:pPr algn="l"/>
+            <a:r>
+              <a:rPr lang="en-US" dirty="0">
+                <a:solidFill>
+                  <a:schemeClr val="bg1"/>
+                </a:solidFill>
+              </a:rPr>
+              <a:t>The Relationship Between Demographics &amp; Violent crime in the US</a:t>
+            </a:r>
+          </a:p>
+          <a:p>
+            <a:pPr algn="l"/>
+            <a:r>
+              <a:rPr lang="en-US" dirty="0" err="1">
+                <a:solidFill>
+                  <a:schemeClr val="bg1"/>
+                </a:solidFill>
+              </a:rPr>
+              <a:t>Temidayo</a:t>
+            </a:r>
+            <a:r>
+              <a:rPr lang="en-US" dirty="0">
+                <a:solidFill>
+                  <a:schemeClr val="bg1"/>
+                </a:solidFill>
+              </a:rPr>
+              <a:t> </a:t>
+            </a:r>
+            <a:r>
+              <a:rPr lang="en-US" dirty="0" err="1">
+                <a:solidFill>
+                  <a:schemeClr val="bg1"/>
+                </a:solidFill>
+              </a:rPr>
+              <a:t>Akinsanya</a:t>
+            </a:r>
+            <a:endParaRPr lang="en-US" dirty="0">
+              <a:solidFill>
+                <a:schemeClr val="bg1"/>
+              </a:solidFill>
+            </a:endParaRPr>
+          </a:p>
+          <a:p>
+            <a:pPr algn="l"/>
+            <a:r>
+              <a:rPr lang="en-US" dirty="0">
+                <a:solidFill>
+                  <a:schemeClr val="bg1"/>
+                </a:solidFill>
+              </a:rPr>
+              <a:t>Cheryl Johnson</a:t>
+            </a:r>
+          </a:p>
+        </p:txBody>
+      </p:sp>
+    </p:spTree>
+    <p:extLst>
+      <p:ext uri="{BB962C8B-B14F-4D97-AF65-F5344CB8AC3E}">
+        <p14:creationId xmlns:p14="http://schemas.microsoft.com/office/powerpoint/2010/main" val="3101101615"/>
+      </p:ext>
+    </p:extLst>
+  </p:cSld>
+  <p:clrMapOvr>
+    <a:masterClrMapping/>
+  </p:clrMapOvr>
+</p:sld>
+</file>
+
+<file path=ppt/slides/slide4.xml><?xml version="1.0" encoding="utf-8"?>
+<p:sld xmlns:a="http://schemas.openxmlformats.org/drawingml/2006/main" xmlns:r="http://schemas.openxmlformats.org/officeDocument/2006/relationships" xmlns:p="http://schemas.openxmlformats.org/presentationml/2006/main">
+  <p:cSld>
+    <p:spTree>
+      <p:nvGrpSpPr>
+        <p:cNvPr id="1" name=""/>
+        <p:cNvGrpSpPr/>
+        <p:nvPr/>
+      </p:nvGrpSpPr>
+      <p:grpSpPr>
+        <a:xfrm>
+          <a:off x="0" y="0"/>
+          <a:ext cx="0" cy="0"/>
+          <a:chOff x="0" y="0"/>
+          <a:chExt cx="0" cy="0"/>
+        </a:xfrm>
+      </p:grpSpPr>
+      <p:sp>
+        <p:nvSpPr>
+          <p:cNvPr id="3" name="Content Placeholder 2"/>
+          <p:cNvSpPr>
+            <a:spLocks noGrp="1"/>
+          </p:cNvSpPr>
+          <p:nvPr>
+            <p:ph idx="1"/>
+          </p:nvPr>
+        </p:nvSpPr>
+        <p:spPr>
+          <a:xfrm>
+            <a:off x="438150" y="1046480"/>
+            <a:ext cx="7620000" cy="4800600"/>
+          </a:xfrm>
+        </p:spPr>
+        <p:txBody>
+          <a:bodyPr>
+            <a:normAutofit fontScale="92500" lnSpcReduction="10000"/>
+          </a:bodyPr>
+          <a:lstStyle/>
+          <a:p>
+            <a:pPr marL="628650" indent="-514350">
+              <a:buAutoNum type="arabicParenBoth"/>
+            </a:pPr>
+            <a:r>
+              <a:rPr lang="en-US" sz="2800" dirty="0"/>
+              <a:t>Is there a correlation between the level of violent crime and the presence of lack thereof of living arrangements with higher proportion of married spouses?</a:t>
+            </a:r>
+          </a:p>
+          <a:p>
+            <a:pPr marL="628650" indent="-514350">
+              <a:buAutoNum type="arabicParenBoth"/>
+            </a:pPr>
+            <a:r>
+              <a:rPr lang="en-US" sz="2800" dirty="0"/>
+              <a:t>Can the rate of school enrollment predict the level of violent crime rate in America cities?</a:t>
+            </a:r>
+          </a:p>
+          <a:p>
+            <a:pPr marL="628650" indent="-514350">
+              <a:buAutoNum type="arabicParenBoth"/>
+            </a:pPr>
+            <a:r>
+              <a:rPr lang="en-US" sz="2800" dirty="0"/>
+              <a:t>Is violent crime more likely to be higher in cities with a particular race?</a:t>
+            </a:r>
+          </a:p>
+          <a:p>
+            <a:pPr marL="628650" indent="-514350">
+              <a:buAutoNum type="arabicParenBoth"/>
+            </a:pPr>
+            <a:r>
+              <a:rPr lang="en-US" sz="2800" dirty="0"/>
+              <a:t>Is there a correlation between poverty rate and violent crime rate?</a:t>
+            </a:r>
+          </a:p>
+          <a:p>
+            <a:pPr marL="628650" indent="-514350">
+              <a:buAutoNum type="arabicParenBoth"/>
+            </a:pPr>
+            <a:r>
+              <a:rPr lang="en-US" sz="2800" dirty="0"/>
+              <a:t>Is there a correlation between unemployment and violent crime rate?</a:t>
+            </a:r>
+          </a:p>
+          <a:p>
+            <a:pPr marL="114300" indent="0">
+              <a:buNone/>
+            </a:pPr>
+            <a:endParaRPr lang="en-US" sz="2800" dirty="0"/>
+          </a:p>
+        </p:txBody>
+      </p:sp>
+      <p:sp>
+        <p:nvSpPr>
+          <p:cNvPr id="5" name="Slide Number Placeholder 4"/>
+          <p:cNvSpPr>
+            <a:spLocks noGrp="1"/>
+          </p:cNvSpPr>
+          <p:nvPr>
+            <p:ph type="sldNum" sz="quarter" idx="12"/>
+          </p:nvPr>
+        </p:nvSpPr>
+        <p:spPr/>
+        <p:txBody>
+          <a:bodyPr/>
+          <a:lstStyle/>
+          <a:p>
+            <a:fld id="{489D000B-E6AD-40C2-AC67-BF5C54101F25}" type="slidenum">
+              <a:rPr lang="en-US" smtClean="0"/>
+              <a:pPr/>
+              <a:t>4</a:t>
+            </a:fld>
+            <a:endParaRPr lang="en-US"/>
+          </a:p>
+        </p:txBody>
+      </p:sp>
+      <p:sp>
+        <p:nvSpPr>
+          <p:cNvPr id="7" name="Title 1">
+            <a:extLst>
+              <a:ext uri="{FF2B5EF4-FFF2-40B4-BE49-F238E27FC236}">
+                <a16:creationId xmlns:a16="http://schemas.microsoft.com/office/drawing/2014/main" id="{DD250AD1-4AD6-4DC1-8016-B51B604D5C24}"/>
+              </a:ext>
+            </a:extLst>
+          </p:cNvPr>
+          <p:cNvSpPr txBox="1">
+            <a:spLocks/>
+          </p:cNvSpPr>
+          <p:nvPr/>
+        </p:nvSpPr>
+        <p:spPr>
+          <a:xfrm>
+            <a:off x="438150" y="152400"/>
+            <a:ext cx="7772400" cy="1066800"/>
+          </a:xfrm>
+          <a:prstGeom prst="rect">
+            <a:avLst/>
+          </a:prstGeom>
+        </p:spPr>
+        <p:txBody>
+          <a:bodyPr vert="horz" lIns="91440" tIns="45720" rIns="91440" bIns="45720" rtlCol="0" anchor="ctr">
+            <a:noAutofit/>
+          </a:bodyPr>
+          <a:lstStyle>
+            <a:lvl1pPr algn="l" defTabSz="914400" rtl="0" eaLnBrk="1" latinLnBrk="0" hangingPunct="1">
+              <a:spcBef>
+                <a:spcPct val="0"/>
+              </a:spcBef>
+              <a:buNone/>
+              <a:defRPr sz="4600" kern="1200" cap="none" spc="-100" baseline="0">
+                <a:ln>
+                  <a:noFill/>
+                </a:ln>
+                <a:solidFill>
+                  <a:schemeClr val="tx2"/>
+                </a:solidFill>
+                <a:effectLst/>
+                <a:latin typeface="+mj-lt"/>
+                <a:ea typeface="+mj-ea"/>
+                <a:cs typeface="+mj-cs"/>
+              </a:defRPr>
+            </a:lvl1pPr>
+          </a:lstStyle>
+          <a:p>
+            <a:r>
+              <a:rPr lang="en-US" sz="3200" dirty="0"/>
+              <a:t>Research Questions</a:t>
+            </a:r>
+          </a:p>
+        </p:txBody>
+      </p:sp>
+      <p:sp>
+        <p:nvSpPr>
+          <p:cNvPr id="6" name="Footer Placeholder 3">
+            <a:extLst>
+              <a:ext uri="{FF2B5EF4-FFF2-40B4-BE49-F238E27FC236}">
+                <a16:creationId xmlns:a16="http://schemas.microsoft.com/office/drawing/2014/main" id="{02C97BDC-2FB3-4E4A-9CF1-D9673D5B9681}"/>
+              </a:ext>
+            </a:extLst>
+          </p:cNvPr>
+          <p:cNvSpPr>
+            <a:spLocks noGrp="1"/>
+          </p:cNvSpPr>
+          <p:nvPr/>
+        </p:nvSpPr>
+        <p:spPr>
+          <a:xfrm rot="16200000">
+            <a:off x="6466839" y="2753361"/>
+            <a:ext cx="4653282" cy="365760"/>
+          </a:xfrm>
+          <a:prstGeom prst="rect">
+            <a:avLst/>
+          </a:prstGeom>
+        </p:spPr>
+        <p:txBody>
+          <a:bodyPr vert="horz" lIns="91440" tIns="45720" rIns="91440" bIns="45720" rtlCol="0" anchor="ctr"/>
+          <a:lstStyle>
+            <a:defPPr>
+              <a:defRPr lang="en-US"/>
+            </a:defPPr>
+            <a:lvl1pPr marL="0" algn="r" defTabSz="914400" rtl="0" eaLnBrk="1" latinLnBrk="0" hangingPunct="1">
+              <a:defRPr sz="1200" kern="1200">
+                <a:solidFill>
+                  <a:schemeClr val="bg2"/>
+                </a:solidFill>
+                <a:latin typeface="+mn-lt"/>
+                <a:ea typeface="+mn-ea"/>
+                <a:cs typeface="+mn-cs"/>
+              </a:defRPr>
+            </a:lvl1pPr>
+            <a:lvl2pPr marL="457200" algn="l" defTabSz="914400" rtl="0" eaLnBrk="1" latinLnBrk="0" hangingPunct="1">
+              <a:defRPr sz="1800" kern="1200">
+                <a:solidFill>
+                  <a:schemeClr val="tx1"/>
+                </a:solidFill>
+                <a:latin typeface="+mn-lt"/>
+                <a:ea typeface="+mn-ea"/>
+                <a:cs typeface="+mn-cs"/>
+              </a:defRPr>
+            </a:lvl2pPr>
+            <a:lvl3pPr marL="914400" algn="l" defTabSz="914400" rtl="0" eaLnBrk="1" latinLnBrk="0" hangingPunct="1">
+              <a:defRPr sz="1800" kern="1200">
+                <a:solidFill>
+                  <a:schemeClr val="tx1"/>
+                </a:solidFill>
+                <a:latin typeface="+mn-lt"/>
+                <a:ea typeface="+mn-ea"/>
+                <a:cs typeface="+mn-cs"/>
+              </a:defRPr>
+            </a:lvl3pPr>
+            <a:lvl4pPr marL="1371600" algn="l" defTabSz="914400" rtl="0" eaLnBrk="1" latinLnBrk="0" hangingPunct="1">
+              <a:defRPr sz="1800" kern="1200">
+                <a:solidFill>
+                  <a:schemeClr val="tx1"/>
+                </a:solidFill>
+                <a:latin typeface="+mn-lt"/>
+                <a:ea typeface="+mn-ea"/>
+                <a:cs typeface="+mn-cs"/>
+              </a:defRPr>
+            </a:lvl4pPr>
+            <a:lvl5pPr marL="1828800" algn="l" defTabSz="914400" rtl="0" eaLnBrk="1" latinLnBrk="0" hangingPunct="1">
+              <a:defRPr sz="1800" kern="1200">
+                <a:solidFill>
+                  <a:schemeClr val="tx1"/>
+                </a:solidFill>
+                <a:latin typeface="+mn-lt"/>
+                <a:ea typeface="+mn-ea"/>
+                <a:cs typeface="+mn-cs"/>
+              </a:defRPr>
+            </a:lvl5pPr>
+            <a:lvl6pPr marL="2286000" algn="l" defTabSz="914400" rtl="0" eaLnBrk="1" latinLnBrk="0" hangingPunct="1">
+              <a:defRPr sz="1800" kern="1200">
+                <a:solidFill>
+                  <a:schemeClr val="tx1"/>
+                </a:solidFill>
+                <a:latin typeface="+mn-lt"/>
+                <a:ea typeface="+mn-ea"/>
+                <a:cs typeface="+mn-cs"/>
+              </a:defRPr>
+            </a:lvl6pPr>
+            <a:lvl7pPr marL="2743200" algn="l" defTabSz="914400" rtl="0" eaLnBrk="1" latinLnBrk="0" hangingPunct="1">
+              <a:defRPr sz="1800" kern="1200">
+                <a:solidFill>
+                  <a:schemeClr val="tx1"/>
+                </a:solidFill>
+                <a:latin typeface="+mn-lt"/>
+                <a:ea typeface="+mn-ea"/>
+                <a:cs typeface="+mn-cs"/>
+              </a:defRPr>
+            </a:lvl7pPr>
+            <a:lvl8pPr marL="3200400" algn="l" defTabSz="914400" rtl="0" eaLnBrk="1" latinLnBrk="0" hangingPunct="1">
+              <a:defRPr sz="1800" kern="1200">
+                <a:solidFill>
+                  <a:schemeClr val="tx1"/>
+                </a:solidFill>
+                <a:latin typeface="+mn-lt"/>
+                <a:ea typeface="+mn-ea"/>
+                <a:cs typeface="+mn-cs"/>
+              </a:defRPr>
+            </a:lvl8pPr>
+            <a:lvl9pPr marL="3657600" algn="l" defTabSz="914400" rtl="0" eaLnBrk="1" latinLnBrk="0" hangingPunct="1">
+              <a:defRPr sz="1800" kern="1200">
+                <a:solidFill>
+                  <a:schemeClr val="tx1"/>
+                </a:solidFill>
+                <a:latin typeface="+mn-lt"/>
+                <a:ea typeface="+mn-ea"/>
+                <a:cs typeface="+mn-cs"/>
+              </a:defRPr>
+            </a:lvl9pPr>
+          </a:lstStyle>
+          <a:p>
+            <a:pPr algn="l"/>
+            <a:r>
+              <a:rPr lang="en-US" dirty="0">
+                <a:solidFill>
+                  <a:schemeClr val="bg1"/>
+                </a:solidFill>
+              </a:rPr>
+              <a:t>The Relationship Between Demographics &amp; Violent crime in the US</a:t>
+            </a:r>
+          </a:p>
+          <a:p>
+            <a:pPr algn="l"/>
+            <a:r>
+              <a:rPr lang="en-US" dirty="0" err="1">
+                <a:solidFill>
+                  <a:schemeClr val="bg1"/>
+                </a:solidFill>
+              </a:rPr>
+              <a:t>Temidayo</a:t>
+            </a:r>
+            <a:r>
+              <a:rPr lang="en-US" dirty="0">
+                <a:solidFill>
+                  <a:schemeClr val="bg1"/>
+                </a:solidFill>
+              </a:rPr>
+              <a:t> </a:t>
+            </a:r>
+            <a:r>
+              <a:rPr lang="en-US" dirty="0" err="1">
+                <a:solidFill>
+                  <a:schemeClr val="bg1"/>
+                </a:solidFill>
+              </a:rPr>
+              <a:t>Akinsanya</a:t>
+            </a:r>
+            <a:endParaRPr lang="en-US" dirty="0">
+              <a:solidFill>
+                <a:schemeClr val="bg1"/>
+              </a:solidFill>
+            </a:endParaRPr>
+          </a:p>
+          <a:p>
+            <a:pPr algn="l"/>
+            <a:r>
+              <a:rPr lang="en-US" dirty="0">
+                <a:solidFill>
+                  <a:schemeClr val="bg1"/>
+                </a:solidFill>
+              </a:rPr>
+              <a:t>Cheryl Johnson</a:t>
+            </a:r>
+          </a:p>
+        </p:txBody>
+      </p:sp>
+    </p:spTree>
+    <p:extLst>
+      <p:ext uri="{BB962C8B-B14F-4D97-AF65-F5344CB8AC3E}">
+        <p14:creationId xmlns:p14="http://schemas.microsoft.com/office/powerpoint/2010/main" val="416765714"/>
+      </p:ext>
+    </p:extLst>
+  </p:cSld>
+  <p:clrMapOvr>
+    <a:masterClrMapping/>
+  </p:clrMapOvr>
+</p:sld>
+</file>
+
+<file path=ppt/slides/slide5.xml><?xml version="1.0" encoding="utf-8"?>
+<p:sld xmlns:a="http://schemas.openxmlformats.org/drawingml/2006/main" xmlns:r="http://schemas.openxmlformats.org/officeDocument/2006/relationships" xmlns:p="http://schemas.openxmlformats.org/presentationml/2006/main">
+  <p:cSld>
+    <p:spTree>
+      <p:nvGrpSpPr>
+        <p:cNvPr id="1" name=""/>
+        <p:cNvGrpSpPr/>
+        <p:nvPr/>
+      </p:nvGrpSpPr>
+      <p:grpSpPr>
+        <a:xfrm>
+          <a:off x="0" y="0"/>
+          <a:ext cx="0" cy="0"/>
+          <a:chOff x="0" y="0"/>
+          <a:chExt cx="0" cy="0"/>
+        </a:xfrm>
+      </p:grpSpPr>
+      <p:sp>
+        <p:nvSpPr>
+          <p:cNvPr id="2" name="Title 1"/>
+          <p:cNvSpPr>
+            <a:spLocks noGrp="1"/>
+          </p:cNvSpPr>
+          <p:nvPr>
+            <p:ph type="title"/>
+          </p:nvPr>
+        </p:nvSpPr>
+        <p:spPr>
+          <a:xfrm>
+            <a:off x="457200" y="152400"/>
+            <a:ext cx="7620000" cy="1143000"/>
+          </a:xfrm>
+        </p:spPr>
+        <p:txBody>
+          <a:bodyPr/>
+          <a:lstStyle/>
+          <a:p>
+            <a:r>
+              <a:rPr lang="en-US" dirty="0"/>
+              <a:t>Data Sources</a:t>
+            </a:r>
+          </a:p>
+        </p:txBody>
+      </p:sp>
+      <p:sp>
+        <p:nvSpPr>
+          <p:cNvPr id="5" name="Slide Number Placeholder 4"/>
+          <p:cNvSpPr>
+            <a:spLocks noGrp="1"/>
+          </p:cNvSpPr>
+          <p:nvPr>
+            <p:ph type="sldNum" sz="quarter" idx="12"/>
+          </p:nvPr>
+        </p:nvSpPr>
+        <p:spPr/>
+        <p:txBody>
+          <a:bodyPr/>
+          <a:lstStyle/>
+          <a:p>
+            <a:fld id="{489D000B-E6AD-40C2-AC67-BF5C54101F25}" type="slidenum">
+              <a:rPr lang="en-US" smtClean="0"/>
+              <a:pPr/>
+              <a:t>5</a:t>
+            </a:fld>
+            <a:endParaRPr lang="en-US"/>
+          </a:p>
+        </p:txBody>
+      </p:sp>
+      <p:sp>
+        <p:nvSpPr>
+          <p:cNvPr id="8" name="Content Placeholder 2">
+            <a:extLst>
+              <a:ext uri="{FF2B5EF4-FFF2-40B4-BE49-F238E27FC236}">
+                <a16:creationId xmlns:a16="http://schemas.microsoft.com/office/drawing/2014/main" id="{E49CC35F-A773-4207-95AE-2B219EA56050}"/>
+              </a:ext>
+            </a:extLst>
+          </p:cNvPr>
+          <p:cNvSpPr>
+            <a:spLocks noGrp="1"/>
+          </p:cNvSpPr>
+          <p:nvPr>
+            <p:ph idx="1"/>
+          </p:nvPr>
+        </p:nvSpPr>
+        <p:spPr>
+          <a:xfrm>
+            <a:off x="457200" y="1219200"/>
+            <a:ext cx="7620000" cy="4953000"/>
+          </a:xfrm>
+        </p:spPr>
+        <p:txBody>
+          <a:bodyPr>
+            <a:normAutofit/>
+          </a:bodyPr>
+          <a:lstStyle/>
+          <a:p>
+            <a:pPr marL="114300" indent="0">
+              <a:buNone/>
+            </a:pPr>
+            <a:r>
+              <a:rPr lang="en-US" sz="2400" dirty="0"/>
+              <a:t>Datasets Used: </a:t>
+            </a:r>
+          </a:p>
+          <a:p>
+            <a:pPr marL="114300" indent="0">
+              <a:buNone/>
+            </a:pPr>
+            <a:r>
+              <a:rPr lang="en-US" sz="2400" dirty="0"/>
+              <a:t>FBI Uniform Crime Reporting Program Database</a:t>
+            </a:r>
+          </a:p>
+          <a:p>
+            <a:pPr marL="114300" indent="0">
+              <a:buNone/>
+            </a:pPr>
+            <a:r>
+              <a:rPr lang="en-US" sz="2400" dirty="0"/>
+              <a:t>American Community Survey: Five-Year Data (US Census database)</a:t>
+            </a:r>
+          </a:p>
+          <a:p>
+            <a:r>
+              <a:rPr lang="en-US" dirty="0"/>
+              <a:t>Describe data within data sources to be used</a:t>
+            </a:r>
+          </a:p>
+          <a:p>
+            <a:pPr lvl="1"/>
+            <a:r>
+              <a:rPr lang="en-US" dirty="0"/>
+              <a:t>Utilized only Violent Crimes from FBI crimes database</a:t>
+            </a:r>
+          </a:p>
+          <a:p>
+            <a:pPr lvl="1"/>
+            <a:r>
+              <a:rPr lang="en-US" dirty="0"/>
+              <a:t>Census had much more demographic</a:t>
+            </a:r>
+          </a:p>
+          <a:p>
+            <a:r>
+              <a:rPr lang="en-US" dirty="0"/>
+              <a:t>Describe challenges with</a:t>
+            </a:r>
+          </a:p>
+          <a:p>
+            <a:pPr lvl="1"/>
+            <a:r>
+              <a:rPr lang="en-US" dirty="0"/>
+              <a:t>Census data—used API</a:t>
+            </a:r>
+          </a:p>
+          <a:p>
+            <a:pPr lvl="1"/>
+            <a:r>
+              <a:rPr lang="en-US" dirty="0"/>
+              <a:t>FBI is in Excel because FBI does not have API on state level</a:t>
+            </a:r>
+          </a:p>
+          <a:p>
+            <a:endParaRPr lang="en-US" dirty="0"/>
+          </a:p>
+        </p:txBody>
+      </p:sp>
+      <p:sp>
+        <p:nvSpPr>
+          <p:cNvPr id="9" name="Footer Placeholder 3">
+            <a:extLst>
+              <a:ext uri="{FF2B5EF4-FFF2-40B4-BE49-F238E27FC236}">
+                <a16:creationId xmlns:a16="http://schemas.microsoft.com/office/drawing/2014/main" id="{652E99D0-D5F2-43C6-861F-B2BD458324EE}"/>
+              </a:ext>
+            </a:extLst>
+          </p:cNvPr>
+          <p:cNvSpPr>
+            <a:spLocks noGrp="1"/>
+          </p:cNvSpPr>
+          <p:nvPr/>
+        </p:nvSpPr>
+        <p:spPr>
+          <a:xfrm rot="16200000">
+            <a:off x="6466839" y="2753361"/>
+            <a:ext cx="4653282" cy="365760"/>
+          </a:xfrm>
+          <a:prstGeom prst="rect">
+            <a:avLst/>
+          </a:prstGeom>
+        </p:spPr>
+        <p:txBody>
+          <a:bodyPr vert="horz" lIns="91440" tIns="45720" rIns="91440" bIns="45720" rtlCol="0" anchor="ctr"/>
+          <a:lstStyle>
+            <a:defPPr>
+              <a:defRPr lang="en-US"/>
+            </a:defPPr>
+            <a:lvl1pPr marL="0" algn="r" defTabSz="914400" rtl="0" eaLnBrk="1" latinLnBrk="0" hangingPunct="1">
+              <a:defRPr sz="1200" kern="1200">
+                <a:solidFill>
+                  <a:schemeClr val="bg2"/>
+                </a:solidFill>
+                <a:latin typeface="+mn-lt"/>
+                <a:ea typeface="+mn-ea"/>
+                <a:cs typeface="+mn-cs"/>
+              </a:defRPr>
+            </a:lvl1pPr>
+            <a:lvl2pPr marL="457200" algn="l" defTabSz="914400" rtl="0" eaLnBrk="1" latinLnBrk="0" hangingPunct="1">
+              <a:defRPr sz="1800" kern="1200">
+                <a:solidFill>
+                  <a:schemeClr val="tx1"/>
+                </a:solidFill>
+                <a:latin typeface="+mn-lt"/>
+                <a:ea typeface="+mn-ea"/>
+                <a:cs typeface="+mn-cs"/>
+              </a:defRPr>
+            </a:lvl2pPr>
+            <a:lvl3pPr marL="914400" algn="l" defTabSz="914400" rtl="0" eaLnBrk="1" latinLnBrk="0" hangingPunct="1">
+              <a:defRPr sz="1800" kern="1200">
+                <a:solidFill>
+                  <a:schemeClr val="tx1"/>
+                </a:solidFill>
+                <a:latin typeface="+mn-lt"/>
+                <a:ea typeface="+mn-ea"/>
+                <a:cs typeface="+mn-cs"/>
+              </a:defRPr>
+            </a:lvl3pPr>
+            <a:lvl4pPr marL="1371600" algn="l" defTabSz="914400" rtl="0" eaLnBrk="1" latinLnBrk="0" hangingPunct="1">
+              <a:defRPr sz="1800" kern="1200">
+                <a:solidFill>
+                  <a:schemeClr val="tx1"/>
+                </a:solidFill>
+                <a:latin typeface="+mn-lt"/>
+                <a:ea typeface="+mn-ea"/>
+                <a:cs typeface="+mn-cs"/>
+              </a:defRPr>
+            </a:lvl4pPr>
+            <a:lvl5pPr marL="1828800" algn="l" defTabSz="914400" rtl="0" eaLnBrk="1" latinLnBrk="0" hangingPunct="1">
+              <a:defRPr sz="1800" kern="1200">
+                <a:solidFill>
+                  <a:schemeClr val="tx1"/>
+                </a:solidFill>
+                <a:latin typeface="+mn-lt"/>
+                <a:ea typeface="+mn-ea"/>
+                <a:cs typeface="+mn-cs"/>
+              </a:defRPr>
+            </a:lvl5pPr>
+            <a:lvl6pPr marL="2286000" algn="l" defTabSz="914400" rtl="0" eaLnBrk="1" latinLnBrk="0" hangingPunct="1">
+              <a:defRPr sz="1800" kern="1200">
+                <a:solidFill>
+                  <a:schemeClr val="tx1"/>
+                </a:solidFill>
+                <a:latin typeface="+mn-lt"/>
+                <a:ea typeface="+mn-ea"/>
+                <a:cs typeface="+mn-cs"/>
+              </a:defRPr>
+            </a:lvl6pPr>
+            <a:lvl7pPr marL="2743200" algn="l" defTabSz="914400" rtl="0" eaLnBrk="1" latinLnBrk="0" hangingPunct="1">
+              <a:defRPr sz="1800" kern="1200">
+                <a:solidFill>
+                  <a:schemeClr val="tx1"/>
+                </a:solidFill>
+                <a:latin typeface="+mn-lt"/>
+                <a:ea typeface="+mn-ea"/>
+                <a:cs typeface="+mn-cs"/>
+              </a:defRPr>
+            </a:lvl7pPr>
+            <a:lvl8pPr marL="3200400" algn="l" defTabSz="914400" rtl="0" eaLnBrk="1" latinLnBrk="0" hangingPunct="1">
+              <a:defRPr sz="1800" kern="1200">
+                <a:solidFill>
+                  <a:schemeClr val="tx1"/>
+                </a:solidFill>
+                <a:latin typeface="+mn-lt"/>
+                <a:ea typeface="+mn-ea"/>
+                <a:cs typeface="+mn-cs"/>
+              </a:defRPr>
+            </a:lvl8pPr>
+            <a:lvl9pPr marL="3657600" algn="l" defTabSz="914400" rtl="0" eaLnBrk="1" latinLnBrk="0" hangingPunct="1">
+              <a:defRPr sz="1800" kern="1200">
+                <a:solidFill>
+                  <a:schemeClr val="tx1"/>
+                </a:solidFill>
+                <a:latin typeface="+mn-lt"/>
+                <a:ea typeface="+mn-ea"/>
+                <a:cs typeface="+mn-cs"/>
+              </a:defRPr>
+            </a:lvl9pPr>
+          </a:lstStyle>
+          <a:p>
+            <a:pPr algn="l"/>
+            <a:r>
+              <a:rPr lang="en-US" dirty="0">
+                <a:solidFill>
+                  <a:schemeClr val="bg1"/>
+                </a:solidFill>
+              </a:rPr>
+              <a:t>The Relationship Between Demographics &amp; Violent crime in the US</a:t>
+            </a:r>
+          </a:p>
+          <a:p>
+            <a:pPr algn="l"/>
+            <a:r>
+              <a:rPr lang="en-US" dirty="0" err="1">
+                <a:solidFill>
+                  <a:schemeClr val="bg1"/>
+                </a:solidFill>
+              </a:rPr>
+              <a:t>Temidayo</a:t>
+            </a:r>
+            <a:r>
+              <a:rPr lang="en-US" dirty="0">
+                <a:solidFill>
+                  <a:schemeClr val="bg1"/>
+                </a:solidFill>
+              </a:rPr>
+              <a:t> </a:t>
+            </a:r>
+            <a:r>
+              <a:rPr lang="en-US" dirty="0" err="1">
+                <a:solidFill>
+                  <a:schemeClr val="bg1"/>
+                </a:solidFill>
+              </a:rPr>
+              <a:t>Akinsanya</a:t>
+            </a:r>
+            <a:endParaRPr lang="en-US" dirty="0">
+              <a:solidFill>
+                <a:schemeClr val="bg1"/>
+              </a:solidFill>
+            </a:endParaRPr>
+          </a:p>
+          <a:p>
+            <a:pPr algn="l"/>
+            <a:r>
+              <a:rPr lang="en-US" dirty="0">
+                <a:solidFill>
+                  <a:schemeClr val="bg1"/>
+                </a:solidFill>
+              </a:rPr>
+              <a:t>Cheryl Johnson</a:t>
+            </a:r>
+          </a:p>
+        </p:txBody>
+      </p:sp>
+    </p:spTree>
+  </p:cSld>
+  <p:clrMapOvr>
+    <a:masterClrMapping/>
+  </p:clrMapOvr>
+</p:sld>
+</file>
+
+<file path=ppt/slides/slide6.xml><?xml version="1.0" encoding="utf-8"?>
+<p:sld xmlns:a="http://schemas.openxmlformats.org/drawingml/2006/main" xmlns:r="http://schemas.openxmlformats.org/officeDocument/2006/relationships" xmlns:p="http://schemas.openxmlformats.org/presentationml/2006/main">
+  <p:cSld>
+    <p:spTree>
+      <p:nvGrpSpPr>
+        <p:cNvPr id="1" name=""/>
+        <p:cNvGrpSpPr/>
+        <p:nvPr/>
+      </p:nvGrpSpPr>
+      <p:grpSpPr>
+        <a:xfrm>
+          <a:off x="0" y="0"/>
+          <a:ext cx="0" cy="0"/>
+          <a:chOff x="0" y="0"/>
+          <a:chExt cx="0" cy="0"/>
+        </a:xfrm>
+      </p:grpSpPr>
+      <p:sp>
+        <p:nvSpPr>
+          <p:cNvPr id="2" name="Title 1"/>
+          <p:cNvSpPr>
+            <a:spLocks noGrp="1"/>
+          </p:cNvSpPr>
+          <p:nvPr>
+            <p:ph type="title"/>
+          </p:nvPr>
+        </p:nvSpPr>
+        <p:spPr/>
+        <p:txBody>
+          <a:bodyPr/>
+          <a:lstStyle/>
+          <a:p>
+            <a:r>
+              <a:rPr lang="en-US" sz="4000" dirty="0"/>
+              <a:t>Data Exploration &amp; Cleanup</a:t>
+            </a:r>
+          </a:p>
+        </p:txBody>
+      </p:sp>
+      <p:sp>
+        <p:nvSpPr>
+          <p:cNvPr id="3" name="Content Placeholder 2"/>
+          <p:cNvSpPr>
+            <a:spLocks noGrp="1"/>
+          </p:cNvSpPr>
+          <p:nvPr>
+            <p:ph idx="1"/>
+          </p:nvPr>
+        </p:nvSpPr>
+        <p:spPr>
+          <a:xfrm>
+            <a:off x="381000" y="1219200"/>
+            <a:ext cx="7848600" cy="5029200"/>
+          </a:xfrm>
+        </p:spPr>
+        <p:txBody>
+          <a:bodyPr>
+            <a:normAutofit fontScale="92500" lnSpcReduction="20000"/>
+          </a:bodyPr>
+          <a:lstStyle/>
+          <a:p>
+            <a:r>
+              <a:rPr lang="en-US" dirty="0"/>
+              <a:t>Census Data</a:t>
+            </a:r>
+          </a:p>
+          <a:p>
+            <a:pPr lvl="1"/>
+            <a:r>
+              <a:rPr lang="en-US" dirty="0"/>
+              <a:t>Renamed the columns from “Census Key” to make them readable in meaningful titles</a:t>
+            </a:r>
+          </a:p>
+          <a:p>
+            <a:pPr lvl="1"/>
+            <a:r>
+              <a:rPr lang="en-US" dirty="0"/>
+              <a:t>Split the city and state into two columns</a:t>
+            </a:r>
+          </a:p>
+          <a:p>
+            <a:pPr lvl="1"/>
+            <a:r>
+              <a:rPr lang="en-US" dirty="0"/>
+              <a:t>Eliminated characters in the city names to align with the city names in the FBI data</a:t>
+            </a:r>
+          </a:p>
+          <a:p>
+            <a:r>
+              <a:rPr lang="en-US" dirty="0"/>
+              <a:t>FBI Data</a:t>
+            </a:r>
+          </a:p>
+          <a:p>
+            <a:pPr lvl="1"/>
+            <a:r>
+              <a:rPr lang="en-US" dirty="0"/>
+              <a:t>Included the state in every row so that merge with Census data would work</a:t>
+            </a:r>
+          </a:p>
+          <a:p>
+            <a:pPr lvl="1"/>
+            <a:r>
+              <a:rPr lang="en-US" dirty="0"/>
+              <a:t>Extracted only the violent crime fields</a:t>
+            </a:r>
+          </a:p>
+          <a:p>
+            <a:pPr lvl="1"/>
+            <a:r>
+              <a:rPr lang="en-US" dirty="0"/>
+              <a:t>Removed characters from the state and city names to align with city and state in Census data</a:t>
+            </a:r>
+          </a:p>
+          <a:p>
+            <a:pPr lvl="1"/>
+            <a:r>
+              <a:rPr lang="en-US" dirty="0"/>
+              <a:t>Created a new column with crime rate per capita</a:t>
+            </a:r>
+          </a:p>
+          <a:p>
+            <a:pPr lvl="1"/>
+            <a:r>
+              <a:rPr lang="en-US" dirty="0"/>
+              <a:t>Extracted the data for the highest crime rate city and the lowest crime rate city within each state</a:t>
+            </a:r>
+          </a:p>
+          <a:p>
+            <a:r>
+              <a:rPr lang="en-US" dirty="0"/>
+              <a:t>Merge</a:t>
+            </a:r>
+          </a:p>
+          <a:p>
+            <a:pPr lvl="1"/>
+            <a:r>
+              <a:rPr lang="en-US" dirty="0"/>
+              <a:t>Merged Census demographic data with the FBI crime data on the city and state fields</a:t>
+            </a:r>
+          </a:p>
+        </p:txBody>
+      </p:sp>
+      <p:sp>
+        <p:nvSpPr>
+          <p:cNvPr id="5" name="Slide Number Placeholder 4"/>
+          <p:cNvSpPr>
+            <a:spLocks noGrp="1"/>
+          </p:cNvSpPr>
+          <p:nvPr>
+            <p:ph type="sldNum" sz="quarter" idx="12"/>
+          </p:nvPr>
+        </p:nvSpPr>
+        <p:spPr/>
+        <p:txBody>
+          <a:bodyPr/>
+          <a:lstStyle/>
+          <a:p>
+            <a:fld id="{489D000B-E6AD-40C2-AC67-BF5C54101F25}" type="slidenum">
+              <a:rPr lang="en-US" smtClean="0"/>
+              <a:pPr/>
+              <a:t>6</a:t>
+            </a:fld>
+            <a:endParaRPr lang="en-US"/>
+          </a:p>
+        </p:txBody>
+      </p:sp>
+      <p:sp>
+        <p:nvSpPr>
+          <p:cNvPr id="8" name="Footer Placeholder 3">
+            <a:extLst>
+              <a:ext uri="{FF2B5EF4-FFF2-40B4-BE49-F238E27FC236}">
+                <a16:creationId xmlns:a16="http://schemas.microsoft.com/office/drawing/2014/main" id="{05E62E89-DAFB-4CE2-8EA1-61A0E8139EBD}"/>
+              </a:ext>
+            </a:extLst>
+          </p:cNvPr>
+          <p:cNvSpPr>
+            <a:spLocks noGrp="1"/>
+          </p:cNvSpPr>
+          <p:nvPr/>
+        </p:nvSpPr>
+        <p:spPr>
+          <a:xfrm rot="16200000">
+            <a:off x="6466839" y="2753361"/>
+            <a:ext cx="4653282" cy="365760"/>
+          </a:xfrm>
+          <a:prstGeom prst="rect">
+            <a:avLst/>
+          </a:prstGeom>
+        </p:spPr>
+        <p:txBody>
+          <a:bodyPr vert="horz" lIns="91440" tIns="45720" rIns="91440" bIns="45720" rtlCol="0" anchor="ctr"/>
+          <a:lstStyle>
+            <a:defPPr>
+              <a:defRPr lang="en-US"/>
+            </a:defPPr>
+            <a:lvl1pPr marL="0" algn="r" defTabSz="914400" rtl="0" eaLnBrk="1" latinLnBrk="0" hangingPunct="1">
+              <a:defRPr sz="1200" kern="1200">
+                <a:solidFill>
+                  <a:schemeClr val="bg2"/>
+                </a:solidFill>
+                <a:latin typeface="+mn-lt"/>
+                <a:ea typeface="+mn-ea"/>
+                <a:cs typeface="+mn-cs"/>
+              </a:defRPr>
+            </a:lvl1pPr>
+            <a:lvl2pPr marL="457200" algn="l" defTabSz="914400" rtl="0" eaLnBrk="1" latinLnBrk="0" hangingPunct="1">
+              <a:defRPr sz="1800" kern="1200">
+                <a:solidFill>
+                  <a:schemeClr val="tx1"/>
+                </a:solidFill>
+                <a:latin typeface="+mn-lt"/>
+                <a:ea typeface="+mn-ea"/>
+                <a:cs typeface="+mn-cs"/>
+              </a:defRPr>
+            </a:lvl2pPr>
+            <a:lvl3pPr marL="914400" algn="l" defTabSz="914400" rtl="0" eaLnBrk="1" latinLnBrk="0" hangingPunct="1">
+              <a:defRPr sz="1800" kern="1200">
+                <a:solidFill>
+                  <a:schemeClr val="tx1"/>
+                </a:solidFill>
+                <a:latin typeface="+mn-lt"/>
+                <a:ea typeface="+mn-ea"/>
+                <a:cs typeface="+mn-cs"/>
+              </a:defRPr>
+            </a:lvl3pPr>
+            <a:lvl4pPr marL="1371600" algn="l" defTabSz="914400" rtl="0" eaLnBrk="1" latinLnBrk="0" hangingPunct="1">
+              <a:defRPr sz="1800" kern="1200">
+                <a:solidFill>
+                  <a:schemeClr val="tx1"/>
+                </a:solidFill>
+                <a:latin typeface="+mn-lt"/>
+                <a:ea typeface="+mn-ea"/>
+                <a:cs typeface="+mn-cs"/>
+              </a:defRPr>
+            </a:lvl4pPr>
+            <a:lvl5pPr marL="1828800" algn="l" defTabSz="914400" rtl="0" eaLnBrk="1" latinLnBrk="0" hangingPunct="1">
+              <a:defRPr sz="1800" kern="1200">
+                <a:solidFill>
+                  <a:schemeClr val="tx1"/>
+                </a:solidFill>
+                <a:latin typeface="+mn-lt"/>
+                <a:ea typeface="+mn-ea"/>
+                <a:cs typeface="+mn-cs"/>
+              </a:defRPr>
+            </a:lvl5pPr>
+            <a:lvl6pPr marL="2286000" algn="l" defTabSz="914400" rtl="0" eaLnBrk="1" latinLnBrk="0" hangingPunct="1">
+              <a:defRPr sz="1800" kern="1200">
+                <a:solidFill>
+                  <a:schemeClr val="tx1"/>
+                </a:solidFill>
+                <a:latin typeface="+mn-lt"/>
+                <a:ea typeface="+mn-ea"/>
+                <a:cs typeface="+mn-cs"/>
+              </a:defRPr>
+            </a:lvl6pPr>
+            <a:lvl7pPr marL="2743200" algn="l" defTabSz="914400" rtl="0" eaLnBrk="1" latinLnBrk="0" hangingPunct="1">
+              <a:defRPr sz="1800" kern="1200">
+                <a:solidFill>
+                  <a:schemeClr val="tx1"/>
+                </a:solidFill>
+                <a:latin typeface="+mn-lt"/>
+                <a:ea typeface="+mn-ea"/>
+                <a:cs typeface="+mn-cs"/>
+              </a:defRPr>
+            </a:lvl7pPr>
+            <a:lvl8pPr marL="3200400" algn="l" defTabSz="914400" rtl="0" eaLnBrk="1" latinLnBrk="0" hangingPunct="1">
+              <a:defRPr sz="1800" kern="1200">
+                <a:solidFill>
+                  <a:schemeClr val="tx1"/>
+                </a:solidFill>
+                <a:latin typeface="+mn-lt"/>
+                <a:ea typeface="+mn-ea"/>
+                <a:cs typeface="+mn-cs"/>
+              </a:defRPr>
+            </a:lvl8pPr>
+            <a:lvl9pPr marL="3657600" algn="l" defTabSz="914400" rtl="0" eaLnBrk="1" latinLnBrk="0" hangingPunct="1">
+              <a:defRPr sz="1800" kern="1200">
+                <a:solidFill>
+                  <a:schemeClr val="tx1"/>
+                </a:solidFill>
+                <a:latin typeface="+mn-lt"/>
+                <a:ea typeface="+mn-ea"/>
+                <a:cs typeface="+mn-cs"/>
+              </a:defRPr>
+            </a:lvl9pPr>
+          </a:lstStyle>
+          <a:p>
+            <a:pPr algn="l"/>
+            <a:r>
+              <a:rPr lang="en-US" dirty="0">
+                <a:solidFill>
+                  <a:schemeClr val="bg1"/>
+                </a:solidFill>
+              </a:rPr>
+              <a:t>The Relationship Between Demographics &amp; Violent crime in the US</a:t>
+            </a:r>
+          </a:p>
+          <a:p>
+            <a:pPr algn="l"/>
+            <a:r>
+              <a:rPr lang="en-US" dirty="0" err="1">
+                <a:solidFill>
+                  <a:schemeClr val="bg1"/>
+                </a:solidFill>
+              </a:rPr>
+              <a:t>Temidayo</a:t>
+            </a:r>
+            <a:r>
+              <a:rPr lang="en-US" dirty="0">
+                <a:solidFill>
+                  <a:schemeClr val="bg1"/>
+                </a:solidFill>
+              </a:rPr>
+              <a:t> </a:t>
+            </a:r>
+            <a:r>
+              <a:rPr lang="en-US" dirty="0" err="1">
+                <a:solidFill>
+                  <a:schemeClr val="bg1"/>
+                </a:solidFill>
+              </a:rPr>
+              <a:t>Akinsanya</a:t>
+            </a:r>
+            <a:endParaRPr lang="en-US" dirty="0">
+              <a:solidFill>
+                <a:schemeClr val="bg1"/>
+              </a:solidFill>
+            </a:endParaRPr>
+          </a:p>
+          <a:p>
+            <a:pPr algn="l"/>
+            <a:r>
+              <a:rPr lang="en-US" dirty="0">
+                <a:solidFill>
+                  <a:schemeClr val="bg1"/>
+                </a:solidFill>
+              </a:rPr>
+              <a:t>Cheryl Johnson</a:t>
+            </a:r>
+          </a:p>
+        </p:txBody>
+      </p:sp>
+    </p:spTree>
+    <p:extLst>
+      <p:ext uri="{BB962C8B-B14F-4D97-AF65-F5344CB8AC3E}">
+        <p14:creationId xmlns:p14="http://schemas.microsoft.com/office/powerpoint/2010/main" val="3619871718"/>
+      </p:ext>
+    </p:extLst>
+  </p:cSld>
+  <p:clrMapOvr>
+    <a:masterClrMapping/>
+  </p:clrMapOvr>
+</p:sld>
+</file>
+
+<file path=ppt/slides/slide7.xml><?xml version="1.0" encoding="utf-8"?>
+<p:sld xmlns:a="http://schemas.openxmlformats.org/drawingml/2006/main" xmlns:r="http://schemas.openxmlformats.org/officeDocument/2006/relationships" xmlns:p="http://schemas.openxmlformats.org/presentationml/2006/main">
+  <p:cSld>
+    <p:spTree>
+      <p:nvGrpSpPr>
+        <p:cNvPr id="1" name=""/>
+        <p:cNvGrpSpPr/>
+        <p:nvPr/>
+      </p:nvGrpSpPr>
+      <p:grpSpPr>
+        <a:xfrm>
+          <a:off x="0" y="0"/>
+          <a:ext cx="0" cy="0"/>
+          <a:chOff x="0" y="0"/>
+          <a:chExt cx="0" cy="0"/>
+        </a:xfrm>
+      </p:grpSpPr>
+      <p:sp>
+        <p:nvSpPr>
+          <p:cNvPr id="2" name="Title 1"/>
+          <p:cNvSpPr>
+            <a:spLocks noGrp="1"/>
+          </p:cNvSpPr>
+          <p:nvPr>
+            <p:ph type="title"/>
+          </p:nvPr>
+        </p:nvSpPr>
+        <p:spPr/>
+        <p:txBody>
+          <a:bodyPr/>
+          <a:lstStyle/>
+          <a:p>
+            <a:r>
+              <a:rPr lang="en-US" sz="4000" dirty="0"/>
+              <a:t>Data Analysis</a:t>
+            </a:r>
+          </a:p>
+        </p:txBody>
+      </p:sp>
+      <p:sp>
+        <p:nvSpPr>
+          <p:cNvPr id="3" name="Content Placeholder 2"/>
+          <p:cNvSpPr>
+            <a:spLocks noGrp="1"/>
+          </p:cNvSpPr>
+          <p:nvPr>
+            <p:ph idx="1"/>
+          </p:nvPr>
+        </p:nvSpPr>
+        <p:spPr>
+          <a:xfrm>
+            <a:off x="457200" y="1417638"/>
+            <a:ext cx="7620000" cy="4754562"/>
+          </a:xfrm>
+        </p:spPr>
+        <p:txBody>
+          <a:bodyPr>
+            <a:normAutofit lnSpcReduction="10000"/>
+          </a:bodyPr>
+          <a:lstStyle/>
+          <a:p>
+            <a:pPr marL="114300" indent="0">
+              <a:buNone/>
+            </a:pPr>
+            <a:r>
+              <a:rPr lang="en-US" dirty="0"/>
+              <a:t>We created charts, graphs, and statistics of our demographic data to see whether we observed any obvious trends or differences that might influence our inquiry </a:t>
+            </a:r>
+          </a:p>
+          <a:p>
+            <a:pPr lvl="1"/>
+            <a:r>
+              <a:rPr lang="en-US" dirty="0"/>
+              <a:t>We created scatter plots for the three demographic areas that produced single data points: Income, Unemployment, Population</a:t>
+            </a:r>
+          </a:p>
+          <a:p>
+            <a:pPr lvl="1"/>
+            <a:r>
+              <a:rPr lang="en-US" dirty="0"/>
+              <a:t>We also generated summary statistics and correlation analysis tables for those three demographic areas: Income, Unemployment, Population</a:t>
+            </a:r>
+          </a:p>
+          <a:p>
+            <a:pPr lvl="1"/>
+            <a:r>
+              <a:rPr lang="en-US" dirty="0"/>
+              <a:t>We created stacked bar charts for the four demographic areas that produced multiple data points: Marital Status, Race, School Enrollment, and Education Level</a:t>
+            </a:r>
+          </a:p>
+          <a:p>
+            <a:pPr lvl="1"/>
+            <a:r>
+              <a:rPr lang="en-US" dirty="0"/>
+              <a:t>For the stacked bar charts, we converted the actual numbers to relative numbers (percentages of the whole) in order to chart them meaningfully</a:t>
+            </a:r>
+          </a:p>
+          <a:p>
+            <a:pPr lvl="1"/>
+            <a:endParaRPr lang="en-US" dirty="0"/>
+          </a:p>
+          <a:p>
+            <a:pPr marL="411480" lvl="1" indent="0">
+              <a:buNone/>
+            </a:pPr>
+            <a:endParaRPr lang="en-US" dirty="0"/>
+          </a:p>
+          <a:p>
+            <a:pPr marL="411480" lvl="1" indent="0">
+              <a:buNone/>
+            </a:pPr>
+            <a:endParaRPr lang="en-US" dirty="0"/>
+          </a:p>
+          <a:p>
+            <a:pPr marL="411480" lvl="1" indent="0">
+              <a:buNone/>
+            </a:pPr>
+            <a:endParaRPr lang="en-US" dirty="0"/>
+          </a:p>
+          <a:p>
+            <a:pPr marL="411480" lvl="1" indent="0">
+              <a:buNone/>
+            </a:pPr>
+            <a:endParaRPr lang="en-US" dirty="0"/>
+          </a:p>
+        </p:txBody>
+      </p:sp>
+      <p:sp>
+        <p:nvSpPr>
+          <p:cNvPr id="5" name="Slide Number Placeholder 4"/>
+          <p:cNvSpPr>
+            <a:spLocks noGrp="1"/>
+          </p:cNvSpPr>
+          <p:nvPr>
+            <p:ph type="sldNum" sz="quarter" idx="12"/>
+          </p:nvPr>
+        </p:nvSpPr>
+        <p:spPr/>
+        <p:txBody>
+          <a:bodyPr/>
+          <a:lstStyle/>
+          <a:p>
+            <a:fld id="{489D000B-E6AD-40C2-AC67-BF5C54101F25}" type="slidenum">
+              <a:rPr lang="en-US" smtClean="0"/>
+              <a:pPr/>
+              <a:t>7</a:t>
+            </a:fld>
+            <a:endParaRPr lang="en-US"/>
+          </a:p>
+        </p:txBody>
+      </p:sp>
+      <p:sp>
+        <p:nvSpPr>
+          <p:cNvPr id="8" name="Footer Placeholder 3">
+            <a:extLst>
+              <a:ext uri="{FF2B5EF4-FFF2-40B4-BE49-F238E27FC236}">
+                <a16:creationId xmlns:a16="http://schemas.microsoft.com/office/drawing/2014/main" id="{B6D42D65-EED1-4D0B-82F4-3A750914F2B1}"/>
+              </a:ext>
+            </a:extLst>
+          </p:cNvPr>
+          <p:cNvSpPr>
+            <a:spLocks noGrp="1"/>
+          </p:cNvSpPr>
+          <p:nvPr/>
+        </p:nvSpPr>
+        <p:spPr>
+          <a:xfrm rot="16200000">
+            <a:off x="6466839" y="2753361"/>
+            <a:ext cx="4653282" cy="365760"/>
+          </a:xfrm>
+          <a:prstGeom prst="rect">
+            <a:avLst/>
+          </a:prstGeom>
+        </p:spPr>
+        <p:txBody>
+          <a:bodyPr vert="horz" lIns="91440" tIns="45720" rIns="91440" bIns="45720" rtlCol="0" anchor="ctr"/>
+          <a:lstStyle>
+            <a:defPPr>
+              <a:defRPr lang="en-US"/>
+            </a:defPPr>
+            <a:lvl1pPr marL="0" algn="r" defTabSz="914400" rtl="0" eaLnBrk="1" latinLnBrk="0" hangingPunct="1">
+              <a:defRPr sz="1200" kern="1200">
+                <a:solidFill>
+                  <a:schemeClr val="bg2"/>
+                </a:solidFill>
+                <a:latin typeface="+mn-lt"/>
+                <a:ea typeface="+mn-ea"/>
+                <a:cs typeface="+mn-cs"/>
+              </a:defRPr>
+            </a:lvl1pPr>
+            <a:lvl2pPr marL="457200" algn="l" defTabSz="914400" rtl="0" eaLnBrk="1" latinLnBrk="0" hangingPunct="1">
+              <a:defRPr sz="1800" kern="1200">
+                <a:solidFill>
+                  <a:schemeClr val="tx1"/>
+                </a:solidFill>
+                <a:latin typeface="+mn-lt"/>
+                <a:ea typeface="+mn-ea"/>
+                <a:cs typeface="+mn-cs"/>
+              </a:defRPr>
+            </a:lvl2pPr>
+            <a:lvl3pPr marL="914400" algn="l" defTabSz="914400" rtl="0" eaLnBrk="1" latinLnBrk="0" hangingPunct="1">
+              <a:defRPr sz="1800" kern="1200">
+                <a:solidFill>
+                  <a:schemeClr val="tx1"/>
+                </a:solidFill>
+                <a:latin typeface="+mn-lt"/>
+                <a:ea typeface="+mn-ea"/>
+                <a:cs typeface="+mn-cs"/>
+              </a:defRPr>
+            </a:lvl3pPr>
+            <a:lvl4pPr marL="1371600" algn="l" defTabSz="914400" rtl="0" eaLnBrk="1" latinLnBrk="0" hangingPunct="1">
+              <a:defRPr sz="1800" kern="1200">
+                <a:solidFill>
+                  <a:schemeClr val="tx1"/>
+                </a:solidFill>
+                <a:latin typeface="+mn-lt"/>
+                <a:ea typeface="+mn-ea"/>
+                <a:cs typeface="+mn-cs"/>
+              </a:defRPr>
+            </a:lvl4pPr>
+            <a:lvl5pPr marL="1828800" algn="l" defTabSz="914400" rtl="0" eaLnBrk="1" latinLnBrk="0" hangingPunct="1">
+              <a:defRPr sz="1800" kern="1200">
+                <a:solidFill>
+                  <a:schemeClr val="tx1"/>
+                </a:solidFill>
+                <a:latin typeface="+mn-lt"/>
+                <a:ea typeface="+mn-ea"/>
+                <a:cs typeface="+mn-cs"/>
+              </a:defRPr>
+            </a:lvl5pPr>
+            <a:lvl6pPr marL="2286000" algn="l" defTabSz="914400" rtl="0" eaLnBrk="1" latinLnBrk="0" hangingPunct="1">
+              <a:defRPr sz="1800" kern="1200">
+                <a:solidFill>
+                  <a:schemeClr val="tx1"/>
+                </a:solidFill>
+                <a:latin typeface="+mn-lt"/>
+                <a:ea typeface="+mn-ea"/>
+                <a:cs typeface="+mn-cs"/>
+              </a:defRPr>
+            </a:lvl6pPr>
+            <a:lvl7pPr marL="2743200" algn="l" defTabSz="914400" rtl="0" eaLnBrk="1" latinLnBrk="0" hangingPunct="1">
+              <a:defRPr sz="1800" kern="1200">
+                <a:solidFill>
+                  <a:schemeClr val="tx1"/>
+                </a:solidFill>
+                <a:latin typeface="+mn-lt"/>
+                <a:ea typeface="+mn-ea"/>
+                <a:cs typeface="+mn-cs"/>
+              </a:defRPr>
+            </a:lvl7pPr>
+            <a:lvl8pPr marL="3200400" algn="l" defTabSz="914400" rtl="0" eaLnBrk="1" latinLnBrk="0" hangingPunct="1">
+              <a:defRPr sz="1800" kern="1200">
+                <a:solidFill>
+                  <a:schemeClr val="tx1"/>
+                </a:solidFill>
+                <a:latin typeface="+mn-lt"/>
+                <a:ea typeface="+mn-ea"/>
+                <a:cs typeface="+mn-cs"/>
+              </a:defRPr>
+            </a:lvl8pPr>
+            <a:lvl9pPr marL="3657600" algn="l" defTabSz="914400" rtl="0" eaLnBrk="1" latinLnBrk="0" hangingPunct="1">
+              <a:defRPr sz="1800" kern="1200">
+                <a:solidFill>
+                  <a:schemeClr val="tx1"/>
+                </a:solidFill>
+                <a:latin typeface="+mn-lt"/>
+                <a:ea typeface="+mn-ea"/>
+                <a:cs typeface="+mn-cs"/>
+              </a:defRPr>
+            </a:lvl9pPr>
+          </a:lstStyle>
+          <a:p>
+            <a:pPr algn="l"/>
+            <a:r>
+              <a:rPr lang="en-US" dirty="0">
+                <a:solidFill>
+                  <a:schemeClr val="bg1"/>
+                </a:solidFill>
+              </a:rPr>
+              <a:t>The Relationship Between Demographics &amp; Violent crime in the US</a:t>
+            </a:r>
+          </a:p>
+          <a:p>
+            <a:pPr algn="l"/>
+            <a:r>
+              <a:rPr lang="en-US" dirty="0" err="1">
+                <a:solidFill>
+                  <a:schemeClr val="bg1"/>
+                </a:solidFill>
+              </a:rPr>
+              <a:t>Temidayo</a:t>
+            </a:r>
+            <a:r>
+              <a:rPr lang="en-US" dirty="0">
+                <a:solidFill>
+                  <a:schemeClr val="bg1"/>
+                </a:solidFill>
+              </a:rPr>
+              <a:t> </a:t>
+            </a:r>
+            <a:r>
+              <a:rPr lang="en-US" dirty="0" err="1">
+                <a:solidFill>
+                  <a:schemeClr val="bg1"/>
+                </a:solidFill>
+              </a:rPr>
+              <a:t>Akinsanya</a:t>
+            </a:r>
+            <a:endParaRPr lang="en-US" dirty="0">
+              <a:solidFill>
+                <a:schemeClr val="bg1"/>
+              </a:solidFill>
+            </a:endParaRPr>
+          </a:p>
+          <a:p>
+            <a:pPr algn="l"/>
+            <a:r>
+              <a:rPr lang="en-US" dirty="0">
+                <a:solidFill>
+                  <a:schemeClr val="bg1"/>
+                </a:solidFill>
+              </a:rPr>
+              <a:t>Cheryl Johnson</a:t>
+            </a:r>
+          </a:p>
+        </p:txBody>
+      </p:sp>
+    </p:spTree>
+    <p:extLst>
+      <p:ext uri="{BB962C8B-B14F-4D97-AF65-F5344CB8AC3E}">
+        <p14:creationId xmlns:p14="http://schemas.microsoft.com/office/powerpoint/2010/main" val="3619871718"/>
+      </p:ext>
+    </p:extLst>
+  </p:cSld>
+  <p:clrMapOvr>
+    <a:masterClrMapping/>
+  </p:clrMapOvr>
+</p:sld>
+</file>
+
+<file path=ppt/slides/slide8.xml><?xml version="1.0" encoding="utf-8"?>
+<p:sld xmlns:a="http://schemas.openxmlformats.org/drawingml/2006/main" xmlns:r="http://schemas.openxmlformats.org/officeDocument/2006/relationships" xmlns:p="http://schemas.openxmlformats.org/presentationml/2006/main">
+  <p:cSld>
+    <p:spTree>
+      <p:nvGrpSpPr>
+        <p:cNvPr id="1" name=""/>
+        <p:cNvGrpSpPr/>
+        <p:nvPr/>
+      </p:nvGrpSpPr>
+      <p:grpSpPr>
+        <a:xfrm>
+          <a:off x="0" y="0"/>
+          <a:ext cx="0" cy="0"/>
+          <a:chOff x="0" y="0"/>
+          <a:chExt cx="0" cy="0"/>
+        </a:xfrm>
+      </p:grpSpPr>
+      <p:sp>
+        <p:nvSpPr>
+          <p:cNvPr id="3" name="Content Placeholder 2"/>
+          <p:cNvSpPr>
+            <a:spLocks noGrp="1"/>
+          </p:cNvSpPr>
+          <p:nvPr>
+            <p:ph idx="1"/>
+          </p:nvPr>
+        </p:nvSpPr>
+        <p:spPr>
+          <a:xfrm>
+            <a:off x="3934882" y="749011"/>
+            <a:ext cx="4219042" cy="2222789"/>
+          </a:xfrm>
+        </p:spPr>
+        <p:txBody>
+          <a:bodyPr>
+            <a:normAutofit fontScale="92500" lnSpcReduction="10000"/>
+          </a:bodyPr>
+          <a:lstStyle/>
+          <a:p>
+            <a:pPr marL="411480" lvl="1" indent="0">
+              <a:buNone/>
+            </a:pPr>
+            <a:r>
+              <a:rPr lang="en-US" dirty="0"/>
+              <a:t>We created scatter plots of Income, Unemployment, and Population demographics for the Low Violent Crime Rate locations and the High Violent Crime Rate locations to see whether we observed any obvious trends or differences that might influence our inquiry.</a:t>
+            </a:r>
+          </a:p>
+          <a:p>
+            <a:pPr lvl="1"/>
+            <a:endParaRPr lang="en-US" dirty="0"/>
+          </a:p>
+          <a:p>
+            <a:pPr marL="411480" lvl="1" indent="0">
+              <a:buNone/>
+            </a:pPr>
+            <a:endParaRPr lang="en-US" dirty="0"/>
+          </a:p>
+          <a:p>
+            <a:pPr marL="411480" lvl="1" indent="0">
+              <a:buNone/>
+            </a:pPr>
+            <a:endParaRPr lang="en-US" dirty="0"/>
+          </a:p>
+          <a:p>
+            <a:pPr marL="411480" lvl="1" indent="0">
+              <a:buNone/>
+            </a:pPr>
+            <a:endParaRPr lang="en-US" dirty="0"/>
+          </a:p>
+          <a:p>
+            <a:pPr marL="411480" lvl="1" indent="0">
+              <a:buNone/>
+            </a:pPr>
+            <a:endParaRPr lang="en-US" dirty="0"/>
+          </a:p>
+        </p:txBody>
+      </p:sp>
+      <p:sp>
+        <p:nvSpPr>
+          <p:cNvPr id="5" name="Slide Number Placeholder 4"/>
+          <p:cNvSpPr>
+            <a:spLocks noGrp="1"/>
+          </p:cNvSpPr>
+          <p:nvPr>
+            <p:ph type="sldNum" sz="quarter" idx="12"/>
+          </p:nvPr>
+        </p:nvSpPr>
+        <p:spPr/>
+        <p:txBody>
+          <a:bodyPr/>
+          <a:lstStyle/>
+          <a:p>
+            <a:fld id="{489D000B-E6AD-40C2-AC67-BF5C54101F25}" type="slidenum">
+              <a:rPr lang="en-US" smtClean="0"/>
+              <a:pPr/>
+              <a:t>8</a:t>
+            </a:fld>
+            <a:endParaRPr lang="en-US"/>
+          </a:p>
+        </p:txBody>
+      </p:sp>
+      <p:sp>
+        <p:nvSpPr>
+          <p:cNvPr id="6" name="Footer Placeholder 3">
+            <a:extLst>
+              <a:ext uri="{FF2B5EF4-FFF2-40B4-BE49-F238E27FC236}">
+                <a16:creationId xmlns:a16="http://schemas.microsoft.com/office/drawing/2014/main" id="{48997D64-D687-4C64-BEF4-2346D4C6889D}"/>
+              </a:ext>
+            </a:extLst>
+          </p:cNvPr>
+          <p:cNvSpPr>
+            <a:spLocks noGrp="1"/>
+          </p:cNvSpPr>
+          <p:nvPr/>
+        </p:nvSpPr>
+        <p:spPr>
+          <a:xfrm rot="16200000">
+            <a:off x="6466839" y="2753361"/>
+            <a:ext cx="4653282" cy="365760"/>
+          </a:xfrm>
+          <a:prstGeom prst="rect">
+            <a:avLst/>
+          </a:prstGeom>
+        </p:spPr>
+        <p:txBody>
+          <a:bodyPr vert="horz" lIns="91440" tIns="45720" rIns="91440" bIns="45720" rtlCol="0" anchor="ctr"/>
+          <a:lstStyle>
+            <a:defPPr>
+              <a:defRPr lang="en-US"/>
+            </a:defPPr>
+            <a:lvl1pPr marL="0" algn="r" defTabSz="914400" rtl="0" eaLnBrk="1" latinLnBrk="0" hangingPunct="1">
+              <a:defRPr sz="1200" kern="1200">
+                <a:solidFill>
+                  <a:schemeClr val="bg2"/>
+                </a:solidFill>
+                <a:latin typeface="+mn-lt"/>
+                <a:ea typeface="+mn-ea"/>
+                <a:cs typeface="+mn-cs"/>
+              </a:defRPr>
+            </a:lvl1pPr>
+            <a:lvl2pPr marL="457200" algn="l" defTabSz="914400" rtl="0" eaLnBrk="1" latinLnBrk="0" hangingPunct="1">
+              <a:defRPr sz="1800" kern="1200">
+                <a:solidFill>
+                  <a:schemeClr val="tx1"/>
+                </a:solidFill>
+                <a:latin typeface="+mn-lt"/>
+                <a:ea typeface="+mn-ea"/>
+                <a:cs typeface="+mn-cs"/>
+              </a:defRPr>
+            </a:lvl2pPr>
+            <a:lvl3pPr marL="914400" algn="l" defTabSz="914400" rtl="0" eaLnBrk="1" latinLnBrk="0" hangingPunct="1">
+              <a:defRPr sz="1800" kern="1200">
+                <a:solidFill>
+                  <a:schemeClr val="tx1"/>
+                </a:solidFill>
+                <a:latin typeface="+mn-lt"/>
+                <a:ea typeface="+mn-ea"/>
+                <a:cs typeface="+mn-cs"/>
+              </a:defRPr>
+            </a:lvl3pPr>
+            <a:lvl4pPr marL="1371600" algn="l" defTabSz="914400" rtl="0" eaLnBrk="1" latinLnBrk="0" hangingPunct="1">
+              <a:defRPr sz="1800" kern="1200">
+                <a:solidFill>
+                  <a:schemeClr val="tx1"/>
+                </a:solidFill>
+                <a:latin typeface="+mn-lt"/>
+                <a:ea typeface="+mn-ea"/>
+                <a:cs typeface="+mn-cs"/>
+              </a:defRPr>
+            </a:lvl4pPr>
+            <a:lvl5pPr marL="1828800" algn="l" defTabSz="914400" rtl="0" eaLnBrk="1" latinLnBrk="0" hangingPunct="1">
+              <a:defRPr sz="1800" kern="1200">
+                <a:solidFill>
+                  <a:schemeClr val="tx1"/>
+                </a:solidFill>
+                <a:latin typeface="+mn-lt"/>
+                <a:ea typeface="+mn-ea"/>
+                <a:cs typeface="+mn-cs"/>
+              </a:defRPr>
+            </a:lvl5pPr>
+            <a:lvl6pPr marL="2286000" algn="l" defTabSz="914400" rtl="0" eaLnBrk="1" latinLnBrk="0" hangingPunct="1">
+              <a:defRPr sz="1800" kern="1200">
+                <a:solidFill>
+                  <a:schemeClr val="tx1"/>
+                </a:solidFill>
+                <a:latin typeface="+mn-lt"/>
+                <a:ea typeface="+mn-ea"/>
+                <a:cs typeface="+mn-cs"/>
+              </a:defRPr>
+            </a:lvl6pPr>
+            <a:lvl7pPr marL="2743200" algn="l" defTabSz="914400" rtl="0" eaLnBrk="1" latinLnBrk="0" hangingPunct="1">
+              <a:defRPr sz="1800" kern="1200">
+                <a:solidFill>
+                  <a:schemeClr val="tx1"/>
+                </a:solidFill>
+                <a:latin typeface="+mn-lt"/>
+                <a:ea typeface="+mn-ea"/>
+                <a:cs typeface="+mn-cs"/>
+              </a:defRPr>
+            </a:lvl7pPr>
+            <a:lvl8pPr marL="3200400" algn="l" defTabSz="914400" rtl="0" eaLnBrk="1" latinLnBrk="0" hangingPunct="1">
+              <a:defRPr sz="1800" kern="1200">
+                <a:solidFill>
+                  <a:schemeClr val="tx1"/>
+                </a:solidFill>
+                <a:latin typeface="+mn-lt"/>
+                <a:ea typeface="+mn-ea"/>
+                <a:cs typeface="+mn-cs"/>
+              </a:defRPr>
+            </a:lvl8pPr>
+            <a:lvl9pPr marL="3657600" algn="l" defTabSz="914400" rtl="0" eaLnBrk="1" latinLnBrk="0" hangingPunct="1">
+              <a:defRPr sz="1800" kern="1200">
+                <a:solidFill>
+                  <a:schemeClr val="tx1"/>
+                </a:solidFill>
+                <a:latin typeface="+mn-lt"/>
+                <a:ea typeface="+mn-ea"/>
+                <a:cs typeface="+mn-cs"/>
+              </a:defRPr>
+            </a:lvl9pPr>
+          </a:lstStyle>
+          <a:p>
+            <a:pPr algn="l"/>
+            <a:r>
+              <a:rPr lang="en-US" dirty="0">
+                <a:solidFill>
+                  <a:schemeClr val="bg1"/>
+                </a:solidFill>
+              </a:rPr>
+              <a:t>The Relationship Between Demographics &amp; Violent crime in the US</a:t>
+            </a:r>
+          </a:p>
+          <a:p>
+            <a:pPr algn="l"/>
+            <a:r>
+              <a:rPr lang="en-US" dirty="0" err="1">
+                <a:solidFill>
+                  <a:schemeClr val="bg1"/>
+                </a:solidFill>
+              </a:rPr>
+              <a:t>Temidayo</a:t>
+            </a:r>
+            <a:r>
+              <a:rPr lang="en-US" dirty="0">
+                <a:solidFill>
+                  <a:schemeClr val="bg1"/>
+                </a:solidFill>
+              </a:rPr>
+              <a:t> </a:t>
+            </a:r>
+            <a:r>
+              <a:rPr lang="en-US" dirty="0" err="1">
+                <a:solidFill>
+                  <a:schemeClr val="bg1"/>
+                </a:solidFill>
+              </a:rPr>
+              <a:t>Akinsanya</a:t>
+            </a:r>
+            <a:endParaRPr lang="en-US" dirty="0">
+              <a:solidFill>
+                <a:schemeClr val="bg1"/>
+              </a:solidFill>
+            </a:endParaRPr>
+          </a:p>
+          <a:p>
+            <a:pPr algn="l"/>
+            <a:r>
+              <a:rPr lang="en-US" dirty="0">
+                <a:solidFill>
+                  <a:schemeClr val="bg1"/>
+                </a:solidFill>
+              </a:rPr>
+              <a:t>Cheryl Johnson</a:t>
+            </a:r>
+          </a:p>
+        </p:txBody>
+      </p:sp>
+      <p:pic>
+        <p:nvPicPr>
+          <p:cNvPr id="11" name="Picture 10">
+            <a:extLst>
+              <a:ext uri="{FF2B5EF4-FFF2-40B4-BE49-F238E27FC236}">
+                <a16:creationId xmlns:a16="http://schemas.microsoft.com/office/drawing/2014/main" id="{DEFCA235-7058-4520-A117-840C2D3618F6}"/>
+              </a:ext>
+            </a:extLst>
+          </p:cNvPr>
+          <p:cNvPicPr>
+            <a:picLocks noChangeAspect="1"/>
+          </p:cNvPicPr>
+          <p:nvPr/>
+        </p:nvPicPr>
+        <p:blipFill>
+          <a:blip r:embed="rId2">
+            <a:extLst>
+              <a:ext uri="{28A0092B-C50C-407E-A947-70E740481C1C}">
+                <a14:useLocalDpi xmlns:a14="http://schemas.microsoft.com/office/drawing/2010/main" val="0"/>
+              </a:ext>
+            </a:extLst>
+          </a:blip>
+          <a:stretch>
+            <a:fillRect/>
+          </a:stretch>
+        </p:blipFill>
+        <p:spPr>
+          <a:xfrm>
+            <a:off x="0" y="473076"/>
+            <a:ext cx="3915832" cy="2936874"/>
+          </a:xfrm>
+          <a:prstGeom prst="rect">
+            <a:avLst/>
+          </a:prstGeom>
+        </p:spPr>
+      </p:pic>
+      <p:pic>
+        <p:nvPicPr>
+          <p:cNvPr id="13" name="Picture 12">
+            <a:extLst>
+              <a:ext uri="{FF2B5EF4-FFF2-40B4-BE49-F238E27FC236}">
+                <a16:creationId xmlns:a16="http://schemas.microsoft.com/office/drawing/2014/main" id="{81073134-974D-4493-A1EB-616073AF65C2}"/>
+              </a:ext>
+            </a:extLst>
+          </p:cNvPr>
+          <p:cNvPicPr>
+            <a:picLocks noChangeAspect="1"/>
+          </p:cNvPicPr>
+          <p:nvPr/>
+        </p:nvPicPr>
+        <p:blipFill>
+          <a:blip r:embed="rId3">
+            <a:extLst>
+              <a:ext uri="{28A0092B-C50C-407E-A947-70E740481C1C}">
+                <a14:useLocalDpi xmlns:a14="http://schemas.microsoft.com/office/drawing/2010/main" val="0"/>
+              </a:ext>
+            </a:extLst>
+          </a:blip>
+          <a:stretch>
+            <a:fillRect/>
+          </a:stretch>
+        </p:blipFill>
+        <p:spPr>
+          <a:xfrm>
+            <a:off x="4146551" y="3240461"/>
+            <a:ext cx="4292599" cy="3219450"/>
+          </a:xfrm>
+          <a:prstGeom prst="rect">
+            <a:avLst/>
+          </a:prstGeom>
+        </p:spPr>
+      </p:pic>
+      <p:pic>
+        <p:nvPicPr>
+          <p:cNvPr id="15" name="Picture 14">
+            <a:extLst>
+              <a:ext uri="{FF2B5EF4-FFF2-40B4-BE49-F238E27FC236}">
+                <a16:creationId xmlns:a16="http://schemas.microsoft.com/office/drawing/2014/main" id="{49D7E1D4-415C-440C-8076-7166BA80F322}"/>
+              </a:ext>
+            </a:extLst>
+          </p:cNvPr>
+          <p:cNvPicPr>
+            <a:picLocks noChangeAspect="1"/>
+          </p:cNvPicPr>
+          <p:nvPr/>
+        </p:nvPicPr>
+        <p:blipFill>
+          <a:blip r:embed="rId4">
+            <a:extLst>
+              <a:ext uri="{28A0092B-C50C-407E-A947-70E740481C1C}">
+                <a14:useLocalDpi xmlns:a14="http://schemas.microsoft.com/office/drawing/2010/main" val="0"/>
+              </a:ext>
+            </a:extLst>
+          </a:blip>
+          <a:stretch>
+            <a:fillRect/>
+          </a:stretch>
+        </p:blipFill>
+        <p:spPr>
+          <a:xfrm>
+            <a:off x="0" y="3323628"/>
+            <a:ext cx="4194410" cy="3145808"/>
+          </a:xfrm>
+          <a:prstGeom prst="rect">
+            <a:avLst/>
+          </a:prstGeom>
+        </p:spPr>
+      </p:pic>
+      <p:sp>
+        <p:nvSpPr>
+          <p:cNvPr id="18" name="Title 1">
+            <a:extLst>
+              <a:ext uri="{FF2B5EF4-FFF2-40B4-BE49-F238E27FC236}">
+                <a16:creationId xmlns:a16="http://schemas.microsoft.com/office/drawing/2014/main" id="{D37ABCA3-4010-43C8-A64E-A8ED872C9BA6}"/>
+              </a:ext>
+            </a:extLst>
+          </p:cNvPr>
+          <p:cNvSpPr>
+            <a:spLocks noGrp="1"/>
+          </p:cNvSpPr>
+          <p:nvPr>
+            <p:ph type="title"/>
+          </p:nvPr>
+        </p:nvSpPr>
+        <p:spPr>
+          <a:xfrm>
+            <a:off x="0" y="9271"/>
+            <a:ext cx="8453438" cy="666551"/>
+          </a:xfrm>
+        </p:spPr>
+        <p:txBody>
+          <a:bodyPr/>
+          <a:lstStyle/>
+          <a:p>
+            <a:pPr algn="ctr"/>
+            <a:r>
+              <a:rPr lang="en-US" sz="3200" dirty="0"/>
+              <a:t>Analysis: Income, Unemployment, Population</a:t>
+            </a:r>
+          </a:p>
+        </p:txBody>
+      </p:sp>
+    </p:spTree>
+    <p:extLst>
+      <p:ext uri="{BB962C8B-B14F-4D97-AF65-F5344CB8AC3E}">
+        <p14:creationId xmlns:p14="http://schemas.microsoft.com/office/powerpoint/2010/main" val="3771294404"/>
+      </p:ext>
+    </p:extLst>
+  </p:cSld>
+  <p:clrMapOvr>
+    <a:masterClrMapping/>
+  </p:clrMapOvr>
+</p:sld>
+</file>
+
+<file path=ppt/slides/slide9.xml><?xml version="1.0" encoding="utf-8"?>
+<p:sld xmlns:a="http://schemas.openxmlformats.org/drawingml/2006/main" xmlns:r="http://schemas.openxmlformats.org/officeDocument/2006/relationships" xmlns:p="http://schemas.openxmlformats.org/presentationml/2006/main">
+  <p:cSld>
+    <p:spTree>
+      <p:nvGrpSpPr>
+        <p:cNvPr id="1" name=""/>
+        <p:cNvGrpSpPr/>
+        <p:nvPr/>
+      </p:nvGrpSpPr>
+      <p:grpSpPr>
+        <a:xfrm>
+          <a:off x="0" y="0"/>
+          <a:ext cx="0" cy="0"/>
+          <a:chOff x="0" y="0"/>
+          <a:chExt cx="0" cy="0"/>
+        </a:xfrm>
+      </p:grpSpPr>
+      <p:sp>
+        <p:nvSpPr>
+          <p:cNvPr id="5" name="Slide Number Placeholder 4"/>
+          <p:cNvSpPr>
+            <a:spLocks noGrp="1"/>
+          </p:cNvSpPr>
+          <p:nvPr>
+            <p:ph type="sldNum" sz="quarter" idx="12"/>
+          </p:nvPr>
+        </p:nvSpPr>
+        <p:spPr/>
+        <p:txBody>
+          <a:bodyPr/>
+          <a:lstStyle/>
+          <a:p>
+            <a:fld id="{489D000B-E6AD-40C2-AC67-BF5C54101F25}" type="slidenum">
+              <a:rPr lang="en-US" smtClean="0"/>
+              <a:pPr/>
+              <a:t>9</a:t>
+            </a:fld>
+            <a:endParaRPr lang="en-US"/>
+          </a:p>
+        </p:txBody>
+      </p:sp>
+      <p:sp>
+        <p:nvSpPr>
+          <p:cNvPr id="6" name="Footer Placeholder 3">
+            <a:extLst>
+              <a:ext uri="{FF2B5EF4-FFF2-40B4-BE49-F238E27FC236}">
+                <a16:creationId xmlns:a16="http://schemas.microsoft.com/office/drawing/2014/main" id="{48997D64-D687-4C64-BEF4-2346D4C6889D}"/>
+              </a:ext>
+            </a:extLst>
+          </p:cNvPr>
+          <p:cNvSpPr>
+            <a:spLocks noGrp="1"/>
+          </p:cNvSpPr>
+          <p:nvPr/>
+        </p:nvSpPr>
+        <p:spPr>
+          <a:xfrm rot="16200000">
+            <a:off x="6466839" y="2753361"/>
+            <a:ext cx="4653282" cy="365760"/>
+          </a:xfrm>
+          <a:prstGeom prst="rect">
+            <a:avLst/>
+          </a:prstGeom>
+        </p:spPr>
+        <p:txBody>
+          <a:bodyPr vert="horz" lIns="91440" tIns="45720" rIns="91440" bIns="45720" rtlCol="0" anchor="ctr"/>
+          <a:lstStyle>
+            <a:defPPr>
+              <a:defRPr lang="en-US"/>
+            </a:defPPr>
+            <a:lvl1pPr marL="0" algn="r" defTabSz="914400" rtl="0" eaLnBrk="1" latinLnBrk="0" hangingPunct="1">
+              <a:defRPr sz="1200" kern="1200">
+                <a:solidFill>
+                  <a:schemeClr val="bg2"/>
+                </a:solidFill>
+                <a:latin typeface="+mn-lt"/>
+                <a:ea typeface="+mn-ea"/>
+                <a:cs typeface="+mn-cs"/>
+              </a:defRPr>
+            </a:lvl1pPr>
+            <a:lvl2pPr marL="457200" algn="l" defTabSz="914400" rtl="0" eaLnBrk="1" latinLnBrk="0" hangingPunct="1">
+              <a:defRPr sz="1800" kern="1200">
+                <a:solidFill>
+                  <a:schemeClr val="tx1"/>
+                </a:solidFill>
+                <a:latin typeface="+mn-lt"/>
+                <a:ea typeface="+mn-ea"/>
+                <a:cs typeface="+mn-cs"/>
+              </a:defRPr>
+            </a:lvl2pPr>
+            <a:lvl3pPr marL="914400" algn="l" defTabSz="914400" rtl="0" eaLnBrk="1" latinLnBrk="0" hangingPunct="1">
+              <a:defRPr sz="1800" kern="1200">
+                <a:solidFill>
+                  <a:schemeClr val="tx1"/>
+                </a:solidFill>
+                <a:latin typeface="+mn-lt"/>
+                <a:ea typeface="+mn-ea"/>
+                <a:cs typeface="+mn-cs"/>
+              </a:defRPr>
+            </a:lvl3pPr>
+            <a:lvl4pPr marL="1371600" algn="l" defTabSz="914400" rtl="0" eaLnBrk="1" latinLnBrk="0" hangingPunct="1">
+              <a:defRPr sz="1800" kern="1200">
+                <a:solidFill>
+                  <a:schemeClr val="tx1"/>
+                </a:solidFill>
+                <a:latin typeface="+mn-lt"/>
+                <a:ea typeface="+mn-ea"/>
+                <a:cs typeface="+mn-cs"/>
+              </a:defRPr>
+            </a:lvl4pPr>
+            <a:lvl5pPr marL="1828800" algn="l" defTabSz="914400" rtl="0" eaLnBrk="1" latinLnBrk="0" hangingPunct="1">
+              <a:defRPr sz="1800" kern="1200">
+                <a:solidFill>
+                  <a:schemeClr val="tx1"/>
+                </a:solidFill>
+                <a:latin typeface="+mn-lt"/>
+                <a:ea typeface="+mn-ea"/>
+                <a:cs typeface="+mn-cs"/>
+              </a:defRPr>
+            </a:lvl5pPr>
+            <a:lvl6pPr marL="2286000" algn="l" defTabSz="914400" rtl="0" eaLnBrk="1" latinLnBrk="0" hangingPunct="1">
+              <a:defRPr sz="1800" kern="1200">
+                <a:solidFill>
+                  <a:schemeClr val="tx1"/>
+                </a:solidFill>
+                <a:latin typeface="+mn-lt"/>
+                <a:ea typeface="+mn-ea"/>
+                <a:cs typeface="+mn-cs"/>
+              </a:defRPr>
+            </a:lvl6pPr>
+            <a:lvl7pPr marL="2743200" algn="l" defTabSz="914400" rtl="0" eaLnBrk="1" latinLnBrk="0" hangingPunct="1">
+              <a:defRPr sz="1800" kern="1200">
+                <a:solidFill>
+                  <a:schemeClr val="tx1"/>
+                </a:solidFill>
+                <a:latin typeface="+mn-lt"/>
+                <a:ea typeface="+mn-ea"/>
+                <a:cs typeface="+mn-cs"/>
+              </a:defRPr>
+            </a:lvl7pPr>
+            <a:lvl8pPr marL="3200400" algn="l" defTabSz="914400" rtl="0" eaLnBrk="1" latinLnBrk="0" hangingPunct="1">
+              <a:defRPr sz="1800" kern="1200">
+                <a:solidFill>
+                  <a:schemeClr val="tx1"/>
+                </a:solidFill>
+                <a:latin typeface="+mn-lt"/>
+                <a:ea typeface="+mn-ea"/>
+                <a:cs typeface="+mn-cs"/>
+              </a:defRPr>
+            </a:lvl8pPr>
+            <a:lvl9pPr marL="3657600" algn="l" defTabSz="914400" rtl="0" eaLnBrk="1" latinLnBrk="0" hangingPunct="1">
+              <a:defRPr sz="1800" kern="1200">
+                <a:solidFill>
+                  <a:schemeClr val="tx1"/>
+                </a:solidFill>
+                <a:latin typeface="+mn-lt"/>
+                <a:ea typeface="+mn-ea"/>
+                <a:cs typeface="+mn-cs"/>
+              </a:defRPr>
+            </a:lvl9pPr>
+          </a:lstStyle>
+          <a:p>
+            <a:pPr algn="l"/>
+            <a:r>
+              <a:rPr lang="en-US" dirty="0">
+                <a:solidFill>
+                  <a:schemeClr val="bg1"/>
+                </a:solidFill>
+              </a:rPr>
+              <a:t>The Relationship Between Demographics &amp; Violent crime in the US</a:t>
+            </a:r>
+          </a:p>
+          <a:p>
+            <a:pPr algn="l"/>
+            <a:r>
+              <a:rPr lang="en-US" dirty="0" err="1">
+                <a:solidFill>
+                  <a:schemeClr val="bg1"/>
+                </a:solidFill>
+              </a:rPr>
+              <a:t>Temidayo</a:t>
+            </a:r>
+            <a:r>
+              <a:rPr lang="en-US" dirty="0">
+                <a:solidFill>
+                  <a:schemeClr val="bg1"/>
+                </a:solidFill>
+              </a:rPr>
+              <a:t> </a:t>
+            </a:r>
+            <a:r>
+              <a:rPr lang="en-US" dirty="0" err="1">
+                <a:solidFill>
+                  <a:schemeClr val="bg1"/>
+                </a:solidFill>
+              </a:rPr>
+              <a:t>Akinsanya</a:t>
+            </a:r>
+            <a:endParaRPr lang="en-US" dirty="0">
+              <a:solidFill>
+                <a:schemeClr val="bg1"/>
+              </a:solidFill>
+            </a:endParaRPr>
+          </a:p>
+          <a:p>
+            <a:pPr algn="l"/>
+            <a:r>
+              <a:rPr lang="en-US" dirty="0">
+                <a:solidFill>
+                  <a:schemeClr val="bg1"/>
+                </a:solidFill>
+              </a:rPr>
+              <a:t>Cheryl Johnson</a:t>
+            </a:r>
+          </a:p>
+        </p:txBody>
+      </p:sp>
+      <p:pic>
+        <p:nvPicPr>
+          <p:cNvPr id="20" name="Picture 19">
+            <a:extLst>
+              <a:ext uri="{FF2B5EF4-FFF2-40B4-BE49-F238E27FC236}">
+                <a16:creationId xmlns:a16="http://schemas.microsoft.com/office/drawing/2014/main" id="{FC74450E-1D02-422D-8432-AF90FB9F729B}"/>
+              </a:ext>
+            </a:extLst>
+          </p:cNvPr>
+          <p:cNvPicPr>
+            <a:picLocks noChangeAspect="1"/>
+          </p:cNvPicPr>
+          <p:nvPr/>
+        </p:nvPicPr>
+        <p:blipFill>
+          <a:blip r:embed="rId2">
+            <a:extLst>
+              <a:ext uri="{28A0092B-C50C-407E-A947-70E740481C1C}">
+                <a14:useLocalDpi xmlns:a14="http://schemas.microsoft.com/office/drawing/2010/main" val="0"/>
+              </a:ext>
+            </a:extLst>
+          </a:blip>
+          <a:stretch>
+            <a:fillRect/>
+          </a:stretch>
+        </p:blipFill>
+        <p:spPr>
+          <a:xfrm>
+            <a:off x="0" y="4151868"/>
+            <a:ext cx="4444054" cy="2222027"/>
+          </a:xfrm>
+          <a:prstGeom prst="rect">
+            <a:avLst/>
+          </a:prstGeom>
+        </p:spPr>
+      </p:pic>
+      <p:pic>
+        <p:nvPicPr>
+          <p:cNvPr id="12" name="Picture 11">
+            <a:extLst>
+              <a:ext uri="{FF2B5EF4-FFF2-40B4-BE49-F238E27FC236}">
+                <a16:creationId xmlns:a16="http://schemas.microsoft.com/office/drawing/2014/main" id="{2CF1CF7A-C1B2-4590-8D12-90B5A6FFFCF4}"/>
+              </a:ext>
+            </a:extLst>
+          </p:cNvPr>
+          <p:cNvPicPr>
+            <a:picLocks noChangeAspect="1"/>
+          </p:cNvPicPr>
+          <p:nvPr/>
+        </p:nvPicPr>
+        <p:blipFill>
+          <a:blip r:embed="rId3">
+            <a:extLst>
+              <a:ext uri="{28A0092B-C50C-407E-A947-70E740481C1C}">
+                <a14:useLocalDpi xmlns:a14="http://schemas.microsoft.com/office/drawing/2010/main" val="0"/>
+              </a:ext>
+            </a:extLst>
+          </a:blip>
+          <a:stretch>
+            <a:fillRect/>
+          </a:stretch>
+        </p:blipFill>
+        <p:spPr>
+          <a:xfrm>
+            <a:off x="9260" y="1524000"/>
+            <a:ext cx="4495800" cy="2247900"/>
+          </a:xfrm>
+          <a:prstGeom prst="rect">
+            <a:avLst/>
+          </a:prstGeom>
+        </p:spPr>
+      </p:pic>
+      <p:sp>
+        <p:nvSpPr>
+          <p:cNvPr id="29" name="Title 1">
+            <a:extLst>
+              <a:ext uri="{FF2B5EF4-FFF2-40B4-BE49-F238E27FC236}">
+                <a16:creationId xmlns:a16="http://schemas.microsoft.com/office/drawing/2014/main" id="{FC52B765-3245-46C2-A95E-961CDCFC5708}"/>
+              </a:ext>
+            </a:extLst>
+          </p:cNvPr>
+          <p:cNvSpPr>
+            <a:spLocks noGrp="1"/>
+          </p:cNvSpPr>
+          <p:nvPr>
+            <p:ph type="title"/>
+          </p:nvPr>
+        </p:nvSpPr>
+        <p:spPr>
+          <a:xfrm>
+            <a:off x="0" y="9271"/>
+            <a:ext cx="8453438" cy="666551"/>
+          </a:xfrm>
+        </p:spPr>
+        <p:txBody>
+          <a:bodyPr/>
+          <a:lstStyle/>
+          <a:p>
+            <a:pPr algn="ctr"/>
+            <a:r>
+              <a:rPr lang="en-US" sz="3200" dirty="0"/>
+              <a:t>Analysis: Marital Status, Race</a:t>
+            </a:r>
+          </a:p>
+        </p:txBody>
+      </p:sp>
+      <p:pic>
+        <p:nvPicPr>
+          <p:cNvPr id="30" name="Picture 29">
+            <a:extLst>
+              <a:ext uri="{FF2B5EF4-FFF2-40B4-BE49-F238E27FC236}">
+                <a16:creationId xmlns:a16="http://schemas.microsoft.com/office/drawing/2014/main" id="{829B38C9-7181-4C8C-9E6A-8A54EC314A12}"/>
+              </a:ext>
+            </a:extLst>
+          </p:cNvPr>
+          <p:cNvPicPr>
+            <a:picLocks noChangeAspect="1"/>
+          </p:cNvPicPr>
+          <p:nvPr/>
+        </p:nvPicPr>
+        <p:blipFill>
+          <a:blip r:embed="rId4">
+            <a:extLst>
+              <a:ext uri="{28A0092B-C50C-407E-A947-70E740481C1C}">
+                <a14:useLocalDpi xmlns:a14="http://schemas.microsoft.com/office/drawing/2010/main" val="0"/>
+              </a:ext>
+            </a:extLst>
+          </a:blip>
+          <a:stretch>
+            <a:fillRect/>
+          </a:stretch>
+        </p:blipFill>
+        <p:spPr>
+          <a:xfrm>
+            <a:off x="3938588" y="1524000"/>
+            <a:ext cx="4495800" cy="2247900"/>
+          </a:xfrm>
+          <a:prstGeom prst="rect">
+            <a:avLst/>
+          </a:prstGeom>
+        </p:spPr>
+      </p:pic>
+      <p:pic>
+        <p:nvPicPr>
+          <p:cNvPr id="31" name="Picture 30">
+            <a:extLst>
+              <a:ext uri="{FF2B5EF4-FFF2-40B4-BE49-F238E27FC236}">
+                <a16:creationId xmlns:a16="http://schemas.microsoft.com/office/drawing/2014/main" id="{37497EE7-37B3-41A9-8E96-E48DCCE03DCB}"/>
+              </a:ext>
+            </a:extLst>
+          </p:cNvPr>
+          <p:cNvPicPr>
+            <a:picLocks noChangeAspect="1"/>
+          </p:cNvPicPr>
+          <p:nvPr/>
+        </p:nvPicPr>
+        <p:blipFill>
+          <a:blip r:embed="rId5">
+            <a:extLst>
+              <a:ext uri="{28A0092B-C50C-407E-A947-70E740481C1C}">
+                <a14:useLocalDpi xmlns:a14="http://schemas.microsoft.com/office/drawing/2010/main" val="0"/>
+              </a:ext>
+            </a:extLst>
+          </a:blip>
+          <a:stretch>
+            <a:fillRect/>
+          </a:stretch>
+        </p:blipFill>
+        <p:spPr>
+          <a:xfrm>
+            <a:off x="4009384" y="4151868"/>
+            <a:ext cx="4444054" cy="2222027"/>
+          </a:xfrm>
+          <a:prstGeom prst="rect">
+            <a:avLst/>
+          </a:prstGeom>
+        </p:spPr>
+      </p:pic>
+      <p:sp>
+        <p:nvSpPr>
+          <p:cNvPr id="32" name="Content Placeholder 2">
+            <a:extLst>
+              <a:ext uri="{FF2B5EF4-FFF2-40B4-BE49-F238E27FC236}">
+                <a16:creationId xmlns:a16="http://schemas.microsoft.com/office/drawing/2014/main" id="{36727AF8-565D-46BA-AB17-0FC16A9ABE02}"/>
+              </a:ext>
+            </a:extLst>
+          </p:cNvPr>
+          <p:cNvSpPr>
+            <a:spLocks noGrp="1"/>
+          </p:cNvSpPr>
+          <p:nvPr>
+            <p:ph idx="1"/>
+          </p:nvPr>
+        </p:nvSpPr>
+        <p:spPr>
+          <a:xfrm>
+            <a:off x="0" y="675822"/>
+            <a:ext cx="8113885" cy="1104495"/>
+          </a:xfrm>
+        </p:spPr>
+        <p:txBody>
+          <a:bodyPr>
+            <a:normAutofit fontScale="92500" lnSpcReduction="20000"/>
+          </a:bodyPr>
+          <a:lstStyle/>
+          <a:p>
+            <a:pPr marL="411480" lvl="1" indent="0">
+              <a:buNone/>
+            </a:pPr>
+            <a:r>
+              <a:rPr lang="en-US" dirty="0"/>
+              <a:t>We created stacked bar charts of School Enrollment and Education Level demographics for the Low Violent Crime Rate locations and the High Violent Crime Rate locations to see whether we observed any obvious trends or differences that might influence our inquiry.</a:t>
+            </a:r>
+          </a:p>
+          <a:p>
+            <a:pPr lvl="1"/>
+            <a:endParaRPr lang="en-US" dirty="0"/>
+          </a:p>
+          <a:p>
+            <a:pPr marL="411480" lvl="1" indent="0">
+              <a:buNone/>
+            </a:pPr>
+            <a:endParaRPr lang="en-US" dirty="0"/>
+          </a:p>
+          <a:p>
+            <a:pPr marL="411480" lvl="1" indent="0">
+              <a:buNone/>
+            </a:pPr>
+            <a:endParaRPr lang="en-US" dirty="0"/>
+          </a:p>
+          <a:p>
+            <a:pPr marL="411480" lvl="1" indent="0">
+              <a:buNone/>
+            </a:pPr>
+            <a:endParaRPr lang="en-US" dirty="0"/>
+          </a:p>
+          <a:p>
+            <a:pPr marL="411480" lvl="1" indent="0">
+              <a:buNone/>
+            </a:pPr>
+            <a:endParaRPr lang="en-US" dirty="0"/>
+          </a:p>
+        </p:txBody>
+      </p:sp>
+      <p:sp>
+        <p:nvSpPr>
+          <p:cNvPr id="33" name="Content Placeholder 2">
+            <a:extLst>
+              <a:ext uri="{FF2B5EF4-FFF2-40B4-BE49-F238E27FC236}">
+                <a16:creationId xmlns:a16="http://schemas.microsoft.com/office/drawing/2014/main" id="{0D4CFCF4-F84F-42AE-A6E7-B1F1CBF1A4A8}"/>
+              </a:ext>
+            </a:extLst>
+          </p:cNvPr>
+          <p:cNvSpPr txBox="1">
+            <a:spLocks/>
+          </p:cNvSpPr>
+          <p:nvPr/>
+        </p:nvSpPr>
+        <p:spPr>
+          <a:xfrm>
+            <a:off x="216116" y="3774457"/>
+            <a:ext cx="7732885" cy="330761"/>
+          </a:xfrm>
+          <a:prstGeom prst="rect">
+            <a:avLst/>
+          </a:prstGeom>
+        </p:spPr>
+        <p:txBody>
+          <a:bodyPr vert="horz" lIns="91440" tIns="45720" rIns="91440" bIns="45720" rtlCol="0">
+            <a:normAutofit/>
+          </a:bodyPr>
+          <a:lstStyle>
+            <a:lvl1pPr marL="342900" indent="-228600" algn="l" defTabSz="914400" rtl="0" eaLnBrk="1" latinLnBrk="0" hangingPunct="1">
+              <a:spcBef>
+                <a:spcPct val="20000"/>
+              </a:spcBef>
+              <a:buClr>
+                <a:schemeClr val="accent1"/>
+              </a:buClr>
+              <a:buFont typeface="Arial" pitchFamily="34" charset="0"/>
+              <a:buChar char="•"/>
+              <a:defRPr sz="2200" kern="1200">
+                <a:solidFill>
+                  <a:schemeClr val="tx1"/>
+                </a:solidFill>
+                <a:latin typeface="+mn-lt"/>
+                <a:ea typeface="+mn-ea"/>
+                <a:cs typeface="+mn-cs"/>
+              </a:defRPr>
+            </a:lvl1pPr>
+            <a:lvl2pPr marL="640080" indent="-228600" algn="l" defTabSz="914400" rtl="0" eaLnBrk="1" latinLnBrk="0" hangingPunct="1">
+              <a:spcBef>
+                <a:spcPct val="20000"/>
+              </a:spcBef>
+              <a:buClr>
+                <a:schemeClr val="accent2"/>
+              </a:buClr>
+              <a:buFont typeface="Arial" pitchFamily="34" charset="0"/>
+              <a:buChar char="•"/>
+              <a:defRPr sz="2000" kern="1200">
+                <a:solidFill>
+                  <a:schemeClr val="tx1"/>
+                </a:solidFill>
+                <a:latin typeface="+mn-lt"/>
+                <a:ea typeface="+mn-ea"/>
+                <a:cs typeface="+mn-cs"/>
+              </a:defRPr>
+            </a:lvl2pPr>
+            <a:lvl3pPr marL="1005840" indent="-228600" algn="l" defTabSz="914400" rtl="0" eaLnBrk="1" latinLnBrk="0" hangingPunct="1">
+              <a:spcBef>
+                <a:spcPct val="20000"/>
+              </a:spcBef>
+              <a:buClr>
+                <a:schemeClr val="accent3"/>
+              </a:buClr>
+              <a:buFont typeface="Arial" pitchFamily="34" charset="0"/>
+              <a:buChar char="•"/>
+              <a:defRPr sz="1800" kern="1200">
+                <a:solidFill>
+                  <a:schemeClr val="tx1"/>
+                </a:solidFill>
+                <a:latin typeface="+mn-lt"/>
+                <a:ea typeface="+mn-ea"/>
+                <a:cs typeface="+mn-cs"/>
+              </a:defRPr>
+            </a:lvl3pPr>
+            <a:lvl4pPr marL="1280160" indent="-228600" algn="l" defTabSz="914400" rtl="0" eaLnBrk="1" latinLnBrk="0" hangingPunct="1">
+              <a:spcBef>
+                <a:spcPct val="20000"/>
+              </a:spcBef>
+              <a:buClr>
+                <a:schemeClr val="accent4"/>
+              </a:buClr>
+              <a:buFont typeface="Arial" pitchFamily="34" charset="0"/>
+              <a:buChar char="•"/>
+              <a:defRPr sz="1600" kern="1200">
+                <a:solidFill>
+                  <a:schemeClr val="tx1"/>
+                </a:solidFill>
+                <a:latin typeface="+mn-lt"/>
+                <a:ea typeface="+mn-ea"/>
+                <a:cs typeface="+mn-cs"/>
+              </a:defRPr>
+            </a:lvl4pPr>
+            <a:lvl5pPr marL="1554480" indent="-228600" algn="l" defTabSz="914400" rtl="0" eaLnBrk="1" latinLnBrk="0" hangingPunct="1">
+              <a:spcBef>
+                <a:spcPct val="20000"/>
+              </a:spcBef>
+              <a:buClr>
+                <a:schemeClr val="accent5"/>
+              </a:buClr>
+              <a:buFont typeface="Arial" pitchFamily="34" charset="0"/>
+              <a:buChar char="•"/>
+              <a:defRPr sz="1400" kern="1200" baseline="0">
+                <a:solidFill>
+                  <a:schemeClr val="tx1"/>
+                </a:solidFill>
+                <a:latin typeface="+mn-lt"/>
+                <a:ea typeface="+mn-ea"/>
+                <a:cs typeface="+mn-cs"/>
+              </a:defRPr>
+            </a:lvl5pPr>
+            <a:lvl6pPr marL="1737360" indent="-182880" algn="l" defTabSz="914400" rtl="0" eaLnBrk="1" latinLnBrk="0" hangingPunct="1">
+              <a:spcBef>
+                <a:spcPct val="20000"/>
+              </a:spcBef>
+              <a:buClr>
+                <a:schemeClr val="accent1"/>
+              </a:buClr>
+              <a:buFont typeface="Arial" pitchFamily="34" charset="0"/>
+              <a:buChar char="•"/>
+              <a:defRPr sz="1400" kern="1200" baseline="0">
+                <a:solidFill>
+                  <a:schemeClr val="tx1"/>
+                </a:solidFill>
+                <a:latin typeface="+mn-lt"/>
+                <a:ea typeface="+mn-ea"/>
+                <a:cs typeface="+mn-cs"/>
+              </a:defRPr>
+            </a:lvl6pPr>
+            <a:lvl7pPr marL="1920240" indent="-182880" algn="l" defTabSz="914400" rtl="0" eaLnBrk="1" latinLnBrk="0" hangingPunct="1">
+              <a:spcBef>
+                <a:spcPct val="20000"/>
+              </a:spcBef>
+              <a:buClr>
+                <a:schemeClr val="accent2"/>
+              </a:buClr>
+              <a:buFont typeface="Arial" pitchFamily="34" charset="0"/>
+              <a:buChar char="•"/>
+              <a:defRPr sz="1400" kern="1200">
+                <a:solidFill>
+                  <a:schemeClr val="tx1"/>
+                </a:solidFill>
+                <a:latin typeface="+mn-lt"/>
+                <a:ea typeface="+mn-ea"/>
+                <a:cs typeface="+mn-cs"/>
+              </a:defRPr>
+            </a:lvl7pPr>
+            <a:lvl8pPr marL="2103120" indent="-182880" algn="l" defTabSz="914400" rtl="0" eaLnBrk="1" latinLnBrk="0" hangingPunct="1">
+              <a:spcBef>
+                <a:spcPct val="20000"/>
+              </a:spcBef>
+              <a:buClr>
+                <a:schemeClr val="accent3"/>
+              </a:buClr>
+              <a:buFont typeface="Arial" pitchFamily="34" charset="0"/>
+              <a:buChar char="•"/>
+              <a:defRPr sz="1400" kern="1200">
+                <a:solidFill>
+                  <a:schemeClr val="tx1"/>
+                </a:solidFill>
+                <a:latin typeface="+mn-lt"/>
+                <a:ea typeface="+mn-ea"/>
+                <a:cs typeface="+mn-cs"/>
+              </a:defRPr>
+            </a:lvl8pPr>
+            <a:lvl9pPr marL="2286000" indent="-182880" algn="l" defTabSz="914400" rtl="0" eaLnBrk="1" latinLnBrk="0" hangingPunct="1">
+              <a:spcBef>
+                <a:spcPct val="20000"/>
+              </a:spcBef>
+              <a:buClr>
+                <a:schemeClr val="accent4"/>
+              </a:buClr>
+              <a:buFont typeface="Arial" pitchFamily="34" charset="0"/>
+              <a:buChar char="•"/>
+              <a:defRPr sz="1400" kern="1200">
+                <a:solidFill>
+                  <a:schemeClr val="tx1"/>
+                </a:solidFill>
+                <a:latin typeface="+mn-lt"/>
+                <a:ea typeface="+mn-ea"/>
+                <a:cs typeface="+mn-cs"/>
+              </a:defRPr>
+            </a:lvl9pPr>
+          </a:lstStyle>
+          <a:p>
+            <a:pPr marL="411480" lvl="1" indent="0">
+              <a:buFont typeface="Arial" pitchFamily="34" charset="0"/>
+              <a:buNone/>
+            </a:pPr>
+            <a:r>
+              <a:rPr lang="en-US" sz="1400" dirty="0"/>
+              <a:t>     (low violent crime)                              Marital Status                    (high violent crime)</a:t>
+            </a:r>
+          </a:p>
+          <a:p>
+            <a:pPr marL="411480" lvl="1" indent="0">
+              <a:buFont typeface="Arial" pitchFamily="34" charset="0"/>
+              <a:buNone/>
+            </a:pPr>
+            <a:endParaRPr lang="en-US" sz="1800" dirty="0"/>
+          </a:p>
+          <a:p>
+            <a:pPr marL="411480" lvl="1" indent="0">
+              <a:buFont typeface="Arial" pitchFamily="34" charset="0"/>
+              <a:buNone/>
+            </a:pPr>
+            <a:endParaRPr lang="en-US" dirty="0"/>
+          </a:p>
+          <a:p>
+            <a:pPr marL="411480" lvl="1" indent="0">
+              <a:buFont typeface="Arial" pitchFamily="34" charset="0"/>
+              <a:buNone/>
+            </a:pPr>
+            <a:endParaRPr lang="en-US" dirty="0"/>
+          </a:p>
+          <a:p>
+            <a:pPr marL="411480" lvl="1" indent="0">
+              <a:buFont typeface="Arial" pitchFamily="34" charset="0"/>
+              <a:buNone/>
+            </a:pPr>
+            <a:endParaRPr lang="en-US" dirty="0"/>
+          </a:p>
+        </p:txBody>
+      </p:sp>
+      <p:sp>
+        <p:nvSpPr>
+          <p:cNvPr id="35" name="Content Placeholder 2">
+            <a:extLst>
+              <a:ext uri="{FF2B5EF4-FFF2-40B4-BE49-F238E27FC236}">
+                <a16:creationId xmlns:a16="http://schemas.microsoft.com/office/drawing/2014/main" id="{133B86E6-C73B-429E-BD2E-38C73486E358}"/>
+              </a:ext>
+            </a:extLst>
+          </p:cNvPr>
+          <p:cNvSpPr txBox="1">
+            <a:spLocks/>
+          </p:cNvSpPr>
+          <p:nvPr/>
+        </p:nvSpPr>
+        <p:spPr>
+          <a:xfrm>
+            <a:off x="360276" y="6402470"/>
+            <a:ext cx="7732885" cy="330761"/>
+          </a:xfrm>
+          <a:prstGeom prst="rect">
+            <a:avLst/>
+          </a:prstGeom>
+        </p:spPr>
+        <p:txBody>
+          <a:bodyPr vert="horz" lIns="91440" tIns="45720" rIns="91440" bIns="45720" rtlCol="0">
+            <a:normAutofit/>
+          </a:bodyPr>
+          <a:lstStyle>
+            <a:lvl1pPr marL="342900" indent="-228600" algn="l" defTabSz="914400" rtl="0" eaLnBrk="1" latinLnBrk="0" hangingPunct="1">
+              <a:spcBef>
+                <a:spcPct val="20000"/>
+              </a:spcBef>
+              <a:buClr>
+                <a:schemeClr val="accent1"/>
+              </a:buClr>
+              <a:buFont typeface="Arial" pitchFamily="34" charset="0"/>
+              <a:buChar char="•"/>
+              <a:defRPr sz="2200" kern="1200">
+                <a:solidFill>
+                  <a:schemeClr val="tx1"/>
+                </a:solidFill>
+                <a:latin typeface="+mn-lt"/>
+                <a:ea typeface="+mn-ea"/>
+                <a:cs typeface="+mn-cs"/>
+              </a:defRPr>
+            </a:lvl1pPr>
+            <a:lvl2pPr marL="640080" indent="-228600" algn="l" defTabSz="914400" rtl="0" eaLnBrk="1" latinLnBrk="0" hangingPunct="1">
+              <a:spcBef>
+                <a:spcPct val="20000"/>
+              </a:spcBef>
+              <a:buClr>
+                <a:schemeClr val="accent2"/>
+              </a:buClr>
+              <a:buFont typeface="Arial" pitchFamily="34" charset="0"/>
+              <a:buChar char="•"/>
+              <a:defRPr sz="2000" kern="1200">
+                <a:solidFill>
+                  <a:schemeClr val="tx1"/>
+                </a:solidFill>
+                <a:latin typeface="+mn-lt"/>
+                <a:ea typeface="+mn-ea"/>
+                <a:cs typeface="+mn-cs"/>
+              </a:defRPr>
+            </a:lvl2pPr>
+            <a:lvl3pPr marL="1005840" indent="-228600" algn="l" defTabSz="914400" rtl="0" eaLnBrk="1" latinLnBrk="0" hangingPunct="1">
+              <a:spcBef>
+                <a:spcPct val="20000"/>
+              </a:spcBef>
+              <a:buClr>
+                <a:schemeClr val="accent3"/>
+              </a:buClr>
+              <a:buFont typeface="Arial" pitchFamily="34" charset="0"/>
+              <a:buChar char="•"/>
+              <a:defRPr sz="1800" kern="1200">
+                <a:solidFill>
+                  <a:schemeClr val="tx1"/>
+                </a:solidFill>
+                <a:latin typeface="+mn-lt"/>
+                <a:ea typeface="+mn-ea"/>
+                <a:cs typeface="+mn-cs"/>
+              </a:defRPr>
+            </a:lvl3pPr>
+            <a:lvl4pPr marL="1280160" indent="-228600" algn="l" defTabSz="914400" rtl="0" eaLnBrk="1" latinLnBrk="0" hangingPunct="1">
+              <a:spcBef>
+                <a:spcPct val="20000"/>
+              </a:spcBef>
+              <a:buClr>
+                <a:schemeClr val="accent4"/>
+              </a:buClr>
+              <a:buFont typeface="Arial" pitchFamily="34" charset="0"/>
+              <a:buChar char="•"/>
+              <a:defRPr sz="1600" kern="1200">
+                <a:solidFill>
+                  <a:schemeClr val="tx1"/>
+                </a:solidFill>
+                <a:latin typeface="+mn-lt"/>
+                <a:ea typeface="+mn-ea"/>
+                <a:cs typeface="+mn-cs"/>
+              </a:defRPr>
+            </a:lvl4pPr>
+            <a:lvl5pPr marL="1554480" indent="-228600" algn="l" defTabSz="914400" rtl="0" eaLnBrk="1" latinLnBrk="0" hangingPunct="1">
+              <a:spcBef>
+                <a:spcPct val="20000"/>
+              </a:spcBef>
+              <a:buClr>
+                <a:schemeClr val="accent5"/>
+              </a:buClr>
+              <a:buFont typeface="Arial" pitchFamily="34" charset="0"/>
+              <a:buChar char="•"/>
+              <a:defRPr sz="1400" kern="1200" baseline="0">
+                <a:solidFill>
+                  <a:schemeClr val="tx1"/>
+                </a:solidFill>
+                <a:latin typeface="+mn-lt"/>
+                <a:ea typeface="+mn-ea"/>
+                <a:cs typeface="+mn-cs"/>
+              </a:defRPr>
+            </a:lvl5pPr>
+            <a:lvl6pPr marL="1737360" indent="-182880" algn="l" defTabSz="914400" rtl="0" eaLnBrk="1" latinLnBrk="0" hangingPunct="1">
+              <a:spcBef>
+                <a:spcPct val="20000"/>
+              </a:spcBef>
+              <a:buClr>
+                <a:schemeClr val="accent1"/>
+              </a:buClr>
+              <a:buFont typeface="Arial" pitchFamily="34" charset="0"/>
+              <a:buChar char="•"/>
+              <a:defRPr sz="1400" kern="1200" baseline="0">
+                <a:solidFill>
+                  <a:schemeClr val="tx1"/>
+                </a:solidFill>
+                <a:latin typeface="+mn-lt"/>
+                <a:ea typeface="+mn-ea"/>
+                <a:cs typeface="+mn-cs"/>
+              </a:defRPr>
+            </a:lvl6pPr>
+            <a:lvl7pPr marL="1920240" indent="-182880" algn="l" defTabSz="914400" rtl="0" eaLnBrk="1" latinLnBrk="0" hangingPunct="1">
+              <a:spcBef>
+                <a:spcPct val="20000"/>
+              </a:spcBef>
+              <a:buClr>
+                <a:schemeClr val="accent2"/>
+              </a:buClr>
+              <a:buFont typeface="Arial" pitchFamily="34" charset="0"/>
+              <a:buChar char="•"/>
+              <a:defRPr sz="1400" kern="1200">
+                <a:solidFill>
+                  <a:schemeClr val="tx1"/>
+                </a:solidFill>
+                <a:latin typeface="+mn-lt"/>
+                <a:ea typeface="+mn-ea"/>
+                <a:cs typeface="+mn-cs"/>
+              </a:defRPr>
+            </a:lvl7pPr>
+            <a:lvl8pPr marL="2103120" indent="-182880" algn="l" defTabSz="914400" rtl="0" eaLnBrk="1" latinLnBrk="0" hangingPunct="1">
+              <a:spcBef>
+                <a:spcPct val="20000"/>
+              </a:spcBef>
+              <a:buClr>
+                <a:schemeClr val="accent3"/>
+              </a:buClr>
+              <a:buFont typeface="Arial" pitchFamily="34" charset="0"/>
+              <a:buChar char="•"/>
+              <a:defRPr sz="1400" kern="1200">
+                <a:solidFill>
+                  <a:schemeClr val="tx1"/>
+                </a:solidFill>
+                <a:latin typeface="+mn-lt"/>
+                <a:ea typeface="+mn-ea"/>
+                <a:cs typeface="+mn-cs"/>
+              </a:defRPr>
+            </a:lvl8pPr>
+            <a:lvl9pPr marL="2286000" indent="-182880" algn="l" defTabSz="914400" rtl="0" eaLnBrk="1" latinLnBrk="0" hangingPunct="1">
+              <a:spcBef>
+                <a:spcPct val="20000"/>
+              </a:spcBef>
+              <a:buClr>
+                <a:schemeClr val="accent4"/>
+              </a:buClr>
+              <a:buFont typeface="Arial" pitchFamily="34" charset="0"/>
+              <a:buChar char="•"/>
+              <a:defRPr sz="1400" kern="1200">
+                <a:solidFill>
+                  <a:schemeClr val="tx1"/>
+                </a:solidFill>
+                <a:latin typeface="+mn-lt"/>
+                <a:ea typeface="+mn-ea"/>
+                <a:cs typeface="+mn-cs"/>
+              </a:defRPr>
+            </a:lvl9pPr>
+          </a:lstStyle>
+          <a:p>
+            <a:pPr marL="411480" lvl="1" indent="0">
+              <a:buFont typeface="Arial" pitchFamily="34" charset="0"/>
+              <a:buNone/>
+            </a:pPr>
+            <a:r>
+              <a:rPr lang="en-US" sz="1400" dirty="0"/>
+              <a:t>(low violent crime)                                       Race                             (high violent crime)</a:t>
+            </a:r>
+          </a:p>
+          <a:p>
+            <a:pPr marL="411480" lvl="1" indent="0">
+              <a:buFont typeface="Arial" pitchFamily="34" charset="0"/>
+              <a:buNone/>
+            </a:pPr>
+            <a:endParaRPr lang="en-US" sz="1800" dirty="0"/>
+          </a:p>
+          <a:p>
+            <a:pPr marL="411480" lvl="1" indent="0">
+              <a:buFont typeface="Arial" pitchFamily="34" charset="0"/>
+              <a:buNone/>
+            </a:pPr>
+            <a:endParaRPr lang="en-US" dirty="0"/>
+          </a:p>
+          <a:p>
+            <a:pPr marL="411480" lvl="1" indent="0">
+              <a:buFont typeface="Arial" pitchFamily="34" charset="0"/>
+              <a:buNone/>
+            </a:pPr>
+            <a:endParaRPr lang="en-US" dirty="0"/>
+          </a:p>
+          <a:p>
+            <a:pPr marL="411480" lvl="1" indent="0">
+              <a:buFont typeface="Arial" pitchFamily="34" charset="0"/>
+              <a:buNone/>
+            </a:pPr>
+            <a:endParaRPr lang="en-US" dirty="0"/>
+          </a:p>
+        </p:txBody>
+      </p:sp>
+    </p:spTree>
+    <p:extLst>
+      <p:ext uri="{BB962C8B-B14F-4D97-AF65-F5344CB8AC3E}">
+        <p14:creationId xmlns:p14="http://schemas.microsoft.com/office/powerpoint/2010/main" val="974027294"/>
       </p:ext>
     </p:extLst>
   </p:cSld>

--- a/Data Analytics Bootcamp Project 1.pptx
+++ b/Data Analytics Bootcamp Project 1.pptx
@@ -5,30 +5,34 @@
     <p:sldMasterId id="2147483852" r:id="rId1"/>
   </p:sldMasterIdLst>
   <p:notesMasterIdLst>
-    <p:notesMasterId r:id="rId20"/>
+    <p:notesMasterId r:id="rId24"/>
   </p:notesMasterIdLst>
   <p:handoutMasterIdLst>
-    <p:handoutMasterId r:id="rId21"/>
+    <p:handoutMasterId r:id="rId25"/>
   </p:handoutMasterIdLst>
   <p:sldIdLst>
     <p:sldId id="274" r:id="rId2"/>
     <p:sldId id="259" r:id="rId3"/>
     <p:sldId id="275" r:id="rId4"/>
     <p:sldId id="283" r:id="rId5"/>
-    <p:sldId id="265" r:id="rId6"/>
-    <p:sldId id="267" r:id="rId7"/>
-    <p:sldId id="269" r:id="rId8"/>
-    <p:sldId id="284" r:id="rId9"/>
-    <p:sldId id="287" r:id="rId10"/>
-    <p:sldId id="286" r:id="rId11"/>
-    <p:sldId id="288" r:id="rId12"/>
-    <p:sldId id="277" r:id="rId13"/>
-    <p:sldId id="276" r:id="rId14"/>
-    <p:sldId id="278" r:id="rId15"/>
-    <p:sldId id="279" r:id="rId16"/>
-    <p:sldId id="282" r:id="rId17"/>
-    <p:sldId id="281" r:id="rId18"/>
-    <p:sldId id="289" r:id="rId19"/>
+    <p:sldId id="293" r:id="rId6"/>
+    <p:sldId id="265" r:id="rId7"/>
+    <p:sldId id="267" r:id="rId8"/>
+    <p:sldId id="269" r:id="rId9"/>
+    <p:sldId id="284" r:id="rId10"/>
+    <p:sldId id="287" r:id="rId11"/>
+    <p:sldId id="286" r:id="rId12"/>
+    <p:sldId id="288" r:id="rId13"/>
+    <p:sldId id="277" r:id="rId14"/>
+    <p:sldId id="276" r:id="rId15"/>
+    <p:sldId id="278" r:id="rId16"/>
+    <p:sldId id="279" r:id="rId17"/>
+    <p:sldId id="282" r:id="rId18"/>
+    <p:sldId id="281" r:id="rId19"/>
+    <p:sldId id="291" r:id="rId20"/>
+    <p:sldId id="289" r:id="rId21"/>
+    <p:sldId id="292" r:id="rId22"/>
+    <p:sldId id="290" r:id="rId23"/>
   </p:sldIdLst>
   <p:sldSz cx="9144000" cy="6858000" type="screen4x3"/>
   <p:notesSz cx="6858000" cy="9144000"/>
@@ -743,7 +747,7 @@
             <a:fld id="{5C7C5C36-4539-42D9-B2DB-8C6888E19C6A}" type="slidenum">
               <a:rPr lang="en-US" smtClean="0"/>
               <a:pPr/>
-              <a:t>5</a:t>
+              <a:t>6</a:t>
             </a:fld>
             <a:endParaRPr lang="en-US"/>
           </a:p>
@@ -4511,6 +4515,942 @@
       </p:sp>
       <p:pic>
         <p:nvPicPr>
+          <p:cNvPr id="20" name="Picture 19">
+            <a:extLst>
+              <a:ext uri="{FF2B5EF4-FFF2-40B4-BE49-F238E27FC236}">
+                <a16:creationId xmlns:a16="http://schemas.microsoft.com/office/drawing/2014/main" id="{FC74450E-1D02-422D-8432-AF90FB9F729B}"/>
+              </a:ext>
+            </a:extLst>
+          </p:cNvPr>
+          <p:cNvPicPr>
+            <a:picLocks noChangeAspect="1"/>
+          </p:cNvPicPr>
+          <p:nvPr/>
+        </p:nvPicPr>
+        <p:blipFill>
+          <a:blip r:embed="rId2">
+            <a:extLst>
+              <a:ext uri="{28A0092B-C50C-407E-A947-70E740481C1C}">
+                <a14:useLocalDpi xmlns:a14="http://schemas.microsoft.com/office/drawing/2010/main" val="0"/>
+              </a:ext>
+            </a:extLst>
+          </a:blip>
+          <a:stretch>
+            <a:fillRect/>
+          </a:stretch>
+        </p:blipFill>
+        <p:spPr>
+          <a:xfrm>
+            <a:off x="0" y="4151868"/>
+            <a:ext cx="4444054" cy="2222027"/>
+          </a:xfrm>
+          <a:prstGeom prst="rect">
+            <a:avLst/>
+          </a:prstGeom>
+        </p:spPr>
+      </p:pic>
+      <p:pic>
+        <p:nvPicPr>
+          <p:cNvPr id="12" name="Picture 11">
+            <a:extLst>
+              <a:ext uri="{FF2B5EF4-FFF2-40B4-BE49-F238E27FC236}">
+                <a16:creationId xmlns:a16="http://schemas.microsoft.com/office/drawing/2014/main" id="{2CF1CF7A-C1B2-4590-8D12-90B5A6FFFCF4}"/>
+              </a:ext>
+            </a:extLst>
+          </p:cNvPr>
+          <p:cNvPicPr>
+            <a:picLocks noChangeAspect="1"/>
+          </p:cNvPicPr>
+          <p:nvPr/>
+        </p:nvPicPr>
+        <p:blipFill>
+          <a:blip r:embed="rId3">
+            <a:extLst>
+              <a:ext uri="{28A0092B-C50C-407E-A947-70E740481C1C}">
+                <a14:useLocalDpi xmlns:a14="http://schemas.microsoft.com/office/drawing/2010/main" val="0"/>
+              </a:ext>
+            </a:extLst>
+          </a:blip>
+          <a:stretch>
+            <a:fillRect/>
+          </a:stretch>
+        </p:blipFill>
+        <p:spPr>
+          <a:xfrm>
+            <a:off x="9260" y="1524000"/>
+            <a:ext cx="4495800" cy="2247900"/>
+          </a:xfrm>
+          <a:prstGeom prst="rect">
+            <a:avLst/>
+          </a:prstGeom>
+        </p:spPr>
+      </p:pic>
+      <p:sp>
+        <p:nvSpPr>
+          <p:cNvPr id="29" name="Title 1">
+            <a:extLst>
+              <a:ext uri="{FF2B5EF4-FFF2-40B4-BE49-F238E27FC236}">
+                <a16:creationId xmlns:a16="http://schemas.microsoft.com/office/drawing/2014/main" id="{FC52B765-3245-46C2-A95E-961CDCFC5708}"/>
+              </a:ext>
+            </a:extLst>
+          </p:cNvPr>
+          <p:cNvSpPr>
+            <a:spLocks noGrp="1"/>
+          </p:cNvSpPr>
+          <p:nvPr>
+            <p:ph type="title"/>
+          </p:nvPr>
+        </p:nvSpPr>
+        <p:spPr>
+          <a:xfrm>
+            <a:off x="0" y="9271"/>
+            <a:ext cx="8453438" cy="666551"/>
+          </a:xfrm>
+        </p:spPr>
+        <p:txBody>
+          <a:bodyPr/>
+          <a:lstStyle/>
+          <a:p>
+            <a:pPr algn="ctr"/>
+            <a:r>
+              <a:rPr lang="en-US" sz="3200" dirty="0"/>
+              <a:t>Analysis: Marital Status, Race</a:t>
+            </a:r>
+          </a:p>
+        </p:txBody>
+      </p:sp>
+      <p:pic>
+        <p:nvPicPr>
+          <p:cNvPr id="30" name="Picture 29">
+            <a:extLst>
+              <a:ext uri="{FF2B5EF4-FFF2-40B4-BE49-F238E27FC236}">
+                <a16:creationId xmlns:a16="http://schemas.microsoft.com/office/drawing/2014/main" id="{829B38C9-7181-4C8C-9E6A-8A54EC314A12}"/>
+              </a:ext>
+            </a:extLst>
+          </p:cNvPr>
+          <p:cNvPicPr>
+            <a:picLocks noChangeAspect="1"/>
+          </p:cNvPicPr>
+          <p:nvPr/>
+        </p:nvPicPr>
+        <p:blipFill>
+          <a:blip r:embed="rId4">
+            <a:extLst>
+              <a:ext uri="{28A0092B-C50C-407E-A947-70E740481C1C}">
+                <a14:useLocalDpi xmlns:a14="http://schemas.microsoft.com/office/drawing/2010/main" val="0"/>
+              </a:ext>
+            </a:extLst>
+          </a:blip>
+          <a:stretch>
+            <a:fillRect/>
+          </a:stretch>
+        </p:blipFill>
+        <p:spPr>
+          <a:xfrm>
+            <a:off x="3938588" y="1524000"/>
+            <a:ext cx="4495800" cy="2247900"/>
+          </a:xfrm>
+          <a:prstGeom prst="rect">
+            <a:avLst/>
+          </a:prstGeom>
+        </p:spPr>
+      </p:pic>
+      <p:pic>
+        <p:nvPicPr>
+          <p:cNvPr id="31" name="Picture 30">
+            <a:extLst>
+              <a:ext uri="{FF2B5EF4-FFF2-40B4-BE49-F238E27FC236}">
+                <a16:creationId xmlns:a16="http://schemas.microsoft.com/office/drawing/2014/main" id="{37497EE7-37B3-41A9-8E96-E48DCCE03DCB}"/>
+              </a:ext>
+            </a:extLst>
+          </p:cNvPr>
+          <p:cNvPicPr>
+            <a:picLocks noChangeAspect="1"/>
+          </p:cNvPicPr>
+          <p:nvPr/>
+        </p:nvPicPr>
+        <p:blipFill>
+          <a:blip r:embed="rId5">
+            <a:extLst>
+              <a:ext uri="{28A0092B-C50C-407E-A947-70E740481C1C}">
+                <a14:useLocalDpi xmlns:a14="http://schemas.microsoft.com/office/drawing/2010/main" val="0"/>
+              </a:ext>
+            </a:extLst>
+          </a:blip>
+          <a:stretch>
+            <a:fillRect/>
+          </a:stretch>
+        </p:blipFill>
+        <p:spPr>
+          <a:xfrm>
+            <a:off x="4009384" y="4151868"/>
+            <a:ext cx="4444054" cy="2222027"/>
+          </a:xfrm>
+          <a:prstGeom prst="rect">
+            <a:avLst/>
+          </a:prstGeom>
+        </p:spPr>
+      </p:pic>
+      <p:sp>
+        <p:nvSpPr>
+          <p:cNvPr id="32" name="Content Placeholder 2">
+            <a:extLst>
+              <a:ext uri="{FF2B5EF4-FFF2-40B4-BE49-F238E27FC236}">
+                <a16:creationId xmlns:a16="http://schemas.microsoft.com/office/drawing/2014/main" id="{36727AF8-565D-46BA-AB17-0FC16A9ABE02}"/>
+              </a:ext>
+            </a:extLst>
+          </p:cNvPr>
+          <p:cNvSpPr>
+            <a:spLocks noGrp="1"/>
+          </p:cNvSpPr>
+          <p:nvPr>
+            <p:ph idx="1"/>
+          </p:nvPr>
+        </p:nvSpPr>
+        <p:spPr>
+          <a:xfrm>
+            <a:off x="0" y="675822"/>
+            <a:ext cx="8113885" cy="1104495"/>
+          </a:xfrm>
+        </p:spPr>
+        <p:txBody>
+          <a:bodyPr>
+            <a:normAutofit fontScale="92500" lnSpcReduction="20000"/>
+          </a:bodyPr>
+          <a:lstStyle/>
+          <a:p>
+            <a:pPr marL="411480" lvl="1" indent="0">
+              <a:buNone/>
+            </a:pPr>
+            <a:r>
+              <a:rPr lang="en-US" dirty="0"/>
+              <a:t>We created stacked bar charts of School Enrollment and Education Level demographics for the Low Violent Crime Rate locations and the High Violent Crime Rate locations to see whether we observed any obvious trends or differences that might influence our inquiry.</a:t>
+            </a:r>
+          </a:p>
+          <a:p>
+            <a:pPr lvl="1"/>
+            <a:endParaRPr lang="en-US" dirty="0"/>
+          </a:p>
+          <a:p>
+            <a:pPr marL="411480" lvl="1" indent="0">
+              <a:buNone/>
+            </a:pPr>
+            <a:endParaRPr lang="en-US" dirty="0"/>
+          </a:p>
+          <a:p>
+            <a:pPr marL="411480" lvl="1" indent="0">
+              <a:buNone/>
+            </a:pPr>
+            <a:endParaRPr lang="en-US" dirty="0"/>
+          </a:p>
+          <a:p>
+            <a:pPr marL="411480" lvl="1" indent="0">
+              <a:buNone/>
+            </a:pPr>
+            <a:endParaRPr lang="en-US" dirty="0"/>
+          </a:p>
+          <a:p>
+            <a:pPr marL="411480" lvl="1" indent="0">
+              <a:buNone/>
+            </a:pPr>
+            <a:endParaRPr lang="en-US" dirty="0"/>
+          </a:p>
+        </p:txBody>
+      </p:sp>
+      <p:sp>
+        <p:nvSpPr>
+          <p:cNvPr id="33" name="Content Placeholder 2">
+            <a:extLst>
+              <a:ext uri="{FF2B5EF4-FFF2-40B4-BE49-F238E27FC236}">
+                <a16:creationId xmlns:a16="http://schemas.microsoft.com/office/drawing/2014/main" id="{0D4CFCF4-F84F-42AE-A6E7-B1F1CBF1A4A8}"/>
+              </a:ext>
+            </a:extLst>
+          </p:cNvPr>
+          <p:cNvSpPr txBox="1">
+            <a:spLocks/>
+          </p:cNvSpPr>
+          <p:nvPr/>
+        </p:nvSpPr>
+        <p:spPr>
+          <a:xfrm>
+            <a:off x="216116" y="3774457"/>
+            <a:ext cx="7732885" cy="330761"/>
+          </a:xfrm>
+          <a:prstGeom prst="rect">
+            <a:avLst/>
+          </a:prstGeom>
+        </p:spPr>
+        <p:txBody>
+          <a:bodyPr vert="horz" lIns="91440" tIns="45720" rIns="91440" bIns="45720" rtlCol="0">
+            <a:normAutofit/>
+          </a:bodyPr>
+          <a:lstStyle>
+            <a:lvl1pPr marL="342900" indent="-228600" algn="l" defTabSz="914400" rtl="0" eaLnBrk="1" latinLnBrk="0" hangingPunct="1">
+              <a:spcBef>
+                <a:spcPct val="20000"/>
+              </a:spcBef>
+              <a:buClr>
+                <a:schemeClr val="accent1"/>
+              </a:buClr>
+              <a:buFont typeface="Arial" pitchFamily="34" charset="0"/>
+              <a:buChar char="•"/>
+              <a:defRPr sz="2200" kern="1200">
+                <a:solidFill>
+                  <a:schemeClr val="tx1"/>
+                </a:solidFill>
+                <a:latin typeface="+mn-lt"/>
+                <a:ea typeface="+mn-ea"/>
+                <a:cs typeface="+mn-cs"/>
+              </a:defRPr>
+            </a:lvl1pPr>
+            <a:lvl2pPr marL="640080" indent="-228600" algn="l" defTabSz="914400" rtl="0" eaLnBrk="1" latinLnBrk="0" hangingPunct="1">
+              <a:spcBef>
+                <a:spcPct val="20000"/>
+              </a:spcBef>
+              <a:buClr>
+                <a:schemeClr val="accent2"/>
+              </a:buClr>
+              <a:buFont typeface="Arial" pitchFamily="34" charset="0"/>
+              <a:buChar char="•"/>
+              <a:defRPr sz="2000" kern="1200">
+                <a:solidFill>
+                  <a:schemeClr val="tx1"/>
+                </a:solidFill>
+                <a:latin typeface="+mn-lt"/>
+                <a:ea typeface="+mn-ea"/>
+                <a:cs typeface="+mn-cs"/>
+              </a:defRPr>
+            </a:lvl2pPr>
+            <a:lvl3pPr marL="1005840" indent="-228600" algn="l" defTabSz="914400" rtl="0" eaLnBrk="1" latinLnBrk="0" hangingPunct="1">
+              <a:spcBef>
+                <a:spcPct val="20000"/>
+              </a:spcBef>
+              <a:buClr>
+                <a:schemeClr val="accent3"/>
+              </a:buClr>
+              <a:buFont typeface="Arial" pitchFamily="34" charset="0"/>
+              <a:buChar char="•"/>
+              <a:defRPr sz="1800" kern="1200">
+                <a:solidFill>
+                  <a:schemeClr val="tx1"/>
+                </a:solidFill>
+                <a:latin typeface="+mn-lt"/>
+                <a:ea typeface="+mn-ea"/>
+                <a:cs typeface="+mn-cs"/>
+              </a:defRPr>
+            </a:lvl3pPr>
+            <a:lvl4pPr marL="1280160" indent="-228600" algn="l" defTabSz="914400" rtl="0" eaLnBrk="1" latinLnBrk="0" hangingPunct="1">
+              <a:spcBef>
+                <a:spcPct val="20000"/>
+              </a:spcBef>
+              <a:buClr>
+                <a:schemeClr val="accent4"/>
+              </a:buClr>
+              <a:buFont typeface="Arial" pitchFamily="34" charset="0"/>
+              <a:buChar char="•"/>
+              <a:defRPr sz="1600" kern="1200">
+                <a:solidFill>
+                  <a:schemeClr val="tx1"/>
+                </a:solidFill>
+                <a:latin typeface="+mn-lt"/>
+                <a:ea typeface="+mn-ea"/>
+                <a:cs typeface="+mn-cs"/>
+              </a:defRPr>
+            </a:lvl4pPr>
+            <a:lvl5pPr marL="1554480" indent="-228600" algn="l" defTabSz="914400" rtl="0" eaLnBrk="1" latinLnBrk="0" hangingPunct="1">
+              <a:spcBef>
+                <a:spcPct val="20000"/>
+              </a:spcBef>
+              <a:buClr>
+                <a:schemeClr val="accent5"/>
+              </a:buClr>
+              <a:buFont typeface="Arial" pitchFamily="34" charset="0"/>
+              <a:buChar char="•"/>
+              <a:defRPr sz="1400" kern="1200" baseline="0">
+                <a:solidFill>
+                  <a:schemeClr val="tx1"/>
+                </a:solidFill>
+                <a:latin typeface="+mn-lt"/>
+                <a:ea typeface="+mn-ea"/>
+                <a:cs typeface="+mn-cs"/>
+              </a:defRPr>
+            </a:lvl5pPr>
+            <a:lvl6pPr marL="1737360" indent="-182880" algn="l" defTabSz="914400" rtl="0" eaLnBrk="1" latinLnBrk="0" hangingPunct="1">
+              <a:spcBef>
+                <a:spcPct val="20000"/>
+              </a:spcBef>
+              <a:buClr>
+                <a:schemeClr val="accent1"/>
+              </a:buClr>
+              <a:buFont typeface="Arial" pitchFamily="34" charset="0"/>
+              <a:buChar char="•"/>
+              <a:defRPr sz="1400" kern="1200" baseline="0">
+                <a:solidFill>
+                  <a:schemeClr val="tx1"/>
+                </a:solidFill>
+                <a:latin typeface="+mn-lt"/>
+                <a:ea typeface="+mn-ea"/>
+                <a:cs typeface="+mn-cs"/>
+              </a:defRPr>
+            </a:lvl6pPr>
+            <a:lvl7pPr marL="1920240" indent="-182880" algn="l" defTabSz="914400" rtl="0" eaLnBrk="1" latinLnBrk="0" hangingPunct="1">
+              <a:spcBef>
+                <a:spcPct val="20000"/>
+              </a:spcBef>
+              <a:buClr>
+                <a:schemeClr val="accent2"/>
+              </a:buClr>
+              <a:buFont typeface="Arial" pitchFamily="34" charset="0"/>
+              <a:buChar char="•"/>
+              <a:defRPr sz="1400" kern="1200">
+                <a:solidFill>
+                  <a:schemeClr val="tx1"/>
+                </a:solidFill>
+                <a:latin typeface="+mn-lt"/>
+                <a:ea typeface="+mn-ea"/>
+                <a:cs typeface="+mn-cs"/>
+              </a:defRPr>
+            </a:lvl7pPr>
+            <a:lvl8pPr marL="2103120" indent="-182880" algn="l" defTabSz="914400" rtl="0" eaLnBrk="1" latinLnBrk="0" hangingPunct="1">
+              <a:spcBef>
+                <a:spcPct val="20000"/>
+              </a:spcBef>
+              <a:buClr>
+                <a:schemeClr val="accent3"/>
+              </a:buClr>
+              <a:buFont typeface="Arial" pitchFamily="34" charset="0"/>
+              <a:buChar char="•"/>
+              <a:defRPr sz="1400" kern="1200">
+                <a:solidFill>
+                  <a:schemeClr val="tx1"/>
+                </a:solidFill>
+                <a:latin typeface="+mn-lt"/>
+                <a:ea typeface="+mn-ea"/>
+                <a:cs typeface="+mn-cs"/>
+              </a:defRPr>
+            </a:lvl8pPr>
+            <a:lvl9pPr marL="2286000" indent="-182880" algn="l" defTabSz="914400" rtl="0" eaLnBrk="1" latinLnBrk="0" hangingPunct="1">
+              <a:spcBef>
+                <a:spcPct val="20000"/>
+              </a:spcBef>
+              <a:buClr>
+                <a:schemeClr val="accent4"/>
+              </a:buClr>
+              <a:buFont typeface="Arial" pitchFamily="34" charset="0"/>
+              <a:buChar char="•"/>
+              <a:defRPr sz="1400" kern="1200">
+                <a:solidFill>
+                  <a:schemeClr val="tx1"/>
+                </a:solidFill>
+                <a:latin typeface="+mn-lt"/>
+                <a:ea typeface="+mn-ea"/>
+                <a:cs typeface="+mn-cs"/>
+              </a:defRPr>
+            </a:lvl9pPr>
+          </a:lstStyle>
+          <a:p>
+            <a:pPr marL="411480" lvl="1" indent="0">
+              <a:buFont typeface="Arial" pitchFamily="34" charset="0"/>
+              <a:buNone/>
+            </a:pPr>
+            <a:r>
+              <a:rPr lang="en-US" sz="1400" dirty="0"/>
+              <a:t>     (low violent crime)                              Marital Status                    (high violent crime)</a:t>
+            </a:r>
+          </a:p>
+          <a:p>
+            <a:pPr marL="411480" lvl="1" indent="0">
+              <a:buFont typeface="Arial" pitchFamily="34" charset="0"/>
+              <a:buNone/>
+            </a:pPr>
+            <a:endParaRPr lang="en-US" sz="1800" dirty="0"/>
+          </a:p>
+          <a:p>
+            <a:pPr marL="411480" lvl="1" indent="0">
+              <a:buFont typeface="Arial" pitchFamily="34" charset="0"/>
+              <a:buNone/>
+            </a:pPr>
+            <a:endParaRPr lang="en-US" dirty="0"/>
+          </a:p>
+          <a:p>
+            <a:pPr marL="411480" lvl="1" indent="0">
+              <a:buFont typeface="Arial" pitchFamily="34" charset="0"/>
+              <a:buNone/>
+            </a:pPr>
+            <a:endParaRPr lang="en-US" dirty="0"/>
+          </a:p>
+          <a:p>
+            <a:pPr marL="411480" lvl="1" indent="0">
+              <a:buFont typeface="Arial" pitchFamily="34" charset="0"/>
+              <a:buNone/>
+            </a:pPr>
+            <a:endParaRPr lang="en-US" dirty="0"/>
+          </a:p>
+        </p:txBody>
+      </p:sp>
+      <p:sp>
+        <p:nvSpPr>
+          <p:cNvPr id="35" name="Content Placeholder 2">
+            <a:extLst>
+              <a:ext uri="{FF2B5EF4-FFF2-40B4-BE49-F238E27FC236}">
+                <a16:creationId xmlns:a16="http://schemas.microsoft.com/office/drawing/2014/main" id="{133B86E6-C73B-429E-BD2E-38C73486E358}"/>
+              </a:ext>
+            </a:extLst>
+          </p:cNvPr>
+          <p:cNvSpPr txBox="1">
+            <a:spLocks/>
+          </p:cNvSpPr>
+          <p:nvPr/>
+        </p:nvSpPr>
+        <p:spPr>
+          <a:xfrm>
+            <a:off x="360276" y="6402470"/>
+            <a:ext cx="7732885" cy="330761"/>
+          </a:xfrm>
+          <a:prstGeom prst="rect">
+            <a:avLst/>
+          </a:prstGeom>
+        </p:spPr>
+        <p:txBody>
+          <a:bodyPr vert="horz" lIns="91440" tIns="45720" rIns="91440" bIns="45720" rtlCol="0">
+            <a:normAutofit/>
+          </a:bodyPr>
+          <a:lstStyle>
+            <a:lvl1pPr marL="342900" indent="-228600" algn="l" defTabSz="914400" rtl="0" eaLnBrk="1" latinLnBrk="0" hangingPunct="1">
+              <a:spcBef>
+                <a:spcPct val="20000"/>
+              </a:spcBef>
+              <a:buClr>
+                <a:schemeClr val="accent1"/>
+              </a:buClr>
+              <a:buFont typeface="Arial" pitchFamily="34" charset="0"/>
+              <a:buChar char="•"/>
+              <a:defRPr sz="2200" kern="1200">
+                <a:solidFill>
+                  <a:schemeClr val="tx1"/>
+                </a:solidFill>
+                <a:latin typeface="+mn-lt"/>
+                <a:ea typeface="+mn-ea"/>
+                <a:cs typeface="+mn-cs"/>
+              </a:defRPr>
+            </a:lvl1pPr>
+            <a:lvl2pPr marL="640080" indent="-228600" algn="l" defTabSz="914400" rtl="0" eaLnBrk="1" latinLnBrk="0" hangingPunct="1">
+              <a:spcBef>
+                <a:spcPct val="20000"/>
+              </a:spcBef>
+              <a:buClr>
+                <a:schemeClr val="accent2"/>
+              </a:buClr>
+              <a:buFont typeface="Arial" pitchFamily="34" charset="0"/>
+              <a:buChar char="•"/>
+              <a:defRPr sz="2000" kern="1200">
+                <a:solidFill>
+                  <a:schemeClr val="tx1"/>
+                </a:solidFill>
+                <a:latin typeface="+mn-lt"/>
+                <a:ea typeface="+mn-ea"/>
+                <a:cs typeface="+mn-cs"/>
+              </a:defRPr>
+            </a:lvl2pPr>
+            <a:lvl3pPr marL="1005840" indent="-228600" algn="l" defTabSz="914400" rtl="0" eaLnBrk="1" latinLnBrk="0" hangingPunct="1">
+              <a:spcBef>
+                <a:spcPct val="20000"/>
+              </a:spcBef>
+              <a:buClr>
+                <a:schemeClr val="accent3"/>
+              </a:buClr>
+              <a:buFont typeface="Arial" pitchFamily="34" charset="0"/>
+              <a:buChar char="•"/>
+              <a:defRPr sz="1800" kern="1200">
+                <a:solidFill>
+                  <a:schemeClr val="tx1"/>
+                </a:solidFill>
+                <a:latin typeface="+mn-lt"/>
+                <a:ea typeface="+mn-ea"/>
+                <a:cs typeface="+mn-cs"/>
+              </a:defRPr>
+            </a:lvl3pPr>
+            <a:lvl4pPr marL="1280160" indent="-228600" algn="l" defTabSz="914400" rtl="0" eaLnBrk="1" latinLnBrk="0" hangingPunct="1">
+              <a:spcBef>
+                <a:spcPct val="20000"/>
+              </a:spcBef>
+              <a:buClr>
+                <a:schemeClr val="accent4"/>
+              </a:buClr>
+              <a:buFont typeface="Arial" pitchFamily="34" charset="0"/>
+              <a:buChar char="•"/>
+              <a:defRPr sz="1600" kern="1200">
+                <a:solidFill>
+                  <a:schemeClr val="tx1"/>
+                </a:solidFill>
+                <a:latin typeface="+mn-lt"/>
+                <a:ea typeface="+mn-ea"/>
+                <a:cs typeface="+mn-cs"/>
+              </a:defRPr>
+            </a:lvl4pPr>
+            <a:lvl5pPr marL="1554480" indent="-228600" algn="l" defTabSz="914400" rtl="0" eaLnBrk="1" latinLnBrk="0" hangingPunct="1">
+              <a:spcBef>
+                <a:spcPct val="20000"/>
+              </a:spcBef>
+              <a:buClr>
+                <a:schemeClr val="accent5"/>
+              </a:buClr>
+              <a:buFont typeface="Arial" pitchFamily="34" charset="0"/>
+              <a:buChar char="•"/>
+              <a:defRPr sz="1400" kern="1200" baseline="0">
+                <a:solidFill>
+                  <a:schemeClr val="tx1"/>
+                </a:solidFill>
+                <a:latin typeface="+mn-lt"/>
+                <a:ea typeface="+mn-ea"/>
+                <a:cs typeface="+mn-cs"/>
+              </a:defRPr>
+            </a:lvl5pPr>
+            <a:lvl6pPr marL="1737360" indent="-182880" algn="l" defTabSz="914400" rtl="0" eaLnBrk="1" latinLnBrk="0" hangingPunct="1">
+              <a:spcBef>
+                <a:spcPct val="20000"/>
+              </a:spcBef>
+              <a:buClr>
+                <a:schemeClr val="accent1"/>
+              </a:buClr>
+              <a:buFont typeface="Arial" pitchFamily="34" charset="0"/>
+              <a:buChar char="•"/>
+              <a:defRPr sz="1400" kern="1200" baseline="0">
+                <a:solidFill>
+                  <a:schemeClr val="tx1"/>
+                </a:solidFill>
+                <a:latin typeface="+mn-lt"/>
+                <a:ea typeface="+mn-ea"/>
+                <a:cs typeface="+mn-cs"/>
+              </a:defRPr>
+            </a:lvl6pPr>
+            <a:lvl7pPr marL="1920240" indent="-182880" algn="l" defTabSz="914400" rtl="0" eaLnBrk="1" latinLnBrk="0" hangingPunct="1">
+              <a:spcBef>
+                <a:spcPct val="20000"/>
+              </a:spcBef>
+              <a:buClr>
+                <a:schemeClr val="accent2"/>
+              </a:buClr>
+              <a:buFont typeface="Arial" pitchFamily="34" charset="0"/>
+              <a:buChar char="•"/>
+              <a:defRPr sz="1400" kern="1200">
+                <a:solidFill>
+                  <a:schemeClr val="tx1"/>
+                </a:solidFill>
+                <a:latin typeface="+mn-lt"/>
+                <a:ea typeface="+mn-ea"/>
+                <a:cs typeface="+mn-cs"/>
+              </a:defRPr>
+            </a:lvl7pPr>
+            <a:lvl8pPr marL="2103120" indent="-182880" algn="l" defTabSz="914400" rtl="0" eaLnBrk="1" latinLnBrk="0" hangingPunct="1">
+              <a:spcBef>
+                <a:spcPct val="20000"/>
+              </a:spcBef>
+              <a:buClr>
+                <a:schemeClr val="accent3"/>
+              </a:buClr>
+              <a:buFont typeface="Arial" pitchFamily="34" charset="0"/>
+              <a:buChar char="•"/>
+              <a:defRPr sz="1400" kern="1200">
+                <a:solidFill>
+                  <a:schemeClr val="tx1"/>
+                </a:solidFill>
+                <a:latin typeface="+mn-lt"/>
+                <a:ea typeface="+mn-ea"/>
+                <a:cs typeface="+mn-cs"/>
+              </a:defRPr>
+            </a:lvl8pPr>
+            <a:lvl9pPr marL="2286000" indent="-182880" algn="l" defTabSz="914400" rtl="0" eaLnBrk="1" latinLnBrk="0" hangingPunct="1">
+              <a:spcBef>
+                <a:spcPct val="20000"/>
+              </a:spcBef>
+              <a:buClr>
+                <a:schemeClr val="accent4"/>
+              </a:buClr>
+              <a:buFont typeface="Arial" pitchFamily="34" charset="0"/>
+              <a:buChar char="•"/>
+              <a:defRPr sz="1400" kern="1200">
+                <a:solidFill>
+                  <a:schemeClr val="tx1"/>
+                </a:solidFill>
+                <a:latin typeface="+mn-lt"/>
+                <a:ea typeface="+mn-ea"/>
+                <a:cs typeface="+mn-cs"/>
+              </a:defRPr>
+            </a:lvl9pPr>
+          </a:lstStyle>
+          <a:p>
+            <a:pPr marL="411480" lvl="1" indent="0">
+              <a:buFont typeface="Arial" pitchFamily="34" charset="0"/>
+              <a:buNone/>
+            </a:pPr>
+            <a:r>
+              <a:rPr lang="en-US" sz="1400" dirty="0"/>
+              <a:t>(low violent crime)                                       Race                             (high violent crime)</a:t>
+            </a:r>
+          </a:p>
+          <a:p>
+            <a:pPr marL="411480" lvl="1" indent="0">
+              <a:buFont typeface="Arial" pitchFamily="34" charset="0"/>
+              <a:buNone/>
+            </a:pPr>
+            <a:endParaRPr lang="en-US" sz="1800" dirty="0"/>
+          </a:p>
+          <a:p>
+            <a:pPr marL="411480" lvl="1" indent="0">
+              <a:buFont typeface="Arial" pitchFamily="34" charset="0"/>
+              <a:buNone/>
+            </a:pPr>
+            <a:endParaRPr lang="en-US" dirty="0"/>
+          </a:p>
+          <a:p>
+            <a:pPr marL="411480" lvl="1" indent="0">
+              <a:buFont typeface="Arial" pitchFamily="34" charset="0"/>
+              <a:buNone/>
+            </a:pPr>
+            <a:endParaRPr lang="en-US" dirty="0"/>
+          </a:p>
+          <a:p>
+            <a:pPr marL="411480" lvl="1" indent="0">
+              <a:buFont typeface="Arial" pitchFamily="34" charset="0"/>
+              <a:buNone/>
+            </a:pPr>
+            <a:endParaRPr lang="en-US" dirty="0"/>
+          </a:p>
+        </p:txBody>
+      </p:sp>
+    </p:spTree>
+    <p:extLst>
+      <p:ext uri="{BB962C8B-B14F-4D97-AF65-F5344CB8AC3E}">
+        <p14:creationId xmlns:p14="http://schemas.microsoft.com/office/powerpoint/2010/main" val="974027294"/>
+      </p:ext>
+    </p:extLst>
+  </p:cSld>
+  <p:clrMapOvr>
+    <a:masterClrMapping/>
+  </p:clrMapOvr>
+</p:sld>
+</file>
+
+<file path=ppt/slides/slide11.xml><?xml version="1.0" encoding="utf-8"?>
+<p:sld xmlns:a="http://schemas.openxmlformats.org/drawingml/2006/main" xmlns:r="http://schemas.openxmlformats.org/officeDocument/2006/relationships" xmlns:p="http://schemas.openxmlformats.org/presentationml/2006/main">
+  <p:cSld>
+    <p:spTree>
+      <p:nvGrpSpPr>
+        <p:cNvPr id="1" name=""/>
+        <p:cNvGrpSpPr/>
+        <p:nvPr/>
+      </p:nvGrpSpPr>
+      <p:grpSpPr>
+        <a:xfrm>
+          <a:off x="0" y="0"/>
+          <a:ext cx="0" cy="0"/>
+          <a:chOff x="0" y="0"/>
+          <a:chExt cx="0" cy="0"/>
+        </a:xfrm>
+      </p:grpSpPr>
+      <p:sp>
+        <p:nvSpPr>
+          <p:cNvPr id="5" name="Slide Number Placeholder 4"/>
+          <p:cNvSpPr>
+            <a:spLocks noGrp="1"/>
+          </p:cNvSpPr>
+          <p:nvPr>
+            <p:ph type="sldNum" sz="quarter" idx="12"/>
+          </p:nvPr>
+        </p:nvSpPr>
+        <p:spPr/>
+        <p:txBody>
+          <a:bodyPr/>
+          <a:lstStyle/>
+          <a:p>
+            <a:fld id="{489D000B-E6AD-40C2-AC67-BF5C54101F25}" type="slidenum">
+              <a:rPr lang="en-US" smtClean="0"/>
+              <a:pPr/>
+              <a:t>11</a:t>
+            </a:fld>
+            <a:endParaRPr lang="en-US"/>
+          </a:p>
+        </p:txBody>
+      </p:sp>
+      <p:sp>
+        <p:nvSpPr>
+          <p:cNvPr id="6" name="Footer Placeholder 3">
+            <a:extLst>
+              <a:ext uri="{FF2B5EF4-FFF2-40B4-BE49-F238E27FC236}">
+                <a16:creationId xmlns:a16="http://schemas.microsoft.com/office/drawing/2014/main" id="{48997D64-D687-4C64-BEF4-2346D4C6889D}"/>
+              </a:ext>
+            </a:extLst>
+          </p:cNvPr>
+          <p:cNvSpPr>
+            <a:spLocks noGrp="1"/>
+          </p:cNvSpPr>
+          <p:nvPr/>
+        </p:nvSpPr>
+        <p:spPr>
+          <a:xfrm rot="16200000">
+            <a:off x="6466839" y="2753361"/>
+            <a:ext cx="4653282" cy="365760"/>
+          </a:xfrm>
+          <a:prstGeom prst="rect">
+            <a:avLst/>
+          </a:prstGeom>
+        </p:spPr>
+        <p:txBody>
+          <a:bodyPr vert="horz" lIns="91440" tIns="45720" rIns="91440" bIns="45720" rtlCol="0" anchor="ctr"/>
+          <a:lstStyle>
+            <a:defPPr>
+              <a:defRPr lang="en-US"/>
+            </a:defPPr>
+            <a:lvl1pPr marL="0" algn="r" defTabSz="914400" rtl="0" eaLnBrk="1" latinLnBrk="0" hangingPunct="1">
+              <a:defRPr sz="1200" kern="1200">
+                <a:solidFill>
+                  <a:schemeClr val="bg2"/>
+                </a:solidFill>
+                <a:latin typeface="+mn-lt"/>
+                <a:ea typeface="+mn-ea"/>
+                <a:cs typeface="+mn-cs"/>
+              </a:defRPr>
+            </a:lvl1pPr>
+            <a:lvl2pPr marL="457200" algn="l" defTabSz="914400" rtl="0" eaLnBrk="1" latinLnBrk="0" hangingPunct="1">
+              <a:defRPr sz="1800" kern="1200">
+                <a:solidFill>
+                  <a:schemeClr val="tx1"/>
+                </a:solidFill>
+                <a:latin typeface="+mn-lt"/>
+                <a:ea typeface="+mn-ea"/>
+                <a:cs typeface="+mn-cs"/>
+              </a:defRPr>
+            </a:lvl2pPr>
+            <a:lvl3pPr marL="914400" algn="l" defTabSz="914400" rtl="0" eaLnBrk="1" latinLnBrk="0" hangingPunct="1">
+              <a:defRPr sz="1800" kern="1200">
+                <a:solidFill>
+                  <a:schemeClr val="tx1"/>
+                </a:solidFill>
+                <a:latin typeface="+mn-lt"/>
+                <a:ea typeface="+mn-ea"/>
+                <a:cs typeface="+mn-cs"/>
+              </a:defRPr>
+            </a:lvl3pPr>
+            <a:lvl4pPr marL="1371600" algn="l" defTabSz="914400" rtl="0" eaLnBrk="1" latinLnBrk="0" hangingPunct="1">
+              <a:defRPr sz="1800" kern="1200">
+                <a:solidFill>
+                  <a:schemeClr val="tx1"/>
+                </a:solidFill>
+                <a:latin typeface="+mn-lt"/>
+                <a:ea typeface="+mn-ea"/>
+                <a:cs typeface="+mn-cs"/>
+              </a:defRPr>
+            </a:lvl4pPr>
+            <a:lvl5pPr marL="1828800" algn="l" defTabSz="914400" rtl="0" eaLnBrk="1" latinLnBrk="0" hangingPunct="1">
+              <a:defRPr sz="1800" kern="1200">
+                <a:solidFill>
+                  <a:schemeClr val="tx1"/>
+                </a:solidFill>
+                <a:latin typeface="+mn-lt"/>
+                <a:ea typeface="+mn-ea"/>
+                <a:cs typeface="+mn-cs"/>
+              </a:defRPr>
+            </a:lvl5pPr>
+            <a:lvl6pPr marL="2286000" algn="l" defTabSz="914400" rtl="0" eaLnBrk="1" latinLnBrk="0" hangingPunct="1">
+              <a:defRPr sz="1800" kern="1200">
+                <a:solidFill>
+                  <a:schemeClr val="tx1"/>
+                </a:solidFill>
+                <a:latin typeface="+mn-lt"/>
+                <a:ea typeface="+mn-ea"/>
+                <a:cs typeface="+mn-cs"/>
+              </a:defRPr>
+            </a:lvl6pPr>
+            <a:lvl7pPr marL="2743200" algn="l" defTabSz="914400" rtl="0" eaLnBrk="1" latinLnBrk="0" hangingPunct="1">
+              <a:defRPr sz="1800" kern="1200">
+                <a:solidFill>
+                  <a:schemeClr val="tx1"/>
+                </a:solidFill>
+                <a:latin typeface="+mn-lt"/>
+                <a:ea typeface="+mn-ea"/>
+                <a:cs typeface="+mn-cs"/>
+              </a:defRPr>
+            </a:lvl7pPr>
+            <a:lvl8pPr marL="3200400" algn="l" defTabSz="914400" rtl="0" eaLnBrk="1" latinLnBrk="0" hangingPunct="1">
+              <a:defRPr sz="1800" kern="1200">
+                <a:solidFill>
+                  <a:schemeClr val="tx1"/>
+                </a:solidFill>
+                <a:latin typeface="+mn-lt"/>
+                <a:ea typeface="+mn-ea"/>
+                <a:cs typeface="+mn-cs"/>
+              </a:defRPr>
+            </a:lvl8pPr>
+            <a:lvl9pPr marL="3657600" algn="l" defTabSz="914400" rtl="0" eaLnBrk="1" latinLnBrk="0" hangingPunct="1">
+              <a:defRPr sz="1800" kern="1200">
+                <a:solidFill>
+                  <a:schemeClr val="tx1"/>
+                </a:solidFill>
+                <a:latin typeface="+mn-lt"/>
+                <a:ea typeface="+mn-ea"/>
+                <a:cs typeface="+mn-cs"/>
+              </a:defRPr>
+            </a:lvl9pPr>
+          </a:lstStyle>
+          <a:p>
+            <a:pPr algn="l"/>
+            <a:r>
+              <a:rPr lang="en-US" dirty="0">
+                <a:solidFill>
+                  <a:schemeClr val="bg1"/>
+                </a:solidFill>
+              </a:rPr>
+              <a:t>The Relationship Between Demographics &amp; Violent crime in the US</a:t>
+            </a:r>
+          </a:p>
+          <a:p>
+            <a:pPr algn="l"/>
+            <a:r>
+              <a:rPr lang="en-US" dirty="0" err="1">
+                <a:solidFill>
+                  <a:schemeClr val="bg1"/>
+                </a:solidFill>
+              </a:rPr>
+              <a:t>Temidayo</a:t>
+            </a:r>
+            <a:r>
+              <a:rPr lang="en-US" dirty="0">
+                <a:solidFill>
+                  <a:schemeClr val="bg1"/>
+                </a:solidFill>
+              </a:rPr>
+              <a:t> </a:t>
+            </a:r>
+            <a:r>
+              <a:rPr lang="en-US" dirty="0" err="1">
+                <a:solidFill>
+                  <a:schemeClr val="bg1"/>
+                </a:solidFill>
+              </a:rPr>
+              <a:t>Akinsanya</a:t>
+            </a:r>
+            <a:endParaRPr lang="en-US" dirty="0">
+              <a:solidFill>
+                <a:schemeClr val="bg1"/>
+              </a:solidFill>
+            </a:endParaRPr>
+          </a:p>
+          <a:p>
+            <a:pPr algn="l"/>
+            <a:r>
+              <a:rPr lang="en-US" dirty="0">
+                <a:solidFill>
+                  <a:schemeClr val="bg1"/>
+                </a:solidFill>
+              </a:rPr>
+              <a:t>Cheryl Johnson</a:t>
+            </a:r>
+          </a:p>
+        </p:txBody>
+      </p:sp>
+      <p:pic>
+        <p:nvPicPr>
           <p:cNvPr id="9" name="Picture 8">
             <a:extLst>
               <a:ext uri="{FF2B5EF4-FFF2-40B4-BE49-F238E27FC236}">
@@ -5228,7 +6168,7 @@
 </p:sld>
 </file>
 
-<file path=ppt/slides/slide11.xml><?xml version="1.0" encoding="utf-8"?>
+<file path=ppt/slides/slide12.xml><?xml version="1.0" encoding="utf-8"?>
 <p:sld xmlns:a="http://schemas.openxmlformats.org/drawingml/2006/main" xmlns:r="http://schemas.openxmlformats.org/officeDocument/2006/relationships" xmlns:p="http://schemas.openxmlformats.org/presentationml/2006/main">
   <p:cSld>
     <p:spTree>
@@ -5371,7 +6311,7 @@
             <a:fld id="{489D000B-E6AD-40C2-AC67-BF5C54101F25}" type="slidenum">
               <a:rPr lang="en-US" smtClean="0"/>
               <a:pPr/>
-              <a:t>11</a:t>
+              <a:t>12</a:t>
             </a:fld>
             <a:endParaRPr lang="en-US"/>
           </a:p>
@@ -5566,7 +6506,7 @@
 </p:sld>
 </file>
 
-<file path=ppt/slides/slide12.xml><?xml version="1.0" encoding="utf-8"?>
+<file path=ppt/slides/slide13.xml><?xml version="1.0" encoding="utf-8"?>
 <p:sld xmlns:a="http://schemas.openxmlformats.org/drawingml/2006/main" xmlns:r="http://schemas.openxmlformats.org/officeDocument/2006/relationships" xmlns:p="http://schemas.openxmlformats.org/presentationml/2006/main">
   <p:cSld>
     <p:spTree>
@@ -5721,7 +6661,7 @@
             <a:fld id="{489D000B-E6AD-40C2-AC67-BF5C54101F25}" type="slidenum">
               <a:rPr lang="en-US" smtClean="0"/>
               <a:pPr/>
-              <a:t>12</a:t>
+              <a:t>13</a:t>
             </a:fld>
             <a:endParaRPr lang="en-US"/>
           </a:p>
@@ -6329,7 +7269,7 @@
 </p:sld>
 </file>
 
-<file path=ppt/slides/slide13.xml><?xml version="1.0" encoding="utf-8"?>
+<file path=ppt/slides/slide14.xml><?xml version="1.0" encoding="utf-8"?>
 <p:sld xmlns:a="http://schemas.openxmlformats.org/drawingml/2006/main" xmlns:r="http://schemas.openxmlformats.org/officeDocument/2006/relationships" xmlns:p="http://schemas.openxmlformats.org/presentationml/2006/main">
   <p:cSld>
     <p:spTree>
@@ -6416,7 +7356,7 @@
             <a:fld id="{489D000B-E6AD-40C2-AC67-BF5C54101F25}" type="slidenum">
               <a:rPr lang="en-US" smtClean="0"/>
               <a:pPr/>
-              <a:t>13</a:t>
+              <a:t>14</a:t>
             </a:fld>
             <a:endParaRPr lang="en-US"/>
           </a:p>
@@ -6825,7 +7765,7 @@
 </p:sld>
 </file>
 
-<file path=ppt/slides/slide14.xml><?xml version="1.0" encoding="utf-8"?>
+<file path=ppt/slides/slide15.xml><?xml version="1.0" encoding="utf-8"?>
 <p:sld xmlns:a="http://schemas.openxmlformats.org/drawingml/2006/main" xmlns:r="http://schemas.openxmlformats.org/officeDocument/2006/relationships" xmlns:p="http://schemas.openxmlformats.org/presentationml/2006/main">
   <p:cSld>
     <p:spTree>
@@ -6865,7 +7805,7 @@
             <a:fld id="{489D000B-E6AD-40C2-AC67-BF5C54101F25}" type="slidenum">
               <a:rPr lang="en-US" smtClean="0"/>
               <a:pPr/>
-              <a:t>14</a:t>
+              <a:t>15</a:t>
             </a:fld>
             <a:endParaRPr lang="en-US"/>
           </a:p>
@@ -7441,7 +8381,7 @@
 </p:sld>
 </file>
 
-<file path=ppt/slides/slide15.xml><?xml version="1.0" encoding="utf-8"?>
+<file path=ppt/slides/slide16.xml><?xml version="1.0" encoding="utf-8"?>
 <p:sld xmlns:a="http://schemas.openxmlformats.org/drawingml/2006/main" xmlns:r="http://schemas.openxmlformats.org/officeDocument/2006/relationships" xmlns:p="http://schemas.openxmlformats.org/presentationml/2006/main">
   <p:cSld>
     <p:spTree>
@@ -7476,7 +8416,7 @@
             <a:fld id="{489D000B-E6AD-40C2-AC67-BF5C54101F25}" type="slidenum">
               <a:rPr lang="en-US" smtClean="0"/>
               <a:pPr/>
-              <a:t>15</a:t>
+              <a:t>16</a:t>
             </a:fld>
             <a:endParaRPr lang="en-US"/>
           </a:p>
@@ -7657,7 +8597,7 @@
           <p:spPr>
             <a:xfrm>
               <a:off x="3466972" y="2514600"/>
-              <a:ext cx="952628" cy="581834"/>
+              <a:ext cx="500319" cy="581834"/>
             </a:xfrm>
             <a:prstGeom prst="rect">
               <a:avLst/>
@@ -7958,7 +8898,7 @@
 </p:sld>
 </file>
 
-<file path=ppt/slides/slide16.xml><?xml version="1.0" encoding="utf-8"?>
+<file path=ppt/slides/slide17.xml><?xml version="1.0" encoding="utf-8"?>
 <p:sld xmlns:a="http://schemas.openxmlformats.org/drawingml/2006/main" xmlns:r="http://schemas.openxmlformats.org/officeDocument/2006/relationships" xmlns:p="http://schemas.openxmlformats.org/presentationml/2006/main">
   <p:cSld>
     <p:spTree>
@@ -7993,7 +8933,7 @@
             <a:fld id="{489D000B-E6AD-40C2-AC67-BF5C54101F25}" type="slidenum">
               <a:rPr lang="en-US" smtClean="0"/>
               <a:pPr/>
-              <a:t>16</a:t>
+              <a:t>17</a:t>
             </a:fld>
             <a:endParaRPr lang="en-US"/>
           </a:p>
@@ -8313,486 +9253,6 @@
 </p:sld>
 </file>
 
-<file path=ppt/slides/slide17.xml><?xml version="1.0" encoding="utf-8"?>
-<p:sld xmlns:a="http://schemas.openxmlformats.org/drawingml/2006/main" xmlns:r="http://schemas.openxmlformats.org/officeDocument/2006/relationships" xmlns:p="http://schemas.openxmlformats.org/presentationml/2006/main">
-  <p:cSld>
-    <p:spTree>
-      <p:nvGrpSpPr>
-        <p:cNvPr id="1" name=""/>
-        <p:cNvGrpSpPr/>
-        <p:nvPr/>
-      </p:nvGrpSpPr>
-      <p:grpSpPr>
-        <a:xfrm>
-          <a:off x="0" y="0"/>
-          <a:ext cx="0" cy="0"/>
-          <a:chOff x="0" y="0"/>
-          <a:chExt cx="0" cy="0"/>
-        </a:xfrm>
-      </p:grpSpPr>
-      <p:sp>
-        <p:nvSpPr>
-          <p:cNvPr id="2" name="Title 1"/>
-          <p:cNvSpPr>
-            <a:spLocks noGrp="1"/>
-          </p:cNvSpPr>
-          <p:nvPr>
-            <p:ph type="title"/>
-          </p:nvPr>
-        </p:nvSpPr>
-        <p:spPr>
-          <a:xfrm>
-            <a:off x="304800" y="57150"/>
-            <a:ext cx="7620000" cy="1143000"/>
-          </a:xfrm>
-        </p:spPr>
-        <p:txBody>
-          <a:bodyPr/>
-          <a:lstStyle/>
-          <a:p>
-            <a:r>
-              <a:rPr lang="en-US" sz="4000" dirty="0"/>
-              <a:t>Conclusions</a:t>
-            </a:r>
-          </a:p>
-        </p:txBody>
-      </p:sp>
-      <p:sp>
-        <p:nvSpPr>
-          <p:cNvPr id="3" name="Content Placeholder 2"/>
-          <p:cNvSpPr>
-            <a:spLocks noGrp="1"/>
-          </p:cNvSpPr>
-          <p:nvPr>
-            <p:ph idx="1"/>
-          </p:nvPr>
-        </p:nvSpPr>
-        <p:spPr>
-          <a:xfrm>
-            <a:off x="304800" y="914400"/>
-            <a:ext cx="7620000" cy="3352800"/>
-          </a:xfrm>
-        </p:spPr>
-        <p:txBody>
-          <a:bodyPr>
-            <a:normAutofit fontScale="40000" lnSpcReduction="20000"/>
-          </a:bodyPr>
-          <a:lstStyle/>
-          <a:p>
-            <a:r>
-              <a:rPr lang="en-US" dirty="0"/>
-              <a:t>Based on our Analysis, our findings are:</a:t>
-            </a:r>
-          </a:p>
-          <a:p>
-            <a:pPr lvl="1"/>
-            <a:endParaRPr lang="en-US" dirty="0"/>
-          </a:p>
-          <a:p>
-            <a:r>
-              <a:rPr lang="en-US" dirty="0"/>
-              <a:t>1) Education</a:t>
-            </a:r>
-            <a:br>
-              <a:rPr lang="en-US" dirty="0"/>
-            </a:br>
-            <a:r>
-              <a:rPr lang="en-US" dirty="0"/>
-              <a:t>There is more advanced education in the lowest violent crime locations than the highest violent crime locations and steep decline of 60% from </a:t>
-            </a:r>
-            <a:r>
-              <a:rPr lang="en-US" dirty="0" err="1"/>
-              <a:t>asscociates</a:t>
-            </a:r>
-            <a:r>
-              <a:rPr lang="en-US" dirty="0"/>
-              <a:t> to bachelors degree holders in the highest violent crime cities.</a:t>
-            </a:r>
-            <a:br>
-              <a:rPr lang="en-US" dirty="0"/>
-            </a:br>
-            <a:r>
-              <a:rPr lang="en-US" dirty="0"/>
-              <a:t>This shows that improving education attainment or equipping residents with trade skills can contribute to them </a:t>
-            </a:r>
-            <a:r>
-              <a:rPr lang="en-US" dirty="0" err="1"/>
-              <a:t>dding</a:t>
-            </a:r>
-            <a:r>
-              <a:rPr lang="en-US" dirty="0"/>
-              <a:t> value to the workforce thereby lowering unemployment and possibly violent crime.</a:t>
-            </a:r>
-            <a:br>
-              <a:rPr lang="en-US" dirty="0"/>
-            </a:br>
-            <a:r>
-              <a:rPr lang="en-US" dirty="0"/>
-              <a:t>2) School Enrollment</a:t>
-            </a:r>
-            <a:br>
-              <a:rPr lang="en-US" dirty="0"/>
-            </a:br>
-            <a:r>
-              <a:rPr lang="en-US" dirty="0" err="1"/>
-              <a:t>Enrollment</a:t>
-            </a:r>
-            <a:r>
-              <a:rPr lang="en-US" dirty="0"/>
-              <a:t> in N-12 education has no relationship with the level of violent crime a location has. However, perhaps the quality of education may tell a different story and possibly contribute to the lack of education beyond an Associates degree.</a:t>
-            </a:r>
-            <a:br>
-              <a:rPr lang="en-US" dirty="0"/>
-            </a:br>
-            <a:r>
-              <a:rPr lang="en-US" dirty="0"/>
-              <a:t>3) Marital Status</a:t>
-            </a:r>
-            <a:br>
-              <a:rPr lang="en-US" dirty="0"/>
-            </a:br>
-            <a:r>
-              <a:rPr lang="en-US" dirty="0"/>
-              <a:t>The lowest violent crime locations had more married residents than non married residents while the opposite is true for the highest crime violent locations. It appears that marriage seem to be the have a significant impact in the level of violent crime of a location.</a:t>
-            </a:r>
-            <a:br>
-              <a:rPr lang="en-US" dirty="0"/>
-            </a:br>
-            <a:r>
-              <a:rPr lang="en-US" dirty="0"/>
-              <a:t>Encouraging healthy and stable </a:t>
-            </a:r>
-            <a:r>
-              <a:rPr lang="en-US" dirty="0" err="1"/>
-              <a:t>marraiges</a:t>
-            </a:r>
-            <a:r>
-              <a:rPr lang="en-US" dirty="0"/>
-              <a:t> can perhaps yield tangible benefits in efforts to reduce violent crimes in cities across the nation.</a:t>
-            </a:r>
-            <a:br>
-              <a:rPr lang="en-US" dirty="0"/>
-            </a:br>
-            <a:r>
-              <a:rPr lang="en-US" dirty="0"/>
-              <a:t>4) Race</a:t>
-            </a:r>
-            <a:br>
-              <a:rPr lang="en-US" dirty="0"/>
-            </a:br>
-            <a:r>
-              <a:rPr lang="en-US" dirty="0"/>
-              <a:t>There are more </a:t>
-            </a:r>
-            <a:r>
-              <a:rPr lang="en-US" dirty="0" err="1"/>
-              <a:t>monirities</a:t>
-            </a:r>
-            <a:r>
-              <a:rPr lang="en-US" dirty="0"/>
-              <a:t> in the highest violent crime locations than in the lowest violent crime locations. The lowest violent crime locations are over 75% White. </a:t>
-            </a:r>
-            <a:br>
-              <a:rPr lang="en-US" dirty="0"/>
-            </a:br>
-            <a:r>
-              <a:rPr lang="en-US" dirty="0"/>
-              <a:t>5) Unemployment</a:t>
-            </a:r>
-            <a:br>
-              <a:rPr lang="en-US" dirty="0"/>
-            </a:br>
-            <a:r>
-              <a:rPr lang="en-US" dirty="0"/>
-              <a:t>The lowest violent crime locations on average have unemployment rate that is within the Federal Reserve's range of ideal unemployment rate of 3.5%-4.5%. While, the highest violent crime rate locations are on average, 3% </a:t>
-            </a:r>
-            <a:r>
-              <a:rPr lang="en-US" dirty="0" err="1"/>
-              <a:t>highe</a:t>
-            </a:r>
-            <a:r>
-              <a:rPr lang="en-US" dirty="0"/>
-              <a:t> than the ideal.</a:t>
-            </a:r>
-            <a:br>
-              <a:rPr lang="en-US" dirty="0"/>
-            </a:br>
-            <a:r>
-              <a:rPr lang="en-US" dirty="0"/>
-              <a:t>While the </a:t>
-            </a:r>
-            <a:r>
-              <a:rPr lang="en-US" dirty="0" err="1"/>
-              <a:t>unemplyment</a:t>
-            </a:r>
-            <a:r>
-              <a:rPr lang="en-US" dirty="0"/>
-              <a:t> rate is higher for the highest crime rate locations, it does not have a correlation to violent crime because there are indeed ideal unemployment locations with the highest violent crime as there are above ideal unemployment locations with the lowest violent crime.</a:t>
-            </a:r>
-            <a:br>
-              <a:rPr lang="en-US" dirty="0"/>
-            </a:br>
-            <a:r>
-              <a:rPr lang="en-US" dirty="0"/>
-              <a:t>6) Income</a:t>
-            </a:r>
-            <a:br>
-              <a:rPr lang="en-US" dirty="0"/>
-            </a:br>
-            <a:r>
-              <a:rPr lang="en-US" dirty="0"/>
-              <a:t>The highest violent crime locations have on average lower median income than the lowest violent crime locations.</a:t>
-            </a:r>
-            <a:br>
-              <a:rPr lang="en-US" dirty="0"/>
-            </a:br>
-            <a:r>
-              <a:rPr lang="en-US" dirty="0"/>
-              <a:t>Although there is an inverse correlation between median income and violent crime in the highest violent crime locations, low income itself does not mean high violent crime as the inverse </a:t>
-            </a:r>
-            <a:r>
-              <a:rPr lang="en-US" dirty="0" err="1"/>
-              <a:t>correlaton</a:t>
-            </a:r>
-            <a:r>
-              <a:rPr lang="en-US" dirty="0"/>
-              <a:t> is 25% with the lowest violent crime locations.</a:t>
-            </a:r>
-            <a:br>
-              <a:rPr lang="en-US" dirty="0"/>
-            </a:br>
-            <a:r>
-              <a:rPr lang="en-US" dirty="0"/>
-              <a:t>Since there are indeed lowest violent crime locations with median income </a:t>
-            </a:r>
-            <a:r>
-              <a:rPr lang="en-US" dirty="0" err="1"/>
-              <a:t>thta</a:t>
-            </a:r>
-            <a:r>
-              <a:rPr lang="en-US" dirty="0"/>
-              <a:t> is lower than some highest violent crime locations, low income on its own can not be attributed to violent crime.</a:t>
-            </a:r>
-            <a:br>
-              <a:rPr lang="en-US" dirty="0"/>
-            </a:br>
-            <a:endParaRPr lang="en-US" dirty="0"/>
-          </a:p>
-        </p:txBody>
-      </p:sp>
-      <p:sp>
-        <p:nvSpPr>
-          <p:cNvPr id="5" name="Slide Number Placeholder 4"/>
-          <p:cNvSpPr>
-            <a:spLocks noGrp="1"/>
-          </p:cNvSpPr>
-          <p:nvPr>
-            <p:ph type="sldNum" sz="quarter" idx="12"/>
-          </p:nvPr>
-        </p:nvSpPr>
-        <p:spPr/>
-        <p:txBody>
-          <a:bodyPr/>
-          <a:lstStyle/>
-          <a:p>
-            <a:fld id="{489D000B-E6AD-40C2-AC67-BF5C54101F25}" type="slidenum">
-              <a:rPr lang="en-US" smtClean="0"/>
-              <a:pPr/>
-              <a:t>17</a:t>
-            </a:fld>
-            <a:endParaRPr lang="en-US"/>
-          </a:p>
-        </p:txBody>
-      </p:sp>
-      <p:sp>
-        <p:nvSpPr>
-          <p:cNvPr id="6" name="Footer Placeholder 3">
-            <a:extLst>
-              <a:ext uri="{FF2B5EF4-FFF2-40B4-BE49-F238E27FC236}">
-                <a16:creationId xmlns:a16="http://schemas.microsoft.com/office/drawing/2014/main" id="{F466B1E7-37A8-4685-BAFF-DFA6B3405B62}"/>
-              </a:ext>
-            </a:extLst>
-          </p:cNvPr>
-          <p:cNvSpPr>
-            <a:spLocks noGrp="1"/>
-          </p:cNvSpPr>
-          <p:nvPr/>
-        </p:nvSpPr>
-        <p:spPr>
-          <a:xfrm rot="16200000">
-            <a:off x="6466839" y="2753361"/>
-            <a:ext cx="4653282" cy="365760"/>
-          </a:xfrm>
-          <a:prstGeom prst="rect">
-            <a:avLst/>
-          </a:prstGeom>
-        </p:spPr>
-        <p:txBody>
-          <a:bodyPr vert="horz" lIns="91440" tIns="45720" rIns="91440" bIns="45720" rtlCol="0" anchor="ctr"/>
-          <a:lstStyle>
-            <a:defPPr>
-              <a:defRPr lang="en-US"/>
-            </a:defPPr>
-            <a:lvl1pPr marL="0" algn="r" defTabSz="914400" rtl="0" eaLnBrk="1" latinLnBrk="0" hangingPunct="1">
-              <a:defRPr sz="1200" kern="1200">
-                <a:solidFill>
-                  <a:schemeClr val="bg2"/>
-                </a:solidFill>
-                <a:latin typeface="+mn-lt"/>
-                <a:ea typeface="+mn-ea"/>
-                <a:cs typeface="+mn-cs"/>
-              </a:defRPr>
-            </a:lvl1pPr>
-            <a:lvl2pPr marL="457200" algn="l" defTabSz="914400" rtl="0" eaLnBrk="1" latinLnBrk="0" hangingPunct="1">
-              <a:defRPr sz="1800" kern="1200">
-                <a:solidFill>
-                  <a:schemeClr val="tx1"/>
-                </a:solidFill>
-                <a:latin typeface="+mn-lt"/>
-                <a:ea typeface="+mn-ea"/>
-                <a:cs typeface="+mn-cs"/>
-              </a:defRPr>
-            </a:lvl2pPr>
-            <a:lvl3pPr marL="914400" algn="l" defTabSz="914400" rtl="0" eaLnBrk="1" latinLnBrk="0" hangingPunct="1">
-              <a:defRPr sz="1800" kern="1200">
-                <a:solidFill>
-                  <a:schemeClr val="tx1"/>
-                </a:solidFill>
-                <a:latin typeface="+mn-lt"/>
-                <a:ea typeface="+mn-ea"/>
-                <a:cs typeface="+mn-cs"/>
-              </a:defRPr>
-            </a:lvl3pPr>
-            <a:lvl4pPr marL="1371600" algn="l" defTabSz="914400" rtl="0" eaLnBrk="1" latinLnBrk="0" hangingPunct="1">
-              <a:defRPr sz="1800" kern="1200">
-                <a:solidFill>
-                  <a:schemeClr val="tx1"/>
-                </a:solidFill>
-                <a:latin typeface="+mn-lt"/>
-                <a:ea typeface="+mn-ea"/>
-                <a:cs typeface="+mn-cs"/>
-              </a:defRPr>
-            </a:lvl4pPr>
-            <a:lvl5pPr marL="1828800" algn="l" defTabSz="914400" rtl="0" eaLnBrk="1" latinLnBrk="0" hangingPunct="1">
-              <a:defRPr sz="1800" kern="1200">
-                <a:solidFill>
-                  <a:schemeClr val="tx1"/>
-                </a:solidFill>
-                <a:latin typeface="+mn-lt"/>
-                <a:ea typeface="+mn-ea"/>
-                <a:cs typeface="+mn-cs"/>
-              </a:defRPr>
-            </a:lvl5pPr>
-            <a:lvl6pPr marL="2286000" algn="l" defTabSz="914400" rtl="0" eaLnBrk="1" latinLnBrk="0" hangingPunct="1">
-              <a:defRPr sz="1800" kern="1200">
-                <a:solidFill>
-                  <a:schemeClr val="tx1"/>
-                </a:solidFill>
-                <a:latin typeface="+mn-lt"/>
-                <a:ea typeface="+mn-ea"/>
-                <a:cs typeface="+mn-cs"/>
-              </a:defRPr>
-            </a:lvl6pPr>
-            <a:lvl7pPr marL="2743200" algn="l" defTabSz="914400" rtl="0" eaLnBrk="1" latinLnBrk="0" hangingPunct="1">
-              <a:defRPr sz="1800" kern="1200">
-                <a:solidFill>
-                  <a:schemeClr val="tx1"/>
-                </a:solidFill>
-                <a:latin typeface="+mn-lt"/>
-                <a:ea typeface="+mn-ea"/>
-                <a:cs typeface="+mn-cs"/>
-              </a:defRPr>
-            </a:lvl7pPr>
-            <a:lvl8pPr marL="3200400" algn="l" defTabSz="914400" rtl="0" eaLnBrk="1" latinLnBrk="0" hangingPunct="1">
-              <a:defRPr sz="1800" kern="1200">
-                <a:solidFill>
-                  <a:schemeClr val="tx1"/>
-                </a:solidFill>
-                <a:latin typeface="+mn-lt"/>
-                <a:ea typeface="+mn-ea"/>
-                <a:cs typeface="+mn-cs"/>
-              </a:defRPr>
-            </a:lvl8pPr>
-            <a:lvl9pPr marL="3657600" algn="l" defTabSz="914400" rtl="0" eaLnBrk="1" latinLnBrk="0" hangingPunct="1">
-              <a:defRPr sz="1800" kern="1200">
-                <a:solidFill>
-                  <a:schemeClr val="tx1"/>
-                </a:solidFill>
-                <a:latin typeface="+mn-lt"/>
-                <a:ea typeface="+mn-ea"/>
-                <a:cs typeface="+mn-cs"/>
-              </a:defRPr>
-            </a:lvl9pPr>
-          </a:lstStyle>
-          <a:p>
-            <a:pPr algn="l"/>
-            <a:r>
-              <a:rPr lang="en-US" dirty="0">
-                <a:solidFill>
-                  <a:schemeClr val="bg1"/>
-                </a:solidFill>
-              </a:rPr>
-              <a:t>The Relationship Between Demographics &amp; Violent crime in the US</a:t>
-            </a:r>
-          </a:p>
-          <a:p>
-            <a:pPr algn="l"/>
-            <a:r>
-              <a:rPr lang="en-US" dirty="0" err="1">
-                <a:solidFill>
-                  <a:schemeClr val="bg1"/>
-                </a:solidFill>
-              </a:rPr>
-              <a:t>Temidayo</a:t>
-            </a:r>
-            <a:r>
-              <a:rPr lang="en-US" dirty="0">
-                <a:solidFill>
-                  <a:schemeClr val="bg1"/>
-                </a:solidFill>
-              </a:rPr>
-              <a:t> </a:t>
-            </a:r>
-            <a:r>
-              <a:rPr lang="en-US" dirty="0" err="1">
-                <a:solidFill>
-                  <a:schemeClr val="bg1"/>
-                </a:solidFill>
-              </a:rPr>
-              <a:t>Akinsanya</a:t>
-            </a:r>
-            <a:endParaRPr lang="en-US" dirty="0">
-              <a:solidFill>
-                <a:schemeClr val="bg1"/>
-              </a:solidFill>
-            </a:endParaRPr>
-          </a:p>
-          <a:p>
-            <a:pPr algn="l"/>
-            <a:r>
-              <a:rPr lang="en-US" dirty="0">
-                <a:solidFill>
-                  <a:schemeClr val="bg1"/>
-                </a:solidFill>
-              </a:rPr>
-              <a:t>Cheryl Johnson</a:t>
-            </a:r>
-          </a:p>
-        </p:txBody>
-      </p:sp>
-    </p:spTree>
-    <p:extLst>
-      <p:ext uri="{BB962C8B-B14F-4D97-AF65-F5344CB8AC3E}">
-        <p14:creationId xmlns:p14="http://schemas.microsoft.com/office/powerpoint/2010/main" val="1049748299"/>
-      </p:ext>
-    </p:extLst>
-  </p:cSld>
-  <p:clrMapOvr>
-    <a:masterClrMapping/>
-  </p:clrMapOvr>
-</p:sld>
-</file>
-
 <file path=ppt/slides/slide18.xml><?xml version="1.0" encoding="utf-8"?>
 <p:sld xmlns:a="http://schemas.openxmlformats.org/drawingml/2006/main" xmlns:r="http://schemas.openxmlformats.org/officeDocument/2006/relationships" xmlns:p="http://schemas.openxmlformats.org/presentationml/2006/main">
   <p:cSld>
@@ -8832,7 +9292,7 @@
           <a:p>
             <a:r>
               <a:rPr lang="en-US" sz="4000" dirty="0"/>
-              <a:t>Conclusions (continued)</a:t>
+              <a:t>Conclusions</a:t>
             </a:r>
           </a:p>
         </p:txBody>
@@ -8849,81 +9309,77 @@
         </p:nvSpPr>
         <p:spPr>
           <a:xfrm>
-            <a:off x="304800" y="1076960"/>
-            <a:ext cx="7620000" cy="4572000"/>
+            <a:off x="304800" y="914400"/>
+            <a:ext cx="7620000" cy="4348482"/>
           </a:xfrm>
         </p:spPr>
         <p:txBody>
           <a:bodyPr>
-            <a:normAutofit fontScale="92500" lnSpcReduction="20000"/>
+            <a:noAutofit/>
           </a:bodyPr>
           <a:lstStyle/>
           <a:p>
             <a:r>
-              <a:rPr lang="en-US" dirty="0"/>
-              <a:t>Population</a:t>
+              <a:rPr lang="en-US" sz="1200" dirty="0"/>
+              <a:t>Based on our Analysis, our findings are:</a:t>
             </a:r>
           </a:p>
           <a:p>
             <a:pPr lvl="1"/>
-            <a:r>
-              <a:rPr lang="en-US" dirty="0"/>
-              <a:t>The highest violent crime locations have very high populations</a:t>
-            </a:r>
-          </a:p>
-          <a:p>
-            <a:pPr lvl="1"/>
-            <a:r>
-              <a:rPr lang="en-US" dirty="0"/>
-              <a:t>The median for the lowest and highest crime populations does not appear to be </a:t>
-            </a:r>
-            <a:r>
-              <a:rPr lang="en-US" dirty="0" err="1"/>
-              <a:t>statistcally</a:t>
-            </a:r>
-            <a:r>
-              <a:rPr lang="en-US" dirty="0"/>
-              <a:t> significant.</a:t>
-            </a:r>
-          </a:p>
-          <a:p>
-            <a:pPr lvl="1"/>
-            <a:r>
-              <a:rPr lang="en-US" dirty="0"/>
-              <a:t>In fact, the lowest population for the highest violent locations is lower than that of the lowest violent crime location.</a:t>
-            </a:r>
-          </a:p>
-          <a:p>
-            <a:pPr lvl="1"/>
-            <a:r>
-              <a:rPr lang="en-US" dirty="0"/>
-              <a:t>Thus, Population alone cannot be an indicator of nor does it have correlation with violent crime.</a:t>
-            </a:r>
-          </a:p>
-          <a:p>
-            <a:pPr lvl="1"/>
-            <a:r>
-              <a:rPr lang="en-US" dirty="0"/>
-              <a:t>There does appear to be an inverse correlation in the lowest crime locations but it is not conclusive given the populations in the highest crime locations.</a:t>
-            </a:r>
-          </a:p>
-          <a:p>
-            <a:endParaRPr lang="en-US" dirty="0"/>
-          </a:p>
-          <a:p>
-            <a:r>
-              <a:rPr lang="en-US" dirty="0"/>
-              <a:t>Biggest Surprise:  The marriage data</a:t>
-            </a:r>
-          </a:p>
-          <a:p>
-            <a:endParaRPr lang="en-US" dirty="0"/>
-          </a:p>
-          <a:p>
-            <a:r>
-              <a:rPr lang="en-US" dirty="0"/>
-              <a:t>Biggest Confusion:  The income data</a:t>
-            </a:r>
+            <a:br>
+              <a:rPr lang="en-US" sz="1200" dirty="0"/>
+            </a:br>
+            <a:br>
+              <a:rPr lang="en-US" sz="1200" dirty="0"/>
+            </a:br>
+            <a:br>
+              <a:rPr lang="en-US" sz="1200" dirty="0"/>
+            </a:br>
+            <a:r>
+              <a:rPr lang="en-US" sz="1200" dirty="0"/>
+              <a:t>6) Income</a:t>
+            </a:r>
+            <a:br>
+              <a:rPr lang="en-US" sz="1200" dirty="0"/>
+            </a:br>
+            <a:r>
+              <a:rPr lang="en-US" sz="1200" dirty="0"/>
+              <a:t>The highest violent crime locations have on average lower median income than the lowest violent crime locations.</a:t>
+            </a:r>
+            <a:br>
+              <a:rPr lang="en-US" sz="1200" dirty="0"/>
+            </a:br>
+            <a:r>
+              <a:rPr lang="en-US" sz="1200" dirty="0"/>
+              <a:t>Although there is an inverse correlation between median income and violent crime in the highest violent crime locations, low income itself does not mean high violent crime as the inverse </a:t>
+            </a:r>
+            <a:r>
+              <a:rPr lang="en-US" sz="1200" dirty="0" err="1"/>
+              <a:t>correlaton</a:t>
+            </a:r>
+            <a:r>
+              <a:rPr lang="en-US" sz="1200" dirty="0"/>
+              <a:t> is 25% with the lowest violent crime locations.</a:t>
+            </a:r>
+            <a:br>
+              <a:rPr lang="en-US" sz="1200" dirty="0"/>
+            </a:br>
+            <a:r>
+              <a:rPr lang="en-US" sz="1200" dirty="0"/>
+              <a:t>Since there are indeed lowest violent crime locations with median income </a:t>
+            </a:r>
+            <a:r>
+              <a:rPr lang="en-US" sz="1200" dirty="0" err="1"/>
+              <a:t>thta</a:t>
+            </a:r>
+            <a:r>
+              <a:rPr lang="en-US" sz="1200" dirty="0"/>
+              <a:t> is lower than some highest violent crime locations, low income on its own can not be attributed to violent crime.</a:t>
+            </a:r>
+            <a:br>
+              <a:rPr lang="en-US" sz="1200" dirty="0"/>
+            </a:br>
+            <a:endParaRPr lang="en-US" sz="1200" dirty="0"/>
           </a:p>
         </p:txBody>
       </p:sp>
@@ -9130,7 +9586,320 @@
     </p:spTree>
     <p:extLst>
       <p:ext uri="{BB962C8B-B14F-4D97-AF65-F5344CB8AC3E}">
-        <p14:creationId xmlns:p14="http://schemas.microsoft.com/office/powerpoint/2010/main" val="3009003864"/>
+        <p14:creationId xmlns:p14="http://schemas.microsoft.com/office/powerpoint/2010/main" val="1049748299"/>
+      </p:ext>
+    </p:extLst>
+  </p:cSld>
+  <p:clrMapOvr>
+    <a:masterClrMapping/>
+  </p:clrMapOvr>
+</p:sld>
+</file>
+
+<file path=ppt/slides/slide19.xml><?xml version="1.0" encoding="utf-8"?>
+<p:sld xmlns:a="http://schemas.openxmlformats.org/drawingml/2006/main" xmlns:r="http://schemas.openxmlformats.org/officeDocument/2006/relationships" xmlns:p="http://schemas.openxmlformats.org/presentationml/2006/main">
+  <p:cSld>
+    <p:spTree>
+      <p:nvGrpSpPr>
+        <p:cNvPr id="1" name=""/>
+        <p:cNvGrpSpPr/>
+        <p:nvPr/>
+      </p:nvGrpSpPr>
+      <p:grpSpPr>
+        <a:xfrm>
+          <a:off x="0" y="0"/>
+          <a:ext cx="0" cy="0"/>
+          <a:chOff x="0" y="0"/>
+          <a:chExt cx="0" cy="0"/>
+        </a:xfrm>
+      </p:grpSpPr>
+      <p:sp>
+        <p:nvSpPr>
+          <p:cNvPr id="2" name="Title 1"/>
+          <p:cNvSpPr>
+            <a:spLocks noGrp="1"/>
+          </p:cNvSpPr>
+          <p:nvPr>
+            <p:ph type="title"/>
+          </p:nvPr>
+        </p:nvSpPr>
+        <p:spPr>
+          <a:xfrm>
+            <a:off x="304800" y="57150"/>
+            <a:ext cx="7620000" cy="1143000"/>
+          </a:xfrm>
+        </p:spPr>
+        <p:txBody>
+          <a:bodyPr/>
+          <a:lstStyle/>
+          <a:p>
+            <a:r>
+              <a:rPr lang="en-US" sz="4000" dirty="0"/>
+              <a:t>Conclusions (continued)</a:t>
+            </a:r>
+          </a:p>
+        </p:txBody>
+      </p:sp>
+      <p:sp>
+        <p:nvSpPr>
+          <p:cNvPr id="3" name="Content Placeholder 2"/>
+          <p:cNvSpPr>
+            <a:spLocks noGrp="1"/>
+          </p:cNvSpPr>
+          <p:nvPr>
+            <p:ph idx="1"/>
+          </p:nvPr>
+        </p:nvSpPr>
+        <p:spPr>
+          <a:xfrm>
+            <a:off x="304800" y="1076960"/>
+            <a:ext cx="7620000" cy="4572000"/>
+          </a:xfrm>
+        </p:spPr>
+        <p:txBody>
+          <a:bodyPr>
+            <a:normAutofit/>
+          </a:bodyPr>
+          <a:lstStyle/>
+          <a:p>
+            <a:r>
+              <a:rPr lang="en-US" dirty="0"/>
+              <a:t>Marital Status</a:t>
+            </a:r>
+          </a:p>
+          <a:p>
+            <a:pPr lvl="1"/>
+            <a:r>
+              <a:rPr lang="en-US" dirty="0"/>
+              <a:t>The lowest violent crime locations had more married residents than non married residents while the opposite is true for the highest crime violent locations. It appears that marriage seems to be the have a significant impact in the level of violent crime of a location.</a:t>
+            </a:r>
+          </a:p>
+          <a:p>
+            <a:pPr lvl="1"/>
+            <a:r>
+              <a:rPr lang="en-US" dirty="0"/>
+              <a:t>Encouraging healthy and stable marriages can perhaps yield tangible benefits in efforts to reduce violent crimes in cities across the nation.</a:t>
+            </a:r>
+          </a:p>
+          <a:p>
+            <a:r>
+              <a:rPr lang="en-US" sz="2400" dirty="0"/>
+              <a:t>Race</a:t>
+            </a:r>
+          </a:p>
+          <a:p>
+            <a:pPr lvl="1"/>
+            <a:r>
+              <a:rPr lang="en-US" dirty="0"/>
+              <a:t>There are more minorities in the highest violent crime locations than in the lowest violent crime locations. The lowest violent crime locations are over 75% White.</a:t>
+            </a:r>
+          </a:p>
+        </p:txBody>
+      </p:sp>
+      <p:sp>
+        <p:nvSpPr>
+          <p:cNvPr id="5" name="Slide Number Placeholder 4"/>
+          <p:cNvSpPr>
+            <a:spLocks noGrp="1"/>
+          </p:cNvSpPr>
+          <p:nvPr>
+            <p:ph type="sldNum" sz="quarter" idx="12"/>
+          </p:nvPr>
+        </p:nvSpPr>
+        <p:spPr/>
+        <p:txBody>
+          <a:bodyPr/>
+          <a:lstStyle/>
+          <a:p>
+            <a:fld id="{489D000B-E6AD-40C2-AC67-BF5C54101F25}" type="slidenum">
+              <a:rPr lang="en-US" smtClean="0"/>
+              <a:pPr/>
+              <a:t>19</a:t>
+            </a:fld>
+            <a:endParaRPr lang="en-US"/>
+          </a:p>
+        </p:txBody>
+      </p:sp>
+      <p:sp>
+        <p:nvSpPr>
+          <p:cNvPr id="6" name="Footer Placeholder 3">
+            <a:extLst>
+              <a:ext uri="{FF2B5EF4-FFF2-40B4-BE49-F238E27FC236}">
+                <a16:creationId xmlns:a16="http://schemas.microsoft.com/office/drawing/2014/main" id="{F466B1E7-37A8-4685-BAFF-DFA6B3405B62}"/>
+              </a:ext>
+            </a:extLst>
+          </p:cNvPr>
+          <p:cNvSpPr>
+            <a:spLocks noGrp="1"/>
+          </p:cNvSpPr>
+          <p:nvPr/>
+        </p:nvSpPr>
+        <p:spPr>
+          <a:xfrm rot="16200000">
+            <a:off x="6466839" y="2753361"/>
+            <a:ext cx="4653282" cy="365760"/>
+          </a:xfrm>
+          <a:prstGeom prst="rect">
+            <a:avLst/>
+          </a:prstGeom>
+        </p:spPr>
+        <p:txBody>
+          <a:bodyPr vert="horz" lIns="91440" tIns="45720" rIns="91440" bIns="45720" rtlCol="0" anchor="ctr"/>
+          <a:lstStyle>
+            <a:defPPr>
+              <a:defRPr lang="en-US"/>
+            </a:defPPr>
+            <a:lvl1pPr marL="0" algn="r" defTabSz="914400" rtl="0" eaLnBrk="1" latinLnBrk="0" hangingPunct="1">
+              <a:defRPr sz="1200" kern="1200">
+                <a:solidFill>
+                  <a:schemeClr val="bg2"/>
+                </a:solidFill>
+                <a:latin typeface="+mn-lt"/>
+                <a:ea typeface="+mn-ea"/>
+                <a:cs typeface="+mn-cs"/>
+              </a:defRPr>
+            </a:lvl1pPr>
+            <a:lvl2pPr marL="457200" algn="l" defTabSz="914400" rtl="0" eaLnBrk="1" latinLnBrk="0" hangingPunct="1">
+              <a:defRPr sz="1800" kern="1200">
+                <a:solidFill>
+                  <a:schemeClr val="tx1"/>
+                </a:solidFill>
+                <a:latin typeface="+mn-lt"/>
+                <a:ea typeface="+mn-ea"/>
+                <a:cs typeface="+mn-cs"/>
+              </a:defRPr>
+            </a:lvl2pPr>
+            <a:lvl3pPr marL="914400" algn="l" defTabSz="914400" rtl="0" eaLnBrk="1" latinLnBrk="0" hangingPunct="1">
+              <a:defRPr sz="1800" kern="1200">
+                <a:solidFill>
+                  <a:schemeClr val="tx1"/>
+                </a:solidFill>
+                <a:latin typeface="+mn-lt"/>
+                <a:ea typeface="+mn-ea"/>
+                <a:cs typeface="+mn-cs"/>
+              </a:defRPr>
+            </a:lvl3pPr>
+            <a:lvl4pPr marL="1371600" algn="l" defTabSz="914400" rtl="0" eaLnBrk="1" latinLnBrk="0" hangingPunct="1">
+              <a:defRPr sz="1800" kern="1200">
+                <a:solidFill>
+                  <a:schemeClr val="tx1"/>
+                </a:solidFill>
+                <a:latin typeface="+mn-lt"/>
+                <a:ea typeface="+mn-ea"/>
+                <a:cs typeface="+mn-cs"/>
+              </a:defRPr>
+            </a:lvl4pPr>
+            <a:lvl5pPr marL="1828800" algn="l" defTabSz="914400" rtl="0" eaLnBrk="1" latinLnBrk="0" hangingPunct="1">
+              <a:defRPr sz="1800" kern="1200">
+                <a:solidFill>
+                  <a:schemeClr val="tx1"/>
+                </a:solidFill>
+                <a:latin typeface="+mn-lt"/>
+                <a:ea typeface="+mn-ea"/>
+                <a:cs typeface="+mn-cs"/>
+              </a:defRPr>
+            </a:lvl5pPr>
+            <a:lvl6pPr marL="2286000" algn="l" defTabSz="914400" rtl="0" eaLnBrk="1" latinLnBrk="0" hangingPunct="1">
+              <a:defRPr sz="1800" kern="1200">
+                <a:solidFill>
+                  <a:schemeClr val="tx1"/>
+                </a:solidFill>
+                <a:latin typeface="+mn-lt"/>
+                <a:ea typeface="+mn-ea"/>
+                <a:cs typeface="+mn-cs"/>
+              </a:defRPr>
+            </a:lvl6pPr>
+            <a:lvl7pPr marL="2743200" algn="l" defTabSz="914400" rtl="0" eaLnBrk="1" latinLnBrk="0" hangingPunct="1">
+              <a:defRPr sz="1800" kern="1200">
+                <a:solidFill>
+                  <a:schemeClr val="tx1"/>
+                </a:solidFill>
+                <a:latin typeface="+mn-lt"/>
+                <a:ea typeface="+mn-ea"/>
+                <a:cs typeface="+mn-cs"/>
+              </a:defRPr>
+            </a:lvl7pPr>
+            <a:lvl8pPr marL="3200400" algn="l" defTabSz="914400" rtl="0" eaLnBrk="1" latinLnBrk="0" hangingPunct="1">
+              <a:defRPr sz="1800" kern="1200">
+                <a:solidFill>
+                  <a:schemeClr val="tx1"/>
+                </a:solidFill>
+                <a:latin typeface="+mn-lt"/>
+                <a:ea typeface="+mn-ea"/>
+                <a:cs typeface="+mn-cs"/>
+              </a:defRPr>
+            </a:lvl8pPr>
+            <a:lvl9pPr marL="3657600" algn="l" defTabSz="914400" rtl="0" eaLnBrk="1" latinLnBrk="0" hangingPunct="1">
+              <a:defRPr sz="1800" kern="1200">
+                <a:solidFill>
+                  <a:schemeClr val="tx1"/>
+                </a:solidFill>
+                <a:latin typeface="+mn-lt"/>
+                <a:ea typeface="+mn-ea"/>
+                <a:cs typeface="+mn-cs"/>
+              </a:defRPr>
+            </a:lvl9pPr>
+          </a:lstStyle>
+          <a:p>
+            <a:pPr algn="l"/>
+            <a:r>
+              <a:rPr lang="en-US" dirty="0">
+                <a:solidFill>
+                  <a:schemeClr val="bg1"/>
+                </a:solidFill>
+              </a:rPr>
+              <a:t>The Relationship Between Demographics &amp; Violent crime in the US</a:t>
+            </a:r>
+          </a:p>
+          <a:p>
+            <a:pPr algn="l"/>
+            <a:r>
+              <a:rPr lang="en-US" dirty="0" err="1">
+                <a:solidFill>
+                  <a:schemeClr val="bg1"/>
+                </a:solidFill>
+              </a:rPr>
+              <a:t>Temidayo</a:t>
+            </a:r>
+            <a:r>
+              <a:rPr lang="en-US" dirty="0">
+                <a:solidFill>
+                  <a:schemeClr val="bg1"/>
+                </a:solidFill>
+              </a:rPr>
+              <a:t> </a:t>
+            </a:r>
+            <a:r>
+              <a:rPr lang="en-US" dirty="0" err="1">
+                <a:solidFill>
+                  <a:schemeClr val="bg1"/>
+                </a:solidFill>
+              </a:rPr>
+              <a:t>Akinsanya</a:t>
+            </a:r>
+            <a:endParaRPr lang="en-US" dirty="0">
+              <a:solidFill>
+                <a:schemeClr val="bg1"/>
+              </a:solidFill>
+            </a:endParaRPr>
+          </a:p>
+          <a:p>
+            <a:pPr algn="l"/>
+            <a:r>
+              <a:rPr lang="en-US" dirty="0">
+                <a:solidFill>
+                  <a:schemeClr val="bg1"/>
+                </a:solidFill>
+              </a:rPr>
+              <a:t>Cheryl Johnson</a:t>
+            </a:r>
+          </a:p>
+        </p:txBody>
+      </p:sp>
+    </p:spTree>
+    <p:extLst>
+      <p:ext uri="{BB962C8B-B14F-4D97-AF65-F5344CB8AC3E}">
+        <p14:creationId xmlns:p14="http://schemas.microsoft.com/office/powerpoint/2010/main" val="2166172194"/>
       </p:ext>
     </p:extLst>
   </p:cSld>
@@ -9507,6 +10276,992 @@
         </p:txBody>
       </p:sp>
     </p:spTree>
+  </p:cSld>
+  <p:clrMapOvr>
+    <a:masterClrMapping/>
+  </p:clrMapOvr>
+</p:sld>
+</file>
+
+<file path=ppt/slides/slide20.xml><?xml version="1.0" encoding="utf-8"?>
+<p:sld xmlns:a="http://schemas.openxmlformats.org/drawingml/2006/main" xmlns:r="http://schemas.openxmlformats.org/officeDocument/2006/relationships" xmlns:p="http://schemas.openxmlformats.org/presentationml/2006/main">
+  <p:cSld>
+    <p:spTree>
+      <p:nvGrpSpPr>
+        <p:cNvPr id="1" name=""/>
+        <p:cNvGrpSpPr/>
+        <p:nvPr/>
+      </p:nvGrpSpPr>
+      <p:grpSpPr>
+        <a:xfrm>
+          <a:off x="0" y="0"/>
+          <a:ext cx="0" cy="0"/>
+          <a:chOff x="0" y="0"/>
+          <a:chExt cx="0" cy="0"/>
+        </a:xfrm>
+      </p:grpSpPr>
+      <p:sp>
+        <p:nvSpPr>
+          <p:cNvPr id="2" name="Title 1"/>
+          <p:cNvSpPr>
+            <a:spLocks noGrp="1"/>
+          </p:cNvSpPr>
+          <p:nvPr>
+            <p:ph type="title"/>
+          </p:nvPr>
+        </p:nvSpPr>
+        <p:spPr>
+          <a:xfrm>
+            <a:off x="304800" y="57150"/>
+            <a:ext cx="7620000" cy="1143000"/>
+          </a:xfrm>
+        </p:spPr>
+        <p:txBody>
+          <a:bodyPr/>
+          <a:lstStyle/>
+          <a:p>
+            <a:r>
+              <a:rPr lang="en-US" sz="4000" dirty="0"/>
+              <a:t>Conclusions (continued)</a:t>
+            </a:r>
+          </a:p>
+        </p:txBody>
+      </p:sp>
+      <p:sp>
+        <p:nvSpPr>
+          <p:cNvPr id="3" name="Content Placeholder 2"/>
+          <p:cNvSpPr>
+            <a:spLocks noGrp="1"/>
+          </p:cNvSpPr>
+          <p:nvPr>
+            <p:ph idx="1"/>
+          </p:nvPr>
+        </p:nvSpPr>
+        <p:spPr>
+          <a:xfrm>
+            <a:off x="304800" y="1076960"/>
+            <a:ext cx="7620000" cy="4572000"/>
+          </a:xfrm>
+        </p:spPr>
+        <p:txBody>
+          <a:bodyPr>
+            <a:normAutofit fontScale="92500"/>
+          </a:bodyPr>
+          <a:lstStyle/>
+          <a:p>
+            <a:r>
+              <a:rPr lang="en-US" dirty="0"/>
+              <a:t>Education</a:t>
+            </a:r>
+          </a:p>
+          <a:p>
+            <a:pPr lvl="1"/>
+            <a:r>
+              <a:rPr lang="en-US" dirty="0"/>
+              <a:t>There is more advanced education in the lowest violent crime locations than the highest violent crime locations.</a:t>
+            </a:r>
+          </a:p>
+          <a:p>
+            <a:pPr lvl="1"/>
+            <a:r>
+              <a:rPr lang="en-US" dirty="0"/>
+              <a:t>There is a steep decline of 60% from Associates to Bachelors degree holders in the highest violent crime cities.</a:t>
+            </a:r>
+          </a:p>
+          <a:p>
+            <a:pPr lvl="1"/>
+            <a:r>
+              <a:rPr lang="en-US" dirty="0"/>
+              <a:t>This shows that improving education attainment or equipping residents with trade skills can contribute to them adding value to the workforce thereby lowering unemployment and possibly violent crime.</a:t>
+            </a:r>
+          </a:p>
+          <a:p>
+            <a:r>
+              <a:rPr lang="en-US" sz="2400" dirty="0"/>
+              <a:t>School Enrollment</a:t>
+            </a:r>
+          </a:p>
+          <a:p>
+            <a:pPr lvl="1"/>
+            <a:r>
+              <a:rPr lang="en-US" dirty="0"/>
+              <a:t>Enrollment in N-12 education has no relationship with the level of violent crime a location has. However, perhaps the quality of education may tell a different story and possibly contribute to the lack of education beyond an Associates degree, as observed above.</a:t>
+            </a:r>
+          </a:p>
+        </p:txBody>
+      </p:sp>
+      <p:sp>
+        <p:nvSpPr>
+          <p:cNvPr id="5" name="Slide Number Placeholder 4"/>
+          <p:cNvSpPr>
+            <a:spLocks noGrp="1"/>
+          </p:cNvSpPr>
+          <p:nvPr>
+            <p:ph type="sldNum" sz="quarter" idx="12"/>
+          </p:nvPr>
+        </p:nvSpPr>
+        <p:spPr/>
+        <p:txBody>
+          <a:bodyPr/>
+          <a:lstStyle/>
+          <a:p>
+            <a:fld id="{489D000B-E6AD-40C2-AC67-BF5C54101F25}" type="slidenum">
+              <a:rPr lang="en-US" smtClean="0"/>
+              <a:pPr/>
+              <a:t>20</a:t>
+            </a:fld>
+            <a:endParaRPr lang="en-US"/>
+          </a:p>
+        </p:txBody>
+      </p:sp>
+      <p:sp>
+        <p:nvSpPr>
+          <p:cNvPr id="6" name="Footer Placeholder 3">
+            <a:extLst>
+              <a:ext uri="{FF2B5EF4-FFF2-40B4-BE49-F238E27FC236}">
+                <a16:creationId xmlns:a16="http://schemas.microsoft.com/office/drawing/2014/main" id="{F466B1E7-37A8-4685-BAFF-DFA6B3405B62}"/>
+              </a:ext>
+            </a:extLst>
+          </p:cNvPr>
+          <p:cNvSpPr>
+            <a:spLocks noGrp="1"/>
+          </p:cNvSpPr>
+          <p:nvPr/>
+        </p:nvSpPr>
+        <p:spPr>
+          <a:xfrm rot="16200000">
+            <a:off x="6466839" y="2753361"/>
+            <a:ext cx="4653282" cy="365760"/>
+          </a:xfrm>
+          <a:prstGeom prst="rect">
+            <a:avLst/>
+          </a:prstGeom>
+        </p:spPr>
+        <p:txBody>
+          <a:bodyPr vert="horz" lIns="91440" tIns="45720" rIns="91440" bIns="45720" rtlCol="0" anchor="ctr"/>
+          <a:lstStyle>
+            <a:defPPr>
+              <a:defRPr lang="en-US"/>
+            </a:defPPr>
+            <a:lvl1pPr marL="0" algn="r" defTabSz="914400" rtl="0" eaLnBrk="1" latinLnBrk="0" hangingPunct="1">
+              <a:defRPr sz="1200" kern="1200">
+                <a:solidFill>
+                  <a:schemeClr val="bg2"/>
+                </a:solidFill>
+                <a:latin typeface="+mn-lt"/>
+                <a:ea typeface="+mn-ea"/>
+                <a:cs typeface="+mn-cs"/>
+              </a:defRPr>
+            </a:lvl1pPr>
+            <a:lvl2pPr marL="457200" algn="l" defTabSz="914400" rtl="0" eaLnBrk="1" latinLnBrk="0" hangingPunct="1">
+              <a:defRPr sz="1800" kern="1200">
+                <a:solidFill>
+                  <a:schemeClr val="tx1"/>
+                </a:solidFill>
+                <a:latin typeface="+mn-lt"/>
+                <a:ea typeface="+mn-ea"/>
+                <a:cs typeface="+mn-cs"/>
+              </a:defRPr>
+            </a:lvl2pPr>
+            <a:lvl3pPr marL="914400" algn="l" defTabSz="914400" rtl="0" eaLnBrk="1" latinLnBrk="0" hangingPunct="1">
+              <a:defRPr sz="1800" kern="1200">
+                <a:solidFill>
+                  <a:schemeClr val="tx1"/>
+                </a:solidFill>
+                <a:latin typeface="+mn-lt"/>
+                <a:ea typeface="+mn-ea"/>
+                <a:cs typeface="+mn-cs"/>
+              </a:defRPr>
+            </a:lvl3pPr>
+            <a:lvl4pPr marL="1371600" algn="l" defTabSz="914400" rtl="0" eaLnBrk="1" latinLnBrk="0" hangingPunct="1">
+              <a:defRPr sz="1800" kern="1200">
+                <a:solidFill>
+                  <a:schemeClr val="tx1"/>
+                </a:solidFill>
+                <a:latin typeface="+mn-lt"/>
+                <a:ea typeface="+mn-ea"/>
+                <a:cs typeface="+mn-cs"/>
+              </a:defRPr>
+            </a:lvl4pPr>
+            <a:lvl5pPr marL="1828800" algn="l" defTabSz="914400" rtl="0" eaLnBrk="1" latinLnBrk="0" hangingPunct="1">
+              <a:defRPr sz="1800" kern="1200">
+                <a:solidFill>
+                  <a:schemeClr val="tx1"/>
+                </a:solidFill>
+                <a:latin typeface="+mn-lt"/>
+                <a:ea typeface="+mn-ea"/>
+                <a:cs typeface="+mn-cs"/>
+              </a:defRPr>
+            </a:lvl5pPr>
+            <a:lvl6pPr marL="2286000" algn="l" defTabSz="914400" rtl="0" eaLnBrk="1" latinLnBrk="0" hangingPunct="1">
+              <a:defRPr sz="1800" kern="1200">
+                <a:solidFill>
+                  <a:schemeClr val="tx1"/>
+                </a:solidFill>
+                <a:latin typeface="+mn-lt"/>
+                <a:ea typeface="+mn-ea"/>
+                <a:cs typeface="+mn-cs"/>
+              </a:defRPr>
+            </a:lvl6pPr>
+            <a:lvl7pPr marL="2743200" algn="l" defTabSz="914400" rtl="0" eaLnBrk="1" latinLnBrk="0" hangingPunct="1">
+              <a:defRPr sz="1800" kern="1200">
+                <a:solidFill>
+                  <a:schemeClr val="tx1"/>
+                </a:solidFill>
+                <a:latin typeface="+mn-lt"/>
+                <a:ea typeface="+mn-ea"/>
+                <a:cs typeface="+mn-cs"/>
+              </a:defRPr>
+            </a:lvl7pPr>
+            <a:lvl8pPr marL="3200400" algn="l" defTabSz="914400" rtl="0" eaLnBrk="1" latinLnBrk="0" hangingPunct="1">
+              <a:defRPr sz="1800" kern="1200">
+                <a:solidFill>
+                  <a:schemeClr val="tx1"/>
+                </a:solidFill>
+                <a:latin typeface="+mn-lt"/>
+                <a:ea typeface="+mn-ea"/>
+                <a:cs typeface="+mn-cs"/>
+              </a:defRPr>
+            </a:lvl8pPr>
+            <a:lvl9pPr marL="3657600" algn="l" defTabSz="914400" rtl="0" eaLnBrk="1" latinLnBrk="0" hangingPunct="1">
+              <a:defRPr sz="1800" kern="1200">
+                <a:solidFill>
+                  <a:schemeClr val="tx1"/>
+                </a:solidFill>
+                <a:latin typeface="+mn-lt"/>
+                <a:ea typeface="+mn-ea"/>
+                <a:cs typeface="+mn-cs"/>
+              </a:defRPr>
+            </a:lvl9pPr>
+          </a:lstStyle>
+          <a:p>
+            <a:pPr algn="l"/>
+            <a:r>
+              <a:rPr lang="en-US" dirty="0">
+                <a:solidFill>
+                  <a:schemeClr val="bg1"/>
+                </a:solidFill>
+              </a:rPr>
+              <a:t>The Relationship Between Demographics &amp; Violent crime in the US</a:t>
+            </a:r>
+          </a:p>
+          <a:p>
+            <a:pPr algn="l"/>
+            <a:r>
+              <a:rPr lang="en-US" dirty="0" err="1">
+                <a:solidFill>
+                  <a:schemeClr val="bg1"/>
+                </a:solidFill>
+              </a:rPr>
+              <a:t>Temidayo</a:t>
+            </a:r>
+            <a:r>
+              <a:rPr lang="en-US" dirty="0">
+                <a:solidFill>
+                  <a:schemeClr val="bg1"/>
+                </a:solidFill>
+              </a:rPr>
+              <a:t> </a:t>
+            </a:r>
+            <a:r>
+              <a:rPr lang="en-US" dirty="0" err="1">
+                <a:solidFill>
+                  <a:schemeClr val="bg1"/>
+                </a:solidFill>
+              </a:rPr>
+              <a:t>Akinsanya</a:t>
+            </a:r>
+            <a:endParaRPr lang="en-US" dirty="0">
+              <a:solidFill>
+                <a:schemeClr val="bg1"/>
+              </a:solidFill>
+            </a:endParaRPr>
+          </a:p>
+          <a:p>
+            <a:pPr algn="l"/>
+            <a:r>
+              <a:rPr lang="en-US" dirty="0">
+                <a:solidFill>
+                  <a:schemeClr val="bg1"/>
+                </a:solidFill>
+              </a:rPr>
+              <a:t>Cheryl Johnson</a:t>
+            </a:r>
+          </a:p>
+        </p:txBody>
+      </p:sp>
+    </p:spTree>
+    <p:extLst>
+      <p:ext uri="{BB962C8B-B14F-4D97-AF65-F5344CB8AC3E}">
+        <p14:creationId xmlns:p14="http://schemas.microsoft.com/office/powerpoint/2010/main" val="3009003864"/>
+      </p:ext>
+    </p:extLst>
+  </p:cSld>
+  <p:clrMapOvr>
+    <a:masterClrMapping/>
+  </p:clrMapOvr>
+</p:sld>
+</file>
+
+<file path=ppt/slides/slide21.xml><?xml version="1.0" encoding="utf-8"?>
+<p:sld xmlns:a="http://schemas.openxmlformats.org/drawingml/2006/main" xmlns:r="http://schemas.openxmlformats.org/officeDocument/2006/relationships" xmlns:p="http://schemas.openxmlformats.org/presentationml/2006/main">
+  <p:cSld>
+    <p:spTree>
+      <p:nvGrpSpPr>
+        <p:cNvPr id="1" name=""/>
+        <p:cNvGrpSpPr/>
+        <p:nvPr/>
+      </p:nvGrpSpPr>
+      <p:grpSpPr>
+        <a:xfrm>
+          <a:off x="0" y="0"/>
+          <a:ext cx="0" cy="0"/>
+          <a:chOff x="0" y="0"/>
+          <a:chExt cx="0" cy="0"/>
+        </a:xfrm>
+      </p:grpSpPr>
+      <p:sp>
+        <p:nvSpPr>
+          <p:cNvPr id="2" name="Title 1"/>
+          <p:cNvSpPr>
+            <a:spLocks noGrp="1"/>
+          </p:cNvSpPr>
+          <p:nvPr>
+            <p:ph type="title"/>
+          </p:nvPr>
+        </p:nvSpPr>
+        <p:spPr>
+          <a:xfrm>
+            <a:off x="304800" y="57150"/>
+            <a:ext cx="7620000" cy="1143000"/>
+          </a:xfrm>
+        </p:spPr>
+        <p:txBody>
+          <a:bodyPr/>
+          <a:lstStyle/>
+          <a:p>
+            <a:r>
+              <a:rPr lang="en-US" sz="4000" dirty="0"/>
+              <a:t>Conclusions (continued)</a:t>
+            </a:r>
+          </a:p>
+        </p:txBody>
+      </p:sp>
+      <p:sp>
+        <p:nvSpPr>
+          <p:cNvPr id="3" name="Content Placeholder 2"/>
+          <p:cNvSpPr>
+            <a:spLocks noGrp="1"/>
+          </p:cNvSpPr>
+          <p:nvPr>
+            <p:ph idx="1"/>
+          </p:nvPr>
+        </p:nvSpPr>
+        <p:spPr>
+          <a:xfrm>
+            <a:off x="304800" y="1076960"/>
+            <a:ext cx="8077200" cy="5552440"/>
+          </a:xfrm>
+        </p:spPr>
+        <p:txBody>
+          <a:bodyPr>
+            <a:normAutofit fontScale="92500" lnSpcReduction="20000"/>
+          </a:bodyPr>
+          <a:lstStyle/>
+          <a:p>
+            <a:r>
+              <a:rPr lang="en-US" dirty="0"/>
+              <a:t>Unemployment</a:t>
+            </a:r>
+          </a:p>
+          <a:p>
+            <a:pPr lvl="1"/>
+            <a:r>
+              <a:rPr lang="en-US" dirty="0"/>
+              <a:t>The lowest violent crime locations on average have an unemployment rate that is within the Federal Reserve's range of ideal unemployment rate of 3.5%-4.5%; while the highest violent crime rate locations are on average, 3% higher than the ideal.</a:t>
+            </a:r>
+          </a:p>
+          <a:p>
+            <a:pPr lvl="1"/>
+            <a:r>
+              <a:rPr lang="en-US" dirty="0"/>
+              <a:t>While the unemployment rate is higher for the highest crime rate locations, it does not have a correlation to violent crime because there are indeed ideal unemployment locations with the highest violent crime as there are above ideal unemployment locations with the lowest violent crime.</a:t>
+            </a:r>
+          </a:p>
+          <a:p>
+            <a:r>
+              <a:rPr lang="en-US" sz="2400" dirty="0"/>
+              <a:t>Income</a:t>
+            </a:r>
+          </a:p>
+          <a:p>
+            <a:pPr lvl="1"/>
+            <a:r>
+              <a:rPr lang="en-US" dirty="0"/>
+              <a:t>The highest violent crime locations have on average lower median income than the lowest violent crime locations.</a:t>
+            </a:r>
+          </a:p>
+          <a:p>
+            <a:pPr lvl="1"/>
+            <a:r>
+              <a:rPr lang="en-US" dirty="0"/>
+              <a:t>Although there is an inverse correlation between median income and violent crime in the highest violent crime locations, low income itself does not mean high violent crime as the inverse correlation is more than 30% lower than the lowest violent crime locations.</a:t>
+            </a:r>
+          </a:p>
+          <a:p>
+            <a:pPr lvl="1"/>
+            <a:r>
+              <a:rPr lang="en-US" dirty="0"/>
+              <a:t>Since there are indeed lowest violent crime locations with median income that is lower than some highest violent crime locations, low income on its own can not be attributed to violent crime.</a:t>
+            </a:r>
+          </a:p>
+        </p:txBody>
+      </p:sp>
+      <p:sp>
+        <p:nvSpPr>
+          <p:cNvPr id="5" name="Slide Number Placeholder 4"/>
+          <p:cNvSpPr>
+            <a:spLocks noGrp="1"/>
+          </p:cNvSpPr>
+          <p:nvPr>
+            <p:ph type="sldNum" sz="quarter" idx="12"/>
+          </p:nvPr>
+        </p:nvSpPr>
+        <p:spPr/>
+        <p:txBody>
+          <a:bodyPr/>
+          <a:lstStyle/>
+          <a:p>
+            <a:fld id="{489D000B-E6AD-40C2-AC67-BF5C54101F25}" type="slidenum">
+              <a:rPr lang="en-US" smtClean="0"/>
+              <a:pPr/>
+              <a:t>21</a:t>
+            </a:fld>
+            <a:endParaRPr lang="en-US"/>
+          </a:p>
+        </p:txBody>
+      </p:sp>
+      <p:sp>
+        <p:nvSpPr>
+          <p:cNvPr id="6" name="Footer Placeholder 3">
+            <a:extLst>
+              <a:ext uri="{FF2B5EF4-FFF2-40B4-BE49-F238E27FC236}">
+                <a16:creationId xmlns:a16="http://schemas.microsoft.com/office/drawing/2014/main" id="{F466B1E7-37A8-4685-BAFF-DFA6B3405B62}"/>
+              </a:ext>
+            </a:extLst>
+          </p:cNvPr>
+          <p:cNvSpPr>
+            <a:spLocks noGrp="1"/>
+          </p:cNvSpPr>
+          <p:nvPr/>
+        </p:nvSpPr>
+        <p:spPr>
+          <a:xfrm rot="16200000">
+            <a:off x="6466839" y="2753361"/>
+            <a:ext cx="4653282" cy="365760"/>
+          </a:xfrm>
+          <a:prstGeom prst="rect">
+            <a:avLst/>
+          </a:prstGeom>
+        </p:spPr>
+        <p:txBody>
+          <a:bodyPr vert="horz" lIns="91440" tIns="45720" rIns="91440" bIns="45720" rtlCol="0" anchor="ctr"/>
+          <a:lstStyle>
+            <a:defPPr>
+              <a:defRPr lang="en-US"/>
+            </a:defPPr>
+            <a:lvl1pPr marL="0" algn="r" defTabSz="914400" rtl="0" eaLnBrk="1" latinLnBrk="0" hangingPunct="1">
+              <a:defRPr sz="1200" kern="1200">
+                <a:solidFill>
+                  <a:schemeClr val="bg2"/>
+                </a:solidFill>
+                <a:latin typeface="+mn-lt"/>
+                <a:ea typeface="+mn-ea"/>
+                <a:cs typeface="+mn-cs"/>
+              </a:defRPr>
+            </a:lvl1pPr>
+            <a:lvl2pPr marL="457200" algn="l" defTabSz="914400" rtl="0" eaLnBrk="1" latinLnBrk="0" hangingPunct="1">
+              <a:defRPr sz="1800" kern="1200">
+                <a:solidFill>
+                  <a:schemeClr val="tx1"/>
+                </a:solidFill>
+                <a:latin typeface="+mn-lt"/>
+                <a:ea typeface="+mn-ea"/>
+                <a:cs typeface="+mn-cs"/>
+              </a:defRPr>
+            </a:lvl2pPr>
+            <a:lvl3pPr marL="914400" algn="l" defTabSz="914400" rtl="0" eaLnBrk="1" latinLnBrk="0" hangingPunct="1">
+              <a:defRPr sz="1800" kern="1200">
+                <a:solidFill>
+                  <a:schemeClr val="tx1"/>
+                </a:solidFill>
+                <a:latin typeface="+mn-lt"/>
+                <a:ea typeface="+mn-ea"/>
+                <a:cs typeface="+mn-cs"/>
+              </a:defRPr>
+            </a:lvl3pPr>
+            <a:lvl4pPr marL="1371600" algn="l" defTabSz="914400" rtl="0" eaLnBrk="1" latinLnBrk="0" hangingPunct="1">
+              <a:defRPr sz="1800" kern="1200">
+                <a:solidFill>
+                  <a:schemeClr val="tx1"/>
+                </a:solidFill>
+                <a:latin typeface="+mn-lt"/>
+                <a:ea typeface="+mn-ea"/>
+                <a:cs typeface="+mn-cs"/>
+              </a:defRPr>
+            </a:lvl4pPr>
+            <a:lvl5pPr marL="1828800" algn="l" defTabSz="914400" rtl="0" eaLnBrk="1" latinLnBrk="0" hangingPunct="1">
+              <a:defRPr sz="1800" kern="1200">
+                <a:solidFill>
+                  <a:schemeClr val="tx1"/>
+                </a:solidFill>
+                <a:latin typeface="+mn-lt"/>
+                <a:ea typeface="+mn-ea"/>
+                <a:cs typeface="+mn-cs"/>
+              </a:defRPr>
+            </a:lvl5pPr>
+            <a:lvl6pPr marL="2286000" algn="l" defTabSz="914400" rtl="0" eaLnBrk="1" latinLnBrk="0" hangingPunct="1">
+              <a:defRPr sz="1800" kern="1200">
+                <a:solidFill>
+                  <a:schemeClr val="tx1"/>
+                </a:solidFill>
+                <a:latin typeface="+mn-lt"/>
+                <a:ea typeface="+mn-ea"/>
+                <a:cs typeface="+mn-cs"/>
+              </a:defRPr>
+            </a:lvl6pPr>
+            <a:lvl7pPr marL="2743200" algn="l" defTabSz="914400" rtl="0" eaLnBrk="1" latinLnBrk="0" hangingPunct="1">
+              <a:defRPr sz="1800" kern="1200">
+                <a:solidFill>
+                  <a:schemeClr val="tx1"/>
+                </a:solidFill>
+                <a:latin typeface="+mn-lt"/>
+                <a:ea typeface="+mn-ea"/>
+                <a:cs typeface="+mn-cs"/>
+              </a:defRPr>
+            </a:lvl7pPr>
+            <a:lvl8pPr marL="3200400" algn="l" defTabSz="914400" rtl="0" eaLnBrk="1" latinLnBrk="0" hangingPunct="1">
+              <a:defRPr sz="1800" kern="1200">
+                <a:solidFill>
+                  <a:schemeClr val="tx1"/>
+                </a:solidFill>
+                <a:latin typeface="+mn-lt"/>
+                <a:ea typeface="+mn-ea"/>
+                <a:cs typeface="+mn-cs"/>
+              </a:defRPr>
+            </a:lvl8pPr>
+            <a:lvl9pPr marL="3657600" algn="l" defTabSz="914400" rtl="0" eaLnBrk="1" latinLnBrk="0" hangingPunct="1">
+              <a:defRPr sz="1800" kern="1200">
+                <a:solidFill>
+                  <a:schemeClr val="tx1"/>
+                </a:solidFill>
+                <a:latin typeface="+mn-lt"/>
+                <a:ea typeface="+mn-ea"/>
+                <a:cs typeface="+mn-cs"/>
+              </a:defRPr>
+            </a:lvl9pPr>
+          </a:lstStyle>
+          <a:p>
+            <a:pPr algn="l"/>
+            <a:r>
+              <a:rPr lang="en-US" dirty="0">
+                <a:solidFill>
+                  <a:schemeClr val="bg1"/>
+                </a:solidFill>
+              </a:rPr>
+              <a:t>The Relationship Between Demographics &amp; Violent crime in the US</a:t>
+            </a:r>
+          </a:p>
+          <a:p>
+            <a:pPr algn="l"/>
+            <a:r>
+              <a:rPr lang="en-US" dirty="0" err="1">
+                <a:solidFill>
+                  <a:schemeClr val="bg1"/>
+                </a:solidFill>
+              </a:rPr>
+              <a:t>Temidayo</a:t>
+            </a:r>
+            <a:r>
+              <a:rPr lang="en-US" dirty="0">
+                <a:solidFill>
+                  <a:schemeClr val="bg1"/>
+                </a:solidFill>
+              </a:rPr>
+              <a:t> </a:t>
+            </a:r>
+            <a:r>
+              <a:rPr lang="en-US" dirty="0" err="1">
+                <a:solidFill>
+                  <a:schemeClr val="bg1"/>
+                </a:solidFill>
+              </a:rPr>
+              <a:t>Akinsanya</a:t>
+            </a:r>
+            <a:endParaRPr lang="en-US" dirty="0">
+              <a:solidFill>
+                <a:schemeClr val="bg1"/>
+              </a:solidFill>
+            </a:endParaRPr>
+          </a:p>
+          <a:p>
+            <a:pPr algn="l"/>
+            <a:r>
+              <a:rPr lang="en-US" dirty="0">
+                <a:solidFill>
+                  <a:schemeClr val="bg1"/>
+                </a:solidFill>
+              </a:rPr>
+              <a:t>Cheryl Johnson</a:t>
+            </a:r>
+          </a:p>
+        </p:txBody>
+      </p:sp>
+    </p:spTree>
+    <p:extLst>
+      <p:ext uri="{BB962C8B-B14F-4D97-AF65-F5344CB8AC3E}">
+        <p14:creationId xmlns:p14="http://schemas.microsoft.com/office/powerpoint/2010/main" val="4095550690"/>
+      </p:ext>
+    </p:extLst>
+  </p:cSld>
+  <p:clrMapOvr>
+    <a:masterClrMapping/>
+  </p:clrMapOvr>
+</p:sld>
+</file>
+
+<file path=ppt/slides/slide22.xml><?xml version="1.0" encoding="utf-8"?>
+<p:sld xmlns:a="http://schemas.openxmlformats.org/drawingml/2006/main" xmlns:r="http://schemas.openxmlformats.org/officeDocument/2006/relationships" xmlns:p="http://schemas.openxmlformats.org/presentationml/2006/main">
+  <p:cSld>
+    <p:spTree>
+      <p:nvGrpSpPr>
+        <p:cNvPr id="1" name=""/>
+        <p:cNvGrpSpPr/>
+        <p:nvPr/>
+      </p:nvGrpSpPr>
+      <p:grpSpPr>
+        <a:xfrm>
+          <a:off x="0" y="0"/>
+          <a:ext cx="0" cy="0"/>
+          <a:chOff x="0" y="0"/>
+          <a:chExt cx="0" cy="0"/>
+        </a:xfrm>
+      </p:grpSpPr>
+      <p:sp>
+        <p:nvSpPr>
+          <p:cNvPr id="2" name="Title 1"/>
+          <p:cNvSpPr>
+            <a:spLocks noGrp="1"/>
+          </p:cNvSpPr>
+          <p:nvPr>
+            <p:ph type="title"/>
+          </p:nvPr>
+        </p:nvSpPr>
+        <p:spPr>
+          <a:xfrm>
+            <a:off x="304800" y="57150"/>
+            <a:ext cx="7620000" cy="1143000"/>
+          </a:xfrm>
+        </p:spPr>
+        <p:txBody>
+          <a:bodyPr/>
+          <a:lstStyle/>
+          <a:p>
+            <a:r>
+              <a:rPr lang="en-US" sz="4000" dirty="0"/>
+              <a:t>Conclusions (continued)</a:t>
+            </a:r>
+          </a:p>
+        </p:txBody>
+      </p:sp>
+      <p:sp>
+        <p:nvSpPr>
+          <p:cNvPr id="3" name="Content Placeholder 2"/>
+          <p:cNvSpPr>
+            <a:spLocks noGrp="1"/>
+          </p:cNvSpPr>
+          <p:nvPr>
+            <p:ph idx="1"/>
+          </p:nvPr>
+        </p:nvSpPr>
+        <p:spPr>
+          <a:xfrm>
+            <a:off x="304800" y="1076960"/>
+            <a:ext cx="7620000" cy="4572000"/>
+          </a:xfrm>
+        </p:spPr>
+        <p:txBody>
+          <a:bodyPr>
+            <a:normAutofit fontScale="92500" lnSpcReduction="20000"/>
+          </a:bodyPr>
+          <a:lstStyle/>
+          <a:p>
+            <a:r>
+              <a:rPr lang="en-US" dirty="0"/>
+              <a:t>Population</a:t>
+            </a:r>
+          </a:p>
+          <a:p>
+            <a:pPr lvl="1"/>
+            <a:r>
+              <a:rPr lang="en-US" dirty="0"/>
+              <a:t>The highest violent crime locations have very high populations</a:t>
+            </a:r>
+          </a:p>
+          <a:p>
+            <a:pPr lvl="1"/>
+            <a:r>
+              <a:rPr lang="en-US" dirty="0"/>
+              <a:t>The median for the lowest and highest crime populations does not appear to be statistically significant.</a:t>
+            </a:r>
+          </a:p>
+          <a:p>
+            <a:pPr lvl="1"/>
+            <a:r>
+              <a:rPr lang="en-US" dirty="0"/>
+              <a:t>In fact, the lowest population for the highest violent locations is lower than that of the lowest violent crime location.</a:t>
+            </a:r>
+          </a:p>
+          <a:p>
+            <a:pPr lvl="1"/>
+            <a:r>
+              <a:rPr lang="en-US" dirty="0"/>
+              <a:t>Thus, Population alone cannot be an indicator of nor does it have correlation with violent crime.</a:t>
+            </a:r>
+          </a:p>
+          <a:p>
+            <a:pPr lvl="1"/>
+            <a:r>
+              <a:rPr lang="en-US" dirty="0"/>
+              <a:t>There does appear to be an inverse correlation in the lowest crime locations but it is not conclusive given the populations in the highest crime locations.</a:t>
+            </a:r>
+          </a:p>
+          <a:p>
+            <a:endParaRPr lang="en-US" dirty="0"/>
+          </a:p>
+          <a:p>
+            <a:r>
+              <a:rPr lang="en-US" dirty="0"/>
+              <a:t>Biggest Surprise:  The marriage data</a:t>
+            </a:r>
+          </a:p>
+          <a:p>
+            <a:endParaRPr lang="en-US" dirty="0"/>
+          </a:p>
+          <a:p>
+            <a:r>
+              <a:rPr lang="en-US" dirty="0"/>
+              <a:t>Biggest Confusion:  The income data</a:t>
+            </a:r>
+          </a:p>
+        </p:txBody>
+      </p:sp>
+      <p:sp>
+        <p:nvSpPr>
+          <p:cNvPr id="5" name="Slide Number Placeholder 4"/>
+          <p:cNvSpPr>
+            <a:spLocks noGrp="1"/>
+          </p:cNvSpPr>
+          <p:nvPr>
+            <p:ph type="sldNum" sz="quarter" idx="12"/>
+          </p:nvPr>
+        </p:nvSpPr>
+        <p:spPr/>
+        <p:txBody>
+          <a:bodyPr/>
+          <a:lstStyle/>
+          <a:p>
+            <a:fld id="{489D000B-E6AD-40C2-AC67-BF5C54101F25}" type="slidenum">
+              <a:rPr lang="en-US" smtClean="0"/>
+              <a:pPr/>
+              <a:t>22</a:t>
+            </a:fld>
+            <a:endParaRPr lang="en-US"/>
+          </a:p>
+        </p:txBody>
+      </p:sp>
+      <p:sp>
+        <p:nvSpPr>
+          <p:cNvPr id="6" name="Footer Placeholder 3">
+            <a:extLst>
+              <a:ext uri="{FF2B5EF4-FFF2-40B4-BE49-F238E27FC236}">
+                <a16:creationId xmlns:a16="http://schemas.microsoft.com/office/drawing/2014/main" id="{F466B1E7-37A8-4685-BAFF-DFA6B3405B62}"/>
+              </a:ext>
+            </a:extLst>
+          </p:cNvPr>
+          <p:cNvSpPr>
+            <a:spLocks noGrp="1"/>
+          </p:cNvSpPr>
+          <p:nvPr/>
+        </p:nvSpPr>
+        <p:spPr>
+          <a:xfrm rot="16200000">
+            <a:off x="6466839" y="2753361"/>
+            <a:ext cx="4653282" cy="365760"/>
+          </a:xfrm>
+          <a:prstGeom prst="rect">
+            <a:avLst/>
+          </a:prstGeom>
+        </p:spPr>
+        <p:txBody>
+          <a:bodyPr vert="horz" lIns="91440" tIns="45720" rIns="91440" bIns="45720" rtlCol="0" anchor="ctr"/>
+          <a:lstStyle>
+            <a:defPPr>
+              <a:defRPr lang="en-US"/>
+            </a:defPPr>
+            <a:lvl1pPr marL="0" algn="r" defTabSz="914400" rtl="0" eaLnBrk="1" latinLnBrk="0" hangingPunct="1">
+              <a:defRPr sz="1200" kern="1200">
+                <a:solidFill>
+                  <a:schemeClr val="bg2"/>
+                </a:solidFill>
+                <a:latin typeface="+mn-lt"/>
+                <a:ea typeface="+mn-ea"/>
+                <a:cs typeface="+mn-cs"/>
+              </a:defRPr>
+            </a:lvl1pPr>
+            <a:lvl2pPr marL="457200" algn="l" defTabSz="914400" rtl="0" eaLnBrk="1" latinLnBrk="0" hangingPunct="1">
+              <a:defRPr sz="1800" kern="1200">
+                <a:solidFill>
+                  <a:schemeClr val="tx1"/>
+                </a:solidFill>
+                <a:latin typeface="+mn-lt"/>
+                <a:ea typeface="+mn-ea"/>
+                <a:cs typeface="+mn-cs"/>
+              </a:defRPr>
+            </a:lvl2pPr>
+            <a:lvl3pPr marL="914400" algn="l" defTabSz="914400" rtl="0" eaLnBrk="1" latinLnBrk="0" hangingPunct="1">
+              <a:defRPr sz="1800" kern="1200">
+                <a:solidFill>
+                  <a:schemeClr val="tx1"/>
+                </a:solidFill>
+                <a:latin typeface="+mn-lt"/>
+                <a:ea typeface="+mn-ea"/>
+                <a:cs typeface="+mn-cs"/>
+              </a:defRPr>
+            </a:lvl3pPr>
+            <a:lvl4pPr marL="1371600" algn="l" defTabSz="914400" rtl="0" eaLnBrk="1" latinLnBrk="0" hangingPunct="1">
+              <a:defRPr sz="1800" kern="1200">
+                <a:solidFill>
+                  <a:schemeClr val="tx1"/>
+                </a:solidFill>
+                <a:latin typeface="+mn-lt"/>
+                <a:ea typeface="+mn-ea"/>
+                <a:cs typeface="+mn-cs"/>
+              </a:defRPr>
+            </a:lvl4pPr>
+            <a:lvl5pPr marL="1828800" algn="l" defTabSz="914400" rtl="0" eaLnBrk="1" latinLnBrk="0" hangingPunct="1">
+              <a:defRPr sz="1800" kern="1200">
+                <a:solidFill>
+                  <a:schemeClr val="tx1"/>
+                </a:solidFill>
+                <a:latin typeface="+mn-lt"/>
+                <a:ea typeface="+mn-ea"/>
+                <a:cs typeface="+mn-cs"/>
+              </a:defRPr>
+            </a:lvl5pPr>
+            <a:lvl6pPr marL="2286000" algn="l" defTabSz="914400" rtl="0" eaLnBrk="1" latinLnBrk="0" hangingPunct="1">
+              <a:defRPr sz="1800" kern="1200">
+                <a:solidFill>
+                  <a:schemeClr val="tx1"/>
+                </a:solidFill>
+                <a:latin typeface="+mn-lt"/>
+                <a:ea typeface="+mn-ea"/>
+                <a:cs typeface="+mn-cs"/>
+              </a:defRPr>
+            </a:lvl6pPr>
+            <a:lvl7pPr marL="2743200" algn="l" defTabSz="914400" rtl="0" eaLnBrk="1" latinLnBrk="0" hangingPunct="1">
+              <a:defRPr sz="1800" kern="1200">
+                <a:solidFill>
+                  <a:schemeClr val="tx1"/>
+                </a:solidFill>
+                <a:latin typeface="+mn-lt"/>
+                <a:ea typeface="+mn-ea"/>
+                <a:cs typeface="+mn-cs"/>
+              </a:defRPr>
+            </a:lvl7pPr>
+            <a:lvl8pPr marL="3200400" algn="l" defTabSz="914400" rtl="0" eaLnBrk="1" latinLnBrk="0" hangingPunct="1">
+              <a:defRPr sz="1800" kern="1200">
+                <a:solidFill>
+                  <a:schemeClr val="tx1"/>
+                </a:solidFill>
+                <a:latin typeface="+mn-lt"/>
+                <a:ea typeface="+mn-ea"/>
+                <a:cs typeface="+mn-cs"/>
+              </a:defRPr>
+            </a:lvl8pPr>
+            <a:lvl9pPr marL="3657600" algn="l" defTabSz="914400" rtl="0" eaLnBrk="1" latinLnBrk="0" hangingPunct="1">
+              <a:defRPr sz="1800" kern="1200">
+                <a:solidFill>
+                  <a:schemeClr val="tx1"/>
+                </a:solidFill>
+                <a:latin typeface="+mn-lt"/>
+                <a:ea typeface="+mn-ea"/>
+                <a:cs typeface="+mn-cs"/>
+              </a:defRPr>
+            </a:lvl9pPr>
+          </a:lstStyle>
+          <a:p>
+            <a:pPr algn="l"/>
+            <a:r>
+              <a:rPr lang="en-US" dirty="0">
+                <a:solidFill>
+                  <a:schemeClr val="bg1"/>
+                </a:solidFill>
+              </a:rPr>
+              <a:t>The Relationship Between Demographics &amp; Violent crime in the US</a:t>
+            </a:r>
+          </a:p>
+          <a:p>
+            <a:pPr algn="l"/>
+            <a:r>
+              <a:rPr lang="en-US" dirty="0" err="1">
+                <a:solidFill>
+                  <a:schemeClr val="bg1"/>
+                </a:solidFill>
+              </a:rPr>
+              <a:t>Temidayo</a:t>
+            </a:r>
+            <a:r>
+              <a:rPr lang="en-US" dirty="0">
+                <a:solidFill>
+                  <a:schemeClr val="bg1"/>
+                </a:solidFill>
+              </a:rPr>
+              <a:t> </a:t>
+            </a:r>
+            <a:r>
+              <a:rPr lang="en-US" dirty="0" err="1">
+                <a:solidFill>
+                  <a:schemeClr val="bg1"/>
+                </a:solidFill>
+              </a:rPr>
+              <a:t>Akinsanya</a:t>
+            </a:r>
+            <a:endParaRPr lang="en-US" dirty="0">
+              <a:solidFill>
+                <a:schemeClr val="bg1"/>
+              </a:solidFill>
+            </a:endParaRPr>
+          </a:p>
+          <a:p>
+            <a:pPr algn="l"/>
+            <a:r>
+              <a:rPr lang="en-US" dirty="0">
+                <a:solidFill>
+                  <a:schemeClr val="bg1"/>
+                </a:solidFill>
+              </a:rPr>
+              <a:t>Cheryl Johnson</a:t>
+            </a:r>
+          </a:p>
+        </p:txBody>
+      </p:sp>
+    </p:spTree>
+    <p:extLst>
+      <p:ext uri="{BB962C8B-B14F-4D97-AF65-F5344CB8AC3E}">
+        <p14:creationId xmlns:p14="http://schemas.microsoft.com/office/powerpoint/2010/main" val="1040906214"/>
+      </p:ext>
+    </p:extLst>
   </p:cSld>
   <p:clrMapOvr>
     <a:masterClrMapping/>
@@ -10347,7 +12102,7 @@
         </p:nvSpPr>
         <p:spPr>
           <a:xfrm>
-            <a:off x="457200" y="152400"/>
+            <a:off x="304800" y="57150"/>
             <a:ext cx="7620000" cy="1143000"/>
           </a:xfrm>
         </p:spPr>
@@ -10356,9 +12111,80 @@
           <a:lstStyle/>
           <a:p>
             <a:r>
+              <a:rPr lang="en-US" sz="4000" dirty="0"/>
+              <a:t>Conclusions (continued)</a:t>
+            </a:r>
+          </a:p>
+        </p:txBody>
+      </p:sp>
+      <p:sp>
+        <p:nvSpPr>
+          <p:cNvPr id="3" name="Content Placeholder 2"/>
+          <p:cNvSpPr>
+            <a:spLocks noGrp="1"/>
+          </p:cNvSpPr>
+          <p:nvPr>
+            <p:ph idx="1"/>
+          </p:nvPr>
+        </p:nvSpPr>
+        <p:spPr>
+          <a:xfrm>
+            <a:off x="1143000" y="1219200"/>
+            <a:ext cx="6934200" cy="4572000"/>
+          </a:xfrm>
+        </p:spPr>
+        <p:txBody>
+          <a:bodyPr>
+            <a:normAutofit lnSpcReduction="10000"/>
+          </a:bodyPr>
+          <a:lstStyle/>
+          <a:p>
+            <a:pPr marL="114300" indent="0">
+              <a:buNone/>
+            </a:pPr>
+            <a:r>
               <a:rPr lang="en-US" dirty="0"/>
-              <a:t>Data Sources</a:t>
-            </a:r>
+              <a:t> “The “suburban housewife” will be voting for me. They want safety &amp; are thrilled that I ended the long running program where low income housing would invade their neighborhood. Biden would reinstall it, in a bigger form, with Corey Booker in charge!”</a:t>
+            </a:r>
+          </a:p>
+          <a:p>
+            <a:pPr marL="114300" indent="0">
+              <a:buNone/>
+            </a:pPr>
+            <a:r>
+              <a:rPr lang="en-US" dirty="0"/>
+              <a:t>President Donald Trump – 8/12/20</a:t>
+            </a:r>
+          </a:p>
+          <a:p>
+            <a:pPr marL="114300" indent="0">
+              <a:buNone/>
+            </a:pPr>
+            <a:endParaRPr lang="en-US" dirty="0"/>
+          </a:p>
+          <a:p>
+            <a:pPr marL="114300" indent="0">
+              <a:buNone/>
+            </a:pPr>
+            <a:r>
+              <a:rPr lang="en-US" dirty="0"/>
+              <a:t>“Maybe this has to do with the fact that people aren't paying their rent &amp; are scared to pay their rent &amp; so they go out &amp; they need to feed their child &amp; they don't have money so... they feel like they either need to shoplift some bread or go hungry."</a:t>
+            </a:r>
+          </a:p>
+          <a:p>
+            <a:pPr marL="114300" indent="0">
+              <a:buNone/>
+            </a:pPr>
+            <a:r>
+              <a:rPr lang="en-US" dirty="0"/>
+              <a:t>Rep. Alexandria Ocasio-Cortez – 7/12/20</a:t>
+            </a:r>
+          </a:p>
+          <a:p>
+            <a:pPr marL="114300" indent="0">
+              <a:buNone/>
+            </a:pPr>
+            <a:endParaRPr lang="en-US" dirty="0"/>
           </a:p>
         </p:txBody>
       </p:sp>
@@ -10388,109 +12214,10 @@
       </p:sp>
       <p:sp>
         <p:nvSpPr>
-          <p:cNvPr id="8" name="Content Placeholder 2">
+          <p:cNvPr id="6" name="Footer Placeholder 3">
             <a:extLst>
               <a:ext uri="{FF2B5EF4-FFF2-40B4-BE49-F238E27FC236}">
-                <a16:creationId xmlns:a16="http://schemas.microsoft.com/office/drawing/2014/main" id="{E49CC35F-A773-4207-95AE-2B219EA56050}"/>
-              </a:ext>
-            </a:extLst>
-          </p:cNvPr>
-          <p:cNvSpPr>
-            <a:spLocks noGrp="1"/>
-          </p:cNvSpPr>
-          <p:nvPr>
-            <p:ph idx="1"/>
-          </p:nvPr>
-        </p:nvSpPr>
-        <p:spPr>
-          <a:xfrm>
-            <a:off x="457200" y="1219200"/>
-            <a:ext cx="7620000" cy="4953000"/>
-          </a:xfrm>
-        </p:spPr>
-        <p:txBody>
-          <a:bodyPr>
-            <a:normAutofit/>
-          </a:bodyPr>
-          <a:lstStyle/>
-          <a:p>
-            <a:pPr marL="114300" indent="0">
-              <a:buNone/>
-            </a:pPr>
-            <a:r>
-              <a:rPr lang="en-US" sz="2400" dirty="0"/>
-              <a:t>Datasets Used: </a:t>
-            </a:r>
-          </a:p>
-          <a:p>
-            <a:pPr marL="114300" indent="0">
-              <a:buNone/>
-            </a:pPr>
-            <a:r>
-              <a:rPr lang="en-US" sz="2400" dirty="0"/>
-              <a:t>FBI Uniform Crime Reporting Program Database</a:t>
-            </a:r>
-          </a:p>
-          <a:p>
-            <a:pPr marL="114300" indent="0">
-              <a:buNone/>
-            </a:pPr>
-            <a:r>
-              <a:rPr lang="en-US" sz="2400" dirty="0"/>
-              <a:t>American Community Survey: Five-Year Data (US Census database)</a:t>
-            </a:r>
-          </a:p>
-          <a:p>
-            <a:r>
-              <a:rPr lang="en-US" dirty="0"/>
-              <a:t>Describe data within data sources to be used</a:t>
-            </a:r>
-          </a:p>
-          <a:p>
-            <a:pPr lvl="1"/>
-            <a:r>
-              <a:rPr lang="en-US" dirty="0"/>
-              <a:t>Utilized only Violent Crimes from FBI crimes database</a:t>
-            </a:r>
-          </a:p>
-          <a:p>
-            <a:pPr lvl="1"/>
-            <a:r>
-              <a:rPr lang="en-US" dirty="0"/>
-              <a:t>Census had much more demographic</a:t>
-            </a:r>
-          </a:p>
-          <a:p>
-            <a:r>
-              <a:rPr lang="en-US" dirty="0"/>
-              <a:t>Describe challenges with</a:t>
-            </a:r>
-          </a:p>
-          <a:p>
-            <a:pPr lvl="1"/>
-            <a:r>
-              <a:rPr lang="en-US" dirty="0"/>
-              <a:t>Census data—used API</a:t>
-            </a:r>
-          </a:p>
-          <a:p>
-            <a:pPr lvl="1"/>
-            <a:r>
-              <a:rPr lang="en-US" dirty="0"/>
-              <a:t>FBI is in Excel because FBI does not have API on state level</a:t>
-            </a:r>
-          </a:p>
-          <a:p>
-            <a:endParaRPr lang="en-US" dirty="0"/>
-          </a:p>
-        </p:txBody>
-      </p:sp>
-      <p:sp>
-        <p:nvSpPr>
-          <p:cNvPr id="9" name="Footer Placeholder 3">
-            <a:extLst>
-              <a:ext uri="{FF2B5EF4-FFF2-40B4-BE49-F238E27FC236}">
-                <a16:creationId xmlns:a16="http://schemas.microsoft.com/office/drawing/2014/main" id="{652E99D0-D5F2-43C6-861F-B2BD458324EE}"/>
+                <a16:creationId xmlns:a16="http://schemas.microsoft.com/office/drawing/2014/main" id="{F466B1E7-37A8-4685-BAFF-DFA6B3405B62}"/>
               </a:ext>
             </a:extLst>
           </p:cNvPr>
@@ -10661,7 +12388,106 @@
           </a:p>
         </p:txBody>
       </p:sp>
+      <p:pic>
+        <p:nvPicPr>
+          <p:cNvPr id="1030" name="Picture 6" descr="Image result for donald trump photo">
+            <a:extLst>
+              <a:ext uri="{FF2B5EF4-FFF2-40B4-BE49-F238E27FC236}">
+                <a16:creationId xmlns:a16="http://schemas.microsoft.com/office/drawing/2014/main" id="{303EC29A-9C35-42E7-B0F8-8FFA94AEEECE}"/>
+              </a:ext>
+            </a:extLst>
+          </p:cNvPr>
+          <p:cNvPicPr>
+            <a:picLocks noChangeAspect="1" noChangeArrowheads="1"/>
+          </p:cNvPicPr>
+          <p:nvPr/>
+        </p:nvPicPr>
+        <p:blipFill>
+          <a:blip r:embed="rId2">
+            <a:extLst>
+              <a:ext uri="{28A0092B-C50C-407E-A947-70E740481C1C}">
+                <a14:useLocalDpi xmlns:a14="http://schemas.microsoft.com/office/drawing/2010/main" val="0"/>
+              </a:ext>
+            </a:extLst>
+          </a:blip>
+          <a:srcRect/>
+          <a:stretch>
+            <a:fillRect/>
+          </a:stretch>
+        </p:blipFill>
+        <p:spPr bwMode="auto">
+          <a:xfrm>
+            <a:off x="68687" y="1238250"/>
+            <a:ext cx="1207664" cy="1524236"/>
+          </a:xfrm>
+          <a:prstGeom prst="rect">
+            <a:avLst/>
+          </a:prstGeom>
+          <a:noFill/>
+          <a:extLst>
+            <a:ext uri="{909E8E84-426E-40DD-AFC4-6F175D3DCCD1}">
+              <a14:hiddenFill xmlns:a14="http://schemas.microsoft.com/office/drawing/2010/main">
+                <a:solidFill>
+                  <a:srgbClr val="FFFFFF"/>
+                </a:solidFill>
+              </a14:hiddenFill>
+            </a:ext>
+          </a:extLst>
+        </p:spPr>
+      </p:pic>
+      <p:pic>
+        <p:nvPicPr>
+          <p:cNvPr id="1032" name="Picture 8" descr="Amazon.com: Rep. Alexandria Ocasio-Cortez AOC Official Portrait Photo Art  8x10: Photographs">
+            <a:extLst>
+              <a:ext uri="{FF2B5EF4-FFF2-40B4-BE49-F238E27FC236}">
+                <a16:creationId xmlns:a16="http://schemas.microsoft.com/office/drawing/2014/main" id="{BCEF18F9-23B1-4919-86C3-5851176AA92C}"/>
+              </a:ext>
+            </a:extLst>
+          </p:cNvPr>
+          <p:cNvPicPr>
+            <a:picLocks noChangeAspect="1" noChangeArrowheads="1"/>
+          </p:cNvPicPr>
+          <p:nvPr/>
+        </p:nvPicPr>
+        <p:blipFill>
+          <a:blip r:embed="rId3">
+            <a:extLst>
+              <a:ext uri="{28A0092B-C50C-407E-A947-70E740481C1C}">
+                <a14:useLocalDpi xmlns:a14="http://schemas.microsoft.com/office/drawing/2010/main" val="0"/>
+              </a:ext>
+            </a:extLst>
+          </a:blip>
+          <a:srcRect/>
+          <a:stretch>
+            <a:fillRect/>
+          </a:stretch>
+        </p:blipFill>
+        <p:spPr bwMode="auto">
+          <a:xfrm>
+            <a:off x="68686" y="3605213"/>
+            <a:ext cx="1239451" cy="1552576"/>
+          </a:xfrm>
+          <a:prstGeom prst="rect">
+            <a:avLst/>
+          </a:prstGeom>
+          <a:noFill/>
+          <a:extLst>
+            <a:ext uri="{909E8E84-426E-40DD-AFC4-6F175D3DCCD1}">
+              <a14:hiddenFill xmlns:a14="http://schemas.microsoft.com/office/drawing/2010/main">
+                <a:solidFill>
+                  <a:srgbClr val="FFFFFF"/>
+                </a:solidFill>
+              </a14:hiddenFill>
+            </a:ext>
+          </a:extLst>
+        </p:spPr>
+      </p:pic>
     </p:spTree>
+    <p:extLst>
+      <p:ext uri="{BB962C8B-B14F-4D97-AF65-F5344CB8AC3E}">
+        <p14:creationId xmlns:p14="http://schemas.microsoft.com/office/powerpoint/2010/main" val="3230402854"/>
+      </p:ext>
+    </p:extLst>
   </p:cSld>
   <p:clrMapOvr>
     <a:masterClrMapping/>
@@ -10696,118 +12522,19 @@
             <p:ph type="title"/>
           </p:nvPr>
         </p:nvSpPr>
-        <p:spPr/>
+        <p:spPr>
+          <a:xfrm>
+            <a:off x="457200" y="152400"/>
+            <a:ext cx="7620000" cy="1143000"/>
+          </a:xfrm>
+        </p:spPr>
         <p:txBody>
           <a:bodyPr/>
           <a:lstStyle/>
           <a:p>
             <a:r>
-              <a:rPr lang="en-US" sz="4000" dirty="0"/>
-              <a:t>Data Exploration &amp; Cleanup</a:t>
-            </a:r>
-          </a:p>
-        </p:txBody>
-      </p:sp>
-      <p:sp>
-        <p:nvSpPr>
-          <p:cNvPr id="3" name="Content Placeholder 2"/>
-          <p:cNvSpPr>
-            <a:spLocks noGrp="1"/>
-          </p:cNvSpPr>
-          <p:nvPr>
-            <p:ph idx="1"/>
-          </p:nvPr>
-        </p:nvSpPr>
-        <p:spPr>
-          <a:xfrm>
-            <a:off x="381000" y="1219200"/>
-            <a:ext cx="7848600" cy="5029200"/>
-          </a:xfrm>
-        </p:spPr>
-        <p:txBody>
-          <a:bodyPr>
-            <a:normAutofit fontScale="92500" lnSpcReduction="20000"/>
-          </a:bodyPr>
-          <a:lstStyle/>
-          <a:p>
-            <a:r>
               <a:rPr lang="en-US" dirty="0"/>
-              <a:t>Census Data</a:t>
-            </a:r>
-          </a:p>
-          <a:p>
-            <a:pPr lvl="1"/>
-            <a:r>
-              <a:rPr lang="en-US" dirty="0"/>
-              <a:t>Renamed the columns from “Census Key” to make them readable in meaningful titles</a:t>
-            </a:r>
-          </a:p>
-          <a:p>
-            <a:pPr lvl="1"/>
-            <a:r>
-              <a:rPr lang="en-US" dirty="0"/>
-              <a:t>Split the city and state into two columns</a:t>
-            </a:r>
-          </a:p>
-          <a:p>
-            <a:pPr lvl="1"/>
-            <a:r>
-              <a:rPr lang="en-US" dirty="0"/>
-              <a:t>Eliminated characters in the city names to align with the city names in the FBI data</a:t>
-            </a:r>
-          </a:p>
-          <a:p>
-            <a:r>
-              <a:rPr lang="en-US" dirty="0"/>
-              <a:t>FBI Data</a:t>
-            </a:r>
-          </a:p>
-          <a:p>
-            <a:pPr lvl="1"/>
-            <a:r>
-              <a:rPr lang="en-US" dirty="0"/>
-              <a:t>Included the state in every row so that merge with Census data would work</a:t>
-            </a:r>
-          </a:p>
-          <a:p>
-            <a:pPr lvl="1"/>
-            <a:r>
-              <a:rPr lang="en-US" dirty="0"/>
-              <a:t>Extracted only the violent crime fields</a:t>
-            </a:r>
-          </a:p>
-          <a:p>
-            <a:pPr lvl="1"/>
-            <a:r>
-              <a:rPr lang="en-US" dirty="0"/>
-              <a:t>Removed characters from the state and city names to align with city and state in Census data</a:t>
-            </a:r>
-          </a:p>
-          <a:p>
-            <a:pPr lvl="1"/>
-            <a:r>
-              <a:rPr lang="en-US" dirty="0"/>
-              <a:t>Created a new column with crime rate per capita</a:t>
-            </a:r>
-          </a:p>
-          <a:p>
-            <a:pPr lvl="1"/>
-            <a:r>
-              <a:rPr lang="en-US" dirty="0"/>
-              <a:t>Extracted the data for the highest crime rate city and the lowest crime rate city within each state</a:t>
-            </a:r>
-          </a:p>
-          <a:p>
-            <a:r>
-              <a:rPr lang="en-US" dirty="0"/>
-              <a:t>Merge</a:t>
-            </a:r>
-          </a:p>
-          <a:p>
-            <a:pPr lvl="1"/>
-            <a:r>
-              <a:rPr lang="en-US" dirty="0"/>
-              <a:t>Merged Census demographic data with the FBI crime data on the city and state fields</a:t>
+              <a:t>Data Sources</a:t>
             </a:r>
           </a:p>
         </p:txBody>
@@ -10838,10 +12565,109 @@
       </p:sp>
       <p:sp>
         <p:nvSpPr>
-          <p:cNvPr id="8" name="Footer Placeholder 3">
+          <p:cNvPr id="8" name="Content Placeholder 2">
             <a:extLst>
               <a:ext uri="{FF2B5EF4-FFF2-40B4-BE49-F238E27FC236}">
-                <a16:creationId xmlns:a16="http://schemas.microsoft.com/office/drawing/2014/main" id="{05E62E89-DAFB-4CE2-8EA1-61A0E8139EBD}"/>
+                <a16:creationId xmlns:a16="http://schemas.microsoft.com/office/drawing/2014/main" id="{E49CC35F-A773-4207-95AE-2B219EA56050}"/>
+              </a:ext>
+            </a:extLst>
+          </p:cNvPr>
+          <p:cNvSpPr>
+            <a:spLocks noGrp="1"/>
+          </p:cNvSpPr>
+          <p:nvPr>
+            <p:ph idx="1"/>
+          </p:nvPr>
+        </p:nvSpPr>
+        <p:spPr>
+          <a:xfrm>
+            <a:off x="457200" y="1219200"/>
+            <a:ext cx="7620000" cy="4953000"/>
+          </a:xfrm>
+        </p:spPr>
+        <p:txBody>
+          <a:bodyPr>
+            <a:normAutofit/>
+          </a:bodyPr>
+          <a:lstStyle/>
+          <a:p>
+            <a:pPr marL="114300" indent="0">
+              <a:buNone/>
+            </a:pPr>
+            <a:r>
+              <a:rPr lang="en-US" sz="2400" dirty="0"/>
+              <a:t>Datasets Used: </a:t>
+            </a:r>
+          </a:p>
+          <a:p>
+            <a:pPr marL="114300" indent="0">
+              <a:buNone/>
+            </a:pPr>
+            <a:r>
+              <a:rPr lang="en-US" sz="2400" dirty="0"/>
+              <a:t>FBI Uniform Crime Reporting Program Database</a:t>
+            </a:r>
+          </a:p>
+          <a:p>
+            <a:pPr marL="114300" indent="0">
+              <a:buNone/>
+            </a:pPr>
+            <a:r>
+              <a:rPr lang="en-US" sz="2400" dirty="0"/>
+              <a:t>American Community Survey: Five-Year Data (US Census database)</a:t>
+            </a:r>
+          </a:p>
+          <a:p>
+            <a:r>
+              <a:rPr lang="en-US" dirty="0"/>
+              <a:t>Describe data within data sources to be used</a:t>
+            </a:r>
+          </a:p>
+          <a:p>
+            <a:pPr lvl="1"/>
+            <a:r>
+              <a:rPr lang="en-US" dirty="0"/>
+              <a:t>Utilized only Violent Crimes from FBI crimes database</a:t>
+            </a:r>
+          </a:p>
+          <a:p>
+            <a:pPr lvl="1"/>
+            <a:r>
+              <a:rPr lang="en-US" dirty="0"/>
+              <a:t>Census had much more demographic</a:t>
+            </a:r>
+          </a:p>
+          <a:p>
+            <a:r>
+              <a:rPr lang="en-US" dirty="0"/>
+              <a:t>Describe challenges with</a:t>
+            </a:r>
+          </a:p>
+          <a:p>
+            <a:pPr lvl="1"/>
+            <a:r>
+              <a:rPr lang="en-US" dirty="0"/>
+              <a:t>Census data—used API</a:t>
+            </a:r>
+          </a:p>
+          <a:p>
+            <a:pPr lvl="1"/>
+            <a:r>
+              <a:rPr lang="en-US" dirty="0"/>
+              <a:t>FBI is in Excel because FBI does not have API on state level</a:t>
+            </a:r>
+          </a:p>
+          <a:p>
+            <a:endParaRPr lang="en-US" dirty="0"/>
+          </a:p>
+        </p:txBody>
+      </p:sp>
+      <p:sp>
+        <p:nvSpPr>
+          <p:cNvPr id="9" name="Footer Placeholder 3">
+            <a:extLst>
+              <a:ext uri="{FF2B5EF4-FFF2-40B4-BE49-F238E27FC236}">
+                <a16:creationId xmlns:a16="http://schemas.microsoft.com/office/drawing/2014/main" id="{652E99D0-D5F2-43C6-861F-B2BD458324EE}"/>
               </a:ext>
             </a:extLst>
           </p:cNvPr>
@@ -11013,11 +12839,6 @@
         </p:txBody>
       </p:sp>
     </p:spTree>
-    <p:extLst>
-      <p:ext uri="{BB962C8B-B14F-4D97-AF65-F5344CB8AC3E}">
-        <p14:creationId xmlns:p14="http://schemas.microsoft.com/office/powerpoint/2010/main" val="3619871718"/>
-      </p:ext>
-    </p:extLst>
   </p:cSld>
   <p:clrMapOvr>
     <a:masterClrMapping/>
@@ -11059,7 +12880,7 @@
           <a:p>
             <a:r>
               <a:rPr lang="en-US" sz="4000" dirty="0"/>
-              <a:t>Data Analysis</a:t>
+              <a:t>Data Exploration &amp; Cleanup</a:t>
             </a:r>
           </a:p>
         </p:txBody>
@@ -11076,79 +12897,95 @@
         </p:nvSpPr>
         <p:spPr>
           <a:xfrm>
-            <a:off x="457200" y="1417638"/>
-            <a:ext cx="7620000" cy="4754562"/>
+            <a:off x="381000" y="1219200"/>
+            <a:ext cx="7848600" cy="5029200"/>
           </a:xfrm>
         </p:spPr>
         <p:txBody>
           <a:bodyPr>
-            <a:normAutofit lnSpcReduction="10000"/>
+            <a:normAutofit fontScale="92500" lnSpcReduction="20000"/>
           </a:bodyPr>
           <a:lstStyle/>
           <a:p>
-            <a:pPr marL="114300" indent="0">
-              <a:buNone/>
-            </a:pPr>
             <a:r>
               <a:rPr lang="en-US" dirty="0"/>
-              <a:t>We created charts, graphs, and statistics of our demographic data to see whether we observed any obvious trends or differences that might influence our inquiry </a:t>
+              <a:t>Census Data</a:t>
             </a:r>
           </a:p>
           <a:p>
             <a:pPr lvl="1"/>
             <a:r>
               <a:rPr lang="en-US" dirty="0"/>
-              <a:t>We created scatter plots for the three demographic areas that produced single data points: Income, Unemployment, Population</a:t>
+              <a:t>Renamed the columns from “Census Key” to make them readable in meaningful titles</a:t>
             </a:r>
           </a:p>
           <a:p>
             <a:pPr lvl="1"/>
             <a:r>
               <a:rPr lang="en-US" dirty="0"/>
-              <a:t>We also generated summary statistics and correlation analysis tables for those three demographic areas: Income, Unemployment, Population</a:t>
+              <a:t>Split the city and state into two columns</a:t>
             </a:r>
           </a:p>
           <a:p>
             <a:pPr lvl="1"/>
             <a:r>
               <a:rPr lang="en-US" dirty="0"/>
-              <a:t>We created stacked bar charts for the four demographic areas that produced multiple data points: Marital Status, Race, School Enrollment, and Education Level</a:t>
+              <a:t>Eliminated characters in the city names to align with the city names in the FBI data</a:t>
+            </a:r>
+          </a:p>
+          <a:p>
+            <a:r>
+              <a:rPr lang="en-US" dirty="0"/>
+              <a:t>FBI Data</a:t>
             </a:r>
           </a:p>
           <a:p>
             <a:pPr lvl="1"/>
             <a:r>
               <a:rPr lang="en-US" dirty="0"/>
-              <a:t>For the stacked bar charts, we converted the actual numbers to relative numbers (percentages of the whole) in order to chart them meaningfully</a:t>
+              <a:t>Included the state in every row so that merge with Census data would work</a:t>
             </a:r>
           </a:p>
           <a:p>
             <a:pPr lvl="1"/>
-            <a:endParaRPr lang="en-US" dirty="0"/>
-          </a:p>
-          <a:p>
-            <a:pPr marL="411480" lvl="1" indent="0">
-              <a:buNone/>
-            </a:pPr>
-            <a:endParaRPr lang="en-US" dirty="0"/>
-          </a:p>
-          <a:p>
-            <a:pPr marL="411480" lvl="1" indent="0">
-              <a:buNone/>
-            </a:pPr>
-            <a:endParaRPr lang="en-US" dirty="0"/>
-          </a:p>
-          <a:p>
-            <a:pPr marL="411480" lvl="1" indent="0">
-              <a:buNone/>
-            </a:pPr>
-            <a:endParaRPr lang="en-US" dirty="0"/>
-          </a:p>
-          <a:p>
-            <a:pPr marL="411480" lvl="1" indent="0">
-              <a:buNone/>
-            </a:pPr>
-            <a:endParaRPr lang="en-US" dirty="0"/>
+            <a:r>
+              <a:rPr lang="en-US" dirty="0"/>
+              <a:t>Extracted only the violent crime fields</a:t>
+            </a:r>
+          </a:p>
+          <a:p>
+            <a:pPr lvl="1"/>
+            <a:r>
+              <a:rPr lang="en-US" dirty="0"/>
+              <a:t>Removed characters from the state and city names to align with city and state in Census data</a:t>
+            </a:r>
+          </a:p>
+          <a:p>
+            <a:pPr lvl="1"/>
+            <a:r>
+              <a:rPr lang="en-US" dirty="0"/>
+              <a:t>Created a new column with crime rate per capita</a:t>
+            </a:r>
+          </a:p>
+          <a:p>
+            <a:pPr lvl="1"/>
+            <a:r>
+              <a:rPr lang="en-US" dirty="0"/>
+              <a:t>Extracted the data for the highest crime rate city and the lowest crime rate city within each state</a:t>
+            </a:r>
+          </a:p>
+          <a:p>
+            <a:r>
+              <a:rPr lang="en-US" dirty="0"/>
+              <a:t>Merge</a:t>
+            </a:r>
+          </a:p>
+          <a:p>
+            <a:pPr lvl="1"/>
+            <a:r>
+              <a:rPr lang="en-US" dirty="0"/>
+              <a:t>Merged Census demographic data with the FBI crime data on the city and state fields</a:t>
+            </a:r>
           </a:p>
         </p:txBody>
       </p:sp>
@@ -11181,7 +13018,7 @@
           <p:cNvPr id="8" name="Footer Placeholder 3">
             <a:extLst>
               <a:ext uri="{FF2B5EF4-FFF2-40B4-BE49-F238E27FC236}">
-                <a16:creationId xmlns:a16="http://schemas.microsoft.com/office/drawing/2014/main" id="{B6D42D65-EED1-4D0B-82F4-3A750914F2B1}"/>
+                <a16:creationId xmlns:a16="http://schemas.microsoft.com/office/drawing/2014/main" id="{05E62E89-DAFB-4CE2-8EA1-61A0E8139EBD}"/>
               </a:ext>
             </a:extLst>
           </p:cNvPr>
@@ -11384,6 +13221,346 @@
       </p:grpSpPr>
       <p:sp>
         <p:nvSpPr>
+          <p:cNvPr id="2" name="Title 1"/>
+          <p:cNvSpPr>
+            <a:spLocks noGrp="1"/>
+          </p:cNvSpPr>
+          <p:nvPr>
+            <p:ph type="title"/>
+          </p:nvPr>
+        </p:nvSpPr>
+        <p:spPr/>
+        <p:txBody>
+          <a:bodyPr/>
+          <a:lstStyle/>
+          <a:p>
+            <a:r>
+              <a:rPr lang="en-US" sz="4000" dirty="0"/>
+              <a:t>Data Analysis</a:t>
+            </a:r>
+          </a:p>
+        </p:txBody>
+      </p:sp>
+      <p:sp>
+        <p:nvSpPr>
+          <p:cNvPr id="3" name="Content Placeholder 2"/>
+          <p:cNvSpPr>
+            <a:spLocks noGrp="1"/>
+          </p:cNvSpPr>
+          <p:nvPr>
+            <p:ph idx="1"/>
+          </p:nvPr>
+        </p:nvSpPr>
+        <p:spPr>
+          <a:xfrm>
+            <a:off x="457200" y="1417638"/>
+            <a:ext cx="7620000" cy="4754562"/>
+          </a:xfrm>
+        </p:spPr>
+        <p:txBody>
+          <a:bodyPr>
+            <a:normAutofit lnSpcReduction="10000"/>
+          </a:bodyPr>
+          <a:lstStyle/>
+          <a:p>
+            <a:pPr marL="114300" indent="0">
+              <a:buNone/>
+            </a:pPr>
+            <a:r>
+              <a:rPr lang="en-US" dirty="0"/>
+              <a:t>We created charts, graphs, and statistics of our demographic data to see whether we observed any obvious trends or differences that might influence our inquiry </a:t>
+            </a:r>
+          </a:p>
+          <a:p>
+            <a:pPr lvl="1"/>
+            <a:r>
+              <a:rPr lang="en-US" dirty="0"/>
+              <a:t>We created scatter plots for the three demographic areas that produced single data points: Income, Unemployment, Population</a:t>
+            </a:r>
+          </a:p>
+          <a:p>
+            <a:pPr lvl="1"/>
+            <a:r>
+              <a:rPr lang="en-US" dirty="0"/>
+              <a:t>We also generated summary statistics and correlation analysis tables for those three demographic areas: Income, Unemployment, Population</a:t>
+            </a:r>
+          </a:p>
+          <a:p>
+            <a:pPr lvl="1"/>
+            <a:r>
+              <a:rPr lang="en-US" dirty="0"/>
+              <a:t>We created stacked bar charts for the four demographic areas that produced multiple data points: Marital Status, Race, School Enrollment, and Education Level</a:t>
+            </a:r>
+          </a:p>
+          <a:p>
+            <a:pPr lvl="1"/>
+            <a:r>
+              <a:rPr lang="en-US" dirty="0"/>
+              <a:t>For the stacked bar charts, we converted the actual numbers to relative numbers (percentages of the whole) in order to chart them meaningfully</a:t>
+            </a:r>
+          </a:p>
+          <a:p>
+            <a:pPr lvl="1"/>
+            <a:endParaRPr lang="en-US" dirty="0"/>
+          </a:p>
+          <a:p>
+            <a:pPr marL="411480" lvl="1" indent="0">
+              <a:buNone/>
+            </a:pPr>
+            <a:endParaRPr lang="en-US" dirty="0"/>
+          </a:p>
+          <a:p>
+            <a:pPr marL="411480" lvl="1" indent="0">
+              <a:buNone/>
+            </a:pPr>
+            <a:endParaRPr lang="en-US" dirty="0"/>
+          </a:p>
+          <a:p>
+            <a:pPr marL="411480" lvl="1" indent="0">
+              <a:buNone/>
+            </a:pPr>
+            <a:endParaRPr lang="en-US" dirty="0"/>
+          </a:p>
+          <a:p>
+            <a:pPr marL="411480" lvl="1" indent="0">
+              <a:buNone/>
+            </a:pPr>
+            <a:endParaRPr lang="en-US" dirty="0"/>
+          </a:p>
+        </p:txBody>
+      </p:sp>
+      <p:sp>
+        <p:nvSpPr>
+          <p:cNvPr id="5" name="Slide Number Placeholder 4"/>
+          <p:cNvSpPr>
+            <a:spLocks noGrp="1"/>
+          </p:cNvSpPr>
+          <p:nvPr>
+            <p:ph type="sldNum" sz="quarter" idx="12"/>
+          </p:nvPr>
+        </p:nvSpPr>
+        <p:spPr/>
+        <p:txBody>
+          <a:bodyPr/>
+          <a:lstStyle/>
+          <a:p>
+            <a:fld id="{489D000B-E6AD-40C2-AC67-BF5C54101F25}" type="slidenum">
+              <a:rPr lang="en-US" smtClean="0"/>
+              <a:pPr/>
+              <a:t>8</a:t>
+            </a:fld>
+            <a:endParaRPr lang="en-US"/>
+          </a:p>
+        </p:txBody>
+      </p:sp>
+      <p:sp>
+        <p:nvSpPr>
+          <p:cNvPr id="8" name="Footer Placeholder 3">
+            <a:extLst>
+              <a:ext uri="{FF2B5EF4-FFF2-40B4-BE49-F238E27FC236}">
+                <a16:creationId xmlns:a16="http://schemas.microsoft.com/office/drawing/2014/main" id="{B6D42D65-EED1-4D0B-82F4-3A750914F2B1}"/>
+              </a:ext>
+            </a:extLst>
+          </p:cNvPr>
+          <p:cNvSpPr>
+            <a:spLocks noGrp="1"/>
+          </p:cNvSpPr>
+          <p:nvPr/>
+        </p:nvSpPr>
+        <p:spPr>
+          <a:xfrm rot="16200000">
+            <a:off x="6466839" y="2753361"/>
+            <a:ext cx="4653282" cy="365760"/>
+          </a:xfrm>
+          <a:prstGeom prst="rect">
+            <a:avLst/>
+          </a:prstGeom>
+        </p:spPr>
+        <p:txBody>
+          <a:bodyPr vert="horz" lIns="91440" tIns="45720" rIns="91440" bIns="45720" rtlCol="0" anchor="ctr"/>
+          <a:lstStyle>
+            <a:defPPr>
+              <a:defRPr lang="en-US"/>
+            </a:defPPr>
+            <a:lvl1pPr marL="0" algn="r" defTabSz="914400" rtl="0" eaLnBrk="1" latinLnBrk="0" hangingPunct="1">
+              <a:defRPr sz="1200" kern="1200">
+                <a:solidFill>
+                  <a:schemeClr val="bg2"/>
+                </a:solidFill>
+                <a:latin typeface="+mn-lt"/>
+                <a:ea typeface="+mn-ea"/>
+                <a:cs typeface="+mn-cs"/>
+              </a:defRPr>
+            </a:lvl1pPr>
+            <a:lvl2pPr marL="457200" algn="l" defTabSz="914400" rtl="0" eaLnBrk="1" latinLnBrk="0" hangingPunct="1">
+              <a:defRPr sz="1800" kern="1200">
+                <a:solidFill>
+                  <a:schemeClr val="tx1"/>
+                </a:solidFill>
+                <a:latin typeface="+mn-lt"/>
+                <a:ea typeface="+mn-ea"/>
+                <a:cs typeface="+mn-cs"/>
+              </a:defRPr>
+            </a:lvl2pPr>
+            <a:lvl3pPr marL="914400" algn="l" defTabSz="914400" rtl="0" eaLnBrk="1" latinLnBrk="0" hangingPunct="1">
+              <a:defRPr sz="1800" kern="1200">
+                <a:solidFill>
+                  <a:schemeClr val="tx1"/>
+                </a:solidFill>
+                <a:latin typeface="+mn-lt"/>
+                <a:ea typeface="+mn-ea"/>
+                <a:cs typeface="+mn-cs"/>
+              </a:defRPr>
+            </a:lvl3pPr>
+            <a:lvl4pPr marL="1371600" algn="l" defTabSz="914400" rtl="0" eaLnBrk="1" latinLnBrk="0" hangingPunct="1">
+              <a:defRPr sz="1800" kern="1200">
+                <a:solidFill>
+                  <a:schemeClr val="tx1"/>
+                </a:solidFill>
+                <a:latin typeface="+mn-lt"/>
+                <a:ea typeface="+mn-ea"/>
+                <a:cs typeface="+mn-cs"/>
+              </a:defRPr>
+            </a:lvl4pPr>
+            <a:lvl5pPr marL="1828800" algn="l" defTabSz="914400" rtl="0" eaLnBrk="1" latinLnBrk="0" hangingPunct="1">
+              <a:defRPr sz="1800" kern="1200">
+                <a:solidFill>
+                  <a:schemeClr val="tx1"/>
+                </a:solidFill>
+                <a:latin typeface="+mn-lt"/>
+                <a:ea typeface="+mn-ea"/>
+                <a:cs typeface="+mn-cs"/>
+              </a:defRPr>
+            </a:lvl5pPr>
+            <a:lvl6pPr marL="2286000" algn="l" defTabSz="914400" rtl="0" eaLnBrk="1" latinLnBrk="0" hangingPunct="1">
+              <a:defRPr sz="1800" kern="1200">
+                <a:solidFill>
+                  <a:schemeClr val="tx1"/>
+                </a:solidFill>
+                <a:latin typeface="+mn-lt"/>
+                <a:ea typeface="+mn-ea"/>
+                <a:cs typeface="+mn-cs"/>
+              </a:defRPr>
+            </a:lvl6pPr>
+            <a:lvl7pPr marL="2743200" algn="l" defTabSz="914400" rtl="0" eaLnBrk="1" latinLnBrk="0" hangingPunct="1">
+              <a:defRPr sz="1800" kern="1200">
+                <a:solidFill>
+                  <a:schemeClr val="tx1"/>
+                </a:solidFill>
+                <a:latin typeface="+mn-lt"/>
+                <a:ea typeface="+mn-ea"/>
+                <a:cs typeface="+mn-cs"/>
+              </a:defRPr>
+            </a:lvl7pPr>
+            <a:lvl8pPr marL="3200400" algn="l" defTabSz="914400" rtl="0" eaLnBrk="1" latinLnBrk="0" hangingPunct="1">
+              <a:defRPr sz="1800" kern="1200">
+                <a:solidFill>
+                  <a:schemeClr val="tx1"/>
+                </a:solidFill>
+                <a:latin typeface="+mn-lt"/>
+                <a:ea typeface="+mn-ea"/>
+                <a:cs typeface="+mn-cs"/>
+              </a:defRPr>
+            </a:lvl8pPr>
+            <a:lvl9pPr marL="3657600" algn="l" defTabSz="914400" rtl="0" eaLnBrk="1" latinLnBrk="0" hangingPunct="1">
+              <a:defRPr sz="1800" kern="1200">
+                <a:solidFill>
+                  <a:schemeClr val="tx1"/>
+                </a:solidFill>
+                <a:latin typeface="+mn-lt"/>
+                <a:ea typeface="+mn-ea"/>
+                <a:cs typeface="+mn-cs"/>
+              </a:defRPr>
+            </a:lvl9pPr>
+          </a:lstStyle>
+          <a:p>
+            <a:pPr algn="l"/>
+            <a:r>
+              <a:rPr lang="en-US" dirty="0">
+                <a:solidFill>
+                  <a:schemeClr val="bg1"/>
+                </a:solidFill>
+              </a:rPr>
+              <a:t>The Relationship Between Demographics &amp; Violent crime in the US</a:t>
+            </a:r>
+          </a:p>
+          <a:p>
+            <a:pPr algn="l"/>
+            <a:r>
+              <a:rPr lang="en-US" dirty="0" err="1">
+                <a:solidFill>
+                  <a:schemeClr val="bg1"/>
+                </a:solidFill>
+              </a:rPr>
+              <a:t>Temidayo</a:t>
+            </a:r>
+            <a:r>
+              <a:rPr lang="en-US" dirty="0">
+                <a:solidFill>
+                  <a:schemeClr val="bg1"/>
+                </a:solidFill>
+              </a:rPr>
+              <a:t> </a:t>
+            </a:r>
+            <a:r>
+              <a:rPr lang="en-US" dirty="0" err="1">
+                <a:solidFill>
+                  <a:schemeClr val="bg1"/>
+                </a:solidFill>
+              </a:rPr>
+              <a:t>Akinsanya</a:t>
+            </a:r>
+            <a:endParaRPr lang="en-US" dirty="0">
+              <a:solidFill>
+                <a:schemeClr val="bg1"/>
+              </a:solidFill>
+            </a:endParaRPr>
+          </a:p>
+          <a:p>
+            <a:pPr algn="l"/>
+            <a:r>
+              <a:rPr lang="en-US" dirty="0">
+                <a:solidFill>
+                  <a:schemeClr val="bg1"/>
+                </a:solidFill>
+              </a:rPr>
+              <a:t>Cheryl Johnson</a:t>
+            </a:r>
+          </a:p>
+        </p:txBody>
+      </p:sp>
+    </p:spTree>
+    <p:extLst>
+      <p:ext uri="{BB962C8B-B14F-4D97-AF65-F5344CB8AC3E}">
+        <p14:creationId xmlns:p14="http://schemas.microsoft.com/office/powerpoint/2010/main" val="3619871718"/>
+      </p:ext>
+    </p:extLst>
+  </p:cSld>
+  <p:clrMapOvr>
+    <a:masterClrMapping/>
+  </p:clrMapOvr>
+</p:sld>
+</file>
+
+<file path=ppt/slides/slide9.xml><?xml version="1.0" encoding="utf-8"?>
+<p:sld xmlns:a="http://schemas.openxmlformats.org/drawingml/2006/main" xmlns:r="http://schemas.openxmlformats.org/officeDocument/2006/relationships" xmlns:p="http://schemas.openxmlformats.org/presentationml/2006/main">
+  <p:cSld>
+    <p:spTree>
+      <p:nvGrpSpPr>
+        <p:cNvPr id="1" name=""/>
+        <p:cNvGrpSpPr/>
+        <p:nvPr/>
+      </p:nvGrpSpPr>
+      <p:grpSpPr>
+        <a:xfrm>
+          <a:off x="0" y="0"/>
+          <a:ext cx="0" cy="0"/>
+          <a:chOff x="0" y="0"/>
+          <a:chExt cx="0" cy="0"/>
+        </a:xfrm>
+      </p:grpSpPr>
+      <p:sp>
+        <p:nvSpPr>
           <p:cNvPr id="3" name="Content Placeholder 2"/>
           <p:cNvSpPr>
             <a:spLocks noGrp="1"/>
@@ -11460,7 +13637,7 @@
             <a:fld id="{489D000B-E6AD-40C2-AC67-BF5C54101F25}" type="slidenum">
               <a:rPr lang="en-US" smtClean="0"/>
               <a:pPr/>
-              <a:t>8</a:t>
+              <a:t>9</a:t>
             </a:fld>
             <a:endParaRPr lang="en-US"/>
           </a:p>
@@ -11788,942 +13965,6 @@
     <p:extLst>
       <p:ext uri="{BB962C8B-B14F-4D97-AF65-F5344CB8AC3E}">
         <p14:creationId xmlns:p14="http://schemas.microsoft.com/office/powerpoint/2010/main" val="3771294404"/>
-      </p:ext>
-    </p:extLst>
-  </p:cSld>
-  <p:clrMapOvr>
-    <a:masterClrMapping/>
-  </p:clrMapOvr>
-</p:sld>
-</file>
-
-<file path=ppt/slides/slide9.xml><?xml version="1.0" encoding="utf-8"?>
-<p:sld xmlns:a="http://schemas.openxmlformats.org/drawingml/2006/main" xmlns:r="http://schemas.openxmlformats.org/officeDocument/2006/relationships" xmlns:p="http://schemas.openxmlformats.org/presentationml/2006/main">
-  <p:cSld>
-    <p:spTree>
-      <p:nvGrpSpPr>
-        <p:cNvPr id="1" name=""/>
-        <p:cNvGrpSpPr/>
-        <p:nvPr/>
-      </p:nvGrpSpPr>
-      <p:grpSpPr>
-        <a:xfrm>
-          <a:off x="0" y="0"/>
-          <a:ext cx="0" cy="0"/>
-          <a:chOff x="0" y="0"/>
-          <a:chExt cx="0" cy="0"/>
-        </a:xfrm>
-      </p:grpSpPr>
-      <p:sp>
-        <p:nvSpPr>
-          <p:cNvPr id="5" name="Slide Number Placeholder 4"/>
-          <p:cNvSpPr>
-            <a:spLocks noGrp="1"/>
-          </p:cNvSpPr>
-          <p:nvPr>
-            <p:ph type="sldNum" sz="quarter" idx="12"/>
-          </p:nvPr>
-        </p:nvSpPr>
-        <p:spPr/>
-        <p:txBody>
-          <a:bodyPr/>
-          <a:lstStyle/>
-          <a:p>
-            <a:fld id="{489D000B-E6AD-40C2-AC67-BF5C54101F25}" type="slidenum">
-              <a:rPr lang="en-US" smtClean="0"/>
-              <a:pPr/>
-              <a:t>9</a:t>
-            </a:fld>
-            <a:endParaRPr lang="en-US"/>
-          </a:p>
-        </p:txBody>
-      </p:sp>
-      <p:sp>
-        <p:nvSpPr>
-          <p:cNvPr id="6" name="Footer Placeholder 3">
-            <a:extLst>
-              <a:ext uri="{FF2B5EF4-FFF2-40B4-BE49-F238E27FC236}">
-                <a16:creationId xmlns:a16="http://schemas.microsoft.com/office/drawing/2014/main" id="{48997D64-D687-4C64-BEF4-2346D4C6889D}"/>
-              </a:ext>
-            </a:extLst>
-          </p:cNvPr>
-          <p:cNvSpPr>
-            <a:spLocks noGrp="1"/>
-          </p:cNvSpPr>
-          <p:nvPr/>
-        </p:nvSpPr>
-        <p:spPr>
-          <a:xfrm rot="16200000">
-            <a:off x="6466839" y="2753361"/>
-            <a:ext cx="4653282" cy="365760"/>
-          </a:xfrm>
-          <a:prstGeom prst="rect">
-            <a:avLst/>
-          </a:prstGeom>
-        </p:spPr>
-        <p:txBody>
-          <a:bodyPr vert="horz" lIns="91440" tIns="45720" rIns="91440" bIns="45720" rtlCol="0" anchor="ctr"/>
-          <a:lstStyle>
-            <a:defPPr>
-              <a:defRPr lang="en-US"/>
-            </a:defPPr>
-            <a:lvl1pPr marL="0" algn="r" defTabSz="914400" rtl="0" eaLnBrk="1" latinLnBrk="0" hangingPunct="1">
-              <a:defRPr sz="1200" kern="1200">
-                <a:solidFill>
-                  <a:schemeClr val="bg2"/>
-                </a:solidFill>
-                <a:latin typeface="+mn-lt"/>
-                <a:ea typeface="+mn-ea"/>
-                <a:cs typeface="+mn-cs"/>
-              </a:defRPr>
-            </a:lvl1pPr>
-            <a:lvl2pPr marL="457200" algn="l" defTabSz="914400" rtl="0" eaLnBrk="1" latinLnBrk="0" hangingPunct="1">
-              <a:defRPr sz="1800" kern="1200">
-                <a:solidFill>
-                  <a:schemeClr val="tx1"/>
-                </a:solidFill>
-                <a:latin typeface="+mn-lt"/>
-                <a:ea typeface="+mn-ea"/>
-                <a:cs typeface="+mn-cs"/>
-              </a:defRPr>
-            </a:lvl2pPr>
-            <a:lvl3pPr marL="914400" algn="l" defTabSz="914400" rtl="0" eaLnBrk="1" latinLnBrk="0" hangingPunct="1">
-              <a:defRPr sz="1800" kern="1200">
-                <a:solidFill>
-                  <a:schemeClr val="tx1"/>
-                </a:solidFill>
-                <a:latin typeface="+mn-lt"/>
-                <a:ea typeface="+mn-ea"/>
-                <a:cs typeface="+mn-cs"/>
-              </a:defRPr>
-            </a:lvl3pPr>
-            <a:lvl4pPr marL="1371600" algn="l" defTabSz="914400" rtl="0" eaLnBrk="1" latinLnBrk="0" hangingPunct="1">
-              <a:defRPr sz="1800" kern="1200">
-                <a:solidFill>
-                  <a:schemeClr val="tx1"/>
-                </a:solidFill>
-                <a:latin typeface="+mn-lt"/>
-                <a:ea typeface="+mn-ea"/>
-                <a:cs typeface="+mn-cs"/>
-              </a:defRPr>
-            </a:lvl4pPr>
-            <a:lvl5pPr marL="1828800" algn="l" defTabSz="914400" rtl="0" eaLnBrk="1" latinLnBrk="0" hangingPunct="1">
-              <a:defRPr sz="1800" kern="1200">
-                <a:solidFill>
-                  <a:schemeClr val="tx1"/>
-                </a:solidFill>
-                <a:latin typeface="+mn-lt"/>
-                <a:ea typeface="+mn-ea"/>
-                <a:cs typeface="+mn-cs"/>
-              </a:defRPr>
-            </a:lvl5pPr>
-            <a:lvl6pPr marL="2286000" algn="l" defTabSz="914400" rtl="0" eaLnBrk="1" latinLnBrk="0" hangingPunct="1">
-              <a:defRPr sz="1800" kern="1200">
-                <a:solidFill>
-                  <a:schemeClr val="tx1"/>
-                </a:solidFill>
-                <a:latin typeface="+mn-lt"/>
-                <a:ea typeface="+mn-ea"/>
-                <a:cs typeface="+mn-cs"/>
-              </a:defRPr>
-            </a:lvl6pPr>
-            <a:lvl7pPr marL="2743200" algn="l" defTabSz="914400" rtl="0" eaLnBrk="1" latinLnBrk="0" hangingPunct="1">
-              <a:defRPr sz="1800" kern="1200">
-                <a:solidFill>
-                  <a:schemeClr val="tx1"/>
-                </a:solidFill>
-                <a:latin typeface="+mn-lt"/>
-                <a:ea typeface="+mn-ea"/>
-                <a:cs typeface="+mn-cs"/>
-              </a:defRPr>
-            </a:lvl7pPr>
-            <a:lvl8pPr marL="3200400" algn="l" defTabSz="914400" rtl="0" eaLnBrk="1" latinLnBrk="0" hangingPunct="1">
-              <a:defRPr sz="1800" kern="1200">
-                <a:solidFill>
-                  <a:schemeClr val="tx1"/>
-                </a:solidFill>
-                <a:latin typeface="+mn-lt"/>
-                <a:ea typeface="+mn-ea"/>
-                <a:cs typeface="+mn-cs"/>
-              </a:defRPr>
-            </a:lvl8pPr>
-            <a:lvl9pPr marL="3657600" algn="l" defTabSz="914400" rtl="0" eaLnBrk="1" latinLnBrk="0" hangingPunct="1">
-              <a:defRPr sz="1800" kern="1200">
-                <a:solidFill>
-                  <a:schemeClr val="tx1"/>
-                </a:solidFill>
-                <a:latin typeface="+mn-lt"/>
-                <a:ea typeface="+mn-ea"/>
-                <a:cs typeface="+mn-cs"/>
-              </a:defRPr>
-            </a:lvl9pPr>
-          </a:lstStyle>
-          <a:p>
-            <a:pPr algn="l"/>
-            <a:r>
-              <a:rPr lang="en-US" dirty="0">
-                <a:solidFill>
-                  <a:schemeClr val="bg1"/>
-                </a:solidFill>
-              </a:rPr>
-              <a:t>The Relationship Between Demographics &amp; Violent crime in the US</a:t>
-            </a:r>
-          </a:p>
-          <a:p>
-            <a:pPr algn="l"/>
-            <a:r>
-              <a:rPr lang="en-US" dirty="0" err="1">
-                <a:solidFill>
-                  <a:schemeClr val="bg1"/>
-                </a:solidFill>
-              </a:rPr>
-              <a:t>Temidayo</a:t>
-            </a:r>
-            <a:r>
-              <a:rPr lang="en-US" dirty="0">
-                <a:solidFill>
-                  <a:schemeClr val="bg1"/>
-                </a:solidFill>
-              </a:rPr>
-              <a:t> </a:t>
-            </a:r>
-            <a:r>
-              <a:rPr lang="en-US" dirty="0" err="1">
-                <a:solidFill>
-                  <a:schemeClr val="bg1"/>
-                </a:solidFill>
-              </a:rPr>
-              <a:t>Akinsanya</a:t>
-            </a:r>
-            <a:endParaRPr lang="en-US" dirty="0">
-              <a:solidFill>
-                <a:schemeClr val="bg1"/>
-              </a:solidFill>
-            </a:endParaRPr>
-          </a:p>
-          <a:p>
-            <a:pPr algn="l"/>
-            <a:r>
-              <a:rPr lang="en-US" dirty="0">
-                <a:solidFill>
-                  <a:schemeClr val="bg1"/>
-                </a:solidFill>
-              </a:rPr>
-              <a:t>Cheryl Johnson</a:t>
-            </a:r>
-          </a:p>
-        </p:txBody>
-      </p:sp>
-      <p:pic>
-        <p:nvPicPr>
-          <p:cNvPr id="20" name="Picture 19">
-            <a:extLst>
-              <a:ext uri="{FF2B5EF4-FFF2-40B4-BE49-F238E27FC236}">
-                <a16:creationId xmlns:a16="http://schemas.microsoft.com/office/drawing/2014/main" id="{FC74450E-1D02-422D-8432-AF90FB9F729B}"/>
-              </a:ext>
-            </a:extLst>
-          </p:cNvPr>
-          <p:cNvPicPr>
-            <a:picLocks noChangeAspect="1"/>
-          </p:cNvPicPr>
-          <p:nvPr/>
-        </p:nvPicPr>
-        <p:blipFill>
-          <a:blip r:embed="rId2">
-            <a:extLst>
-              <a:ext uri="{28A0092B-C50C-407E-A947-70E740481C1C}">
-                <a14:useLocalDpi xmlns:a14="http://schemas.microsoft.com/office/drawing/2010/main" val="0"/>
-              </a:ext>
-            </a:extLst>
-          </a:blip>
-          <a:stretch>
-            <a:fillRect/>
-          </a:stretch>
-        </p:blipFill>
-        <p:spPr>
-          <a:xfrm>
-            <a:off x="0" y="4151868"/>
-            <a:ext cx="4444054" cy="2222027"/>
-          </a:xfrm>
-          <a:prstGeom prst="rect">
-            <a:avLst/>
-          </a:prstGeom>
-        </p:spPr>
-      </p:pic>
-      <p:pic>
-        <p:nvPicPr>
-          <p:cNvPr id="12" name="Picture 11">
-            <a:extLst>
-              <a:ext uri="{FF2B5EF4-FFF2-40B4-BE49-F238E27FC236}">
-                <a16:creationId xmlns:a16="http://schemas.microsoft.com/office/drawing/2014/main" id="{2CF1CF7A-C1B2-4590-8D12-90B5A6FFFCF4}"/>
-              </a:ext>
-            </a:extLst>
-          </p:cNvPr>
-          <p:cNvPicPr>
-            <a:picLocks noChangeAspect="1"/>
-          </p:cNvPicPr>
-          <p:nvPr/>
-        </p:nvPicPr>
-        <p:blipFill>
-          <a:blip r:embed="rId3">
-            <a:extLst>
-              <a:ext uri="{28A0092B-C50C-407E-A947-70E740481C1C}">
-                <a14:useLocalDpi xmlns:a14="http://schemas.microsoft.com/office/drawing/2010/main" val="0"/>
-              </a:ext>
-            </a:extLst>
-          </a:blip>
-          <a:stretch>
-            <a:fillRect/>
-          </a:stretch>
-        </p:blipFill>
-        <p:spPr>
-          <a:xfrm>
-            <a:off x="9260" y="1524000"/>
-            <a:ext cx="4495800" cy="2247900"/>
-          </a:xfrm>
-          <a:prstGeom prst="rect">
-            <a:avLst/>
-          </a:prstGeom>
-        </p:spPr>
-      </p:pic>
-      <p:sp>
-        <p:nvSpPr>
-          <p:cNvPr id="29" name="Title 1">
-            <a:extLst>
-              <a:ext uri="{FF2B5EF4-FFF2-40B4-BE49-F238E27FC236}">
-                <a16:creationId xmlns:a16="http://schemas.microsoft.com/office/drawing/2014/main" id="{FC52B765-3245-46C2-A95E-961CDCFC5708}"/>
-              </a:ext>
-            </a:extLst>
-          </p:cNvPr>
-          <p:cNvSpPr>
-            <a:spLocks noGrp="1"/>
-          </p:cNvSpPr>
-          <p:nvPr>
-            <p:ph type="title"/>
-          </p:nvPr>
-        </p:nvSpPr>
-        <p:spPr>
-          <a:xfrm>
-            <a:off x="0" y="9271"/>
-            <a:ext cx="8453438" cy="666551"/>
-          </a:xfrm>
-        </p:spPr>
-        <p:txBody>
-          <a:bodyPr/>
-          <a:lstStyle/>
-          <a:p>
-            <a:pPr algn="ctr"/>
-            <a:r>
-              <a:rPr lang="en-US" sz="3200" dirty="0"/>
-              <a:t>Analysis: Marital Status, Race</a:t>
-            </a:r>
-          </a:p>
-        </p:txBody>
-      </p:sp>
-      <p:pic>
-        <p:nvPicPr>
-          <p:cNvPr id="30" name="Picture 29">
-            <a:extLst>
-              <a:ext uri="{FF2B5EF4-FFF2-40B4-BE49-F238E27FC236}">
-                <a16:creationId xmlns:a16="http://schemas.microsoft.com/office/drawing/2014/main" id="{829B38C9-7181-4C8C-9E6A-8A54EC314A12}"/>
-              </a:ext>
-            </a:extLst>
-          </p:cNvPr>
-          <p:cNvPicPr>
-            <a:picLocks noChangeAspect="1"/>
-          </p:cNvPicPr>
-          <p:nvPr/>
-        </p:nvPicPr>
-        <p:blipFill>
-          <a:blip r:embed="rId4">
-            <a:extLst>
-              <a:ext uri="{28A0092B-C50C-407E-A947-70E740481C1C}">
-                <a14:useLocalDpi xmlns:a14="http://schemas.microsoft.com/office/drawing/2010/main" val="0"/>
-              </a:ext>
-            </a:extLst>
-          </a:blip>
-          <a:stretch>
-            <a:fillRect/>
-          </a:stretch>
-        </p:blipFill>
-        <p:spPr>
-          <a:xfrm>
-            <a:off x="3938588" y="1524000"/>
-            <a:ext cx="4495800" cy="2247900"/>
-          </a:xfrm>
-          <a:prstGeom prst="rect">
-            <a:avLst/>
-          </a:prstGeom>
-        </p:spPr>
-      </p:pic>
-      <p:pic>
-        <p:nvPicPr>
-          <p:cNvPr id="31" name="Picture 30">
-            <a:extLst>
-              <a:ext uri="{FF2B5EF4-FFF2-40B4-BE49-F238E27FC236}">
-                <a16:creationId xmlns:a16="http://schemas.microsoft.com/office/drawing/2014/main" id="{37497EE7-37B3-41A9-8E96-E48DCCE03DCB}"/>
-              </a:ext>
-            </a:extLst>
-          </p:cNvPr>
-          <p:cNvPicPr>
-            <a:picLocks noChangeAspect="1"/>
-          </p:cNvPicPr>
-          <p:nvPr/>
-        </p:nvPicPr>
-        <p:blipFill>
-          <a:blip r:embed="rId5">
-            <a:extLst>
-              <a:ext uri="{28A0092B-C50C-407E-A947-70E740481C1C}">
-                <a14:useLocalDpi xmlns:a14="http://schemas.microsoft.com/office/drawing/2010/main" val="0"/>
-              </a:ext>
-            </a:extLst>
-          </a:blip>
-          <a:stretch>
-            <a:fillRect/>
-          </a:stretch>
-        </p:blipFill>
-        <p:spPr>
-          <a:xfrm>
-            <a:off x="4009384" y="4151868"/>
-            <a:ext cx="4444054" cy="2222027"/>
-          </a:xfrm>
-          <a:prstGeom prst="rect">
-            <a:avLst/>
-          </a:prstGeom>
-        </p:spPr>
-      </p:pic>
-      <p:sp>
-        <p:nvSpPr>
-          <p:cNvPr id="32" name="Content Placeholder 2">
-            <a:extLst>
-              <a:ext uri="{FF2B5EF4-FFF2-40B4-BE49-F238E27FC236}">
-                <a16:creationId xmlns:a16="http://schemas.microsoft.com/office/drawing/2014/main" id="{36727AF8-565D-46BA-AB17-0FC16A9ABE02}"/>
-              </a:ext>
-            </a:extLst>
-          </p:cNvPr>
-          <p:cNvSpPr>
-            <a:spLocks noGrp="1"/>
-          </p:cNvSpPr>
-          <p:nvPr>
-            <p:ph idx="1"/>
-          </p:nvPr>
-        </p:nvSpPr>
-        <p:spPr>
-          <a:xfrm>
-            <a:off x="0" y="675822"/>
-            <a:ext cx="8113885" cy="1104495"/>
-          </a:xfrm>
-        </p:spPr>
-        <p:txBody>
-          <a:bodyPr>
-            <a:normAutofit fontScale="92500" lnSpcReduction="20000"/>
-          </a:bodyPr>
-          <a:lstStyle/>
-          <a:p>
-            <a:pPr marL="411480" lvl="1" indent="0">
-              <a:buNone/>
-            </a:pPr>
-            <a:r>
-              <a:rPr lang="en-US" dirty="0"/>
-              <a:t>We created stacked bar charts of School Enrollment and Education Level demographics for the Low Violent Crime Rate locations and the High Violent Crime Rate locations to see whether we observed any obvious trends or differences that might influence our inquiry.</a:t>
-            </a:r>
-          </a:p>
-          <a:p>
-            <a:pPr lvl="1"/>
-            <a:endParaRPr lang="en-US" dirty="0"/>
-          </a:p>
-          <a:p>
-            <a:pPr marL="411480" lvl="1" indent="0">
-              <a:buNone/>
-            </a:pPr>
-            <a:endParaRPr lang="en-US" dirty="0"/>
-          </a:p>
-          <a:p>
-            <a:pPr marL="411480" lvl="1" indent="0">
-              <a:buNone/>
-            </a:pPr>
-            <a:endParaRPr lang="en-US" dirty="0"/>
-          </a:p>
-          <a:p>
-            <a:pPr marL="411480" lvl="1" indent="0">
-              <a:buNone/>
-            </a:pPr>
-            <a:endParaRPr lang="en-US" dirty="0"/>
-          </a:p>
-          <a:p>
-            <a:pPr marL="411480" lvl="1" indent="0">
-              <a:buNone/>
-            </a:pPr>
-            <a:endParaRPr lang="en-US" dirty="0"/>
-          </a:p>
-        </p:txBody>
-      </p:sp>
-      <p:sp>
-        <p:nvSpPr>
-          <p:cNvPr id="33" name="Content Placeholder 2">
-            <a:extLst>
-              <a:ext uri="{FF2B5EF4-FFF2-40B4-BE49-F238E27FC236}">
-                <a16:creationId xmlns:a16="http://schemas.microsoft.com/office/drawing/2014/main" id="{0D4CFCF4-F84F-42AE-A6E7-B1F1CBF1A4A8}"/>
-              </a:ext>
-            </a:extLst>
-          </p:cNvPr>
-          <p:cNvSpPr txBox="1">
-            <a:spLocks/>
-          </p:cNvSpPr>
-          <p:nvPr/>
-        </p:nvSpPr>
-        <p:spPr>
-          <a:xfrm>
-            <a:off x="216116" y="3774457"/>
-            <a:ext cx="7732885" cy="330761"/>
-          </a:xfrm>
-          <a:prstGeom prst="rect">
-            <a:avLst/>
-          </a:prstGeom>
-        </p:spPr>
-        <p:txBody>
-          <a:bodyPr vert="horz" lIns="91440" tIns="45720" rIns="91440" bIns="45720" rtlCol="0">
-            <a:normAutofit/>
-          </a:bodyPr>
-          <a:lstStyle>
-            <a:lvl1pPr marL="342900" indent="-228600" algn="l" defTabSz="914400" rtl="0" eaLnBrk="1" latinLnBrk="0" hangingPunct="1">
-              <a:spcBef>
-                <a:spcPct val="20000"/>
-              </a:spcBef>
-              <a:buClr>
-                <a:schemeClr val="accent1"/>
-              </a:buClr>
-              <a:buFont typeface="Arial" pitchFamily="34" charset="0"/>
-              <a:buChar char="•"/>
-              <a:defRPr sz="2200" kern="1200">
-                <a:solidFill>
-                  <a:schemeClr val="tx1"/>
-                </a:solidFill>
-                <a:latin typeface="+mn-lt"/>
-                <a:ea typeface="+mn-ea"/>
-                <a:cs typeface="+mn-cs"/>
-              </a:defRPr>
-            </a:lvl1pPr>
-            <a:lvl2pPr marL="640080" indent="-228600" algn="l" defTabSz="914400" rtl="0" eaLnBrk="1" latinLnBrk="0" hangingPunct="1">
-              <a:spcBef>
-                <a:spcPct val="20000"/>
-              </a:spcBef>
-              <a:buClr>
-                <a:schemeClr val="accent2"/>
-              </a:buClr>
-              <a:buFont typeface="Arial" pitchFamily="34" charset="0"/>
-              <a:buChar char="•"/>
-              <a:defRPr sz="2000" kern="1200">
-                <a:solidFill>
-                  <a:schemeClr val="tx1"/>
-                </a:solidFill>
-                <a:latin typeface="+mn-lt"/>
-                <a:ea typeface="+mn-ea"/>
-                <a:cs typeface="+mn-cs"/>
-              </a:defRPr>
-            </a:lvl2pPr>
-            <a:lvl3pPr marL="1005840" indent="-228600" algn="l" defTabSz="914400" rtl="0" eaLnBrk="1" latinLnBrk="0" hangingPunct="1">
-              <a:spcBef>
-                <a:spcPct val="20000"/>
-              </a:spcBef>
-              <a:buClr>
-                <a:schemeClr val="accent3"/>
-              </a:buClr>
-              <a:buFont typeface="Arial" pitchFamily="34" charset="0"/>
-              <a:buChar char="•"/>
-              <a:defRPr sz="1800" kern="1200">
-                <a:solidFill>
-                  <a:schemeClr val="tx1"/>
-                </a:solidFill>
-                <a:latin typeface="+mn-lt"/>
-                <a:ea typeface="+mn-ea"/>
-                <a:cs typeface="+mn-cs"/>
-              </a:defRPr>
-            </a:lvl3pPr>
-            <a:lvl4pPr marL="1280160" indent="-228600" algn="l" defTabSz="914400" rtl="0" eaLnBrk="1" latinLnBrk="0" hangingPunct="1">
-              <a:spcBef>
-                <a:spcPct val="20000"/>
-              </a:spcBef>
-              <a:buClr>
-                <a:schemeClr val="accent4"/>
-              </a:buClr>
-              <a:buFont typeface="Arial" pitchFamily="34" charset="0"/>
-              <a:buChar char="•"/>
-              <a:defRPr sz="1600" kern="1200">
-                <a:solidFill>
-                  <a:schemeClr val="tx1"/>
-                </a:solidFill>
-                <a:latin typeface="+mn-lt"/>
-                <a:ea typeface="+mn-ea"/>
-                <a:cs typeface="+mn-cs"/>
-              </a:defRPr>
-            </a:lvl4pPr>
-            <a:lvl5pPr marL="1554480" indent="-228600" algn="l" defTabSz="914400" rtl="0" eaLnBrk="1" latinLnBrk="0" hangingPunct="1">
-              <a:spcBef>
-                <a:spcPct val="20000"/>
-              </a:spcBef>
-              <a:buClr>
-                <a:schemeClr val="accent5"/>
-              </a:buClr>
-              <a:buFont typeface="Arial" pitchFamily="34" charset="0"/>
-              <a:buChar char="•"/>
-              <a:defRPr sz="1400" kern="1200" baseline="0">
-                <a:solidFill>
-                  <a:schemeClr val="tx1"/>
-                </a:solidFill>
-                <a:latin typeface="+mn-lt"/>
-                <a:ea typeface="+mn-ea"/>
-                <a:cs typeface="+mn-cs"/>
-              </a:defRPr>
-            </a:lvl5pPr>
-            <a:lvl6pPr marL="1737360" indent="-182880" algn="l" defTabSz="914400" rtl="0" eaLnBrk="1" latinLnBrk="0" hangingPunct="1">
-              <a:spcBef>
-                <a:spcPct val="20000"/>
-              </a:spcBef>
-              <a:buClr>
-                <a:schemeClr val="accent1"/>
-              </a:buClr>
-              <a:buFont typeface="Arial" pitchFamily="34" charset="0"/>
-              <a:buChar char="•"/>
-              <a:defRPr sz="1400" kern="1200" baseline="0">
-                <a:solidFill>
-                  <a:schemeClr val="tx1"/>
-                </a:solidFill>
-                <a:latin typeface="+mn-lt"/>
-                <a:ea typeface="+mn-ea"/>
-                <a:cs typeface="+mn-cs"/>
-              </a:defRPr>
-            </a:lvl6pPr>
-            <a:lvl7pPr marL="1920240" indent="-182880" algn="l" defTabSz="914400" rtl="0" eaLnBrk="1" latinLnBrk="0" hangingPunct="1">
-              <a:spcBef>
-                <a:spcPct val="20000"/>
-              </a:spcBef>
-              <a:buClr>
-                <a:schemeClr val="accent2"/>
-              </a:buClr>
-              <a:buFont typeface="Arial" pitchFamily="34" charset="0"/>
-              <a:buChar char="•"/>
-              <a:defRPr sz="1400" kern="1200">
-                <a:solidFill>
-                  <a:schemeClr val="tx1"/>
-                </a:solidFill>
-                <a:latin typeface="+mn-lt"/>
-                <a:ea typeface="+mn-ea"/>
-                <a:cs typeface="+mn-cs"/>
-              </a:defRPr>
-            </a:lvl7pPr>
-            <a:lvl8pPr marL="2103120" indent="-182880" algn="l" defTabSz="914400" rtl="0" eaLnBrk="1" latinLnBrk="0" hangingPunct="1">
-              <a:spcBef>
-                <a:spcPct val="20000"/>
-              </a:spcBef>
-              <a:buClr>
-                <a:schemeClr val="accent3"/>
-              </a:buClr>
-              <a:buFont typeface="Arial" pitchFamily="34" charset="0"/>
-              <a:buChar char="•"/>
-              <a:defRPr sz="1400" kern="1200">
-                <a:solidFill>
-                  <a:schemeClr val="tx1"/>
-                </a:solidFill>
-                <a:latin typeface="+mn-lt"/>
-                <a:ea typeface="+mn-ea"/>
-                <a:cs typeface="+mn-cs"/>
-              </a:defRPr>
-            </a:lvl8pPr>
-            <a:lvl9pPr marL="2286000" indent="-182880" algn="l" defTabSz="914400" rtl="0" eaLnBrk="1" latinLnBrk="0" hangingPunct="1">
-              <a:spcBef>
-                <a:spcPct val="20000"/>
-              </a:spcBef>
-              <a:buClr>
-                <a:schemeClr val="accent4"/>
-              </a:buClr>
-              <a:buFont typeface="Arial" pitchFamily="34" charset="0"/>
-              <a:buChar char="•"/>
-              <a:defRPr sz="1400" kern="1200">
-                <a:solidFill>
-                  <a:schemeClr val="tx1"/>
-                </a:solidFill>
-                <a:latin typeface="+mn-lt"/>
-                <a:ea typeface="+mn-ea"/>
-                <a:cs typeface="+mn-cs"/>
-              </a:defRPr>
-            </a:lvl9pPr>
-          </a:lstStyle>
-          <a:p>
-            <a:pPr marL="411480" lvl="1" indent="0">
-              <a:buFont typeface="Arial" pitchFamily="34" charset="0"/>
-              <a:buNone/>
-            </a:pPr>
-            <a:r>
-              <a:rPr lang="en-US" sz="1400" dirty="0"/>
-              <a:t>     (low violent crime)                              Marital Status                    (high violent crime)</a:t>
-            </a:r>
-          </a:p>
-          <a:p>
-            <a:pPr marL="411480" lvl="1" indent="0">
-              <a:buFont typeface="Arial" pitchFamily="34" charset="0"/>
-              <a:buNone/>
-            </a:pPr>
-            <a:endParaRPr lang="en-US" sz="1800" dirty="0"/>
-          </a:p>
-          <a:p>
-            <a:pPr marL="411480" lvl="1" indent="0">
-              <a:buFont typeface="Arial" pitchFamily="34" charset="0"/>
-              <a:buNone/>
-            </a:pPr>
-            <a:endParaRPr lang="en-US" dirty="0"/>
-          </a:p>
-          <a:p>
-            <a:pPr marL="411480" lvl="1" indent="0">
-              <a:buFont typeface="Arial" pitchFamily="34" charset="0"/>
-              <a:buNone/>
-            </a:pPr>
-            <a:endParaRPr lang="en-US" dirty="0"/>
-          </a:p>
-          <a:p>
-            <a:pPr marL="411480" lvl="1" indent="0">
-              <a:buFont typeface="Arial" pitchFamily="34" charset="0"/>
-              <a:buNone/>
-            </a:pPr>
-            <a:endParaRPr lang="en-US" dirty="0"/>
-          </a:p>
-        </p:txBody>
-      </p:sp>
-      <p:sp>
-        <p:nvSpPr>
-          <p:cNvPr id="35" name="Content Placeholder 2">
-            <a:extLst>
-              <a:ext uri="{FF2B5EF4-FFF2-40B4-BE49-F238E27FC236}">
-                <a16:creationId xmlns:a16="http://schemas.microsoft.com/office/drawing/2014/main" id="{133B86E6-C73B-429E-BD2E-38C73486E358}"/>
-              </a:ext>
-            </a:extLst>
-          </p:cNvPr>
-          <p:cNvSpPr txBox="1">
-            <a:spLocks/>
-          </p:cNvSpPr>
-          <p:nvPr/>
-        </p:nvSpPr>
-        <p:spPr>
-          <a:xfrm>
-            <a:off x="360276" y="6402470"/>
-            <a:ext cx="7732885" cy="330761"/>
-          </a:xfrm>
-          <a:prstGeom prst="rect">
-            <a:avLst/>
-          </a:prstGeom>
-        </p:spPr>
-        <p:txBody>
-          <a:bodyPr vert="horz" lIns="91440" tIns="45720" rIns="91440" bIns="45720" rtlCol="0">
-            <a:normAutofit/>
-          </a:bodyPr>
-          <a:lstStyle>
-            <a:lvl1pPr marL="342900" indent="-228600" algn="l" defTabSz="914400" rtl="0" eaLnBrk="1" latinLnBrk="0" hangingPunct="1">
-              <a:spcBef>
-                <a:spcPct val="20000"/>
-              </a:spcBef>
-              <a:buClr>
-                <a:schemeClr val="accent1"/>
-              </a:buClr>
-              <a:buFont typeface="Arial" pitchFamily="34" charset="0"/>
-              <a:buChar char="•"/>
-              <a:defRPr sz="2200" kern="1200">
-                <a:solidFill>
-                  <a:schemeClr val="tx1"/>
-                </a:solidFill>
-                <a:latin typeface="+mn-lt"/>
-                <a:ea typeface="+mn-ea"/>
-                <a:cs typeface="+mn-cs"/>
-              </a:defRPr>
-            </a:lvl1pPr>
-            <a:lvl2pPr marL="640080" indent="-228600" algn="l" defTabSz="914400" rtl="0" eaLnBrk="1" latinLnBrk="0" hangingPunct="1">
-              <a:spcBef>
-                <a:spcPct val="20000"/>
-              </a:spcBef>
-              <a:buClr>
-                <a:schemeClr val="accent2"/>
-              </a:buClr>
-              <a:buFont typeface="Arial" pitchFamily="34" charset="0"/>
-              <a:buChar char="•"/>
-              <a:defRPr sz="2000" kern="1200">
-                <a:solidFill>
-                  <a:schemeClr val="tx1"/>
-                </a:solidFill>
-                <a:latin typeface="+mn-lt"/>
-                <a:ea typeface="+mn-ea"/>
-                <a:cs typeface="+mn-cs"/>
-              </a:defRPr>
-            </a:lvl2pPr>
-            <a:lvl3pPr marL="1005840" indent="-228600" algn="l" defTabSz="914400" rtl="0" eaLnBrk="1" latinLnBrk="0" hangingPunct="1">
-              <a:spcBef>
-                <a:spcPct val="20000"/>
-              </a:spcBef>
-              <a:buClr>
-                <a:schemeClr val="accent3"/>
-              </a:buClr>
-              <a:buFont typeface="Arial" pitchFamily="34" charset="0"/>
-              <a:buChar char="•"/>
-              <a:defRPr sz="1800" kern="1200">
-                <a:solidFill>
-                  <a:schemeClr val="tx1"/>
-                </a:solidFill>
-                <a:latin typeface="+mn-lt"/>
-                <a:ea typeface="+mn-ea"/>
-                <a:cs typeface="+mn-cs"/>
-              </a:defRPr>
-            </a:lvl3pPr>
-            <a:lvl4pPr marL="1280160" indent="-228600" algn="l" defTabSz="914400" rtl="0" eaLnBrk="1" latinLnBrk="0" hangingPunct="1">
-              <a:spcBef>
-                <a:spcPct val="20000"/>
-              </a:spcBef>
-              <a:buClr>
-                <a:schemeClr val="accent4"/>
-              </a:buClr>
-              <a:buFont typeface="Arial" pitchFamily="34" charset="0"/>
-              <a:buChar char="•"/>
-              <a:defRPr sz="1600" kern="1200">
-                <a:solidFill>
-                  <a:schemeClr val="tx1"/>
-                </a:solidFill>
-                <a:latin typeface="+mn-lt"/>
-                <a:ea typeface="+mn-ea"/>
-                <a:cs typeface="+mn-cs"/>
-              </a:defRPr>
-            </a:lvl4pPr>
-            <a:lvl5pPr marL="1554480" indent="-228600" algn="l" defTabSz="914400" rtl="0" eaLnBrk="1" latinLnBrk="0" hangingPunct="1">
-              <a:spcBef>
-                <a:spcPct val="20000"/>
-              </a:spcBef>
-              <a:buClr>
-                <a:schemeClr val="accent5"/>
-              </a:buClr>
-              <a:buFont typeface="Arial" pitchFamily="34" charset="0"/>
-              <a:buChar char="•"/>
-              <a:defRPr sz="1400" kern="1200" baseline="0">
-                <a:solidFill>
-                  <a:schemeClr val="tx1"/>
-                </a:solidFill>
-                <a:latin typeface="+mn-lt"/>
-                <a:ea typeface="+mn-ea"/>
-                <a:cs typeface="+mn-cs"/>
-              </a:defRPr>
-            </a:lvl5pPr>
-            <a:lvl6pPr marL="1737360" indent="-182880" algn="l" defTabSz="914400" rtl="0" eaLnBrk="1" latinLnBrk="0" hangingPunct="1">
-              <a:spcBef>
-                <a:spcPct val="20000"/>
-              </a:spcBef>
-              <a:buClr>
-                <a:schemeClr val="accent1"/>
-              </a:buClr>
-              <a:buFont typeface="Arial" pitchFamily="34" charset="0"/>
-              <a:buChar char="•"/>
-              <a:defRPr sz="1400" kern="1200" baseline="0">
-                <a:solidFill>
-                  <a:schemeClr val="tx1"/>
-                </a:solidFill>
-                <a:latin typeface="+mn-lt"/>
-                <a:ea typeface="+mn-ea"/>
-                <a:cs typeface="+mn-cs"/>
-              </a:defRPr>
-            </a:lvl6pPr>
-            <a:lvl7pPr marL="1920240" indent="-182880" algn="l" defTabSz="914400" rtl="0" eaLnBrk="1" latinLnBrk="0" hangingPunct="1">
-              <a:spcBef>
-                <a:spcPct val="20000"/>
-              </a:spcBef>
-              <a:buClr>
-                <a:schemeClr val="accent2"/>
-              </a:buClr>
-              <a:buFont typeface="Arial" pitchFamily="34" charset="0"/>
-              <a:buChar char="•"/>
-              <a:defRPr sz="1400" kern="1200">
-                <a:solidFill>
-                  <a:schemeClr val="tx1"/>
-                </a:solidFill>
-                <a:latin typeface="+mn-lt"/>
-                <a:ea typeface="+mn-ea"/>
-                <a:cs typeface="+mn-cs"/>
-              </a:defRPr>
-            </a:lvl7pPr>
-            <a:lvl8pPr marL="2103120" indent="-182880" algn="l" defTabSz="914400" rtl="0" eaLnBrk="1" latinLnBrk="0" hangingPunct="1">
-              <a:spcBef>
-                <a:spcPct val="20000"/>
-              </a:spcBef>
-              <a:buClr>
-                <a:schemeClr val="accent3"/>
-              </a:buClr>
-              <a:buFont typeface="Arial" pitchFamily="34" charset="0"/>
-              <a:buChar char="•"/>
-              <a:defRPr sz="1400" kern="1200">
-                <a:solidFill>
-                  <a:schemeClr val="tx1"/>
-                </a:solidFill>
-                <a:latin typeface="+mn-lt"/>
-                <a:ea typeface="+mn-ea"/>
-                <a:cs typeface="+mn-cs"/>
-              </a:defRPr>
-            </a:lvl8pPr>
-            <a:lvl9pPr marL="2286000" indent="-182880" algn="l" defTabSz="914400" rtl="0" eaLnBrk="1" latinLnBrk="0" hangingPunct="1">
-              <a:spcBef>
-                <a:spcPct val="20000"/>
-              </a:spcBef>
-              <a:buClr>
-                <a:schemeClr val="accent4"/>
-              </a:buClr>
-              <a:buFont typeface="Arial" pitchFamily="34" charset="0"/>
-              <a:buChar char="•"/>
-              <a:defRPr sz="1400" kern="1200">
-                <a:solidFill>
-                  <a:schemeClr val="tx1"/>
-                </a:solidFill>
-                <a:latin typeface="+mn-lt"/>
-                <a:ea typeface="+mn-ea"/>
-                <a:cs typeface="+mn-cs"/>
-              </a:defRPr>
-            </a:lvl9pPr>
-          </a:lstStyle>
-          <a:p>
-            <a:pPr marL="411480" lvl="1" indent="0">
-              <a:buFont typeface="Arial" pitchFamily="34" charset="0"/>
-              <a:buNone/>
-            </a:pPr>
-            <a:r>
-              <a:rPr lang="en-US" sz="1400" dirty="0"/>
-              <a:t>(low violent crime)                                       Race                             (high violent crime)</a:t>
-            </a:r>
-          </a:p>
-          <a:p>
-            <a:pPr marL="411480" lvl="1" indent="0">
-              <a:buFont typeface="Arial" pitchFamily="34" charset="0"/>
-              <a:buNone/>
-            </a:pPr>
-            <a:endParaRPr lang="en-US" sz="1800" dirty="0"/>
-          </a:p>
-          <a:p>
-            <a:pPr marL="411480" lvl="1" indent="0">
-              <a:buFont typeface="Arial" pitchFamily="34" charset="0"/>
-              <a:buNone/>
-            </a:pPr>
-            <a:endParaRPr lang="en-US" dirty="0"/>
-          </a:p>
-          <a:p>
-            <a:pPr marL="411480" lvl="1" indent="0">
-              <a:buFont typeface="Arial" pitchFamily="34" charset="0"/>
-              <a:buNone/>
-            </a:pPr>
-            <a:endParaRPr lang="en-US" dirty="0"/>
-          </a:p>
-          <a:p>
-            <a:pPr marL="411480" lvl="1" indent="0">
-              <a:buFont typeface="Arial" pitchFamily="34" charset="0"/>
-              <a:buNone/>
-            </a:pPr>
-            <a:endParaRPr lang="en-US" dirty="0"/>
-          </a:p>
-        </p:txBody>
-      </p:sp>
-    </p:spTree>
-    <p:extLst>
-      <p:ext uri="{BB962C8B-B14F-4D97-AF65-F5344CB8AC3E}">
-        <p14:creationId xmlns:p14="http://schemas.microsoft.com/office/powerpoint/2010/main" val="974027294"/>
       </p:ext>
     </p:extLst>
   </p:cSld>

--- a/Data Analytics Bootcamp Project 1.pptx
+++ b/Data Analytics Bootcamp Project 1.pptx
@@ -5,10 +5,10 @@
     <p:sldMasterId id="2147483852" r:id="rId1"/>
   </p:sldMasterIdLst>
   <p:notesMasterIdLst>
-    <p:notesMasterId r:id="rId24"/>
+    <p:notesMasterId r:id="rId23"/>
   </p:notesMasterIdLst>
   <p:handoutMasterIdLst>
-    <p:handoutMasterId r:id="rId25"/>
+    <p:handoutMasterId r:id="rId24"/>
   </p:handoutMasterIdLst>
   <p:sldIdLst>
     <p:sldId id="274" r:id="rId2"/>
@@ -28,11 +28,10 @@
     <p:sldId id="278" r:id="rId16"/>
     <p:sldId id="279" r:id="rId17"/>
     <p:sldId id="282" r:id="rId18"/>
-    <p:sldId id="281" r:id="rId19"/>
-    <p:sldId id="291" r:id="rId20"/>
-    <p:sldId id="289" r:id="rId21"/>
-    <p:sldId id="292" r:id="rId22"/>
-    <p:sldId id="290" r:id="rId23"/>
+    <p:sldId id="291" r:id="rId19"/>
+    <p:sldId id="289" r:id="rId20"/>
+    <p:sldId id="292" r:id="rId21"/>
+    <p:sldId id="290" r:id="rId22"/>
   </p:sldIdLst>
   <p:sldSz cx="9144000" cy="6858000" type="screen4x3"/>
   <p:notesSz cx="6858000" cy="9144000"/>
@@ -401,7 +400,7 @@
             <a:fld id="{E7B5CF24-ADA2-485D-8476-803EFF2C67AF}" type="datetimeFigureOut">
               <a:rPr lang="en-US" smtClean="0"/>
               <a:pPr/>
-              <a:t>9/7/2020</a:t>
+              <a:t>9/8/2020</a:t>
             </a:fld>
             <a:endParaRPr lang="en-US"/>
           </a:p>
@@ -956,7 +955,7 @@
             <a:fld id="{1E279A52-C97F-F44C-99FA-0AE799F89639}" type="datetime1">
               <a:rPr lang="en-US" smtClean="0"/>
               <a:pPr/>
-              <a:t>9/7/2020</a:t>
+              <a:t>9/8/2020</a:t>
             </a:fld>
             <a:endParaRPr lang="en-US" dirty="0"/>
           </a:p>
@@ -1129,7 +1128,7 @@
             <a:fld id="{BAFCCA07-4532-DB4A-8CB7-6E50CDF5C694}" type="datetime1">
               <a:rPr lang="en-US" smtClean="0"/>
               <a:pPr/>
-              <a:t>9/7/2020</a:t>
+              <a:t>9/8/2020</a:t>
             </a:fld>
             <a:endParaRPr lang="en-US"/>
           </a:p>
@@ -1309,7 +1308,7 @@
             <a:fld id="{B10CE1A4-18DA-D549-AD39-000994DDBFA2}" type="datetime1">
               <a:rPr lang="en-US" smtClean="0"/>
               <a:pPr/>
-              <a:t>9/7/2020</a:t>
+              <a:t>9/8/2020</a:t>
             </a:fld>
             <a:endParaRPr lang="en-US"/>
           </a:p>
@@ -1478,7 +1477,7 @@
             <a:fld id="{6BC4BDF7-9CD0-3840-BAF6-6BDA638E0FF2}" type="datetime1">
               <a:rPr lang="en-US" smtClean="0"/>
               <a:pPr/>
-              <a:t>9/7/2020</a:t>
+              <a:t>9/8/2020</a:t>
             </a:fld>
             <a:endParaRPr lang="en-US"/>
           </a:p>
@@ -1725,7 +1724,7 @@
             <a:fld id="{FFCE5DD5-8A67-6941-9066-8701BDEE3FF1}" type="datetime1">
               <a:rPr lang="en-US" smtClean="0"/>
               <a:pPr/>
-              <a:t>9/7/2020</a:t>
+              <a:t>9/8/2020</a:t>
             </a:fld>
             <a:endParaRPr lang="en-US"/>
           </a:p>
@@ -2013,7 +2012,7 @@
             <a:fld id="{8A3F6F33-6551-D64D-A3CC-83DB1DAF33F2}" type="datetime1">
               <a:rPr lang="en-US" smtClean="0"/>
               <a:pPr/>
-              <a:t>9/7/2020</a:t>
+              <a:t>9/8/2020</a:t>
             </a:fld>
             <a:endParaRPr lang="en-US"/>
           </a:p>
@@ -2446,7 +2445,7 @@
             <a:fld id="{9276E6B7-7141-7E49-A273-E17090E020B3}" type="datetime1">
               <a:rPr lang="en-US" smtClean="0"/>
               <a:pPr/>
-              <a:t>9/7/2020</a:t>
+              <a:t>9/8/2020</a:t>
             </a:fld>
             <a:endParaRPr lang="en-US"/>
           </a:p>
@@ -2564,7 +2563,7 @@
             <a:fld id="{ABBEFBB6-040A-A44C-9A65-4F34DDE9B5F6}" type="datetime1">
               <a:rPr lang="en-US" smtClean="0"/>
               <a:pPr/>
-              <a:t>9/7/2020</a:t>
+              <a:t>9/8/2020</a:t>
             </a:fld>
             <a:endParaRPr lang="en-US"/>
           </a:p>
@@ -2659,7 +2658,7 @@
             <a:fld id="{5A891BBA-2962-6B40-AE6B-934A87539510}" type="datetime1">
               <a:rPr lang="en-US" smtClean="0"/>
               <a:pPr/>
-              <a:t>9/7/2020</a:t>
+              <a:t>9/8/2020</a:t>
             </a:fld>
             <a:endParaRPr lang="en-US" dirty="0"/>
           </a:p>
@@ -2853,7 +2852,7 @@
             <a:fld id="{E98E62FB-94BC-9746-BC4F-8887E41179A8}" type="datetime1">
               <a:rPr lang="en-US" smtClean="0"/>
               <a:pPr/>
-              <a:t>9/7/2020</a:t>
+              <a:t>9/8/2020</a:t>
             </a:fld>
             <a:endParaRPr lang="en-US"/>
           </a:p>
@@ -3175,7 +3174,7 @@
             <a:fld id="{FE0D542B-D89A-7E4D-9233-BE7C3CCC5D46}" type="datetime1">
               <a:rPr lang="en-US" smtClean="0"/>
               <a:pPr/>
-              <a:t>9/7/2020</a:t>
+              <a:t>9/8/2020</a:t>
             </a:fld>
             <a:endParaRPr lang="en-US"/>
           </a:p>
@@ -3562,7 +3561,7 @@
             <a:fld id="{5F923945-98C7-1A46-80E5-A9F0A7132471}" type="datetime1">
               <a:rPr lang="en-US" smtClean="0"/>
               <a:pPr/>
-              <a:t>9/7/2020</a:t>
+              <a:t>9/8/2020</a:t>
             </a:fld>
             <a:endParaRPr lang="en-US" dirty="0"/>
           </a:p>
@@ -9309,77 +9308,47 @@
         </p:nvSpPr>
         <p:spPr>
           <a:xfrm>
-            <a:off x="304800" y="914400"/>
-            <a:ext cx="7620000" cy="4348482"/>
+            <a:off x="304800" y="1076960"/>
+            <a:ext cx="7620000" cy="4572000"/>
           </a:xfrm>
         </p:spPr>
         <p:txBody>
           <a:bodyPr>
-            <a:noAutofit/>
+            <a:normAutofit/>
           </a:bodyPr>
           <a:lstStyle/>
           <a:p>
             <a:r>
-              <a:rPr lang="en-US" sz="1200" dirty="0"/>
-              <a:t>Based on our Analysis, our findings are:</a:t>
+              <a:rPr lang="en-US" dirty="0"/>
+              <a:t>Marital Status</a:t>
             </a:r>
           </a:p>
           <a:p>
             <a:pPr lvl="1"/>
-            <a:br>
-              <a:rPr lang="en-US" sz="1200" dirty="0"/>
-            </a:br>
-            <a:br>
-              <a:rPr lang="en-US" sz="1200" dirty="0"/>
-            </a:br>
-            <a:br>
-              <a:rPr lang="en-US" sz="1200" dirty="0"/>
-            </a:br>
-            <a:r>
-              <a:rPr lang="en-US" sz="1200" dirty="0"/>
-              <a:t>6) Income</a:t>
-            </a:r>
-            <a:br>
-              <a:rPr lang="en-US" sz="1200" dirty="0"/>
-            </a:br>
-            <a:r>
-              <a:rPr lang="en-US" sz="1200" dirty="0"/>
-              <a:t>The highest violent crime locations have on average lower median income than the lowest violent crime locations.</a:t>
-            </a:r>
-            <a:br>
-              <a:rPr lang="en-US" sz="1200" dirty="0"/>
-            </a:br>
-            <a:r>
-              <a:rPr lang="en-US" sz="1200" dirty="0"/>
-              <a:t>Although there is an inverse correlation between median income and violent crime in the highest violent crime locations, low income itself does not mean high violent crime as the inverse </a:t>
-            </a:r>
-            <a:r>
-              <a:rPr lang="en-US" sz="1200" dirty="0" err="1"/>
-              <a:t>correlaton</a:t>
-            </a:r>
-            <a:r>
-              <a:rPr lang="en-US" sz="1200" dirty="0"/>
-              <a:t> is 25% with the lowest violent crime locations.</a:t>
-            </a:r>
-            <a:br>
-              <a:rPr lang="en-US" sz="1200" dirty="0"/>
-            </a:br>
-            <a:r>
-              <a:rPr lang="en-US" sz="1200" dirty="0"/>
-              <a:t>Since there are indeed lowest violent crime locations with median income </a:t>
-            </a:r>
-            <a:r>
-              <a:rPr lang="en-US" sz="1200" dirty="0" err="1"/>
-              <a:t>thta</a:t>
-            </a:r>
-            <a:r>
-              <a:rPr lang="en-US" sz="1200" dirty="0"/>
-              <a:t> is lower than some highest violent crime locations, low income on its own can not be attributed to violent crime.</a:t>
-            </a:r>
-            <a:br>
-              <a:rPr lang="en-US" sz="1200" dirty="0"/>
-            </a:br>
-            <a:endParaRPr lang="en-US" sz="1200" dirty="0"/>
+            <a:r>
+              <a:rPr lang="en-US" dirty="0"/>
+              <a:t>The lowest violent crime locations had more married residents than non married residents while the opposite is true for the highest crime violent locations. It appears that marriage seems to be the have a significant impact in the level of violent crime of a location.</a:t>
+            </a:r>
+          </a:p>
+          <a:p>
+            <a:pPr lvl="1"/>
+            <a:r>
+              <a:rPr lang="en-US" dirty="0"/>
+              <a:t>Encouraging healthy and stable marriages can perhaps yield tangible benefits in efforts to reduce violent crimes in cities across the nation.</a:t>
+            </a:r>
+          </a:p>
+          <a:p>
+            <a:r>
+              <a:rPr lang="en-US" sz="2400" dirty="0"/>
+              <a:t>Race</a:t>
+            </a:r>
+          </a:p>
+          <a:p>
+            <a:pPr lvl="1"/>
+            <a:r>
+              <a:rPr lang="en-US" dirty="0"/>
+              <a:t>There are more minorities in the highest violent crime locations than in the lowest violent crime locations. The lowest violent crime locations are over 75% White.</a:t>
+            </a:r>
           </a:p>
         </p:txBody>
       </p:sp>
@@ -9586,7 +9555,7 @@
     </p:spTree>
     <p:extLst>
       <p:ext uri="{BB962C8B-B14F-4D97-AF65-F5344CB8AC3E}">
-        <p14:creationId xmlns:p14="http://schemas.microsoft.com/office/powerpoint/2010/main" val="1049748299"/>
+        <p14:creationId xmlns:p14="http://schemas.microsoft.com/office/powerpoint/2010/main" val="2166172194"/>
       </p:ext>
     </p:extLst>
   </p:cSld>
@@ -9658,40 +9627,47 @@
         </p:spPr>
         <p:txBody>
           <a:bodyPr>
-            <a:normAutofit/>
+            <a:normAutofit fontScale="92500"/>
           </a:bodyPr>
           <a:lstStyle/>
           <a:p>
             <a:r>
               <a:rPr lang="en-US" dirty="0"/>
-              <a:t>Marital Status</a:t>
+              <a:t>Education</a:t>
             </a:r>
           </a:p>
           <a:p>
             <a:pPr lvl="1"/>
             <a:r>
               <a:rPr lang="en-US" dirty="0"/>
-              <a:t>The lowest violent crime locations had more married residents than non married residents while the opposite is true for the highest crime violent locations. It appears that marriage seems to be the have a significant impact in the level of violent crime of a location.</a:t>
+              <a:t>There is more advanced education in the lowest violent crime locations than the highest violent crime locations.</a:t>
             </a:r>
           </a:p>
           <a:p>
             <a:pPr lvl="1"/>
             <a:r>
               <a:rPr lang="en-US" dirty="0"/>
-              <a:t>Encouraging healthy and stable marriages can perhaps yield tangible benefits in efforts to reduce violent crimes in cities across the nation.</a:t>
+              <a:t>There is a steep decline of 60% from Associates to Bachelors degree holders in the highest violent crime cities.</a:t>
+            </a:r>
+          </a:p>
+          <a:p>
+            <a:pPr lvl="1"/>
+            <a:r>
+              <a:rPr lang="en-US" dirty="0"/>
+              <a:t>This shows that improving education attainment or equipping residents with trade skills can contribute to them adding value to the workforce thereby lowering unemployment and possibly violent crime.</a:t>
             </a:r>
           </a:p>
           <a:p>
             <a:r>
               <a:rPr lang="en-US" sz="2400" dirty="0"/>
-              <a:t>Race</a:t>
+              <a:t>School Enrollment</a:t>
             </a:r>
           </a:p>
           <a:p>
             <a:pPr lvl="1"/>
             <a:r>
               <a:rPr lang="en-US" dirty="0"/>
-              <a:t>There are more minorities in the highest violent crime locations than in the lowest violent crime locations. The lowest violent crime locations are over 75% White.</a:t>
+              <a:t>Enrollment in N-12 education has no relationship with the level of violent crime a location has. However, perhaps the quality of education may tell a different story and possibly contribute to the lack of education beyond an Associates degree, as observed above.</a:t>
             </a:r>
           </a:p>
         </p:txBody>
@@ -9899,7 +9875,7 @@
     </p:spTree>
     <p:extLst>
       <p:ext uri="{BB962C8B-B14F-4D97-AF65-F5344CB8AC3E}">
-        <p14:creationId xmlns:p14="http://schemas.microsoft.com/office/powerpoint/2010/main" val="2166172194"/>
+        <p14:creationId xmlns:p14="http://schemas.microsoft.com/office/powerpoint/2010/main" val="3009003864"/>
       </p:ext>
     </p:extLst>
   </p:cSld>
@@ -10340,52 +10316,59 @@
         <p:spPr>
           <a:xfrm>
             <a:off x="304800" y="1076960"/>
-            <a:ext cx="7620000" cy="4572000"/>
+            <a:ext cx="8077200" cy="5552440"/>
           </a:xfrm>
         </p:spPr>
         <p:txBody>
           <a:bodyPr>
-            <a:normAutofit fontScale="92500"/>
+            <a:normAutofit fontScale="92500" lnSpcReduction="20000"/>
           </a:bodyPr>
           <a:lstStyle/>
           <a:p>
             <a:r>
               <a:rPr lang="en-US" dirty="0"/>
-              <a:t>Education</a:t>
+              <a:t>Unemployment</a:t>
             </a:r>
           </a:p>
           <a:p>
             <a:pPr lvl="1"/>
             <a:r>
               <a:rPr lang="en-US" dirty="0"/>
-              <a:t>There is more advanced education in the lowest violent crime locations than the highest violent crime locations.</a:t>
+              <a:t>The lowest violent crime locations on average have an unemployment rate that is within the Federal Reserve's range of ideal unemployment rate of 3.5%-4.5%; while the highest violent crime rate locations are on average, 3% higher than the ideal.</a:t>
             </a:r>
           </a:p>
           <a:p>
             <a:pPr lvl="1"/>
             <a:r>
               <a:rPr lang="en-US" dirty="0"/>
-              <a:t>There is a steep decline of 60% from Associates to Bachelors degree holders in the highest violent crime cities.</a:t>
+              <a:t>While the unemployment rate is higher for the highest crime rate locations, it does not have a correlation to violent crime because there are indeed ideal unemployment locations with the highest violent crime as there are above ideal unemployment locations with the lowest violent crime.</a:t>
+            </a:r>
+          </a:p>
+          <a:p>
+            <a:r>
+              <a:rPr lang="en-US" sz="2400" dirty="0"/>
+              <a:t>Income</a:t>
             </a:r>
           </a:p>
           <a:p>
             <a:pPr lvl="1"/>
             <a:r>
               <a:rPr lang="en-US" dirty="0"/>
-              <a:t>This shows that improving education attainment or equipping residents with trade skills can contribute to them adding value to the workforce thereby lowering unemployment and possibly violent crime.</a:t>
-            </a:r>
-          </a:p>
-          <a:p>
-            <a:r>
-              <a:rPr lang="en-US" sz="2400" dirty="0"/>
-              <a:t>School Enrollment</a:t>
+              <a:t>The highest violent crime locations have on average lower median income than the lowest violent crime locations.</a:t>
             </a:r>
           </a:p>
           <a:p>
             <a:pPr lvl="1"/>
             <a:r>
               <a:rPr lang="en-US" dirty="0"/>
-              <a:t>Enrollment in N-12 education has no relationship with the level of violent crime a location has. However, perhaps the quality of education may tell a different story and possibly contribute to the lack of education beyond an Associates degree, as observed above.</a:t>
+              <a:t>Although there is an inverse correlation between median income and violent crime in the highest violent crime locations, low income itself does not mean high violent crime as the inverse correlation is more than 30% lower than the lowest violent crime locations.</a:t>
+            </a:r>
+          </a:p>
+          <a:p>
+            <a:pPr lvl="1"/>
+            <a:r>
+              <a:rPr lang="en-US" dirty="0"/>
+              <a:t>Since there are indeed lowest violent crime locations with median income that is lower than some highest violent crime locations, low income on its own can not be attributed to violent crime.</a:t>
             </a:r>
           </a:p>
         </p:txBody>
@@ -10593,7 +10576,7 @@
     </p:spTree>
     <p:extLst>
       <p:ext uri="{BB962C8B-B14F-4D97-AF65-F5344CB8AC3E}">
-        <p14:creationId xmlns:p14="http://schemas.microsoft.com/office/powerpoint/2010/main" val="3009003864"/>
+        <p14:creationId xmlns:p14="http://schemas.microsoft.com/office/powerpoint/2010/main" val="4095550690"/>
       </p:ext>
     </p:extLst>
   </p:cSld>
@@ -10660,7 +10643,7 @@
         <p:spPr>
           <a:xfrm>
             <a:off x="304800" y="1076960"/>
-            <a:ext cx="8077200" cy="5552440"/>
+            <a:ext cx="7620000" cy="4572000"/>
           </a:xfrm>
         </p:spPr>
         <p:txBody>
@@ -10671,48 +10654,60 @@
           <a:p>
             <a:r>
               <a:rPr lang="en-US" dirty="0"/>
-              <a:t>Unemployment</a:t>
+              <a:t>Population</a:t>
             </a:r>
           </a:p>
           <a:p>
             <a:pPr lvl="1"/>
             <a:r>
               <a:rPr lang="en-US" dirty="0"/>
-              <a:t>The lowest violent crime locations on average have an unemployment rate that is within the Federal Reserve's range of ideal unemployment rate of 3.5%-4.5%; while the highest violent crime rate locations are on average, 3% higher than the ideal.</a:t>
+              <a:t>The highest violent crime locations have very high populations</a:t>
             </a:r>
           </a:p>
           <a:p>
             <a:pPr lvl="1"/>
             <a:r>
               <a:rPr lang="en-US" dirty="0"/>
-              <a:t>While the unemployment rate is higher for the highest crime rate locations, it does not have a correlation to violent crime because there are indeed ideal unemployment locations with the highest violent crime as there are above ideal unemployment locations with the lowest violent crime.</a:t>
-            </a:r>
-          </a:p>
-          <a:p>
-            <a:r>
-              <a:rPr lang="en-US" sz="2400" dirty="0"/>
-              <a:t>Income</a:t>
+              <a:t>The median for the lowest and highest crime populations does not appear to be statistically significant.</a:t>
             </a:r>
           </a:p>
           <a:p>
             <a:pPr lvl="1"/>
             <a:r>
               <a:rPr lang="en-US" dirty="0"/>
-              <a:t>The highest violent crime locations have on average lower median income than the lowest violent crime locations.</a:t>
+              <a:t>In fact, the lowest population for the highest violent locations is lower than that of the lowest violent crime location.</a:t>
             </a:r>
           </a:p>
           <a:p>
             <a:pPr lvl="1"/>
             <a:r>
               <a:rPr lang="en-US" dirty="0"/>
-              <a:t>Although there is an inverse correlation between median income and violent crime in the highest violent crime locations, low income itself does not mean high violent crime as the inverse correlation is more than 30% lower than the lowest violent crime locations.</a:t>
+              <a:t>Thus, Population alone cannot be an indicator of nor does it have correlation with violent crime.</a:t>
             </a:r>
           </a:p>
           <a:p>
             <a:pPr lvl="1"/>
             <a:r>
               <a:rPr lang="en-US" dirty="0"/>
-              <a:t>Since there are indeed lowest violent crime locations with median income that is lower than some highest violent crime locations, low income on its own can not be attributed to violent crime.</a:t>
+              <a:t>There does appear to be an inverse correlation in the lowest crime locations but it is not conclusive given the populations in the highest crime locations.</a:t>
+            </a:r>
+          </a:p>
+          <a:p>
+            <a:endParaRPr lang="en-US" dirty="0"/>
+          </a:p>
+          <a:p>
+            <a:r>
+              <a:rPr lang="en-US" dirty="0"/>
+              <a:t>Biggest Surprise:  The marriage data</a:t>
+            </a:r>
+          </a:p>
+          <a:p>
+            <a:endParaRPr lang="en-US" dirty="0"/>
+          </a:p>
+          <a:p>
+            <a:r>
+              <a:rPr lang="en-US" dirty="0"/>
+              <a:t>Biggest Confusion:  The income data</a:t>
             </a:r>
           </a:p>
         </p:txBody>
@@ -10736,345 +10731,6 @@
               <a:rPr lang="en-US" smtClean="0"/>
               <a:pPr/>
               <a:t>21</a:t>
-            </a:fld>
-            <a:endParaRPr lang="en-US"/>
-          </a:p>
-        </p:txBody>
-      </p:sp>
-      <p:sp>
-        <p:nvSpPr>
-          <p:cNvPr id="6" name="Footer Placeholder 3">
-            <a:extLst>
-              <a:ext uri="{FF2B5EF4-FFF2-40B4-BE49-F238E27FC236}">
-                <a16:creationId xmlns:a16="http://schemas.microsoft.com/office/drawing/2014/main" id="{F466B1E7-37A8-4685-BAFF-DFA6B3405B62}"/>
-              </a:ext>
-            </a:extLst>
-          </p:cNvPr>
-          <p:cNvSpPr>
-            <a:spLocks noGrp="1"/>
-          </p:cNvSpPr>
-          <p:nvPr/>
-        </p:nvSpPr>
-        <p:spPr>
-          <a:xfrm rot="16200000">
-            <a:off x="6466839" y="2753361"/>
-            <a:ext cx="4653282" cy="365760"/>
-          </a:xfrm>
-          <a:prstGeom prst="rect">
-            <a:avLst/>
-          </a:prstGeom>
-        </p:spPr>
-        <p:txBody>
-          <a:bodyPr vert="horz" lIns="91440" tIns="45720" rIns="91440" bIns="45720" rtlCol="0" anchor="ctr"/>
-          <a:lstStyle>
-            <a:defPPr>
-              <a:defRPr lang="en-US"/>
-            </a:defPPr>
-            <a:lvl1pPr marL="0" algn="r" defTabSz="914400" rtl="0" eaLnBrk="1" latinLnBrk="0" hangingPunct="1">
-              <a:defRPr sz="1200" kern="1200">
-                <a:solidFill>
-                  <a:schemeClr val="bg2"/>
-                </a:solidFill>
-                <a:latin typeface="+mn-lt"/>
-                <a:ea typeface="+mn-ea"/>
-                <a:cs typeface="+mn-cs"/>
-              </a:defRPr>
-            </a:lvl1pPr>
-            <a:lvl2pPr marL="457200" algn="l" defTabSz="914400" rtl="0" eaLnBrk="1" latinLnBrk="0" hangingPunct="1">
-              <a:defRPr sz="1800" kern="1200">
-                <a:solidFill>
-                  <a:schemeClr val="tx1"/>
-                </a:solidFill>
-                <a:latin typeface="+mn-lt"/>
-                <a:ea typeface="+mn-ea"/>
-                <a:cs typeface="+mn-cs"/>
-              </a:defRPr>
-            </a:lvl2pPr>
-            <a:lvl3pPr marL="914400" algn="l" defTabSz="914400" rtl="0" eaLnBrk="1" latinLnBrk="0" hangingPunct="1">
-              <a:defRPr sz="1800" kern="1200">
-                <a:solidFill>
-                  <a:schemeClr val="tx1"/>
-                </a:solidFill>
-                <a:latin typeface="+mn-lt"/>
-                <a:ea typeface="+mn-ea"/>
-                <a:cs typeface="+mn-cs"/>
-              </a:defRPr>
-            </a:lvl3pPr>
-            <a:lvl4pPr marL="1371600" algn="l" defTabSz="914400" rtl="0" eaLnBrk="1" latinLnBrk="0" hangingPunct="1">
-              <a:defRPr sz="1800" kern="1200">
-                <a:solidFill>
-                  <a:schemeClr val="tx1"/>
-                </a:solidFill>
-                <a:latin typeface="+mn-lt"/>
-                <a:ea typeface="+mn-ea"/>
-                <a:cs typeface="+mn-cs"/>
-              </a:defRPr>
-            </a:lvl4pPr>
-            <a:lvl5pPr marL="1828800" algn="l" defTabSz="914400" rtl="0" eaLnBrk="1" latinLnBrk="0" hangingPunct="1">
-              <a:defRPr sz="1800" kern="1200">
-                <a:solidFill>
-                  <a:schemeClr val="tx1"/>
-                </a:solidFill>
-                <a:latin typeface="+mn-lt"/>
-                <a:ea typeface="+mn-ea"/>
-                <a:cs typeface="+mn-cs"/>
-              </a:defRPr>
-            </a:lvl5pPr>
-            <a:lvl6pPr marL="2286000" algn="l" defTabSz="914400" rtl="0" eaLnBrk="1" latinLnBrk="0" hangingPunct="1">
-              <a:defRPr sz="1800" kern="1200">
-                <a:solidFill>
-                  <a:schemeClr val="tx1"/>
-                </a:solidFill>
-                <a:latin typeface="+mn-lt"/>
-                <a:ea typeface="+mn-ea"/>
-                <a:cs typeface="+mn-cs"/>
-              </a:defRPr>
-            </a:lvl6pPr>
-            <a:lvl7pPr marL="2743200" algn="l" defTabSz="914400" rtl="0" eaLnBrk="1" latinLnBrk="0" hangingPunct="1">
-              <a:defRPr sz="1800" kern="1200">
-                <a:solidFill>
-                  <a:schemeClr val="tx1"/>
-                </a:solidFill>
-                <a:latin typeface="+mn-lt"/>
-                <a:ea typeface="+mn-ea"/>
-                <a:cs typeface="+mn-cs"/>
-              </a:defRPr>
-            </a:lvl7pPr>
-            <a:lvl8pPr marL="3200400" algn="l" defTabSz="914400" rtl="0" eaLnBrk="1" latinLnBrk="0" hangingPunct="1">
-              <a:defRPr sz="1800" kern="1200">
-                <a:solidFill>
-                  <a:schemeClr val="tx1"/>
-                </a:solidFill>
-                <a:latin typeface="+mn-lt"/>
-                <a:ea typeface="+mn-ea"/>
-                <a:cs typeface="+mn-cs"/>
-              </a:defRPr>
-            </a:lvl8pPr>
-            <a:lvl9pPr marL="3657600" algn="l" defTabSz="914400" rtl="0" eaLnBrk="1" latinLnBrk="0" hangingPunct="1">
-              <a:defRPr sz="1800" kern="1200">
-                <a:solidFill>
-                  <a:schemeClr val="tx1"/>
-                </a:solidFill>
-                <a:latin typeface="+mn-lt"/>
-                <a:ea typeface="+mn-ea"/>
-                <a:cs typeface="+mn-cs"/>
-              </a:defRPr>
-            </a:lvl9pPr>
-          </a:lstStyle>
-          <a:p>
-            <a:pPr algn="l"/>
-            <a:r>
-              <a:rPr lang="en-US" dirty="0">
-                <a:solidFill>
-                  <a:schemeClr val="bg1"/>
-                </a:solidFill>
-              </a:rPr>
-              <a:t>The Relationship Between Demographics &amp; Violent crime in the US</a:t>
-            </a:r>
-          </a:p>
-          <a:p>
-            <a:pPr algn="l"/>
-            <a:r>
-              <a:rPr lang="en-US" dirty="0" err="1">
-                <a:solidFill>
-                  <a:schemeClr val="bg1"/>
-                </a:solidFill>
-              </a:rPr>
-              <a:t>Temidayo</a:t>
-            </a:r>
-            <a:r>
-              <a:rPr lang="en-US" dirty="0">
-                <a:solidFill>
-                  <a:schemeClr val="bg1"/>
-                </a:solidFill>
-              </a:rPr>
-              <a:t> </a:t>
-            </a:r>
-            <a:r>
-              <a:rPr lang="en-US" dirty="0" err="1">
-                <a:solidFill>
-                  <a:schemeClr val="bg1"/>
-                </a:solidFill>
-              </a:rPr>
-              <a:t>Akinsanya</a:t>
-            </a:r>
-            <a:endParaRPr lang="en-US" dirty="0">
-              <a:solidFill>
-                <a:schemeClr val="bg1"/>
-              </a:solidFill>
-            </a:endParaRPr>
-          </a:p>
-          <a:p>
-            <a:pPr algn="l"/>
-            <a:r>
-              <a:rPr lang="en-US" dirty="0">
-                <a:solidFill>
-                  <a:schemeClr val="bg1"/>
-                </a:solidFill>
-              </a:rPr>
-              <a:t>Cheryl Johnson</a:t>
-            </a:r>
-          </a:p>
-        </p:txBody>
-      </p:sp>
-    </p:spTree>
-    <p:extLst>
-      <p:ext uri="{BB962C8B-B14F-4D97-AF65-F5344CB8AC3E}">
-        <p14:creationId xmlns:p14="http://schemas.microsoft.com/office/powerpoint/2010/main" val="4095550690"/>
-      </p:ext>
-    </p:extLst>
-  </p:cSld>
-  <p:clrMapOvr>
-    <a:masterClrMapping/>
-  </p:clrMapOvr>
-</p:sld>
-</file>
-
-<file path=ppt/slides/slide22.xml><?xml version="1.0" encoding="utf-8"?>
-<p:sld xmlns:a="http://schemas.openxmlformats.org/drawingml/2006/main" xmlns:r="http://schemas.openxmlformats.org/officeDocument/2006/relationships" xmlns:p="http://schemas.openxmlformats.org/presentationml/2006/main">
-  <p:cSld>
-    <p:spTree>
-      <p:nvGrpSpPr>
-        <p:cNvPr id="1" name=""/>
-        <p:cNvGrpSpPr/>
-        <p:nvPr/>
-      </p:nvGrpSpPr>
-      <p:grpSpPr>
-        <a:xfrm>
-          <a:off x="0" y="0"/>
-          <a:ext cx="0" cy="0"/>
-          <a:chOff x="0" y="0"/>
-          <a:chExt cx="0" cy="0"/>
-        </a:xfrm>
-      </p:grpSpPr>
-      <p:sp>
-        <p:nvSpPr>
-          <p:cNvPr id="2" name="Title 1"/>
-          <p:cNvSpPr>
-            <a:spLocks noGrp="1"/>
-          </p:cNvSpPr>
-          <p:nvPr>
-            <p:ph type="title"/>
-          </p:nvPr>
-        </p:nvSpPr>
-        <p:spPr>
-          <a:xfrm>
-            <a:off x="304800" y="57150"/>
-            <a:ext cx="7620000" cy="1143000"/>
-          </a:xfrm>
-        </p:spPr>
-        <p:txBody>
-          <a:bodyPr/>
-          <a:lstStyle/>
-          <a:p>
-            <a:r>
-              <a:rPr lang="en-US" sz="4000" dirty="0"/>
-              <a:t>Conclusions (continued)</a:t>
-            </a:r>
-          </a:p>
-        </p:txBody>
-      </p:sp>
-      <p:sp>
-        <p:nvSpPr>
-          <p:cNvPr id="3" name="Content Placeholder 2"/>
-          <p:cNvSpPr>
-            <a:spLocks noGrp="1"/>
-          </p:cNvSpPr>
-          <p:nvPr>
-            <p:ph idx="1"/>
-          </p:nvPr>
-        </p:nvSpPr>
-        <p:spPr>
-          <a:xfrm>
-            <a:off x="304800" y="1076960"/>
-            <a:ext cx="7620000" cy="4572000"/>
-          </a:xfrm>
-        </p:spPr>
-        <p:txBody>
-          <a:bodyPr>
-            <a:normAutofit fontScale="92500" lnSpcReduction="20000"/>
-          </a:bodyPr>
-          <a:lstStyle/>
-          <a:p>
-            <a:r>
-              <a:rPr lang="en-US" dirty="0"/>
-              <a:t>Population</a:t>
-            </a:r>
-          </a:p>
-          <a:p>
-            <a:pPr lvl="1"/>
-            <a:r>
-              <a:rPr lang="en-US" dirty="0"/>
-              <a:t>The highest violent crime locations have very high populations</a:t>
-            </a:r>
-          </a:p>
-          <a:p>
-            <a:pPr lvl="1"/>
-            <a:r>
-              <a:rPr lang="en-US" dirty="0"/>
-              <a:t>The median for the lowest and highest crime populations does not appear to be statistically significant.</a:t>
-            </a:r>
-          </a:p>
-          <a:p>
-            <a:pPr lvl="1"/>
-            <a:r>
-              <a:rPr lang="en-US" dirty="0"/>
-              <a:t>In fact, the lowest population for the highest violent locations is lower than that of the lowest violent crime location.</a:t>
-            </a:r>
-          </a:p>
-          <a:p>
-            <a:pPr lvl="1"/>
-            <a:r>
-              <a:rPr lang="en-US" dirty="0"/>
-              <a:t>Thus, Population alone cannot be an indicator of nor does it have correlation with violent crime.</a:t>
-            </a:r>
-          </a:p>
-          <a:p>
-            <a:pPr lvl="1"/>
-            <a:r>
-              <a:rPr lang="en-US" dirty="0"/>
-              <a:t>There does appear to be an inverse correlation in the lowest crime locations but it is not conclusive given the populations in the highest crime locations.</a:t>
-            </a:r>
-          </a:p>
-          <a:p>
-            <a:endParaRPr lang="en-US" dirty="0"/>
-          </a:p>
-          <a:p>
-            <a:r>
-              <a:rPr lang="en-US" dirty="0"/>
-              <a:t>Biggest Surprise:  The marriage data</a:t>
-            </a:r>
-          </a:p>
-          <a:p>
-            <a:endParaRPr lang="en-US" dirty="0"/>
-          </a:p>
-          <a:p>
-            <a:r>
-              <a:rPr lang="en-US" dirty="0"/>
-              <a:t>Biggest Confusion:  The income data</a:t>
-            </a:r>
-          </a:p>
-        </p:txBody>
-      </p:sp>
-      <p:sp>
-        <p:nvSpPr>
-          <p:cNvPr id="5" name="Slide Number Placeholder 4"/>
-          <p:cNvSpPr>
-            <a:spLocks noGrp="1"/>
-          </p:cNvSpPr>
-          <p:nvPr>
-            <p:ph type="sldNum" sz="quarter" idx="12"/>
-          </p:nvPr>
-        </p:nvSpPr>
-        <p:spPr/>
-        <p:txBody>
-          <a:bodyPr/>
-          <a:lstStyle/>
-          <a:p>
-            <a:fld id="{489D000B-E6AD-40C2-AC67-BF5C54101F25}" type="slidenum">
-              <a:rPr lang="en-US" smtClean="0"/>
-              <a:pPr/>
-              <a:t>22</a:t>
             </a:fld>
             <a:endParaRPr lang="en-US"/>
           </a:p>

--- a/Data Analytics Bootcamp Project 1.pptx
+++ b/Data Analytics Bootcamp Project 1.pptx
@@ -11768,7 +11768,7 @@
           <a:p>
             <a:r>
               <a:rPr lang="en-US" sz="4000" dirty="0"/>
-              <a:t>Conclusions (continued)</a:t>
+              <a:t>Politicians Knows Best?</a:t>
             </a:r>
           </a:p>
         </p:txBody>

--- a/Data Analytics Bootcamp Project 1.pptx
+++ b/Data Analytics Bootcamp Project 1.pptx
@@ -10648,7 +10648,7 @@
         </p:spPr>
         <p:txBody>
           <a:bodyPr>
-            <a:normAutofit fontScale="92500" lnSpcReduction="20000"/>
+            <a:normAutofit fontScale="77500" lnSpcReduction="20000"/>
           </a:bodyPr>
           <a:lstStyle/>
           <a:p>
@@ -10689,7 +10689,7 @@
             <a:pPr lvl="1"/>
             <a:r>
               <a:rPr lang="en-US" dirty="0"/>
-              <a:t>There does appear to be an inverse correlation in the lowest crime locations but it is not conclusive given the populations in the highest crime locations.</a:t>
+              <a:t>There does appear to be an inverse correlation in the lowest crime locations, but it is not conclusive given the populations in the highest crime locations.</a:t>
             </a:r>
           </a:p>
           <a:p>
@@ -10698,17 +10698,49 @@
           <a:p>
             <a:r>
               <a:rPr lang="en-US" dirty="0"/>
-              <a:t>Biggest Surprise:  The marriage data</a:t>
-            </a:r>
-          </a:p>
-          <a:p>
+              <a:t>Biggest Surprise:  The marriage </a:t>
+            </a:r>
+            <a:r>
+              <a:rPr lang="en-US"/>
+              <a:t>and race data</a:t>
+            </a:r>
             <a:endParaRPr lang="en-US" dirty="0"/>
           </a:p>
           <a:p>
+            <a:endParaRPr lang="en-US" dirty="0"/>
+          </a:p>
+          <a:p>
             <a:r>
               <a:rPr lang="en-US" dirty="0"/>
-              <a:t>Biggest Confusion:  The income data</a:t>
-            </a:r>
+              <a:t>Biggest Confusion:  The unemployment data</a:t>
+            </a:r>
+          </a:p>
+          <a:p>
+            <a:endParaRPr lang="en-US" dirty="0"/>
+          </a:p>
+          <a:p>
+            <a:r>
+              <a:rPr lang="en-US" dirty="0"/>
+              <a:t>Biggest Challenge: Not having data for every lowest and highest crime cities</a:t>
+            </a:r>
+          </a:p>
+          <a:p>
+            <a:endParaRPr lang="en-US" dirty="0"/>
+          </a:p>
+          <a:p>
+            <a:r>
+              <a:rPr lang="en-US" dirty="0"/>
+              <a:t>Future Work: Look more into the cities by zip code</a:t>
+            </a:r>
+          </a:p>
+          <a:p>
+            <a:endParaRPr lang="en-US" dirty="0"/>
+          </a:p>
+          <a:p>
+            <a:endParaRPr lang="en-US" dirty="0"/>
+          </a:p>
+          <a:p>
+            <a:endParaRPr lang="en-US" dirty="0"/>
           </a:p>
         </p:txBody>
       </p:sp>
@@ -11768,7 +11800,7 @@
           <a:p>
             <a:r>
               <a:rPr lang="en-US" sz="4000" dirty="0"/>
-              <a:t>Politicians Knows Best?</a:t>
+              <a:t>Politicians Know Best?</a:t>
             </a:r>
           </a:p>
         </p:txBody>
